--- a/src/resources/账务系统存储过程重构方案.pptx
+++ b/src/resources/账务系统存储过程重构方案.pptx
@@ -5,10 +5,21 @@
     <p:sldMasterId id="2147483648" r:id="rId1"/>
   </p:sldMasterIdLst>
   <p:sldIdLst>
-    <p:sldId id="256" r:id="rId3"/>
+    <p:sldId id="259" r:id="rId3"/>
+    <p:sldId id="260" r:id="rId4"/>
+    <p:sldId id="264" r:id="rId5"/>
+    <p:sldId id="266" r:id="rId6"/>
+    <p:sldId id="261" r:id="rId7"/>
+    <p:sldId id="262" r:id="rId8"/>
+    <p:sldId id="263" r:id="rId9"/>
+    <p:sldId id="267" r:id="rId10"/>
+    <p:sldId id="265" r:id="rId11"/>
   </p:sldIdLst>
   <p:sldSz cx="12192000" cy="6858000"/>
   <p:notesSz cx="6858000" cy="9144000"/>
+  <p:custDataLst>
+    <p:tags r:id="rId15"/>
+  </p:custDataLst>
   <p:defaultTextStyle>
     <a:defPPr>
       <a:defRPr lang="zh-CN"/>
@@ -2907,6 +2918,14 @@
 <file path=ppt/slides/slide1.xml><?xml version="1.0" encoding="utf-8"?>
 <p:sld xmlns:a="http://schemas.openxmlformats.org/drawingml/2006/main" xmlns:r="http://schemas.openxmlformats.org/officeDocument/2006/relationships" xmlns:p="http://schemas.openxmlformats.org/presentationml/2006/main">
   <p:cSld>
+    <p:bg>
+      <p:bgPr>
+        <a:solidFill>
+          <a:schemeClr val="bg1"/>
+        </a:solidFill>
+        <a:effectLst/>
+      </p:bgPr>
+    </p:bg>
     <p:spTree>
       <p:nvGrpSpPr>
         <p:cNvPr id="1" name=""/>
@@ -2936,10 +2955,14 @@
           </a:bodyPr>
           <a:p>
             <a:r>
-              <a:rPr lang="zh-CN" altLang="zh-CN" sz="4000"/>
-              <a:t>账务系统存储过程重构方案</a:t>
-            </a:r>
-            <a:endParaRPr lang="zh-CN" altLang="zh-CN" sz="4000"/>
+              <a:rPr lang="zh-CN" altLang="zh-CN" sz="3600"/>
+              <a:t>账务系统存储过程重构</a:t>
+            </a:r>
+            <a:r>
+              <a:rPr lang="zh-CN" altLang="zh-CN" sz="3600"/>
+              <a:t>方案</a:t>
+            </a:r>
+            <a:endParaRPr lang="zh-CN" altLang="zh-CN" sz="3600"/>
           </a:p>
         </p:txBody>
       </p:sp>
@@ -2951,27 +2974,22 @@
         </p:nvCxnSpPr>
         <p:spPr>
           <a:xfrm>
-            <a:off x="931545" y="1177925"/>
+            <a:off x="931545" y="1303020"/>
             <a:ext cx="10589260" cy="0"/>
           </a:xfrm>
           <a:prstGeom prst="line">
             <a:avLst/>
           </a:prstGeom>
-          <a:ln>
-            <a:solidFill>
-              <a:schemeClr val="tx1"/>
-            </a:solidFill>
-          </a:ln>
         </p:spPr>
         <p:style>
           <a:lnRef idx="1">
-            <a:schemeClr val="accent1"/>
+            <a:schemeClr val="accent5"/>
           </a:lnRef>
           <a:fillRef idx="0">
-            <a:schemeClr val="accent1"/>
+            <a:schemeClr val="accent5"/>
           </a:fillRef>
           <a:effectRef idx="0">
-            <a:schemeClr val="accent1"/>
+            <a:schemeClr val="accent5"/>
           </a:effectRef>
           <a:fontRef idx="minor">
             <a:schemeClr val="tx1"/>
@@ -2986,7 +3004,7 @@
         </p:nvCxnSpPr>
         <p:spPr>
           <a:xfrm>
-            <a:off x="2649855" y="4062095"/>
+            <a:off x="2675890" y="4034155"/>
             <a:ext cx="6840000" cy="0"/>
           </a:xfrm>
           <a:prstGeom prst="line">
@@ -3014,9 +3032,4817 @@
           </a:fontRef>
         </p:style>
       </p:cxnSp>
+      <p:pic>
+        <p:nvPicPr>
+          <p:cNvPr id="7" name="图片 6" descr="pic"/>
+          <p:cNvPicPr>
+            <a:picLocks noChangeAspect="1"/>
+          </p:cNvPicPr>
+          <p:nvPr/>
+        </p:nvPicPr>
+        <p:blipFill>
+          <a:blip r:embed="rId1"/>
+          <a:stretch>
+            <a:fillRect/>
+          </a:stretch>
+        </p:blipFill>
+        <p:spPr>
+          <a:xfrm>
+            <a:off x="9237980" y="678180"/>
+            <a:ext cx="2282825" cy="624840"/>
+          </a:xfrm>
+          <a:prstGeom prst="rect">
+            <a:avLst/>
+          </a:prstGeom>
+        </p:spPr>
+      </p:pic>
     </p:spTree>
     <p:custDataLst>
-      <p:tags r:id="rId1"/>
+      <p:tags r:id="rId2"/>
+    </p:custDataLst>
+  </p:cSld>
+  <p:clrMapOvr>
+    <a:masterClrMapping/>
+  </p:clrMapOvr>
+</p:sld>
+</file>
+
+<file path=ppt/slides/slide2.xml><?xml version="1.0" encoding="utf-8"?>
+<p:sld xmlns:a="http://schemas.openxmlformats.org/drawingml/2006/main" xmlns:r="http://schemas.openxmlformats.org/officeDocument/2006/relationships" xmlns:p="http://schemas.openxmlformats.org/presentationml/2006/main">
+  <p:cSld>
+    <p:bg>
+      <p:bgPr>
+        <a:solidFill>
+          <a:schemeClr val="bg1"/>
+        </a:solidFill>
+        <a:effectLst/>
+      </p:bgPr>
+    </p:bg>
+    <p:spTree>
+      <p:nvGrpSpPr>
+        <p:cNvPr id="1" name=""/>
+        <p:cNvGrpSpPr/>
+        <p:nvPr/>
+      </p:nvGrpSpPr>
+      <p:grpSpPr/>
+      <p:cxnSp>
+        <p:nvCxnSpPr>
+          <p:cNvPr id="4" name="直接连接符 3"/>
+          <p:cNvCxnSpPr/>
+          <p:nvPr/>
+        </p:nvCxnSpPr>
+        <p:spPr>
+          <a:xfrm>
+            <a:off x="931545" y="1303020"/>
+            <a:ext cx="10589260" cy="0"/>
+          </a:xfrm>
+          <a:prstGeom prst="line">
+            <a:avLst/>
+          </a:prstGeom>
+        </p:spPr>
+        <p:style>
+          <a:lnRef idx="1">
+            <a:schemeClr val="accent5"/>
+          </a:lnRef>
+          <a:fillRef idx="0">
+            <a:schemeClr val="accent5"/>
+          </a:fillRef>
+          <a:effectRef idx="0">
+            <a:schemeClr val="accent5"/>
+          </a:effectRef>
+          <a:fontRef idx="minor">
+            <a:schemeClr val="tx1"/>
+          </a:fontRef>
+        </p:style>
+      </p:cxnSp>
+      <p:pic>
+        <p:nvPicPr>
+          <p:cNvPr id="7" name="图片 6" descr="pic"/>
+          <p:cNvPicPr>
+            <a:picLocks noChangeAspect="1"/>
+          </p:cNvPicPr>
+          <p:nvPr/>
+        </p:nvPicPr>
+        <p:blipFill>
+          <a:blip r:embed="rId1"/>
+          <a:stretch>
+            <a:fillRect/>
+          </a:stretch>
+        </p:blipFill>
+        <p:spPr>
+          <a:xfrm>
+            <a:off x="9237980" y="678180"/>
+            <a:ext cx="2282825" cy="624840"/>
+          </a:xfrm>
+          <a:prstGeom prst="rect">
+            <a:avLst/>
+          </a:prstGeom>
+        </p:spPr>
+      </p:pic>
+      <p:grpSp>
+        <p:nvGrpSpPr>
+          <p:cNvPr id="3" name="组 9"/>
+          <p:cNvGrpSpPr/>
+          <p:nvPr/>
+        </p:nvGrpSpPr>
+        <p:grpSpPr>
+          <a:xfrm>
+            <a:off x="759775" y="1530300"/>
+            <a:ext cx="6306505" cy="692779"/>
+            <a:chOff x="1714501" y="2056771"/>
+            <a:chExt cx="5765799" cy="692779"/>
+          </a:xfrm>
+          <a:solidFill>
+            <a:schemeClr val="bg1">
+              <a:lumMod val="95000"/>
+            </a:schemeClr>
+          </a:solidFill>
+        </p:grpSpPr>
+        <p:sp>
+          <p:nvSpPr>
+            <p:cNvPr id="6" name="AutoShape 5"/>
+            <p:cNvSpPr>
+              <a:spLocks noChangeArrowheads="1"/>
+            </p:cNvSpPr>
+            <p:nvPr/>
+          </p:nvSpPr>
+          <p:spPr bwMode="auto">
+            <a:xfrm>
+              <a:off x="1714501" y="2057402"/>
+              <a:ext cx="808457" cy="576024"/>
+            </a:xfrm>
+            <a:prstGeom prst="roundRect">
+              <a:avLst>
+                <a:gd name="adj" fmla="val 16667"/>
+              </a:avLst>
+            </a:prstGeom>
+            <a:solidFill>
+              <a:srgbClr val="FFC000"/>
+            </a:solidFill>
+            <a:ln>
+              <a:noFill/>
+            </a:ln>
+          </p:spPr>
+          <p:txBody>
+            <a:bodyPr wrap="none" anchor="ctr"/>
+            <a:lstStyle>
+              <a:lvl1pPr indent="158750">
+                <a:buFont typeface="Arial" panose="020B0604020202020204" pitchFamily="34" charset="0"/>
+                <a:defRPr>
+                  <a:solidFill>
+                    <a:schemeClr val="tx1"/>
+                  </a:solidFill>
+                  <a:latin typeface="Verdana" panose="020B0604030504040204" pitchFamily="34" charset="0"/>
+                  <a:ea typeface="微软雅黑" panose="020B0503020204020204" charset="-122"/>
+                </a:defRPr>
+              </a:lvl1pPr>
+              <a:lvl2pPr marL="742950" indent="-285750">
+                <a:buFont typeface="Arial" panose="020B0604020202020204" pitchFamily="34" charset="0"/>
+                <a:defRPr>
+                  <a:solidFill>
+                    <a:schemeClr val="tx1"/>
+                  </a:solidFill>
+                  <a:latin typeface="Verdana" panose="020B0604030504040204" pitchFamily="34" charset="0"/>
+                  <a:ea typeface="微软雅黑" panose="020B0503020204020204" charset="-122"/>
+                </a:defRPr>
+              </a:lvl2pPr>
+              <a:lvl3pPr marL="1143000" indent="-228600">
+                <a:buFont typeface="Arial" panose="020B0604020202020204" pitchFamily="34" charset="0"/>
+                <a:defRPr>
+                  <a:solidFill>
+                    <a:schemeClr val="tx1"/>
+                  </a:solidFill>
+                  <a:latin typeface="Verdana" panose="020B0604030504040204" pitchFamily="34" charset="0"/>
+                  <a:ea typeface="微软雅黑" panose="020B0503020204020204" charset="-122"/>
+                </a:defRPr>
+              </a:lvl3pPr>
+              <a:lvl4pPr marL="1600200" indent="-228600">
+                <a:buFont typeface="Arial" panose="020B0604020202020204" pitchFamily="34" charset="0"/>
+                <a:defRPr>
+                  <a:solidFill>
+                    <a:schemeClr val="tx1"/>
+                  </a:solidFill>
+                  <a:latin typeface="Verdana" panose="020B0604030504040204" pitchFamily="34" charset="0"/>
+                  <a:ea typeface="微软雅黑" panose="020B0503020204020204" charset="-122"/>
+                </a:defRPr>
+              </a:lvl4pPr>
+              <a:lvl5pPr marL="2057400" indent="-228600">
+                <a:buFont typeface="Arial" panose="020B0604020202020204" pitchFamily="34" charset="0"/>
+                <a:defRPr>
+                  <a:solidFill>
+                    <a:schemeClr val="tx1"/>
+                  </a:solidFill>
+                  <a:latin typeface="Verdana" panose="020B0604030504040204" pitchFamily="34" charset="0"/>
+                  <a:ea typeface="微软雅黑" panose="020B0503020204020204" charset="-122"/>
+                </a:defRPr>
+              </a:lvl5pPr>
+              <a:lvl6pPr marL="2514600" indent="-228600" eaLnBrk="0" fontAlgn="base" hangingPunct="0">
+                <a:spcBef>
+                  <a:spcPct val="0"/>
+                </a:spcBef>
+                <a:spcAft>
+                  <a:spcPct val="0"/>
+                </a:spcAft>
+                <a:buFont typeface="Arial" panose="020B0604020202020204" pitchFamily="34" charset="0"/>
+                <a:defRPr>
+                  <a:solidFill>
+                    <a:schemeClr val="tx1"/>
+                  </a:solidFill>
+                  <a:latin typeface="Verdana" panose="020B0604030504040204" pitchFamily="34" charset="0"/>
+                  <a:ea typeface="微软雅黑" panose="020B0503020204020204" charset="-122"/>
+                </a:defRPr>
+              </a:lvl6pPr>
+              <a:lvl7pPr marL="2971800" indent="-228600" eaLnBrk="0" fontAlgn="base" hangingPunct="0">
+                <a:spcBef>
+                  <a:spcPct val="0"/>
+                </a:spcBef>
+                <a:spcAft>
+                  <a:spcPct val="0"/>
+                </a:spcAft>
+                <a:buFont typeface="Arial" panose="020B0604020202020204" pitchFamily="34" charset="0"/>
+                <a:defRPr>
+                  <a:solidFill>
+                    <a:schemeClr val="tx1"/>
+                  </a:solidFill>
+                  <a:latin typeface="Verdana" panose="020B0604030504040204" pitchFamily="34" charset="0"/>
+                  <a:ea typeface="微软雅黑" panose="020B0503020204020204" charset="-122"/>
+                </a:defRPr>
+              </a:lvl7pPr>
+              <a:lvl8pPr marL="3429000" indent="-228600" eaLnBrk="0" fontAlgn="base" hangingPunct="0">
+                <a:spcBef>
+                  <a:spcPct val="0"/>
+                </a:spcBef>
+                <a:spcAft>
+                  <a:spcPct val="0"/>
+                </a:spcAft>
+                <a:buFont typeface="Arial" panose="020B0604020202020204" pitchFamily="34" charset="0"/>
+                <a:defRPr>
+                  <a:solidFill>
+                    <a:schemeClr val="tx1"/>
+                  </a:solidFill>
+                  <a:latin typeface="Verdana" panose="020B0604030504040204" pitchFamily="34" charset="0"/>
+                  <a:ea typeface="微软雅黑" panose="020B0503020204020204" charset="-122"/>
+                </a:defRPr>
+              </a:lvl8pPr>
+              <a:lvl9pPr marL="3886200" indent="-228600" eaLnBrk="0" fontAlgn="base" hangingPunct="0">
+                <a:spcBef>
+                  <a:spcPct val="0"/>
+                </a:spcBef>
+                <a:spcAft>
+                  <a:spcPct val="0"/>
+                </a:spcAft>
+                <a:buFont typeface="Arial" panose="020B0604020202020204" pitchFamily="34" charset="0"/>
+                <a:defRPr>
+                  <a:solidFill>
+                    <a:schemeClr val="tx1"/>
+                  </a:solidFill>
+                  <a:latin typeface="Verdana" panose="020B0604030504040204" pitchFamily="34" charset="0"/>
+                  <a:ea typeface="微软雅黑" panose="020B0503020204020204" charset="-122"/>
+                </a:defRPr>
+              </a:lvl9pPr>
+            </a:lstStyle>
+            <a:p>
+              <a:pPr eaLnBrk="1" hangingPunct="1"/>
+              <a:r>
+                <a:rPr lang="zh-CN" altLang="en-US" sz="2400" b="1" dirty="0" smtClean="0">
+                  <a:solidFill>
+                    <a:srgbClr val="FFFFFF"/>
+                  </a:solidFill>
+                  <a:latin typeface="微软雅黑" panose="020B0503020204020204" charset="-122"/>
+                  <a:sym typeface="微软雅黑" panose="020B0503020204020204" charset="-122"/>
+                </a:rPr>
+                <a:t>一</a:t>
+              </a:r>
+              <a:endParaRPr lang="zh-CN" altLang="en-US" sz="2400" b="1" dirty="0">
+                <a:solidFill>
+                  <a:srgbClr val="FFFFFF"/>
+                </a:solidFill>
+                <a:latin typeface="微软雅黑" panose="020B0503020204020204" charset="-122"/>
+                <a:sym typeface="微软雅黑" panose="020B0503020204020204" charset="-122"/>
+              </a:endParaRPr>
+            </a:p>
+          </p:txBody>
+        </p:sp>
+        <p:grpSp>
+          <p:nvGrpSpPr>
+            <p:cNvPr id="8" name="Group 6"/>
+            <p:cNvGrpSpPr/>
+            <p:nvPr/>
+          </p:nvGrpSpPr>
+          <p:grpSpPr bwMode="auto">
+            <a:xfrm>
+              <a:off x="2664835" y="2056771"/>
+              <a:ext cx="4815465" cy="692779"/>
+              <a:chOff x="15" y="20"/>
+              <a:chExt cx="2580" cy="404"/>
+            </a:xfrm>
+            <a:grpFill/>
+          </p:grpSpPr>
+          <p:sp>
+            <p:nvSpPr>
+              <p:cNvPr id="9" name="AutoShape 7"/>
+              <p:cNvSpPr>
+                <a:spLocks noChangeArrowheads="1"/>
+              </p:cNvSpPr>
+              <p:nvPr/>
+            </p:nvSpPr>
+            <p:spPr bwMode="auto">
+              <a:xfrm rot="10800000">
+                <a:off x="31" y="288"/>
+                <a:ext cx="2564" cy="136"/>
+              </a:xfrm>
+              <a:custGeom>
+                <a:avLst/>
+                <a:gdLst>
+                  <a:gd name="T0" fmla="*/ 0 w 21600"/>
+                  <a:gd name="T1" fmla="*/ 0 h 21600"/>
+                  <a:gd name="T2" fmla="*/ 19 w 21600"/>
+                  <a:gd name="T3" fmla="*/ 1 h 21600"/>
+                  <a:gd name="T4" fmla="*/ 286 w 21600"/>
+                  <a:gd name="T5" fmla="*/ 1 h 21600"/>
+                  <a:gd name="T6" fmla="*/ 304 w 21600"/>
+                  <a:gd name="T7" fmla="*/ 0 h 21600"/>
+                  <a:gd name="T8" fmla="*/ 0 w 21600"/>
+                  <a:gd name="T9" fmla="*/ 0 h 21600"/>
+                  <a:gd name="T10" fmla="*/ 0 60000 65536"/>
+                  <a:gd name="T11" fmla="*/ 0 60000 65536"/>
+                  <a:gd name="T12" fmla="*/ 0 60000 65536"/>
+                  <a:gd name="T13" fmla="*/ 0 60000 65536"/>
+                  <a:gd name="T14" fmla="*/ 0 60000 65536"/>
+                  <a:gd name="T15" fmla="*/ 0 w 21600"/>
+                  <a:gd name="T16" fmla="*/ 0 h 21600"/>
+                  <a:gd name="T17" fmla="*/ 21600 w 21600"/>
+                  <a:gd name="T18" fmla="*/ 21600 h 21600"/>
+                </a:gdLst>
+                <a:ahLst/>
+                <a:cxnLst>
+                  <a:cxn ang="T10">
+                    <a:pos x="T0" y="T1"/>
+                  </a:cxn>
+                  <a:cxn ang="T11">
+                    <a:pos x="T2" y="T3"/>
+                  </a:cxn>
+                  <a:cxn ang="T12">
+                    <a:pos x="T4" y="T5"/>
+                  </a:cxn>
+                  <a:cxn ang="T13">
+                    <a:pos x="T6" y="T7"/>
+                  </a:cxn>
+                  <a:cxn ang="T14">
+                    <a:pos x="T8" y="T9"/>
+                  </a:cxn>
+                </a:cxnLst>
+                <a:rect l="T15" t="T16" r="T17" b="T18"/>
+                <a:pathLst>
+                  <a:path w="21600" h="21600">
+                    <a:moveTo>
+                      <a:pt x="0" y="0"/>
+                    </a:moveTo>
+                    <a:lnTo>
+                      <a:pt x="1314" y="21600"/>
+                    </a:lnTo>
+                    <a:lnTo>
+                      <a:pt x="20286" y="21600"/>
+                    </a:lnTo>
+                    <a:lnTo>
+                      <a:pt x="21600" y="0"/>
+                    </a:lnTo>
+                    <a:lnTo>
+                      <a:pt x="0" y="0"/>
+                    </a:lnTo>
+                    <a:close/>
+                  </a:path>
+                </a:pathLst>
+              </a:custGeom>
+              <a:grpFill/>
+              <a:ln>
+                <a:noFill/>
+              </a:ln>
+              <a:extLst>
+                <a:ext uri="{91240B29-F687-4F45-9708-019B960494DF}">
+                  <a14:hiddenLine xmlns:a14="http://schemas.microsoft.com/office/drawing/2010/main" w="9525">
+                    <a:solidFill>
+                      <a:srgbClr val="000000"/>
+                    </a:solidFill>
+                    <a:round/>
+                  </a14:hiddenLine>
+                </a:ext>
+              </a:extLst>
+            </p:spPr>
+            <p:txBody>
+              <a:bodyPr/>
+              <a:lstStyle/>
+              <a:p>
+                <a:endParaRPr lang="zh-CN" altLang="en-US"/>
+              </a:p>
+            </p:txBody>
+          </p:sp>
+          <p:sp>
+            <p:nvSpPr>
+              <p:cNvPr id="10" name="AutoShape 8"/>
+              <p:cNvSpPr>
+                <a:spLocks noChangeArrowheads="1"/>
+              </p:cNvSpPr>
+              <p:nvPr/>
+            </p:nvSpPr>
+            <p:spPr bwMode="auto">
+              <a:xfrm>
+                <a:off x="15" y="20"/>
+                <a:ext cx="2580" cy="336"/>
+              </a:xfrm>
+              <a:prstGeom prst="roundRect">
+                <a:avLst>
+                  <a:gd name="adj" fmla="val 16667"/>
+                </a:avLst>
+              </a:prstGeom>
+              <a:noFill/>
+              <a:extLst>
+                <a:ext uri="{91240B29-F687-4F45-9708-019B960494DF}">
+                  <a14:hiddenLine xmlns:a14="http://schemas.microsoft.com/office/drawing/2010/main" w="9525">
+                    <a:solidFill>
+                      <a:srgbClr val="000000"/>
+                    </a:solidFill>
+                    <a:round/>
+                  </a14:hiddenLine>
+                </a:ext>
+              </a:extLst>
+            </p:spPr>
+            <p:style>
+              <a:lnRef idx="2">
+                <a:schemeClr val="accent1"/>
+              </a:lnRef>
+              <a:fillRef idx="1">
+                <a:schemeClr val="lt1"/>
+              </a:fillRef>
+              <a:effectRef idx="0">
+                <a:schemeClr val="accent1"/>
+              </a:effectRef>
+              <a:fontRef idx="minor">
+                <a:schemeClr val="dk1"/>
+              </a:fontRef>
+            </p:style>
+            <p:txBody>
+              <a:bodyPr wrap="none" anchor="ctr"/>
+              <a:lstStyle>
+                <a:lvl1pPr indent="158750">
+                  <a:buFont typeface="Arial" panose="020B0604020202020204" pitchFamily="34" charset="0"/>
+                  <a:defRPr>
+                    <a:solidFill>
+                      <a:schemeClr val="tx1"/>
+                    </a:solidFill>
+                    <a:latin typeface="Verdana" panose="020B0604030504040204" pitchFamily="34" charset="0"/>
+                    <a:ea typeface="微软雅黑" panose="020B0503020204020204" charset="-122"/>
+                  </a:defRPr>
+                </a:lvl1pPr>
+                <a:lvl2pPr marL="742950" indent="-285750">
+                  <a:buFont typeface="Arial" panose="020B0604020202020204" pitchFamily="34" charset="0"/>
+                  <a:defRPr>
+                    <a:solidFill>
+                      <a:schemeClr val="tx1"/>
+                    </a:solidFill>
+                    <a:latin typeface="Verdana" panose="020B0604030504040204" pitchFamily="34" charset="0"/>
+                    <a:ea typeface="微软雅黑" panose="020B0503020204020204" charset="-122"/>
+                  </a:defRPr>
+                </a:lvl2pPr>
+                <a:lvl3pPr marL="1143000" indent="-228600">
+                  <a:buFont typeface="Arial" panose="020B0604020202020204" pitchFamily="34" charset="0"/>
+                  <a:defRPr>
+                    <a:solidFill>
+                      <a:schemeClr val="tx1"/>
+                    </a:solidFill>
+                    <a:latin typeface="Verdana" panose="020B0604030504040204" pitchFamily="34" charset="0"/>
+                    <a:ea typeface="微软雅黑" panose="020B0503020204020204" charset="-122"/>
+                  </a:defRPr>
+                </a:lvl3pPr>
+                <a:lvl4pPr marL="1600200" indent="-228600">
+                  <a:buFont typeface="Arial" panose="020B0604020202020204" pitchFamily="34" charset="0"/>
+                  <a:defRPr>
+                    <a:solidFill>
+                      <a:schemeClr val="tx1"/>
+                    </a:solidFill>
+                    <a:latin typeface="Verdana" panose="020B0604030504040204" pitchFamily="34" charset="0"/>
+                    <a:ea typeface="微软雅黑" panose="020B0503020204020204" charset="-122"/>
+                  </a:defRPr>
+                </a:lvl4pPr>
+                <a:lvl5pPr marL="2057400" indent="-228600">
+                  <a:buFont typeface="Arial" panose="020B0604020202020204" pitchFamily="34" charset="0"/>
+                  <a:defRPr>
+                    <a:solidFill>
+                      <a:schemeClr val="tx1"/>
+                    </a:solidFill>
+                    <a:latin typeface="Verdana" panose="020B0604030504040204" pitchFamily="34" charset="0"/>
+                    <a:ea typeface="微软雅黑" panose="020B0503020204020204" charset="-122"/>
+                  </a:defRPr>
+                </a:lvl5pPr>
+                <a:lvl6pPr marL="2514600" indent="-228600" eaLnBrk="0" fontAlgn="base" hangingPunct="0">
+                  <a:spcBef>
+                    <a:spcPct val="0"/>
+                  </a:spcBef>
+                  <a:spcAft>
+                    <a:spcPct val="0"/>
+                  </a:spcAft>
+                  <a:buFont typeface="Arial" panose="020B0604020202020204" pitchFamily="34" charset="0"/>
+                  <a:defRPr>
+                    <a:solidFill>
+                      <a:schemeClr val="tx1"/>
+                    </a:solidFill>
+                    <a:latin typeface="Verdana" panose="020B0604030504040204" pitchFamily="34" charset="0"/>
+                    <a:ea typeface="微软雅黑" panose="020B0503020204020204" charset="-122"/>
+                  </a:defRPr>
+                </a:lvl6pPr>
+                <a:lvl7pPr marL="2971800" indent="-228600" eaLnBrk="0" fontAlgn="base" hangingPunct="0">
+                  <a:spcBef>
+                    <a:spcPct val="0"/>
+                  </a:spcBef>
+                  <a:spcAft>
+                    <a:spcPct val="0"/>
+                  </a:spcAft>
+                  <a:buFont typeface="Arial" panose="020B0604020202020204" pitchFamily="34" charset="0"/>
+                  <a:defRPr>
+                    <a:solidFill>
+                      <a:schemeClr val="tx1"/>
+                    </a:solidFill>
+                    <a:latin typeface="Verdana" panose="020B0604030504040204" pitchFamily="34" charset="0"/>
+                    <a:ea typeface="微软雅黑" panose="020B0503020204020204" charset="-122"/>
+                  </a:defRPr>
+                </a:lvl7pPr>
+                <a:lvl8pPr marL="3429000" indent="-228600" eaLnBrk="0" fontAlgn="base" hangingPunct="0">
+                  <a:spcBef>
+                    <a:spcPct val="0"/>
+                  </a:spcBef>
+                  <a:spcAft>
+                    <a:spcPct val="0"/>
+                  </a:spcAft>
+                  <a:buFont typeface="Arial" panose="020B0604020202020204" pitchFamily="34" charset="0"/>
+                  <a:defRPr>
+                    <a:solidFill>
+                      <a:schemeClr val="tx1"/>
+                    </a:solidFill>
+                    <a:latin typeface="Verdana" panose="020B0604030504040204" pitchFamily="34" charset="0"/>
+                    <a:ea typeface="微软雅黑" panose="020B0503020204020204" charset="-122"/>
+                  </a:defRPr>
+                </a:lvl8pPr>
+                <a:lvl9pPr marL="3886200" indent="-228600" eaLnBrk="0" fontAlgn="base" hangingPunct="0">
+                  <a:spcBef>
+                    <a:spcPct val="0"/>
+                  </a:spcBef>
+                  <a:spcAft>
+                    <a:spcPct val="0"/>
+                  </a:spcAft>
+                  <a:buFont typeface="Arial" panose="020B0604020202020204" pitchFamily="34" charset="0"/>
+                  <a:defRPr>
+                    <a:solidFill>
+                      <a:schemeClr val="tx1"/>
+                    </a:solidFill>
+                    <a:latin typeface="Verdana" panose="020B0604030504040204" pitchFamily="34" charset="0"/>
+                    <a:ea typeface="微软雅黑" panose="020B0503020204020204" charset="-122"/>
+                  </a:defRPr>
+                </a:lvl9pPr>
+              </a:lstStyle>
+              <a:p>
+                <a:r>
+                  <a:rPr lang="zh-CN" altLang="en-US" sz="2400" b="1" dirty="0">
+                    <a:solidFill>
+                      <a:schemeClr val="tx1"/>
+                    </a:solidFill>
+                    <a:latin typeface="宋体" panose="02010600030101010101" pitchFamily="2" charset="-122"/>
+                    <a:ea typeface="宋体" panose="02010600030101010101" pitchFamily="2" charset="-122"/>
+                    <a:sym typeface="微软雅黑" panose="020B0503020204020204" charset="-122"/>
+                  </a:rPr>
+                  <a:t>项目初期</a:t>
+                </a:r>
+                <a:r>
+                  <a:rPr lang="zh-CN" altLang="en-US" sz="2400" b="1" dirty="0" smtClean="0">
+                    <a:solidFill>
+                      <a:schemeClr val="tx1"/>
+                    </a:solidFill>
+                    <a:latin typeface="宋体" panose="02010600030101010101" pitchFamily="2" charset="-122"/>
+                    <a:ea typeface="宋体" panose="02010600030101010101" pitchFamily="2" charset="-122"/>
+                    <a:sym typeface="微软雅黑" panose="020B0503020204020204" charset="-122"/>
+                  </a:rPr>
+                  <a:t>目标</a:t>
+                </a:r>
+                <a:endParaRPr lang="zh-CN" altLang="en-US" sz="2400" b="1" dirty="0" smtClean="0">
+                  <a:solidFill>
+                    <a:schemeClr val="tx1"/>
+                  </a:solidFill>
+                  <a:latin typeface="宋体" panose="02010600030101010101" pitchFamily="2" charset="-122"/>
+                  <a:ea typeface="宋体" panose="02010600030101010101" pitchFamily="2" charset="-122"/>
+                  <a:sym typeface="微软雅黑" panose="020B0503020204020204" charset="-122"/>
+                </a:endParaRPr>
+              </a:p>
+            </p:txBody>
+          </p:sp>
+        </p:grpSp>
+      </p:grpSp>
+      <p:sp>
+        <p:nvSpPr>
+          <p:cNvPr id="23" name="文本框 22"/>
+          <p:cNvSpPr txBox="1"/>
+          <p:nvPr/>
+        </p:nvSpPr>
+        <p:spPr>
+          <a:xfrm>
+            <a:off x="2645410" y="5014595"/>
+            <a:ext cx="8078470" cy="829945"/>
+          </a:xfrm>
+          <a:prstGeom prst="rect">
+            <a:avLst/>
+          </a:prstGeom>
+          <a:noFill/>
+        </p:spPr>
+        <p:txBody>
+          <a:bodyPr wrap="square" rtlCol="0">
+            <a:spAutoFit/>
+          </a:bodyPr>
+          <a:p>
+            <a:r>
+              <a:rPr lang="zh-CN" altLang="en-US" sz="2400">
+                <a:latin typeface="+mn-ea"/>
+                <a:cs typeface="+mn-ea"/>
+              </a:rPr>
+              <a:t>三 </a:t>
+            </a:r>
+            <a:r>
+              <a:rPr lang="en-US" altLang="zh-CN" sz="2400">
+                <a:latin typeface="+mn-ea"/>
+                <a:cs typeface="+mn-ea"/>
+              </a:rPr>
+              <a:t>: </a:t>
+            </a:r>
+            <a:r>
+              <a:rPr lang="zh-CN" altLang="en-US" sz="2400">
+                <a:latin typeface="+mn-ea"/>
+                <a:cs typeface="+mn-ea"/>
+              </a:rPr>
+              <a:t>把目前依赖于</a:t>
+            </a:r>
+            <a:r>
+              <a:rPr lang="en-US" altLang="zh-CN" sz="2400">
+                <a:latin typeface="+mn-ea"/>
+                <a:cs typeface="+mn-ea"/>
+              </a:rPr>
+              <a:t>oracle</a:t>
+            </a:r>
+            <a:r>
+              <a:rPr lang="zh-CN" altLang="en-US" sz="2400">
+                <a:latin typeface="+mn-ea"/>
+                <a:cs typeface="+mn-ea"/>
+              </a:rPr>
+              <a:t>的大量存储过程迁移至大</a:t>
+            </a:r>
+            <a:endParaRPr lang="zh-CN" altLang="en-US" sz="2400">
+              <a:latin typeface="+mn-ea"/>
+              <a:cs typeface="+mn-ea"/>
+            </a:endParaRPr>
+          </a:p>
+          <a:p>
+            <a:r>
+              <a:rPr lang="zh-CN" altLang="en-US" sz="2400">
+                <a:latin typeface="+mn-ea"/>
+                <a:cs typeface="+mn-ea"/>
+              </a:rPr>
+              <a:t>      数据平台</a:t>
+            </a:r>
+            <a:endParaRPr lang="zh-CN" altLang="en-US" sz="2400">
+              <a:latin typeface="+mn-ea"/>
+              <a:cs typeface="+mn-ea"/>
+            </a:endParaRPr>
+          </a:p>
+        </p:txBody>
+      </p:sp>
+      <p:sp>
+        <p:nvSpPr>
+          <p:cNvPr id="29" name="文本框 28"/>
+          <p:cNvSpPr txBox="1"/>
+          <p:nvPr/>
+        </p:nvSpPr>
+        <p:spPr>
+          <a:xfrm>
+            <a:off x="2646045" y="2708275"/>
+            <a:ext cx="7223760" cy="460375"/>
+          </a:xfrm>
+          <a:prstGeom prst="rect">
+            <a:avLst/>
+          </a:prstGeom>
+          <a:noFill/>
+        </p:spPr>
+        <p:txBody>
+          <a:bodyPr wrap="square" rtlCol="0">
+            <a:spAutoFit/>
+          </a:bodyPr>
+          <a:p>
+            <a:r>
+              <a:rPr lang="zh-CN" altLang="en-US" sz="2400"/>
+              <a:t>一 </a:t>
+            </a:r>
+            <a:r>
+              <a:rPr lang="en-US" altLang="zh-CN" sz="2400"/>
+              <a:t>: </a:t>
+            </a:r>
+            <a:r>
+              <a:rPr lang="zh-CN" altLang="en-US" sz="2400"/>
+              <a:t>引入开源</a:t>
+            </a:r>
+            <a:r>
+              <a:rPr lang="en-US" altLang="zh-CN" sz="2400"/>
+              <a:t>hadoop</a:t>
+            </a:r>
+            <a:r>
+              <a:rPr lang="zh-CN" altLang="en-US" sz="2400"/>
+              <a:t>生态圈组件</a:t>
+            </a:r>
+            <a:r>
+              <a:rPr lang="zh-CN" altLang="en-US" sz="2400"/>
+              <a:t>构建新的数据平台</a:t>
+            </a:r>
+            <a:endParaRPr lang="zh-CN" altLang="en-US" sz="2400"/>
+          </a:p>
+        </p:txBody>
+      </p:sp>
+      <p:sp>
+        <p:nvSpPr>
+          <p:cNvPr id="31" name="文本框 30"/>
+          <p:cNvSpPr txBox="1"/>
+          <p:nvPr/>
+        </p:nvSpPr>
+        <p:spPr>
+          <a:xfrm>
+            <a:off x="2645410" y="3797300"/>
+            <a:ext cx="8077835" cy="460375"/>
+          </a:xfrm>
+          <a:prstGeom prst="rect">
+            <a:avLst/>
+          </a:prstGeom>
+          <a:noFill/>
+        </p:spPr>
+        <p:txBody>
+          <a:bodyPr wrap="square" rtlCol="0">
+            <a:spAutoFit/>
+          </a:bodyPr>
+          <a:p>
+            <a:r>
+              <a:rPr lang="zh-CN" altLang="en-US" sz="2400">
+                <a:latin typeface="+mn-ea"/>
+                <a:cs typeface="+mn-ea"/>
+              </a:rPr>
+              <a:t>二 </a:t>
+            </a:r>
+            <a:r>
+              <a:rPr lang="en-US" altLang="zh-CN" sz="2400">
+                <a:latin typeface="+mn-ea"/>
+                <a:cs typeface="+mn-ea"/>
+              </a:rPr>
+              <a:t>: </a:t>
+            </a:r>
+            <a:r>
+              <a:rPr lang="zh-CN" altLang="en-US" sz="2400">
+                <a:latin typeface="+mn-ea"/>
+                <a:cs typeface="+mn-ea"/>
+              </a:rPr>
+              <a:t>基于</a:t>
+            </a:r>
+            <a:r>
+              <a:rPr lang="en-US" altLang="zh-CN" sz="2400">
+                <a:latin typeface="+mn-ea"/>
+                <a:cs typeface="+mn-ea"/>
+              </a:rPr>
+              <a:t>hadoop</a:t>
+            </a:r>
+            <a:r>
+              <a:rPr lang="zh-CN" altLang="en-US" sz="2400">
+                <a:latin typeface="+mn-ea"/>
+                <a:cs typeface="+mn-ea"/>
+              </a:rPr>
+              <a:t>生态圈结合多数据源</a:t>
+            </a:r>
+            <a:r>
+              <a:rPr lang="zh-CN" altLang="en-US" sz="2400">
+                <a:latin typeface="+mn-ea"/>
+                <a:cs typeface="+mn-ea"/>
+              </a:rPr>
+              <a:t>构建数据仓库</a:t>
+            </a:r>
+            <a:endParaRPr lang="zh-CN" altLang="en-US" sz="2400">
+              <a:latin typeface="+mn-ea"/>
+              <a:cs typeface="+mn-ea"/>
+            </a:endParaRPr>
+          </a:p>
+        </p:txBody>
+      </p:sp>
+      <p:sp>
+        <p:nvSpPr>
+          <p:cNvPr id="33" name="圆角矩形 32"/>
+          <p:cNvSpPr/>
+          <p:nvPr/>
+        </p:nvSpPr>
+        <p:spPr>
+          <a:xfrm>
+            <a:off x="1706245" y="2447925"/>
+            <a:ext cx="9391015" cy="3833495"/>
+          </a:xfrm>
+          <a:prstGeom prst="roundRect">
+            <a:avLst/>
+          </a:prstGeom>
+          <a:noFill/>
+          <a:effectLst>
+            <a:glow rad="139700">
+              <a:schemeClr val="accent6">
+                <a:satMod val="175000"/>
+                <a:alpha val="40000"/>
+              </a:schemeClr>
+            </a:glow>
+          </a:effectLst>
+        </p:spPr>
+        <p:style>
+          <a:lnRef idx="2">
+            <a:schemeClr val="accent1">
+              <a:shade val="50000"/>
+            </a:schemeClr>
+          </a:lnRef>
+          <a:fillRef idx="1">
+            <a:schemeClr val="accent1"/>
+          </a:fillRef>
+          <a:effectRef idx="0">
+            <a:schemeClr val="accent1"/>
+          </a:effectRef>
+          <a:fontRef idx="minor">
+            <a:schemeClr val="lt1"/>
+          </a:fontRef>
+        </p:style>
+        <p:txBody>
+          <a:bodyPr rtlCol="0" anchor="ctr"/>
+          <a:p>
+            <a:pPr algn="ctr"/>
+            <a:endParaRPr lang="zh-CN" altLang="en-US"/>
+          </a:p>
+        </p:txBody>
+      </p:sp>
+    </p:spTree>
+    <p:custDataLst>
+      <p:tags r:id="rId2"/>
+    </p:custDataLst>
+  </p:cSld>
+  <p:clrMapOvr>
+    <a:masterClrMapping/>
+  </p:clrMapOvr>
+</p:sld>
+</file>
+
+<file path=ppt/slides/slide3.xml><?xml version="1.0" encoding="utf-8"?>
+<p:sld xmlns:a="http://schemas.openxmlformats.org/drawingml/2006/main" xmlns:r="http://schemas.openxmlformats.org/officeDocument/2006/relationships" xmlns:p="http://schemas.openxmlformats.org/presentationml/2006/main">
+  <p:cSld>
+    <p:spTree>
+      <p:nvGrpSpPr>
+        <p:cNvPr id="1" name=""/>
+        <p:cNvGrpSpPr/>
+        <p:nvPr/>
+      </p:nvGrpSpPr>
+      <p:grpSpPr/>
+      <p:sp>
+        <p:nvSpPr>
+          <p:cNvPr id="11" name="对角圆角矩形 10"/>
+          <p:cNvSpPr/>
+          <p:nvPr/>
+        </p:nvSpPr>
+        <p:spPr>
+          <a:xfrm>
+            <a:off x="1859915" y="2272030"/>
+            <a:ext cx="9528175" cy="4126230"/>
+          </a:xfrm>
+          <a:prstGeom prst="round2DiagRect">
+            <a:avLst/>
+          </a:prstGeom>
+          <a:solidFill>
+            <a:schemeClr val="bg1"/>
+          </a:solidFill>
+          <a:ln w="12700" cmpd="sng">
+            <a:solidFill>
+              <a:schemeClr val="accent1">
+                <a:shade val="50000"/>
+              </a:schemeClr>
+            </a:solidFill>
+            <a:prstDash val="solid"/>
+          </a:ln>
+          <a:effectLst>
+            <a:glow rad="139700">
+              <a:schemeClr val="accent6">
+                <a:satMod val="175000"/>
+                <a:alpha val="40000"/>
+              </a:schemeClr>
+            </a:glow>
+          </a:effectLst>
+        </p:spPr>
+        <p:style>
+          <a:lnRef idx="2">
+            <a:schemeClr val="accent6"/>
+          </a:lnRef>
+          <a:fillRef idx="1">
+            <a:schemeClr val="lt1"/>
+          </a:fillRef>
+          <a:effectRef idx="0">
+            <a:schemeClr val="accent6"/>
+          </a:effectRef>
+          <a:fontRef idx="minor">
+            <a:schemeClr val="dk1"/>
+          </a:fontRef>
+        </p:style>
+        <p:txBody>
+          <a:bodyPr rtlCol="0" anchor="ctr">
+            <a:scene3d>
+              <a:camera prst="orthographicFront"/>
+              <a:lightRig rig="threePt" dir="t"/>
+            </a:scene3d>
+          </a:bodyPr>
+          <a:p>
+            <a:pPr algn="ctr"/>
+            <a:endParaRPr lang="zh-CN" altLang="en-US">
+              <a:solidFill>
+                <a:schemeClr val="tx1"/>
+              </a:solidFill>
+              <a:effectLst>
+                <a:outerShdw blurRad="38100" dist="19050" dir="2700000" algn="tl" rotWithShape="0">
+                  <a:schemeClr val="dk1">
+                    <a:alpha val="40000"/>
+                  </a:schemeClr>
+                </a:outerShdw>
+              </a:effectLst>
+            </a:endParaRPr>
+          </a:p>
+        </p:txBody>
+      </p:sp>
+      <p:sp>
+        <p:nvSpPr>
+          <p:cNvPr id="15" name="椭圆 14"/>
+          <p:cNvSpPr/>
+          <p:nvPr/>
+        </p:nvSpPr>
+        <p:spPr>
+          <a:xfrm>
+            <a:off x="2830195" y="3344545"/>
+            <a:ext cx="2372995" cy="2211705"/>
+          </a:xfrm>
+          <a:prstGeom prst="ellipse">
+            <a:avLst/>
+          </a:prstGeom>
+          <a:solidFill>
+            <a:schemeClr val="bg1"/>
+          </a:solidFill>
+        </p:spPr>
+        <p:style>
+          <a:lnRef idx="2">
+            <a:schemeClr val="accent1">
+              <a:shade val="50000"/>
+            </a:schemeClr>
+          </a:lnRef>
+          <a:fillRef idx="1">
+            <a:schemeClr val="accent1"/>
+          </a:fillRef>
+          <a:effectRef idx="0">
+            <a:schemeClr val="accent1"/>
+          </a:effectRef>
+          <a:fontRef idx="minor">
+            <a:schemeClr val="lt1"/>
+          </a:fontRef>
+        </p:style>
+        <p:txBody>
+          <a:bodyPr rtlCol="0" anchor="ctr"/>
+          <a:p>
+            <a:pPr algn="ctr"/>
+            <a:endParaRPr lang="zh-CN" altLang="en-US"/>
+          </a:p>
+        </p:txBody>
+      </p:sp>
+      <p:cxnSp>
+        <p:nvCxnSpPr>
+          <p:cNvPr id="4" name="直接连接符 3"/>
+          <p:cNvCxnSpPr/>
+          <p:nvPr/>
+        </p:nvCxnSpPr>
+        <p:spPr>
+          <a:xfrm>
+            <a:off x="931545" y="1303020"/>
+            <a:ext cx="10589260" cy="0"/>
+          </a:xfrm>
+          <a:prstGeom prst="line">
+            <a:avLst/>
+          </a:prstGeom>
+        </p:spPr>
+        <p:style>
+          <a:lnRef idx="1">
+            <a:schemeClr val="accent5"/>
+          </a:lnRef>
+          <a:fillRef idx="0">
+            <a:schemeClr val="accent5"/>
+          </a:fillRef>
+          <a:effectRef idx="0">
+            <a:schemeClr val="accent5"/>
+          </a:effectRef>
+          <a:fontRef idx="minor">
+            <a:schemeClr val="tx1"/>
+          </a:fontRef>
+        </p:style>
+      </p:cxnSp>
+      <p:pic>
+        <p:nvPicPr>
+          <p:cNvPr id="7" name="图片 6" descr="pic"/>
+          <p:cNvPicPr>
+            <a:picLocks noChangeAspect="1"/>
+          </p:cNvPicPr>
+          <p:nvPr/>
+        </p:nvPicPr>
+        <p:blipFill>
+          <a:blip r:embed="rId1"/>
+          <a:stretch>
+            <a:fillRect/>
+          </a:stretch>
+        </p:blipFill>
+        <p:spPr>
+          <a:xfrm>
+            <a:off x="9237980" y="678180"/>
+            <a:ext cx="2282825" cy="624840"/>
+          </a:xfrm>
+          <a:prstGeom prst="rect">
+            <a:avLst/>
+          </a:prstGeom>
+        </p:spPr>
+      </p:pic>
+      <p:sp>
+        <p:nvSpPr>
+          <p:cNvPr id="6" name="文本框 5"/>
+          <p:cNvSpPr txBox="1"/>
+          <p:nvPr/>
+        </p:nvSpPr>
+        <p:spPr>
+          <a:xfrm>
+            <a:off x="2894965" y="2401570"/>
+            <a:ext cx="3538855" cy="460375"/>
+          </a:xfrm>
+          <a:prstGeom prst="rect">
+            <a:avLst/>
+          </a:prstGeom>
+          <a:noFill/>
+        </p:spPr>
+        <p:txBody>
+          <a:bodyPr wrap="square" rtlCol="0">
+            <a:spAutoFit/>
+          </a:bodyPr>
+          <a:p>
+            <a:r>
+              <a:rPr lang="en-US" altLang="zh-CN" sz="2400"/>
+              <a:t>1:</a:t>
+            </a:r>
+            <a:r>
+              <a:rPr lang="zh-CN" altLang="en-US" sz="2400"/>
+              <a:t>数据采集层</a:t>
+            </a:r>
+            <a:endParaRPr lang="zh-CN" altLang="en-US" sz="2400"/>
+          </a:p>
+        </p:txBody>
+      </p:sp>
+      <p:sp>
+        <p:nvSpPr>
+          <p:cNvPr id="10" name="圆角矩形 9"/>
+          <p:cNvSpPr/>
+          <p:nvPr/>
+        </p:nvSpPr>
+        <p:spPr>
+          <a:xfrm>
+            <a:off x="6433820" y="3385820"/>
+            <a:ext cx="4688205" cy="2041525"/>
+          </a:xfrm>
+          <a:prstGeom prst="roundRect">
+            <a:avLst/>
+          </a:prstGeom>
+          <a:solidFill>
+            <a:schemeClr val="bg1"/>
+          </a:solidFill>
+        </p:spPr>
+        <p:style>
+          <a:lnRef idx="2">
+            <a:schemeClr val="accent1">
+              <a:shade val="50000"/>
+            </a:schemeClr>
+          </a:lnRef>
+          <a:fillRef idx="1">
+            <a:schemeClr val="accent1"/>
+          </a:fillRef>
+          <a:effectRef idx="0">
+            <a:schemeClr val="accent1"/>
+          </a:effectRef>
+          <a:fontRef idx="minor">
+            <a:schemeClr val="lt1"/>
+          </a:fontRef>
+        </p:style>
+        <p:txBody>
+          <a:bodyPr rtlCol="0" anchor="ctr"/>
+          <a:p>
+            <a:pPr algn="ctr"/>
+            <a:endParaRPr lang="zh-CN" altLang="en-US"/>
+          </a:p>
+        </p:txBody>
+      </p:sp>
+      <p:sp>
+        <p:nvSpPr>
+          <p:cNvPr id="12" name="文本框 11"/>
+          <p:cNvSpPr txBox="1"/>
+          <p:nvPr/>
+        </p:nvSpPr>
+        <p:spPr>
+          <a:xfrm>
+            <a:off x="6757035" y="3826510"/>
+            <a:ext cx="3943350" cy="829945"/>
+          </a:xfrm>
+          <a:prstGeom prst="rect">
+            <a:avLst/>
+          </a:prstGeom>
+          <a:noFill/>
+        </p:spPr>
+        <p:txBody>
+          <a:bodyPr wrap="square" rtlCol="0">
+            <a:spAutoFit/>
+          </a:bodyPr>
+          <a:p>
+            <a:r>
+              <a:rPr lang="en-US" altLang="zh-CN" sz="2400"/>
+              <a:t>1 : </a:t>
+            </a:r>
+            <a:r>
+              <a:rPr lang="zh-CN" altLang="en-US" sz="2400"/>
+              <a:t>连接源数据和</a:t>
+            </a:r>
+            <a:r>
+              <a:rPr lang="en-US" altLang="zh-CN" sz="2400"/>
+              <a:t>hdfs</a:t>
+            </a:r>
+            <a:r>
+              <a:rPr lang="zh-CN" altLang="en-US" sz="2400"/>
+              <a:t>的中间传输组件</a:t>
+            </a:r>
+            <a:endParaRPr lang="zh-CN" altLang="en-US" sz="2400"/>
+          </a:p>
+        </p:txBody>
+      </p:sp>
+      <p:pic>
+        <p:nvPicPr>
+          <p:cNvPr id="3" name="图片 2" descr="logstash"/>
+          <p:cNvPicPr>
+            <a:picLocks noChangeAspect="1"/>
+          </p:cNvPicPr>
+          <p:nvPr/>
+        </p:nvPicPr>
+        <p:blipFill>
+          <a:blip r:embed="rId2"/>
+          <a:stretch>
+            <a:fillRect/>
+          </a:stretch>
+        </p:blipFill>
+        <p:spPr>
+          <a:xfrm>
+            <a:off x="3438525" y="3609975"/>
+            <a:ext cx="1209675" cy="1036955"/>
+          </a:xfrm>
+          <a:prstGeom prst="rect">
+            <a:avLst/>
+          </a:prstGeom>
+        </p:spPr>
+      </p:pic>
+      <p:sp>
+        <p:nvSpPr>
+          <p:cNvPr id="5" name="文本框 4"/>
+          <p:cNvSpPr txBox="1"/>
+          <p:nvPr/>
+        </p:nvSpPr>
+        <p:spPr>
+          <a:xfrm>
+            <a:off x="3425190" y="4653280"/>
+            <a:ext cx="1354455" cy="460375"/>
+          </a:xfrm>
+          <a:prstGeom prst="rect">
+            <a:avLst/>
+          </a:prstGeom>
+          <a:noFill/>
+        </p:spPr>
+        <p:txBody>
+          <a:bodyPr wrap="square" rtlCol="0">
+            <a:spAutoFit/>
+          </a:bodyPr>
+          <a:p>
+            <a:r>
+              <a:rPr lang="en-US" altLang="zh-CN" sz="2400" b="1"/>
+              <a:t>logstash</a:t>
+            </a:r>
+            <a:endParaRPr lang="en-US" altLang="zh-CN" sz="2400" b="1"/>
+          </a:p>
+        </p:txBody>
+      </p:sp>
+      <p:grpSp>
+        <p:nvGrpSpPr>
+          <p:cNvPr id="16" name="组 9"/>
+          <p:cNvGrpSpPr/>
+          <p:nvPr/>
+        </p:nvGrpSpPr>
+        <p:grpSpPr>
+          <a:xfrm>
+            <a:off x="820735" y="1442035"/>
+            <a:ext cx="6306505" cy="692779"/>
+            <a:chOff x="1714501" y="2056771"/>
+            <a:chExt cx="5765799" cy="692779"/>
+          </a:xfrm>
+          <a:solidFill>
+            <a:schemeClr val="bg1">
+              <a:lumMod val="95000"/>
+            </a:schemeClr>
+          </a:solidFill>
+        </p:grpSpPr>
+        <p:sp>
+          <p:nvSpPr>
+            <p:cNvPr id="17" name="AutoShape 5"/>
+            <p:cNvSpPr>
+              <a:spLocks noChangeArrowheads="1"/>
+            </p:cNvSpPr>
+            <p:nvPr/>
+          </p:nvSpPr>
+          <p:spPr bwMode="auto">
+            <a:xfrm>
+              <a:off x="1714501" y="2057402"/>
+              <a:ext cx="808457" cy="576024"/>
+            </a:xfrm>
+            <a:prstGeom prst="roundRect">
+              <a:avLst>
+                <a:gd name="adj" fmla="val 16667"/>
+              </a:avLst>
+            </a:prstGeom>
+            <a:solidFill>
+              <a:srgbClr val="FFC000"/>
+            </a:solidFill>
+            <a:ln>
+              <a:noFill/>
+            </a:ln>
+          </p:spPr>
+          <p:txBody>
+            <a:bodyPr wrap="none" anchor="ctr"/>
+            <a:lstStyle>
+              <a:lvl1pPr indent="158750">
+                <a:buFont typeface="Arial" panose="020B0604020202020204" pitchFamily="34" charset="0"/>
+                <a:defRPr>
+                  <a:solidFill>
+                    <a:schemeClr val="tx1"/>
+                  </a:solidFill>
+                  <a:latin typeface="Verdana" panose="020B0604030504040204" pitchFamily="34" charset="0"/>
+                  <a:ea typeface="微软雅黑" panose="020B0503020204020204" charset="-122"/>
+                </a:defRPr>
+              </a:lvl1pPr>
+              <a:lvl2pPr marL="742950" indent="-285750">
+                <a:buFont typeface="Arial" panose="020B0604020202020204" pitchFamily="34" charset="0"/>
+                <a:defRPr>
+                  <a:solidFill>
+                    <a:schemeClr val="tx1"/>
+                  </a:solidFill>
+                  <a:latin typeface="Verdana" panose="020B0604030504040204" pitchFamily="34" charset="0"/>
+                  <a:ea typeface="微软雅黑" panose="020B0503020204020204" charset="-122"/>
+                </a:defRPr>
+              </a:lvl2pPr>
+              <a:lvl3pPr marL="1143000" indent="-228600">
+                <a:buFont typeface="Arial" panose="020B0604020202020204" pitchFamily="34" charset="0"/>
+                <a:defRPr>
+                  <a:solidFill>
+                    <a:schemeClr val="tx1"/>
+                  </a:solidFill>
+                  <a:latin typeface="Verdana" panose="020B0604030504040204" pitchFamily="34" charset="0"/>
+                  <a:ea typeface="微软雅黑" panose="020B0503020204020204" charset="-122"/>
+                </a:defRPr>
+              </a:lvl3pPr>
+              <a:lvl4pPr marL="1600200" indent="-228600">
+                <a:buFont typeface="Arial" panose="020B0604020202020204" pitchFamily="34" charset="0"/>
+                <a:defRPr>
+                  <a:solidFill>
+                    <a:schemeClr val="tx1"/>
+                  </a:solidFill>
+                  <a:latin typeface="Verdana" panose="020B0604030504040204" pitchFamily="34" charset="0"/>
+                  <a:ea typeface="微软雅黑" panose="020B0503020204020204" charset="-122"/>
+                </a:defRPr>
+              </a:lvl4pPr>
+              <a:lvl5pPr marL="2057400" indent="-228600">
+                <a:buFont typeface="Arial" panose="020B0604020202020204" pitchFamily="34" charset="0"/>
+                <a:defRPr>
+                  <a:solidFill>
+                    <a:schemeClr val="tx1"/>
+                  </a:solidFill>
+                  <a:latin typeface="Verdana" panose="020B0604030504040204" pitchFamily="34" charset="0"/>
+                  <a:ea typeface="微软雅黑" panose="020B0503020204020204" charset="-122"/>
+                </a:defRPr>
+              </a:lvl5pPr>
+              <a:lvl6pPr marL="2514600" indent="-228600" eaLnBrk="0" fontAlgn="base" hangingPunct="0">
+                <a:spcBef>
+                  <a:spcPct val="0"/>
+                </a:spcBef>
+                <a:spcAft>
+                  <a:spcPct val="0"/>
+                </a:spcAft>
+                <a:buFont typeface="Arial" panose="020B0604020202020204" pitchFamily="34" charset="0"/>
+                <a:defRPr>
+                  <a:solidFill>
+                    <a:schemeClr val="tx1"/>
+                  </a:solidFill>
+                  <a:latin typeface="Verdana" panose="020B0604030504040204" pitchFamily="34" charset="0"/>
+                  <a:ea typeface="微软雅黑" panose="020B0503020204020204" charset="-122"/>
+                </a:defRPr>
+              </a:lvl6pPr>
+              <a:lvl7pPr marL="2971800" indent="-228600" eaLnBrk="0" fontAlgn="base" hangingPunct="0">
+                <a:spcBef>
+                  <a:spcPct val="0"/>
+                </a:spcBef>
+                <a:spcAft>
+                  <a:spcPct val="0"/>
+                </a:spcAft>
+                <a:buFont typeface="Arial" panose="020B0604020202020204" pitchFamily="34" charset="0"/>
+                <a:defRPr>
+                  <a:solidFill>
+                    <a:schemeClr val="tx1"/>
+                  </a:solidFill>
+                  <a:latin typeface="Verdana" panose="020B0604030504040204" pitchFamily="34" charset="0"/>
+                  <a:ea typeface="微软雅黑" panose="020B0503020204020204" charset="-122"/>
+                </a:defRPr>
+              </a:lvl7pPr>
+              <a:lvl8pPr marL="3429000" indent="-228600" eaLnBrk="0" fontAlgn="base" hangingPunct="0">
+                <a:spcBef>
+                  <a:spcPct val="0"/>
+                </a:spcBef>
+                <a:spcAft>
+                  <a:spcPct val="0"/>
+                </a:spcAft>
+                <a:buFont typeface="Arial" panose="020B0604020202020204" pitchFamily="34" charset="0"/>
+                <a:defRPr>
+                  <a:solidFill>
+                    <a:schemeClr val="tx1"/>
+                  </a:solidFill>
+                  <a:latin typeface="Verdana" panose="020B0604030504040204" pitchFamily="34" charset="0"/>
+                  <a:ea typeface="微软雅黑" panose="020B0503020204020204" charset="-122"/>
+                </a:defRPr>
+              </a:lvl8pPr>
+              <a:lvl9pPr marL="3886200" indent="-228600" eaLnBrk="0" fontAlgn="base" hangingPunct="0">
+                <a:spcBef>
+                  <a:spcPct val="0"/>
+                </a:spcBef>
+                <a:spcAft>
+                  <a:spcPct val="0"/>
+                </a:spcAft>
+                <a:buFont typeface="Arial" panose="020B0604020202020204" pitchFamily="34" charset="0"/>
+                <a:defRPr>
+                  <a:solidFill>
+                    <a:schemeClr val="tx1"/>
+                  </a:solidFill>
+                  <a:latin typeface="Verdana" panose="020B0604030504040204" pitchFamily="34" charset="0"/>
+                  <a:ea typeface="微软雅黑" panose="020B0503020204020204" charset="-122"/>
+                </a:defRPr>
+              </a:lvl9pPr>
+            </a:lstStyle>
+            <a:p>
+              <a:pPr eaLnBrk="1" hangingPunct="1"/>
+              <a:r>
+                <a:rPr lang="zh-CN" altLang="en-US" sz="2400" b="1" dirty="0">
+                  <a:solidFill>
+                    <a:srgbClr val="FFFFFF"/>
+                  </a:solidFill>
+                  <a:latin typeface="微软雅黑" panose="020B0503020204020204" charset="-122"/>
+                  <a:sym typeface="微软雅黑" panose="020B0503020204020204" charset="-122"/>
+                </a:rPr>
+                <a:t>二</a:t>
+              </a:r>
+              <a:endParaRPr lang="zh-CN" altLang="en-US" sz="2400" b="1" dirty="0">
+                <a:solidFill>
+                  <a:srgbClr val="FFFFFF"/>
+                </a:solidFill>
+                <a:latin typeface="微软雅黑" panose="020B0503020204020204" charset="-122"/>
+                <a:sym typeface="微软雅黑" panose="020B0503020204020204" charset="-122"/>
+              </a:endParaRPr>
+            </a:p>
+          </p:txBody>
+        </p:sp>
+        <p:grpSp>
+          <p:nvGrpSpPr>
+            <p:cNvPr id="18" name="Group 6"/>
+            <p:cNvGrpSpPr/>
+            <p:nvPr/>
+          </p:nvGrpSpPr>
+          <p:grpSpPr bwMode="auto">
+            <a:xfrm>
+              <a:off x="2664835" y="2056771"/>
+              <a:ext cx="4815465" cy="692779"/>
+              <a:chOff x="15" y="20"/>
+              <a:chExt cx="2580" cy="404"/>
+            </a:xfrm>
+            <a:grpFill/>
+          </p:grpSpPr>
+          <p:sp>
+            <p:nvSpPr>
+              <p:cNvPr id="19" name="AutoShape 7"/>
+              <p:cNvSpPr>
+                <a:spLocks noChangeArrowheads="1"/>
+              </p:cNvSpPr>
+              <p:nvPr/>
+            </p:nvSpPr>
+            <p:spPr bwMode="auto">
+              <a:xfrm rot="10800000">
+                <a:off x="31" y="288"/>
+                <a:ext cx="2564" cy="136"/>
+              </a:xfrm>
+              <a:custGeom>
+                <a:avLst/>
+                <a:gdLst>
+                  <a:gd name="T0" fmla="*/ 0 w 21600"/>
+                  <a:gd name="T1" fmla="*/ 0 h 21600"/>
+                  <a:gd name="T2" fmla="*/ 19 w 21600"/>
+                  <a:gd name="T3" fmla="*/ 1 h 21600"/>
+                  <a:gd name="T4" fmla="*/ 286 w 21600"/>
+                  <a:gd name="T5" fmla="*/ 1 h 21600"/>
+                  <a:gd name="T6" fmla="*/ 304 w 21600"/>
+                  <a:gd name="T7" fmla="*/ 0 h 21600"/>
+                  <a:gd name="T8" fmla="*/ 0 w 21600"/>
+                  <a:gd name="T9" fmla="*/ 0 h 21600"/>
+                  <a:gd name="T10" fmla="*/ 0 60000 65536"/>
+                  <a:gd name="T11" fmla="*/ 0 60000 65536"/>
+                  <a:gd name="T12" fmla="*/ 0 60000 65536"/>
+                  <a:gd name="T13" fmla="*/ 0 60000 65536"/>
+                  <a:gd name="T14" fmla="*/ 0 60000 65536"/>
+                  <a:gd name="T15" fmla="*/ 0 w 21600"/>
+                  <a:gd name="T16" fmla="*/ 0 h 21600"/>
+                  <a:gd name="T17" fmla="*/ 21600 w 21600"/>
+                  <a:gd name="T18" fmla="*/ 21600 h 21600"/>
+                </a:gdLst>
+                <a:ahLst/>
+                <a:cxnLst>
+                  <a:cxn ang="T10">
+                    <a:pos x="T0" y="T1"/>
+                  </a:cxn>
+                  <a:cxn ang="T11">
+                    <a:pos x="T2" y="T3"/>
+                  </a:cxn>
+                  <a:cxn ang="T12">
+                    <a:pos x="T4" y="T5"/>
+                  </a:cxn>
+                  <a:cxn ang="T13">
+                    <a:pos x="T6" y="T7"/>
+                  </a:cxn>
+                  <a:cxn ang="T14">
+                    <a:pos x="T8" y="T9"/>
+                  </a:cxn>
+                </a:cxnLst>
+                <a:rect l="T15" t="T16" r="T17" b="T18"/>
+                <a:pathLst>
+                  <a:path w="21600" h="21600">
+                    <a:moveTo>
+                      <a:pt x="0" y="0"/>
+                    </a:moveTo>
+                    <a:lnTo>
+                      <a:pt x="1314" y="21600"/>
+                    </a:lnTo>
+                    <a:lnTo>
+                      <a:pt x="20286" y="21600"/>
+                    </a:lnTo>
+                    <a:lnTo>
+                      <a:pt x="21600" y="0"/>
+                    </a:lnTo>
+                    <a:lnTo>
+                      <a:pt x="0" y="0"/>
+                    </a:lnTo>
+                    <a:close/>
+                  </a:path>
+                </a:pathLst>
+              </a:custGeom>
+              <a:grpFill/>
+              <a:ln>
+                <a:noFill/>
+              </a:ln>
+              <a:extLst>
+                <a:ext uri="{91240B29-F687-4F45-9708-019B960494DF}">
+                  <a14:hiddenLine xmlns:a14="http://schemas.microsoft.com/office/drawing/2010/main" w="9525">
+                    <a:solidFill>
+                      <a:srgbClr val="000000"/>
+                    </a:solidFill>
+                    <a:round/>
+                  </a14:hiddenLine>
+                </a:ext>
+              </a:extLst>
+            </p:spPr>
+            <p:txBody>
+              <a:bodyPr/>
+              <a:lstStyle/>
+              <a:p>
+                <a:endParaRPr lang="zh-CN" altLang="en-US"/>
+              </a:p>
+            </p:txBody>
+          </p:sp>
+          <p:sp>
+            <p:nvSpPr>
+              <p:cNvPr id="20" name="AutoShape 8"/>
+              <p:cNvSpPr>
+                <a:spLocks noChangeArrowheads="1"/>
+              </p:cNvSpPr>
+              <p:nvPr/>
+            </p:nvSpPr>
+            <p:spPr bwMode="auto">
+              <a:xfrm>
+                <a:off x="15" y="20"/>
+                <a:ext cx="2580" cy="336"/>
+              </a:xfrm>
+              <a:prstGeom prst="roundRect">
+                <a:avLst>
+                  <a:gd name="adj" fmla="val 16667"/>
+                </a:avLst>
+              </a:prstGeom>
+              <a:solidFill>
+                <a:schemeClr val="bg1"/>
+              </a:solidFill>
+              <a:extLst>
+                <a:ext uri="{91240B29-F687-4F45-9708-019B960494DF}">
+                  <a14:hiddenLine xmlns:a14="http://schemas.microsoft.com/office/drawing/2010/main" w="9525">
+                    <a:solidFill>
+                      <a:srgbClr val="000000"/>
+                    </a:solidFill>
+                    <a:round/>
+                  </a14:hiddenLine>
+                </a:ext>
+              </a:extLst>
+            </p:spPr>
+            <p:style>
+              <a:lnRef idx="2">
+                <a:schemeClr val="accent1"/>
+              </a:lnRef>
+              <a:fillRef idx="1">
+                <a:schemeClr val="lt1"/>
+              </a:fillRef>
+              <a:effectRef idx="0">
+                <a:schemeClr val="accent1"/>
+              </a:effectRef>
+              <a:fontRef idx="minor">
+                <a:schemeClr val="dk1"/>
+              </a:fontRef>
+            </p:style>
+            <p:txBody>
+              <a:bodyPr wrap="none" anchor="ctr"/>
+              <a:lstStyle>
+                <a:lvl1pPr indent="158750">
+                  <a:buFont typeface="Arial" panose="020B0604020202020204" pitchFamily="34" charset="0"/>
+                  <a:defRPr>
+                    <a:solidFill>
+                      <a:schemeClr val="tx1"/>
+                    </a:solidFill>
+                    <a:latin typeface="Verdana" panose="020B0604030504040204" pitchFamily="34" charset="0"/>
+                    <a:ea typeface="微软雅黑" panose="020B0503020204020204" charset="-122"/>
+                  </a:defRPr>
+                </a:lvl1pPr>
+                <a:lvl2pPr marL="742950" indent="-285750">
+                  <a:buFont typeface="Arial" panose="020B0604020202020204" pitchFamily="34" charset="0"/>
+                  <a:defRPr>
+                    <a:solidFill>
+                      <a:schemeClr val="tx1"/>
+                    </a:solidFill>
+                    <a:latin typeface="Verdana" panose="020B0604030504040204" pitchFamily="34" charset="0"/>
+                    <a:ea typeface="微软雅黑" panose="020B0503020204020204" charset="-122"/>
+                  </a:defRPr>
+                </a:lvl2pPr>
+                <a:lvl3pPr marL="1143000" indent="-228600">
+                  <a:buFont typeface="Arial" panose="020B0604020202020204" pitchFamily="34" charset="0"/>
+                  <a:defRPr>
+                    <a:solidFill>
+                      <a:schemeClr val="tx1"/>
+                    </a:solidFill>
+                    <a:latin typeface="Verdana" panose="020B0604030504040204" pitchFamily="34" charset="0"/>
+                    <a:ea typeface="微软雅黑" panose="020B0503020204020204" charset="-122"/>
+                  </a:defRPr>
+                </a:lvl3pPr>
+                <a:lvl4pPr marL="1600200" indent="-228600">
+                  <a:buFont typeface="Arial" panose="020B0604020202020204" pitchFamily="34" charset="0"/>
+                  <a:defRPr>
+                    <a:solidFill>
+                      <a:schemeClr val="tx1"/>
+                    </a:solidFill>
+                    <a:latin typeface="Verdana" panose="020B0604030504040204" pitchFamily="34" charset="0"/>
+                    <a:ea typeface="微软雅黑" panose="020B0503020204020204" charset="-122"/>
+                  </a:defRPr>
+                </a:lvl4pPr>
+                <a:lvl5pPr marL="2057400" indent="-228600">
+                  <a:buFont typeface="Arial" panose="020B0604020202020204" pitchFamily="34" charset="0"/>
+                  <a:defRPr>
+                    <a:solidFill>
+                      <a:schemeClr val="tx1"/>
+                    </a:solidFill>
+                    <a:latin typeface="Verdana" panose="020B0604030504040204" pitchFamily="34" charset="0"/>
+                    <a:ea typeface="微软雅黑" panose="020B0503020204020204" charset="-122"/>
+                  </a:defRPr>
+                </a:lvl5pPr>
+                <a:lvl6pPr marL="2514600" indent="-228600" eaLnBrk="0" fontAlgn="base" hangingPunct="0">
+                  <a:spcBef>
+                    <a:spcPct val="0"/>
+                  </a:spcBef>
+                  <a:spcAft>
+                    <a:spcPct val="0"/>
+                  </a:spcAft>
+                  <a:buFont typeface="Arial" panose="020B0604020202020204" pitchFamily="34" charset="0"/>
+                  <a:defRPr>
+                    <a:solidFill>
+                      <a:schemeClr val="tx1"/>
+                    </a:solidFill>
+                    <a:latin typeface="Verdana" panose="020B0604030504040204" pitchFamily="34" charset="0"/>
+                    <a:ea typeface="微软雅黑" panose="020B0503020204020204" charset="-122"/>
+                  </a:defRPr>
+                </a:lvl6pPr>
+                <a:lvl7pPr marL="2971800" indent="-228600" eaLnBrk="0" fontAlgn="base" hangingPunct="0">
+                  <a:spcBef>
+                    <a:spcPct val="0"/>
+                  </a:spcBef>
+                  <a:spcAft>
+                    <a:spcPct val="0"/>
+                  </a:spcAft>
+                  <a:buFont typeface="Arial" panose="020B0604020202020204" pitchFamily="34" charset="0"/>
+                  <a:defRPr>
+                    <a:solidFill>
+                      <a:schemeClr val="tx1"/>
+                    </a:solidFill>
+                    <a:latin typeface="Verdana" panose="020B0604030504040204" pitchFamily="34" charset="0"/>
+                    <a:ea typeface="微软雅黑" panose="020B0503020204020204" charset="-122"/>
+                  </a:defRPr>
+                </a:lvl7pPr>
+                <a:lvl8pPr marL="3429000" indent="-228600" eaLnBrk="0" fontAlgn="base" hangingPunct="0">
+                  <a:spcBef>
+                    <a:spcPct val="0"/>
+                  </a:spcBef>
+                  <a:spcAft>
+                    <a:spcPct val="0"/>
+                  </a:spcAft>
+                  <a:buFont typeface="Arial" panose="020B0604020202020204" pitchFamily="34" charset="0"/>
+                  <a:defRPr>
+                    <a:solidFill>
+                      <a:schemeClr val="tx1"/>
+                    </a:solidFill>
+                    <a:latin typeface="Verdana" panose="020B0604030504040204" pitchFamily="34" charset="0"/>
+                    <a:ea typeface="微软雅黑" panose="020B0503020204020204" charset="-122"/>
+                  </a:defRPr>
+                </a:lvl8pPr>
+                <a:lvl9pPr marL="3886200" indent="-228600" eaLnBrk="0" fontAlgn="base" hangingPunct="0">
+                  <a:spcBef>
+                    <a:spcPct val="0"/>
+                  </a:spcBef>
+                  <a:spcAft>
+                    <a:spcPct val="0"/>
+                  </a:spcAft>
+                  <a:buFont typeface="Arial" panose="020B0604020202020204" pitchFamily="34" charset="0"/>
+                  <a:defRPr>
+                    <a:solidFill>
+                      <a:schemeClr val="tx1"/>
+                    </a:solidFill>
+                    <a:latin typeface="Verdana" panose="020B0604030504040204" pitchFamily="34" charset="0"/>
+                    <a:ea typeface="微软雅黑" panose="020B0503020204020204" charset="-122"/>
+                  </a:defRPr>
+                </a:lvl9pPr>
+              </a:lstStyle>
+              <a:p>
+                <a:r>
+                  <a:rPr lang="zh-CN" altLang="en-US" sz="2400" b="1" dirty="0" smtClean="0">
+                    <a:solidFill>
+                      <a:schemeClr val="tx1"/>
+                    </a:solidFill>
+                    <a:latin typeface="宋体" panose="02010600030101010101" pitchFamily="2" charset="-122"/>
+                    <a:ea typeface="宋体" panose="02010600030101010101" pitchFamily="2" charset="-122"/>
+                    <a:sym typeface="微软雅黑" panose="020B0503020204020204" charset="-122"/>
+                  </a:rPr>
+                  <a:t>方案介绍</a:t>
+                </a:r>
+                <a:endParaRPr lang="zh-CN" altLang="en-US" sz="2400" b="1" dirty="0" smtClean="0">
+                  <a:solidFill>
+                    <a:schemeClr val="tx1"/>
+                  </a:solidFill>
+                  <a:latin typeface="宋体" panose="02010600030101010101" pitchFamily="2" charset="-122"/>
+                  <a:ea typeface="宋体" panose="02010600030101010101" pitchFamily="2" charset="-122"/>
+                  <a:sym typeface="微软雅黑" panose="020B0503020204020204" charset="-122"/>
+                </a:endParaRPr>
+              </a:p>
+            </p:txBody>
+          </p:sp>
+        </p:grpSp>
+      </p:grpSp>
+    </p:spTree>
+    <p:custDataLst>
+      <p:tags r:id="rId3"/>
+    </p:custDataLst>
+  </p:cSld>
+  <p:clrMapOvr>
+    <a:masterClrMapping/>
+  </p:clrMapOvr>
+</p:sld>
+</file>
+
+<file path=ppt/slides/slide4.xml><?xml version="1.0" encoding="utf-8"?>
+<p:sld xmlns:a="http://schemas.openxmlformats.org/drawingml/2006/main" xmlns:r="http://schemas.openxmlformats.org/officeDocument/2006/relationships" xmlns:p="http://schemas.openxmlformats.org/presentationml/2006/main">
+  <p:cSld>
+    <p:spTree>
+      <p:nvGrpSpPr>
+        <p:cNvPr id="1" name=""/>
+        <p:cNvGrpSpPr/>
+        <p:nvPr/>
+      </p:nvGrpSpPr>
+      <p:grpSpPr/>
+      <p:sp>
+        <p:nvSpPr>
+          <p:cNvPr id="11" name="对角圆角矩形 10"/>
+          <p:cNvSpPr/>
+          <p:nvPr/>
+        </p:nvSpPr>
+        <p:spPr>
+          <a:xfrm>
+            <a:off x="1859915" y="1950720"/>
+            <a:ext cx="9528175" cy="4126230"/>
+          </a:xfrm>
+          <a:prstGeom prst="round2DiagRect">
+            <a:avLst/>
+          </a:prstGeom>
+          <a:solidFill>
+            <a:schemeClr val="bg1"/>
+          </a:solidFill>
+          <a:ln w="12700" cmpd="sng">
+            <a:solidFill>
+              <a:schemeClr val="accent1">
+                <a:shade val="50000"/>
+              </a:schemeClr>
+            </a:solidFill>
+            <a:prstDash val="solid"/>
+          </a:ln>
+          <a:effectLst>
+            <a:glow rad="139700">
+              <a:schemeClr val="accent6">
+                <a:satMod val="175000"/>
+                <a:alpha val="40000"/>
+              </a:schemeClr>
+            </a:glow>
+          </a:effectLst>
+        </p:spPr>
+        <p:style>
+          <a:lnRef idx="2">
+            <a:schemeClr val="accent6"/>
+          </a:lnRef>
+          <a:fillRef idx="1">
+            <a:schemeClr val="lt1"/>
+          </a:fillRef>
+          <a:effectRef idx="0">
+            <a:schemeClr val="accent6"/>
+          </a:effectRef>
+          <a:fontRef idx="minor">
+            <a:schemeClr val="dk1"/>
+          </a:fontRef>
+        </p:style>
+        <p:txBody>
+          <a:bodyPr rtlCol="0" anchor="ctr">
+            <a:scene3d>
+              <a:camera prst="orthographicFront"/>
+              <a:lightRig rig="threePt" dir="t"/>
+            </a:scene3d>
+          </a:bodyPr>
+          <a:p>
+            <a:pPr algn="ctr"/>
+            <a:endParaRPr lang="zh-CN" altLang="en-US">
+              <a:solidFill>
+                <a:schemeClr val="tx1"/>
+              </a:solidFill>
+              <a:effectLst>
+                <a:outerShdw blurRad="38100" dist="19050" dir="2700000" algn="tl" rotWithShape="0">
+                  <a:schemeClr val="dk1">
+                    <a:alpha val="40000"/>
+                  </a:schemeClr>
+                </a:outerShdw>
+              </a:effectLst>
+            </a:endParaRPr>
+          </a:p>
+        </p:txBody>
+      </p:sp>
+      <p:sp>
+        <p:nvSpPr>
+          <p:cNvPr id="15" name="椭圆 14"/>
+          <p:cNvSpPr/>
+          <p:nvPr/>
+        </p:nvSpPr>
+        <p:spPr>
+          <a:xfrm>
+            <a:off x="2879090" y="3122930"/>
+            <a:ext cx="2066925" cy="2034540"/>
+          </a:xfrm>
+          <a:prstGeom prst="ellipse">
+            <a:avLst/>
+          </a:prstGeom>
+          <a:solidFill>
+            <a:schemeClr val="bg1"/>
+          </a:solidFill>
+        </p:spPr>
+        <p:style>
+          <a:lnRef idx="2">
+            <a:schemeClr val="accent1">
+              <a:shade val="50000"/>
+            </a:schemeClr>
+          </a:lnRef>
+          <a:fillRef idx="1">
+            <a:schemeClr val="accent1"/>
+          </a:fillRef>
+          <a:effectRef idx="0">
+            <a:schemeClr val="accent1"/>
+          </a:effectRef>
+          <a:fontRef idx="minor">
+            <a:schemeClr val="lt1"/>
+          </a:fontRef>
+        </p:style>
+        <p:txBody>
+          <a:bodyPr rtlCol="0" anchor="ctr"/>
+          <a:p>
+            <a:pPr algn="ctr"/>
+            <a:endParaRPr lang="zh-CN" altLang="en-US"/>
+          </a:p>
+        </p:txBody>
+      </p:sp>
+      <p:cxnSp>
+        <p:nvCxnSpPr>
+          <p:cNvPr id="4" name="直接连接符 3"/>
+          <p:cNvCxnSpPr/>
+          <p:nvPr/>
+        </p:nvCxnSpPr>
+        <p:spPr>
+          <a:xfrm>
+            <a:off x="931545" y="1303020"/>
+            <a:ext cx="10589260" cy="0"/>
+          </a:xfrm>
+          <a:prstGeom prst="line">
+            <a:avLst/>
+          </a:prstGeom>
+        </p:spPr>
+        <p:style>
+          <a:lnRef idx="1">
+            <a:schemeClr val="accent5"/>
+          </a:lnRef>
+          <a:fillRef idx="0">
+            <a:schemeClr val="accent5"/>
+          </a:fillRef>
+          <a:effectRef idx="0">
+            <a:schemeClr val="accent5"/>
+          </a:effectRef>
+          <a:fontRef idx="minor">
+            <a:schemeClr val="tx1"/>
+          </a:fontRef>
+        </p:style>
+      </p:cxnSp>
+      <p:pic>
+        <p:nvPicPr>
+          <p:cNvPr id="7" name="图片 6" descr="pic"/>
+          <p:cNvPicPr>
+            <a:picLocks noChangeAspect="1"/>
+          </p:cNvPicPr>
+          <p:nvPr/>
+        </p:nvPicPr>
+        <p:blipFill>
+          <a:blip r:embed="rId1"/>
+          <a:stretch>
+            <a:fillRect/>
+          </a:stretch>
+        </p:blipFill>
+        <p:spPr>
+          <a:xfrm>
+            <a:off x="9237980" y="678180"/>
+            <a:ext cx="2282825" cy="624840"/>
+          </a:xfrm>
+          <a:prstGeom prst="rect">
+            <a:avLst/>
+          </a:prstGeom>
+        </p:spPr>
+      </p:pic>
+      <p:sp>
+        <p:nvSpPr>
+          <p:cNvPr id="6" name="文本框 5"/>
+          <p:cNvSpPr txBox="1"/>
+          <p:nvPr/>
+        </p:nvSpPr>
+        <p:spPr>
+          <a:xfrm>
+            <a:off x="2747010" y="2255520"/>
+            <a:ext cx="3538855" cy="460375"/>
+          </a:xfrm>
+          <a:prstGeom prst="rect">
+            <a:avLst/>
+          </a:prstGeom>
+          <a:noFill/>
+        </p:spPr>
+        <p:txBody>
+          <a:bodyPr wrap="square" rtlCol="0">
+            <a:spAutoFit/>
+          </a:bodyPr>
+          <a:p>
+            <a:r>
+              <a:rPr lang="en-US" altLang="zh-CN" sz="2400"/>
+              <a:t>1 : </a:t>
+            </a:r>
+            <a:r>
+              <a:rPr lang="zh-CN" altLang="en-US" sz="2400"/>
+              <a:t>数据采集层</a:t>
+            </a:r>
+            <a:endParaRPr lang="zh-CN" altLang="en-US" sz="2400"/>
+          </a:p>
+        </p:txBody>
+      </p:sp>
+      <p:sp>
+        <p:nvSpPr>
+          <p:cNvPr id="10" name="圆角矩形 9"/>
+          <p:cNvSpPr/>
+          <p:nvPr/>
+        </p:nvSpPr>
+        <p:spPr>
+          <a:xfrm>
+            <a:off x="6012180" y="3111500"/>
+            <a:ext cx="4688205" cy="1880235"/>
+          </a:xfrm>
+          <a:prstGeom prst="roundRect">
+            <a:avLst/>
+          </a:prstGeom>
+          <a:solidFill>
+            <a:schemeClr val="bg1"/>
+          </a:solidFill>
+        </p:spPr>
+        <p:style>
+          <a:lnRef idx="2">
+            <a:schemeClr val="accent1">
+              <a:shade val="50000"/>
+            </a:schemeClr>
+          </a:lnRef>
+          <a:fillRef idx="1">
+            <a:schemeClr val="accent1"/>
+          </a:fillRef>
+          <a:effectRef idx="0">
+            <a:schemeClr val="accent1"/>
+          </a:effectRef>
+          <a:fontRef idx="minor">
+            <a:schemeClr val="lt1"/>
+          </a:fontRef>
+        </p:style>
+        <p:txBody>
+          <a:bodyPr rtlCol="0" anchor="ctr"/>
+          <a:p>
+            <a:pPr algn="ctr"/>
+            <a:endParaRPr lang="zh-CN" altLang="en-US"/>
+          </a:p>
+        </p:txBody>
+      </p:sp>
+      <p:sp>
+        <p:nvSpPr>
+          <p:cNvPr id="12" name="文本框 11"/>
+          <p:cNvSpPr txBox="1"/>
+          <p:nvPr/>
+        </p:nvSpPr>
+        <p:spPr>
+          <a:xfrm>
+            <a:off x="6421120" y="3636645"/>
+            <a:ext cx="3943350" cy="829945"/>
+          </a:xfrm>
+          <a:prstGeom prst="rect">
+            <a:avLst/>
+          </a:prstGeom>
+          <a:noFill/>
+        </p:spPr>
+        <p:txBody>
+          <a:bodyPr wrap="square" rtlCol="0">
+            <a:spAutoFit/>
+          </a:bodyPr>
+          <a:p>
+            <a:r>
+              <a:rPr lang="en-US" altLang="zh-CN" sz="2400"/>
+              <a:t>1 : </a:t>
+            </a:r>
+            <a:r>
+              <a:rPr lang="zh-CN" altLang="en-US" sz="2400"/>
+              <a:t>传统数据库和</a:t>
+            </a:r>
+            <a:r>
+              <a:rPr lang="en-US" altLang="zh-CN" sz="2400"/>
+              <a:t>hdfs</a:t>
+            </a:r>
+            <a:r>
+              <a:rPr lang="zh-CN" altLang="en-US" sz="2400"/>
+              <a:t>的交互的</a:t>
+            </a:r>
+            <a:r>
+              <a:rPr lang="zh-CN" altLang="en-US" sz="2400"/>
+              <a:t>桥梁</a:t>
+            </a:r>
+            <a:endParaRPr lang="zh-CN" altLang="en-US" sz="2400"/>
+          </a:p>
+        </p:txBody>
+      </p:sp>
+      <p:sp>
+        <p:nvSpPr>
+          <p:cNvPr id="5" name="文本框 4"/>
+          <p:cNvSpPr txBox="1"/>
+          <p:nvPr/>
+        </p:nvSpPr>
+        <p:spPr>
+          <a:xfrm>
+            <a:off x="3235325" y="3759835"/>
+            <a:ext cx="1354455" cy="583565"/>
+          </a:xfrm>
+          <a:prstGeom prst="rect">
+            <a:avLst/>
+          </a:prstGeom>
+          <a:noFill/>
+        </p:spPr>
+        <p:txBody>
+          <a:bodyPr wrap="square" rtlCol="0">
+            <a:spAutoFit/>
+          </a:bodyPr>
+          <a:p>
+            <a:r>
+              <a:rPr lang="en-US" altLang="zh-CN" sz="3200" b="1"/>
+              <a:t>Sqoop</a:t>
+            </a:r>
+            <a:endParaRPr lang="en-US" altLang="zh-CN" sz="3200" b="1"/>
+          </a:p>
+        </p:txBody>
+      </p:sp>
+    </p:spTree>
+    <p:custDataLst>
+      <p:tags r:id="rId2"/>
+    </p:custDataLst>
+  </p:cSld>
+  <p:clrMapOvr>
+    <a:masterClrMapping/>
+  </p:clrMapOvr>
+</p:sld>
+</file>
+
+<file path=ppt/slides/slide5.xml><?xml version="1.0" encoding="utf-8"?>
+<p:sld xmlns:a="http://schemas.openxmlformats.org/drawingml/2006/main" xmlns:r="http://schemas.openxmlformats.org/officeDocument/2006/relationships" xmlns:p="http://schemas.openxmlformats.org/presentationml/2006/main">
+  <p:cSld>
+    <p:bg>
+      <p:bgPr>
+        <a:solidFill>
+          <a:schemeClr val="bg1"/>
+        </a:solidFill>
+        <a:effectLst/>
+      </p:bgPr>
+    </p:bg>
+    <p:spTree>
+      <p:nvGrpSpPr>
+        <p:cNvPr id="1" name=""/>
+        <p:cNvGrpSpPr/>
+        <p:nvPr/>
+      </p:nvGrpSpPr>
+      <p:grpSpPr/>
+      <p:sp>
+        <p:nvSpPr>
+          <p:cNvPr id="21" name="圆角矩形 20"/>
+          <p:cNvSpPr/>
+          <p:nvPr/>
+        </p:nvSpPr>
+        <p:spPr>
+          <a:xfrm>
+            <a:off x="2913380" y="4678045"/>
+            <a:ext cx="6952615" cy="1341755"/>
+          </a:xfrm>
+          <a:prstGeom prst="roundRect">
+            <a:avLst/>
+          </a:prstGeom>
+          <a:noFill/>
+        </p:spPr>
+        <p:style>
+          <a:lnRef idx="2">
+            <a:schemeClr val="accent1">
+              <a:shade val="50000"/>
+            </a:schemeClr>
+          </a:lnRef>
+          <a:fillRef idx="1">
+            <a:schemeClr val="accent1"/>
+          </a:fillRef>
+          <a:effectRef idx="0">
+            <a:schemeClr val="accent1"/>
+          </a:effectRef>
+          <a:fontRef idx="minor">
+            <a:schemeClr val="lt1"/>
+          </a:fontRef>
+        </p:style>
+        <p:txBody>
+          <a:bodyPr rtlCol="0" anchor="ctr"/>
+          <a:p>
+            <a:pPr algn="ctr"/>
+            <a:endParaRPr lang="zh-CN" altLang="en-US"/>
+          </a:p>
+        </p:txBody>
+      </p:sp>
+      <p:cxnSp>
+        <p:nvCxnSpPr>
+          <p:cNvPr id="4" name="直接连接符 3"/>
+          <p:cNvCxnSpPr/>
+          <p:nvPr/>
+        </p:nvCxnSpPr>
+        <p:spPr>
+          <a:xfrm>
+            <a:off x="931545" y="1303020"/>
+            <a:ext cx="10589260" cy="0"/>
+          </a:xfrm>
+          <a:prstGeom prst="line">
+            <a:avLst/>
+          </a:prstGeom>
+        </p:spPr>
+        <p:style>
+          <a:lnRef idx="1">
+            <a:schemeClr val="accent5"/>
+          </a:lnRef>
+          <a:fillRef idx="0">
+            <a:schemeClr val="accent5"/>
+          </a:fillRef>
+          <a:effectRef idx="0">
+            <a:schemeClr val="accent5"/>
+          </a:effectRef>
+          <a:fontRef idx="minor">
+            <a:schemeClr val="tx1"/>
+          </a:fontRef>
+        </p:style>
+      </p:cxnSp>
+      <p:pic>
+        <p:nvPicPr>
+          <p:cNvPr id="7" name="图片 6" descr="pic"/>
+          <p:cNvPicPr>
+            <a:picLocks noChangeAspect="1"/>
+          </p:cNvPicPr>
+          <p:nvPr/>
+        </p:nvPicPr>
+        <p:blipFill>
+          <a:blip r:embed="rId1"/>
+          <a:stretch>
+            <a:fillRect/>
+          </a:stretch>
+        </p:blipFill>
+        <p:spPr>
+          <a:xfrm>
+            <a:off x="9237980" y="678180"/>
+            <a:ext cx="2282825" cy="624840"/>
+          </a:xfrm>
+          <a:prstGeom prst="rect">
+            <a:avLst/>
+          </a:prstGeom>
+        </p:spPr>
+      </p:pic>
+      <p:sp>
+        <p:nvSpPr>
+          <p:cNvPr id="11" name="对角圆角矩形 10"/>
+          <p:cNvSpPr/>
+          <p:nvPr/>
+        </p:nvSpPr>
+        <p:spPr>
+          <a:xfrm>
+            <a:off x="1859915" y="1771015"/>
+            <a:ext cx="9307195" cy="4642485"/>
+          </a:xfrm>
+          <a:prstGeom prst="round2DiagRect">
+            <a:avLst/>
+          </a:prstGeom>
+          <a:noFill/>
+          <a:ln>
+            <a:solidFill>
+              <a:schemeClr val="tx1"/>
+            </a:solidFill>
+          </a:ln>
+          <a:effectLst>
+            <a:glow rad="139700">
+              <a:schemeClr val="accent6">
+                <a:satMod val="175000"/>
+                <a:alpha val="40000"/>
+              </a:schemeClr>
+            </a:glow>
+          </a:effectLst>
+        </p:spPr>
+        <p:style>
+          <a:lnRef idx="2">
+            <a:schemeClr val="accent6"/>
+          </a:lnRef>
+          <a:fillRef idx="1">
+            <a:schemeClr val="lt1"/>
+          </a:fillRef>
+          <a:effectRef idx="0">
+            <a:schemeClr val="accent6"/>
+          </a:effectRef>
+          <a:fontRef idx="minor">
+            <a:schemeClr val="dk1"/>
+          </a:fontRef>
+        </p:style>
+        <p:txBody>
+          <a:bodyPr rtlCol="0" anchor="ctr"/>
+          <a:p>
+            <a:pPr algn="ctr"/>
+            <a:endParaRPr lang="zh-CN" altLang="en-US"/>
+          </a:p>
+        </p:txBody>
+      </p:sp>
+      <p:sp>
+        <p:nvSpPr>
+          <p:cNvPr id="12" name="圆角矩形 11"/>
+          <p:cNvSpPr/>
+          <p:nvPr/>
+        </p:nvSpPr>
+        <p:spPr>
+          <a:xfrm>
+            <a:off x="2913380" y="3114040"/>
+            <a:ext cx="5661660" cy="1076325"/>
+          </a:xfrm>
+          <a:prstGeom prst="roundRect">
+            <a:avLst/>
+          </a:prstGeom>
+          <a:noFill/>
+          <a:ln>
+            <a:solidFill>
+              <a:schemeClr val="accent1"/>
+            </a:solidFill>
+          </a:ln>
+        </p:spPr>
+        <p:style>
+          <a:lnRef idx="2">
+            <a:schemeClr val="accent6"/>
+          </a:lnRef>
+          <a:fillRef idx="1">
+            <a:schemeClr val="lt1"/>
+          </a:fillRef>
+          <a:effectRef idx="0">
+            <a:schemeClr val="accent6"/>
+          </a:effectRef>
+          <a:fontRef idx="minor">
+            <a:schemeClr val="dk1"/>
+          </a:fontRef>
+        </p:style>
+        <p:txBody>
+          <a:bodyPr rtlCol="0" anchor="ctr"/>
+          <a:p>
+            <a:pPr algn="ctr"/>
+            <a:endParaRPr lang="zh-CN" altLang="en-US"/>
+          </a:p>
+        </p:txBody>
+      </p:sp>
+      <p:pic>
+        <p:nvPicPr>
+          <p:cNvPr id="15" name="图片 14" descr="pic2"/>
+          <p:cNvPicPr>
+            <a:picLocks noChangeAspect="1"/>
+          </p:cNvPicPr>
+          <p:nvPr/>
+        </p:nvPicPr>
+        <p:blipFill>
+          <a:blip r:embed="rId2"/>
+          <a:stretch>
+            <a:fillRect/>
+          </a:stretch>
+        </p:blipFill>
+        <p:spPr>
+          <a:xfrm>
+            <a:off x="3853180" y="3143885"/>
+            <a:ext cx="3782060" cy="929005"/>
+          </a:xfrm>
+          <a:prstGeom prst="rect">
+            <a:avLst/>
+          </a:prstGeom>
+        </p:spPr>
+      </p:pic>
+      <p:sp>
+        <p:nvSpPr>
+          <p:cNvPr id="16" name="文本框 15"/>
+          <p:cNvSpPr txBox="1"/>
+          <p:nvPr/>
+        </p:nvSpPr>
+        <p:spPr>
+          <a:xfrm>
+            <a:off x="3104515" y="4750435"/>
+            <a:ext cx="6814820" cy="460375"/>
+          </a:xfrm>
+          <a:prstGeom prst="rect">
+            <a:avLst/>
+          </a:prstGeom>
+          <a:noFill/>
+        </p:spPr>
+        <p:txBody>
+          <a:bodyPr wrap="square" rtlCol="0">
+            <a:spAutoFit/>
+          </a:bodyPr>
+          <a:p>
+            <a:r>
+              <a:rPr lang="en-US" altLang="zh-CN" sz="2400"/>
+              <a:t>1 : </a:t>
+            </a:r>
+            <a:r>
+              <a:rPr lang="zh-CN" altLang="en-US" sz="2400"/>
+              <a:t>迁移目前业务中依赖的</a:t>
+            </a:r>
+            <a:r>
+              <a:rPr lang="en-US" altLang="zh-CN" sz="2400"/>
+              <a:t>oracle</a:t>
+            </a:r>
+            <a:r>
+              <a:rPr lang="zh-CN" altLang="en-US" sz="2400"/>
+              <a:t>数据至</a:t>
+            </a:r>
+            <a:r>
+              <a:rPr lang="en-US" altLang="zh-CN" sz="2400"/>
+              <a:t>hdfs</a:t>
+            </a:r>
+            <a:endParaRPr lang="en-US" altLang="zh-CN" sz="2400"/>
+          </a:p>
+        </p:txBody>
+      </p:sp>
+      <p:sp>
+        <p:nvSpPr>
+          <p:cNvPr id="17" name="文本框 16"/>
+          <p:cNvSpPr txBox="1"/>
+          <p:nvPr/>
+        </p:nvSpPr>
+        <p:spPr>
+          <a:xfrm>
+            <a:off x="3104515" y="5403215"/>
+            <a:ext cx="6569710" cy="460375"/>
+          </a:xfrm>
+          <a:prstGeom prst="rect">
+            <a:avLst/>
+          </a:prstGeom>
+          <a:noFill/>
+        </p:spPr>
+        <p:txBody>
+          <a:bodyPr wrap="square" rtlCol="0">
+            <a:spAutoFit/>
+          </a:bodyPr>
+          <a:p>
+            <a:r>
+              <a:rPr lang="en-US" altLang="zh-CN" sz="2400"/>
+              <a:t>2 : </a:t>
+            </a:r>
+            <a:r>
+              <a:rPr lang="zh-CN" altLang="en-US" sz="2400"/>
+              <a:t>原始详单备份至</a:t>
+            </a:r>
+            <a:r>
+              <a:rPr lang="en-US" altLang="zh-CN" sz="2400"/>
+              <a:t>hdfs</a:t>
+            </a:r>
+            <a:r>
+              <a:rPr lang="zh-CN" altLang="en-US" sz="2400"/>
+              <a:t>存储</a:t>
+            </a:r>
+            <a:r>
+              <a:rPr lang="en-US" altLang="zh-CN"/>
+              <a:t> </a:t>
+            </a:r>
+            <a:endParaRPr lang="zh-CN" altLang="en-US"/>
+          </a:p>
+        </p:txBody>
+      </p:sp>
+      <p:sp>
+        <p:nvSpPr>
+          <p:cNvPr id="22" name="文本框 21"/>
+          <p:cNvSpPr txBox="1"/>
+          <p:nvPr/>
+        </p:nvSpPr>
+        <p:spPr>
+          <a:xfrm>
+            <a:off x="2608580" y="2186305"/>
+            <a:ext cx="2080895" cy="460375"/>
+          </a:xfrm>
+          <a:prstGeom prst="rect">
+            <a:avLst/>
+          </a:prstGeom>
+          <a:noFill/>
+        </p:spPr>
+        <p:txBody>
+          <a:bodyPr wrap="none" rtlCol="0">
+            <a:spAutoFit/>
+          </a:bodyPr>
+          <a:p>
+            <a:r>
+              <a:rPr lang="en-US" altLang="zh-CN" sz="2400"/>
+              <a:t>2 : </a:t>
+            </a:r>
+            <a:r>
+              <a:rPr lang="zh-CN" altLang="en-US" sz="2400"/>
+              <a:t>数据</a:t>
+            </a:r>
+            <a:r>
+              <a:rPr lang="zh-CN" altLang="en-US" sz="2400"/>
+              <a:t>存储层</a:t>
+            </a:r>
+            <a:endParaRPr lang="zh-CN" altLang="en-US" sz="2400"/>
+          </a:p>
+        </p:txBody>
+      </p:sp>
+    </p:spTree>
+    <p:custDataLst>
+      <p:tags r:id="rId3"/>
+    </p:custDataLst>
+  </p:cSld>
+  <p:clrMapOvr>
+    <a:masterClrMapping/>
+  </p:clrMapOvr>
+</p:sld>
+</file>
+
+<file path=ppt/slides/slide6.xml><?xml version="1.0" encoding="utf-8"?>
+<p:sld xmlns:a="http://schemas.openxmlformats.org/drawingml/2006/main" xmlns:r="http://schemas.openxmlformats.org/officeDocument/2006/relationships" xmlns:p="http://schemas.openxmlformats.org/presentationml/2006/main">
+  <p:cSld>
+    <p:spTree>
+      <p:nvGrpSpPr>
+        <p:cNvPr id="1" name=""/>
+        <p:cNvGrpSpPr/>
+        <p:nvPr/>
+      </p:nvGrpSpPr>
+      <p:grpSpPr/>
+      <p:cxnSp>
+        <p:nvCxnSpPr>
+          <p:cNvPr id="4" name="直接连接符 3"/>
+          <p:cNvCxnSpPr/>
+          <p:nvPr/>
+        </p:nvCxnSpPr>
+        <p:spPr>
+          <a:xfrm>
+            <a:off x="931545" y="1303020"/>
+            <a:ext cx="10589260" cy="0"/>
+          </a:xfrm>
+          <a:prstGeom prst="line">
+            <a:avLst/>
+          </a:prstGeom>
+        </p:spPr>
+        <p:style>
+          <a:lnRef idx="1">
+            <a:schemeClr val="accent5"/>
+          </a:lnRef>
+          <a:fillRef idx="0">
+            <a:schemeClr val="accent5"/>
+          </a:fillRef>
+          <a:effectRef idx="0">
+            <a:schemeClr val="accent5"/>
+          </a:effectRef>
+          <a:fontRef idx="minor">
+            <a:schemeClr val="tx1"/>
+          </a:fontRef>
+        </p:style>
+      </p:cxnSp>
+      <p:pic>
+        <p:nvPicPr>
+          <p:cNvPr id="7" name="图片 6" descr="pic"/>
+          <p:cNvPicPr>
+            <a:picLocks noChangeAspect="1"/>
+          </p:cNvPicPr>
+          <p:nvPr/>
+        </p:nvPicPr>
+        <p:blipFill>
+          <a:blip r:embed="rId1"/>
+          <a:stretch>
+            <a:fillRect/>
+          </a:stretch>
+        </p:blipFill>
+        <p:spPr>
+          <a:xfrm>
+            <a:off x="9237980" y="678180"/>
+            <a:ext cx="2282825" cy="624840"/>
+          </a:xfrm>
+          <a:prstGeom prst="rect">
+            <a:avLst/>
+          </a:prstGeom>
+        </p:spPr>
+      </p:pic>
+      <p:sp>
+        <p:nvSpPr>
+          <p:cNvPr id="11" name="对角圆角矩形 10"/>
+          <p:cNvSpPr/>
+          <p:nvPr/>
+        </p:nvSpPr>
+        <p:spPr>
+          <a:xfrm>
+            <a:off x="1874520" y="1748790"/>
+            <a:ext cx="9528175" cy="4288790"/>
+          </a:xfrm>
+          <a:prstGeom prst="round2DiagRect">
+            <a:avLst/>
+          </a:prstGeom>
+          <a:solidFill>
+            <a:schemeClr val="bg1"/>
+          </a:solidFill>
+          <a:ln w="12700" cmpd="sng">
+            <a:solidFill>
+              <a:schemeClr val="accent1">
+                <a:shade val="50000"/>
+              </a:schemeClr>
+            </a:solidFill>
+            <a:prstDash val="solid"/>
+          </a:ln>
+          <a:effectLst>
+            <a:glow rad="139700">
+              <a:schemeClr val="accent6">
+                <a:satMod val="175000"/>
+                <a:alpha val="40000"/>
+              </a:schemeClr>
+            </a:glow>
+          </a:effectLst>
+        </p:spPr>
+        <p:style>
+          <a:lnRef idx="2">
+            <a:schemeClr val="accent6"/>
+          </a:lnRef>
+          <a:fillRef idx="1">
+            <a:schemeClr val="lt1"/>
+          </a:fillRef>
+          <a:effectRef idx="0">
+            <a:schemeClr val="accent6"/>
+          </a:effectRef>
+          <a:fontRef idx="minor">
+            <a:schemeClr val="dk1"/>
+          </a:fontRef>
+        </p:style>
+        <p:txBody>
+          <a:bodyPr rtlCol="0" anchor="ctr">
+            <a:scene3d>
+              <a:camera prst="orthographicFront"/>
+              <a:lightRig rig="threePt" dir="t"/>
+            </a:scene3d>
+          </a:bodyPr>
+          <a:p>
+            <a:pPr algn="ctr"/>
+            <a:endParaRPr lang="zh-CN" altLang="en-US">
+              <a:ln/>
+              <a:solidFill>
+                <a:schemeClr val="tx1"/>
+              </a:solidFill>
+              <a:effectLst>
+                <a:outerShdw blurRad="38100" dist="19050" dir="2700000" algn="tl" rotWithShape="0">
+                  <a:schemeClr val="dk1">
+                    <a:alpha val="40000"/>
+                  </a:schemeClr>
+                </a:outerShdw>
+              </a:effectLst>
+            </a:endParaRPr>
+          </a:p>
+        </p:txBody>
+      </p:sp>
+      <p:sp>
+        <p:nvSpPr>
+          <p:cNvPr id="6" name="六边形 5"/>
+          <p:cNvSpPr/>
+          <p:nvPr/>
+        </p:nvSpPr>
+        <p:spPr>
+          <a:xfrm>
+            <a:off x="2918460" y="3251200"/>
+            <a:ext cx="930275" cy="808990"/>
+          </a:xfrm>
+          <a:prstGeom prst="hexagon">
+            <a:avLst/>
+          </a:prstGeom>
+          <a:solidFill>
+            <a:schemeClr val="bg1"/>
+          </a:solidFill>
+        </p:spPr>
+        <p:style>
+          <a:lnRef idx="2">
+            <a:schemeClr val="accent1">
+              <a:shade val="50000"/>
+            </a:schemeClr>
+          </a:lnRef>
+          <a:fillRef idx="1">
+            <a:schemeClr val="accent1"/>
+          </a:fillRef>
+          <a:effectRef idx="0">
+            <a:schemeClr val="accent1"/>
+          </a:effectRef>
+          <a:fontRef idx="minor">
+            <a:schemeClr val="lt1"/>
+          </a:fontRef>
+        </p:style>
+        <p:txBody>
+          <a:bodyPr rtlCol="0" anchor="ctr"/>
+          <a:p>
+            <a:pPr algn="ctr"/>
+            <a:endParaRPr lang="zh-CN" altLang="en-US"/>
+          </a:p>
+        </p:txBody>
+      </p:sp>
+      <p:sp>
+        <p:nvSpPr>
+          <p:cNvPr id="8" name="文本框 7"/>
+          <p:cNvSpPr txBox="1"/>
+          <p:nvPr/>
+        </p:nvSpPr>
+        <p:spPr>
+          <a:xfrm>
+            <a:off x="2815590" y="2046605"/>
+            <a:ext cx="2080895" cy="460375"/>
+          </a:xfrm>
+          <a:prstGeom prst="rect">
+            <a:avLst/>
+          </a:prstGeom>
+          <a:noFill/>
+        </p:spPr>
+        <p:txBody>
+          <a:bodyPr wrap="none" rtlCol="0">
+            <a:spAutoFit/>
+          </a:bodyPr>
+          <a:p>
+            <a:r>
+              <a:rPr lang="en-US" altLang="zh-CN" sz="2400"/>
+              <a:t>3 : </a:t>
+            </a:r>
+            <a:r>
+              <a:rPr lang="zh-CN" altLang="en-US" sz="2400"/>
+              <a:t>数据仓库层</a:t>
+            </a:r>
+            <a:endParaRPr lang="zh-CN" altLang="en-US" sz="2400"/>
+          </a:p>
+        </p:txBody>
+      </p:sp>
+      <p:sp>
+        <p:nvSpPr>
+          <p:cNvPr id="9" name="六边形 8"/>
+          <p:cNvSpPr/>
+          <p:nvPr/>
+        </p:nvSpPr>
+        <p:spPr>
+          <a:xfrm>
+            <a:off x="4351655" y="4060190"/>
+            <a:ext cx="930275" cy="808990"/>
+          </a:xfrm>
+          <a:prstGeom prst="hexagon">
+            <a:avLst/>
+          </a:prstGeom>
+          <a:solidFill>
+            <a:schemeClr val="bg1"/>
+          </a:solidFill>
+        </p:spPr>
+        <p:style>
+          <a:lnRef idx="2">
+            <a:schemeClr val="accent1">
+              <a:shade val="50000"/>
+            </a:schemeClr>
+          </a:lnRef>
+          <a:fillRef idx="1">
+            <a:schemeClr val="accent1"/>
+          </a:fillRef>
+          <a:effectRef idx="0">
+            <a:schemeClr val="accent1"/>
+          </a:effectRef>
+          <a:fontRef idx="minor">
+            <a:schemeClr val="lt1"/>
+          </a:fontRef>
+        </p:style>
+        <p:txBody>
+          <a:bodyPr rtlCol="0" anchor="ctr"/>
+          <a:p>
+            <a:pPr algn="ctr"/>
+            <a:endParaRPr lang="zh-CN" altLang="en-US"/>
+          </a:p>
+        </p:txBody>
+      </p:sp>
+      <p:sp>
+        <p:nvSpPr>
+          <p:cNvPr id="10" name="六边形 9"/>
+          <p:cNvSpPr/>
+          <p:nvPr/>
+        </p:nvSpPr>
+        <p:spPr>
+          <a:xfrm>
+            <a:off x="4351655" y="3251200"/>
+            <a:ext cx="930275" cy="808990"/>
+          </a:xfrm>
+          <a:prstGeom prst="hexagon">
+            <a:avLst/>
+          </a:prstGeom>
+          <a:solidFill>
+            <a:schemeClr val="bg1"/>
+          </a:solidFill>
+        </p:spPr>
+        <p:style>
+          <a:lnRef idx="2">
+            <a:schemeClr val="accent1">
+              <a:shade val="50000"/>
+            </a:schemeClr>
+          </a:lnRef>
+          <a:fillRef idx="1">
+            <a:schemeClr val="accent1"/>
+          </a:fillRef>
+          <a:effectRef idx="0">
+            <a:schemeClr val="accent1"/>
+          </a:effectRef>
+          <a:fontRef idx="minor">
+            <a:schemeClr val="lt1"/>
+          </a:fontRef>
+        </p:style>
+        <p:txBody>
+          <a:bodyPr rtlCol="0" anchor="ctr"/>
+          <a:p>
+            <a:pPr algn="ctr"/>
+            <a:endParaRPr lang="zh-CN" altLang="en-US"/>
+          </a:p>
+        </p:txBody>
+      </p:sp>
+      <p:sp>
+        <p:nvSpPr>
+          <p:cNvPr id="12" name="六边形 11"/>
+          <p:cNvSpPr/>
+          <p:nvPr/>
+        </p:nvSpPr>
+        <p:spPr>
+          <a:xfrm>
+            <a:off x="3636010" y="4500880"/>
+            <a:ext cx="930275" cy="808990"/>
+          </a:xfrm>
+          <a:prstGeom prst="hexagon">
+            <a:avLst/>
+          </a:prstGeom>
+          <a:solidFill>
+            <a:schemeClr val="bg1"/>
+          </a:solidFill>
+        </p:spPr>
+        <p:style>
+          <a:lnRef idx="2">
+            <a:schemeClr val="accent1">
+              <a:shade val="50000"/>
+            </a:schemeClr>
+          </a:lnRef>
+          <a:fillRef idx="1">
+            <a:schemeClr val="accent1"/>
+          </a:fillRef>
+          <a:effectRef idx="0">
+            <a:schemeClr val="accent1"/>
+          </a:effectRef>
+          <a:fontRef idx="minor">
+            <a:schemeClr val="lt1"/>
+          </a:fontRef>
+        </p:style>
+        <p:txBody>
+          <a:bodyPr rtlCol="0" anchor="ctr"/>
+          <a:p>
+            <a:pPr algn="ctr"/>
+            <a:endParaRPr lang="zh-CN" altLang="en-US"/>
+          </a:p>
+        </p:txBody>
+      </p:sp>
+      <p:sp>
+        <p:nvSpPr>
+          <p:cNvPr id="13" name="六边形 12"/>
+          <p:cNvSpPr/>
+          <p:nvPr/>
+        </p:nvSpPr>
+        <p:spPr>
+          <a:xfrm>
+            <a:off x="3665220" y="2853690"/>
+            <a:ext cx="930275" cy="808990"/>
+          </a:xfrm>
+          <a:prstGeom prst="hexagon">
+            <a:avLst/>
+          </a:prstGeom>
+          <a:solidFill>
+            <a:schemeClr val="bg1"/>
+          </a:solidFill>
+        </p:spPr>
+        <p:style>
+          <a:lnRef idx="2">
+            <a:schemeClr val="accent1">
+              <a:shade val="50000"/>
+            </a:schemeClr>
+          </a:lnRef>
+          <a:fillRef idx="1">
+            <a:schemeClr val="accent1"/>
+          </a:fillRef>
+          <a:effectRef idx="0">
+            <a:schemeClr val="accent1"/>
+          </a:effectRef>
+          <a:fontRef idx="minor">
+            <a:schemeClr val="lt1"/>
+          </a:fontRef>
+        </p:style>
+        <p:txBody>
+          <a:bodyPr rtlCol="0" anchor="ctr"/>
+          <a:p>
+            <a:pPr algn="ctr"/>
+            <a:endParaRPr lang="zh-CN" altLang="en-US"/>
+          </a:p>
+        </p:txBody>
+      </p:sp>
+      <p:sp>
+        <p:nvSpPr>
+          <p:cNvPr id="14" name="六边形 13"/>
+          <p:cNvSpPr/>
+          <p:nvPr/>
+        </p:nvSpPr>
+        <p:spPr>
+          <a:xfrm>
+            <a:off x="2918460" y="4060190"/>
+            <a:ext cx="930275" cy="808990"/>
+          </a:xfrm>
+          <a:prstGeom prst="hexagon">
+            <a:avLst/>
+          </a:prstGeom>
+          <a:solidFill>
+            <a:schemeClr val="bg1"/>
+          </a:solidFill>
+        </p:spPr>
+        <p:style>
+          <a:lnRef idx="2">
+            <a:schemeClr val="accent1">
+              <a:shade val="50000"/>
+            </a:schemeClr>
+          </a:lnRef>
+          <a:fillRef idx="1">
+            <a:schemeClr val="accent1"/>
+          </a:fillRef>
+          <a:effectRef idx="0">
+            <a:schemeClr val="accent1"/>
+          </a:effectRef>
+          <a:fontRef idx="minor">
+            <a:schemeClr val="lt1"/>
+          </a:fontRef>
+        </p:style>
+        <p:txBody>
+          <a:bodyPr rtlCol="0" anchor="ctr"/>
+          <a:p>
+            <a:pPr algn="ctr"/>
+            <a:endParaRPr lang="zh-CN" altLang="en-US"/>
+          </a:p>
+        </p:txBody>
+      </p:sp>
+      <p:pic>
+        <p:nvPicPr>
+          <p:cNvPr id="20" name="图片 19" descr="hive"/>
+          <p:cNvPicPr>
+            <a:picLocks noChangeAspect="1"/>
+          </p:cNvPicPr>
+          <p:nvPr/>
+        </p:nvPicPr>
+        <p:blipFill>
+          <a:blip r:embed="rId2"/>
+          <a:stretch>
+            <a:fillRect/>
+          </a:stretch>
+        </p:blipFill>
+        <p:spPr>
+          <a:xfrm>
+            <a:off x="3128645" y="3443605"/>
+            <a:ext cx="1945640" cy="1278255"/>
+          </a:xfrm>
+          <a:prstGeom prst="rect">
+            <a:avLst/>
+          </a:prstGeom>
+        </p:spPr>
+      </p:pic>
+      <p:sp>
+        <p:nvSpPr>
+          <p:cNvPr id="15" name="文本框 14"/>
+          <p:cNvSpPr txBox="1"/>
+          <p:nvPr/>
+        </p:nvSpPr>
+        <p:spPr>
+          <a:xfrm>
+            <a:off x="6232525" y="2983230"/>
+            <a:ext cx="4393565" cy="460375"/>
+          </a:xfrm>
+          <a:prstGeom prst="rect">
+            <a:avLst/>
+          </a:prstGeom>
+          <a:noFill/>
+        </p:spPr>
+        <p:txBody>
+          <a:bodyPr wrap="square" rtlCol="0">
+            <a:spAutoFit/>
+          </a:bodyPr>
+          <a:p>
+            <a:r>
+              <a:rPr lang="en-US" altLang="zh-CN" sz="2400"/>
+              <a:t>  </a:t>
+            </a:r>
+            <a:r>
+              <a:rPr lang="zh-CN" altLang="en-US" sz="2400"/>
+              <a:t>基于多数据源构建数据仓库</a:t>
+            </a:r>
+            <a:endParaRPr lang="zh-CN" altLang="en-US" sz="2400"/>
+          </a:p>
+        </p:txBody>
+      </p:sp>
+      <p:sp>
+        <p:nvSpPr>
+          <p:cNvPr id="16" name="圆角矩形 15"/>
+          <p:cNvSpPr/>
+          <p:nvPr/>
+        </p:nvSpPr>
+        <p:spPr>
+          <a:xfrm>
+            <a:off x="5989955" y="2814955"/>
+            <a:ext cx="4879340" cy="2535555"/>
+          </a:xfrm>
+          <a:prstGeom prst="roundRect">
+            <a:avLst/>
+          </a:prstGeom>
+          <a:noFill/>
+        </p:spPr>
+        <p:style>
+          <a:lnRef idx="2">
+            <a:schemeClr val="accent1">
+              <a:shade val="50000"/>
+            </a:schemeClr>
+          </a:lnRef>
+          <a:fillRef idx="1">
+            <a:schemeClr val="accent1"/>
+          </a:fillRef>
+          <a:effectRef idx="0">
+            <a:schemeClr val="accent1"/>
+          </a:effectRef>
+          <a:fontRef idx="minor">
+            <a:schemeClr val="lt1"/>
+          </a:fontRef>
+        </p:style>
+        <p:txBody>
+          <a:bodyPr rtlCol="0" anchor="ctr"/>
+          <a:p>
+            <a:pPr algn="ctr"/>
+            <a:endParaRPr lang="zh-CN" altLang="en-US"/>
+          </a:p>
+        </p:txBody>
+      </p:sp>
+      <p:sp>
+        <p:nvSpPr>
+          <p:cNvPr id="17" name="文本框 16"/>
+          <p:cNvSpPr txBox="1"/>
+          <p:nvPr/>
+        </p:nvSpPr>
+        <p:spPr>
+          <a:xfrm>
+            <a:off x="6498590" y="3662680"/>
+            <a:ext cx="3862705" cy="460375"/>
+          </a:xfrm>
+          <a:prstGeom prst="rect">
+            <a:avLst/>
+          </a:prstGeom>
+          <a:noFill/>
+        </p:spPr>
+        <p:txBody>
+          <a:bodyPr wrap="square" rtlCol="0">
+            <a:spAutoFit/>
+          </a:bodyPr>
+          <a:p>
+            <a:r>
+              <a:rPr lang="en-US" altLang="zh-CN" sz="2400"/>
+              <a:t>1:</a:t>
+            </a:r>
+            <a:r>
+              <a:rPr lang="zh-CN" altLang="en-US" sz="2400"/>
+              <a:t>文件型数据源</a:t>
+            </a:r>
+            <a:endParaRPr lang="zh-CN" altLang="en-US" sz="2400"/>
+          </a:p>
+        </p:txBody>
+      </p:sp>
+      <p:sp>
+        <p:nvSpPr>
+          <p:cNvPr id="19" name="文本框 18"/>
+          <p:cNvSpPr txBox="1"/>
+          <p:nvPr/>
+        </p:nvSpPr>
+        <p:spPr>
+          <a:xfrm>
+            <a:off x="6498590" y="4500880"/>
+            <a:ext cx="3538220" cy="460375"/>
+          </a:xfrm>
+          <a:prstGeom prst="rect">
+            <a:avLst/>
+          </a:prstGeom>
+          <a:noFill/>
+        </p:spPr>
+        <p:txBody>
+          <a:bodyPr wrap="square" rtlCol="0">
+            <a:spAutoFit/>
+          </a:bodyPr>
+          <a:p>
+            <a:r>
+              <a:rPr lang="en-US" altLang="zh-CN" sz="2400"/>
+              <a:t>2:</a:t>
+            </a:r>
+            <a:r>
+              <a:rPr lang="zh-CN" altLang="en-US" sz="2400"/>
+              <a:t>传统数据库数据源</a:t>
+            </a:r>
+            <a:endParaRPr lang="zh-CN" altLang="en-US" sz="2400"/>
+          </a:p>
+        </p:txBody>
+      </p:sp>
+    </p:spTree>
+    <p:custDataLst>
+      <p:tags r:id="rId3"/>
+    </p:custDataLst>
+  </p:cSld>
+  <p:clrMapOvr>
+    <a:masterClrMapping/>
+  </p:clrMapOvr>
+</p:sld>
+</file>
+
+<file path=ppt/slides/slide7.xml><?xml version="1.0" encoding="utf-8"?>
+<p:sld xmlns:a="http://schemas.openxmlformats.org/drawingml/2006/main" xmlns:r="http://schemas.openxmlformats.org/officeDocument/2006/relationships" xmlns:p="http://schemas.openxmlformats.org/presentationml/2006/main">
+  <p:cSld>
+    <p:spTree>
+      <p:nvGrpSpPr>
+        <p:cNvPr id="1" name=""/>
+        <p:cNvGrpSpPr/>
+        <p:nvPr/>
+      </p:nvGrpSpPr>
+      <p:grpSpPr/>
+      <p:cxnSp>
+        <p:nvCxnSpPr>
+          <p:cNvPr id="4" name="直接连接符 3"/>
+          <p:cNvCxnSpPr/>
+          <p:nvPr/>
+        </p:nvCxnSpPr>
+        <p:spPr>
+          <a:xfrm>
+            <a:off x="931545" y="1303020"/>
+            <a:ext cx="10589260" cy="0"/>
+          </a:xfrm>
+          <a:prstGeom prst="line">
+            <a:avLst/>
+          </a:prstGeom>
+        </p:spPr>
+        <p:style>
+          <a:lnRef idx="1">
+            <a:schemeClr val="accent5"/>
+          </a:lnRef>
+          <a:fillRef idx="0">
+            <a:schemeClr val="accent5"/>
+          </a:fillRef>
+          <a:effectRef idx="0">
+            <a:schemeClr val="accent5"/>
+          </a:effectRef>
+          <a:fontRef idx="minor">
+            <a:schemeClr val="tx1"/>
+          </a:fontRef>
+        </p:style>
+      </p:cxnSp>
+      <p:pic>
+        <p:nvPicPr>
+          <p:cNvPr id="7" name="图片 6" descr="pic"/>
+          <p:cNvPicPr>
+            <a:picLocks noChangeAspect="1"/>
+          </p:cNvPicPr>
+          <p:nvPr/>
+        </p:nvPicPr>
+        <p:blipFill>
+          <a:blip r:embed="rId1"/>
+          <a:stretch>
+            <a:fillRect/>
+          </a:stretch>
+        </p:blipFill>
+        <p:spPr>
+          <a:xfrm>
+            <a:off x="9237980" y="678180"/>
+            <a:ext cx="2282825" cy="624840"/>
+          </a:xfrm>
+          <a:prstGeom prst="rect">
+            <a:avLst/>
+          </a:prstGeom>
+        </p:spPr>
+      </p:pic>
+      <p:sp>
+        <p:nvSpPr>
+          <p:cNvPr id="11" name="对角圆角矩形 10"/>
+          <p:cNvSpPr/>
+          <p:nvPr/>
+        </p:nvSpPr>
+        <p:spPr>
+          <a:xfrm>
+            <a:off x="1859915" y="1835150"/>
+            <a:ext cx="9528175" cy="4288790"/>
+          </a:xfrm>
+          <a:prstGeom prst="round2DiagRect">
+            <a:avLst/>
+          </a:prstGeom>
+          <a:solidFill>
+            <a:schemeClr val="bg1"/>
+          </a:solidFill>
+          <a:ln w="12700" cmpd="sng">
+            <a:solidFill>
+              <a:schemeClr val="accent1">
+                <a:shade val="50000"/>
+              </a:schemeClr>
+            </a:solidFill>
+            <a:prstDash val="solid"/>
+          </a:ln>
+          <a:effectLst>
+            <a:glow rad="139700">
+              <a:schemeClr val="accent6">
+                <a:satMod val="175000"/>
+                <a:alpha val="40000"/>
+              </a:schemeClr>
+            </a:glow>
+          </a:effectLst>
+        </p:spPr>
+        <p:style>
+          <a:lnRef idx="2">
+            <a:schemeClr val="accent6"/>
+          </a:lnRef>
+          <a:fillRef idx="1">
+            <a:schemeClr val="lt1"/>
+          </a:fillRef>
+          <a:effectRef idx="0">
+            <a:schemeClr val="accent6"/>
+          </a:effectRef>
+          <a:fontRef idx="minor">
+            <a:schemeClr val="dk1"/>
+          </a:fontRef>
+        </p:style>
+        <p:txBody>
+          <a:bodyPr rtlCol="0" anchor="ctr">
+            <a:scene3d>
+              <a:camera prst="orthographicFront"/>
+              <a:lightRig rig="threePt" dir="t"/>
+            </a:scene3d>
+          </a:bodyPr>
+          <a:p>
+            <a:pPr algn="ctr"/>
+            <a:endParaRPr lang="zh-CN" altLang="en-US">
+              <a:solidFill>
+                <a:schemeClr val="tx1"/>
+              </a:solidFill>
+              <a:effectLst>
+                <a:outerShdw blurRad="38100" dist="19050" dir="2700000" algn="tl" rotWithShape="0">
+                  <a:schemeClr val="dk1">
+                    <a:alpha val="40000"/>
+                  </a:schemeClr>
+                </a:outerShdw>
+              </a:effectLst>
+            </a:endParaRPr>
+          </a:p>
+        </p:txBody>
+      </p:sp>
+      <p:sp>
+        <p:nvSpPr>
+          <p:cNvPr id="6" name="文本框 5"/>
+          <p:cNvSpPr txBox="1"/>
+          <p:nvPr/>
+        </p:nvSpPr>
+        <p:spPr>
+          <a:xfrm>
+            <a:off x="2732405" y="2124075"/>
+            <a:ext cx="3538855" cy="460375"/>
+          </a:xfrm>
+          <a:prstGeom prst="rect">
+            <a:avLst/>
+          </a:prstGeom>
+          <a:noFill/>
+        </p:spPr>
+        <p:txBody>
+          <a:bodyPr wrap="square" rtlCol="0">
+            <a:spAutoFit/>
+          </a:bodyPr>
+          <a:p>
+            <a:r>
+              <a:rPr lang="en-US" altLang="zh-CN" sz="2400"/>
+              <a:t>4 : </a:t>
+            </a:r>
+            <a:r>
+              <a:rPr lang="zh-CN" altLang="en-US" sz="2400"/>
+              <a:t>数据分析层</a:t>
+            </a:r>
+            <a:endParaRPr lang="zh-CN" altLang="en-US" sz="2400"/>
+          </a:p>
+        </p:txBody>
+      </p:sp>
+      <p:sp>
+        <p:nvSpPr>
+          <p:cNvPr id="8" name="圆柱形 7"/>
+          <p:cNvSpPr/>
+          <p:nvPr/>
+        </p:nvSpPr>
+        <p:spPr>
+          <a:xfrm>
+            <a:off x="2830195" y="3008630"/>
+            <a:ext cx="2578735" cy="2418715"/>
+          </a:xfrm>
+          <a:prstGeom prst="can">
+            <a:avLst/>
+          </a:prstGeom>
+          <a:noFill/>
+        </p:spPr>
+        <p:style>
+          <a:lnRef idx="2">
+            <a:schemeClr val="accent1">
+              <a:shade val="50000"/>
+            </a:schemeClr>
+          </a:lnRef>
+          <a:fillRef idx="1">
+            <a:schemeClr val="accent1"/>
+          </a:fillRef>
+          <a:effectRef idx="0">
+            <a:schemeClr val="accent1"/>
+          </a:effectRef>
+          <a:fontRef idx="minor">
+            <a:schemeClr val="lt1"/>
+          </a:fontRef>
+        </p:style>
+        <p:txBody>
+          <a:bodyPr rtlCol="0" anchor="ctr"/>
+          <a:p>
+            <a:pPr algn="ctr"/>
+            <a:endParaRPr lang="zh-CN" altLang="en-US"/>
+          </a:p>
+        </p:txBody>
+      </p:sp>
+      <p:pic>
+        <p:nvPicPr>
+          <p:cNvPr id="9" name="图片 8" descr="spark"/>
+          <p:cNvPicPr>
+            <a:picLocks noChangeAspect="1"/>
+          </p:cNvPicPr>
+          <p:nvPr/>
+        </p:nvPicPr>
+        <p:blipFill>
+          <a:blip r:embed="rId2"/>
+          <a:stretch>
+            <a:fillRect/>
+          </a:stretch>
+        </p:blipFill>
+        <p:spPr>
+          <a:xfrm>
+            <a:off x="3074670" y="3712210"/>
+            <a:ext cx="2089785" cy="1522730"/>
+          </a:xfrm>
+          <a:prstGeom prst="rect">
+            <a:avLst/>
+          </a:prstGeom>
+        </p:spPr>
+      </p:pic>
+      <p:sp>
+        <p:nvSpPr>
+          <p:cNvPr id="10" name="圆角矩形 9"/>
+          <p:cNvSpPr/>
+          <p:nvPr/>
+        </p:nvSpPr>
+        <p:spPr>
+          <a:xfrm>
+            <a:off x="6433820" y="2780665"/>
+            <a:ext cx="4688205" cy="2874645"/>
+          </a:xfrm>
+          <a:prstGeom prst="roundRect">
+            <a:avLst/>
+          </a:prstGeom>
+          <a:solidFill>
+            <a:schemeClr val="bg1"/>
+          </a:solidFill>
+        </p:spPr>
+        <p:style>
+          <a:lnRef idx="2">
+            <a:schemeClr val="accent1">
+              <a:shade val="50000"/>
+            </a:schemeClr>
+          </a:lnRef>
+          <a:fillRef idx="1">
+            <a:schemeClr val="accent1"/>
+          </a:fillRef>
+          <a:effectRef idx="0">
+            <a:schemeClr val="accent1"/>
+          </a:effectRef>
+          <a:fontRef idx="minor">
+            <a:schemeClr val="lt1"/>
+          </a:fontRef>
+        </p:style>
+        <p:txBody>
+          <a:bodyPr rtlCol="0" anchor="ctr"/>
+          <a:p>
+            <a:pPr algn="ctr"/>
+            <a:endParaRPr lang="zh-CN" altLang="en-US"/>
+          </a:p>
+        </p:txBody>
+      </p:sp>
+      <p:sp>
+        <p:nvSpPr>
+          <p:cNvPr id="12" name="文本框 11"/>
+          <p:cNvSpPr txBox="1"/>
+          <p:nvPr/>
+        </p:nvSpPr>
+        <p:spPr>
+          <a:xfrm>
+            <a:off x="6757035" y="3185160"/>
+            <a:ext cx="3943350" cy="829945"/>
+          </a:xfrm>
+          <a:prstGeom prst="rect">
+            <a:avLst/>
+          </a:prstGeom>
+          <a:noFill/>
+        </p:spPr>
+        <p:txBody>
+          <a:bodyPr wrap="square" rtlCol="0">
+            <a:spAutoFit/>
+          </a:bodyPr>
+          <a:p>
+            <a:r>
+              <a:rPr lang="en-US" altLang="zh-CN" sz="2400"/>
+              <a:t>1: </a:t>
+            </a:r>
+            <a:r>
+              <a:rPr lang="zh-CN" altLang="en-US" sz="2400"/>
+              <a:t>基于</a:t>
+            </a:r>
+            <a:r>
+              <a:rPr lang="en-US" altLang="zh-CN" sz="2400"/>
+              <a:t>DataFrame</a:t>
+            </a:r>
+            <a:r>
+              <a:rPr lang="zh-CN" altLang="en-US" sz="2400"/>
+              <a:t>和</a:t>
+            </a:r>
+            <a:r>
+              <a:rPr lang="en-US" altLang="zh-CN" sz="2400"/>
+              <a:t>DataSet       </a:t>
+            </a:r>
+            <a:r>
+              <a:rPr lang="zh-CN" altLang="en-US" sz="2400"/>
+              <a:t>数据结构</a:t>
+            </a:r>
+            <a:r>
+              <a:rPr lang="zh-CN" altLang="en-US" sz="2400"/>
+              <a:t>进行快速开发</a:t>
+            </a:r>
+            <a:endParaRPr lang="zh-CN" altLang="en-US" sz="2400"/>
+          </a:p>
+        </p:txBody>
+      </p:sp>
+      <p:sp>
+        <p:nvSpPr>
+          <p:cNvPr id="13" name="文本框 12"/>
+          <p:cNvSpPr txBox="1"/>
+          <p:nvPr/>
+        </p:nvSpPr>
+        <p:spPr>
+          <a:xfrm>
+            <a:off x="6757035" y="4404995"/>
+            <a:ext cx="3942715" cy="460375"/>
+          </a:xfrm>
+          <a:prstGeom prst="rect">
+            <a:avLst/>
+          </a:prstGeom>
+          <a:noFill/>
+        </p:spPr>
+        <p:txBody>
+          <a:bodyPr wrap="square" rtlCol="0">
+            <a:spAutoFit/>
+          </a:bodyPr>
+          <a:p>
+            <a:r>
+              <a:rPr lang="en-US" altLang="zh-CN" sz="2400"/>
+              <a:t>2:</a:t>
+            </a:r>
+            <a:r>
+              <a:rPr lang="zh-CN" altLang="en-US" sz="2400"/>
+              <a:t>为后续流式处理奠定基础</a:t>
+            </a:r>
+            <a:endParaRPr lang="zh-CN" altLang="en-US" sz="2400"/>
+          </a:p>
+        </p:txBody>
+      </p:sp>
+    </p:spTree>
+    <p:custDataLst>
+      <p:tags r:id="rId3"/>
+    </p:custDataLst>
+  </p:cSld>
+  <p:clrMapOvr>
+    <a:masterClrMapping/>
+  </p:clrMapOvr>
+</p:sld>
+</file>
+
+<file path=ppt/slides/slide8.xml><?xml version="1.0" encoding="utf-8"?>
+<p:sld xmlns:a="http://schemas.openxmlformats.org/drawingml/2006/main" xmlns:r="http://schemas.openxmlformats.org/officeDocument/2006/relationships" xmlns:p="http://schemas.openxmlformats.org/presentationml/2006/main">
+  <p:cSld>
+    <p:spTree>
+      <p:nvGrpSpPr>
+        <p:cNvPr id="1" name=""/>
+        <p:cNvGrpSpPr/>
+        <p:nvPr/>
+      </p:nvGrpSpPr>
+      <p:grpSpPr/>
+      <p:cxnSp>
+        <p:nvCxnSpPr>
+          <p:cNvPr id="4" name="直接连接符 3"/>
+          <p:cNvCxnSpPr/>
+          <p:nvPr/>
+        </p:nvCxnSpPr>
+        <p:spPr>
+          <a:xfrm>
+            <a:off x="931545" y="1303020"/>
+            <a:ext cx="10589260" cy="0"/>
+          </a:xfrm>
+          <a:prstGeom prst="line">
+            <a:avLst/>
+          </a:prstGeom>
+        </p:spPr>
+        <p:style>
+          <a:lnRef idx="1">
+            <a:schemeClr val="accent5"/>
+          </a:lnRef>
+          <a:fillRef idx="0">
+            <a:schemeClr val="accent5"/>
+          </a:fillRef>
+          <a:effectRef idx="0">
+            <a:schemeClr val="accent5"/>
+          </a:effectRef>
+          <a:fontRef idx="minor">
+            <a:schemeClr val="tx1"/>
+          </a:fontRef>
+        </p:style>
+      </p:cxnSp>
+      <p:pic>
+        <p:nvPicPr>
+          <p:cNvPr id="7" name="图片 6" descr="pic"/>
+          <p:cNvPicPr>
+            <a:picLocks noChangeAspect="1"/>
+          </p:cNvPicPr>
+          <p:nvPr/>
+        </p:nvPicPr>
+        <p:blipFill>
+          <a:blip r:embed="rId1"/>
+          <a:stretch>
+            <a:fillRect/>
+          </a:stretch>
+        </p:blipFill>
+        <p:spPr>
+          <a:xfrm>
+            <a:off x="9237980" y="678180"/>
+            <a:ext cx="2282825" cy="624840"/>
+          </a:xfrm>
+          <a:prstGeom prst="rect">
+            <a:avLst/>
+          </a:prstGeom>
+        </p:spPr>
+      </p:pic>
+      <p:sp>
+        <p:nvSpPr>
+          <p:cNvPr id="16" name="流程图: 过程 15"/>
+          <p:cNvSpPr/>
+          <p:nvPr/>
+        </p:nvSpPr>
+        <p:spPr>
+          <a:xfrm>
+            <a:off x="1488440" y="1555750"/>
+            <a:ext cx="1886585" cy="914400"/>
+          </a:xfrm>
+          <a:prstGeom prst="flowChartProcess">
+            <a:avLst/>
+          </a:prstGeom>
+          <a:noFill/>
+        </p:spPr>
+        <p:style>
+          <a:lnRef idx="2">
+            <a:schemeClr val="accent1">
+              <a:shade val="50000"/>
+            </a:schemeClr>
+          </a:lnRef>
+          <a:fillRef idx="1">
+            <a:schemeClr val="accent1"/>
+          </a:fillRef>
+          <a:effectRef idx="0">
+            <a:schemeClr val="accent1"/>
+          </a:effectRef>
+          <a:fontRef idx="minor">
+            <a:schemeClr val="lt1"/>
+          </a:fontRef>
+        </p:style>
+        <p:txBody>
+          <a:bodyPr rtlCol="0" anchor="ctr"/>
+          <a:p>
+            <a:pPr algn="ctr"/>
+            <a:endParaRPr lang="zh-CN" altLang="en-US"/>
+          </a:p>
+        </p:txBody>
+      </p:sp>
+      <p:sp>
+        <p:nvSpPr>
+          <p:cNvPr id="17" name="流程图: 过程 16"/>
+          <p:cNvSpPr/>
+          <p:nvPr/>
+        </p:nvSpPr>
+        <p:spPr>
+          <a:xfrm>
+            <a:off x="1488440" y="2765425"/>
+            <a:ext cx="1886585" cy="914400"/>
+          </a:xfrm>
+          <a:prstGeom prst="flowChartProcess">
+            <a:avLst/>
+          </a:prstGeom>
+          <a:noFill/>
+        </p:spPr>
+        <p:style>
+          <a:lnRef idx="2">
+            <a:schemeClr val="accent1">
+              <a:shade val="50000"/>
+            </a:schemeClr>
+          </a:lnRef>
+          <a:fillRef idx="1">
+            <a:schemeClr val="accent1"/>
+          </a:fillRef>
+          <a:effectRef idx="0">
+            <a:schemeClr val="accent1"/>
+          </a:effectRef>
+          <a:fontRef idx="minor">
+            <a:schemeClr val="lt1"/>
+          </a:fontRef>
+        </p:style>
+        <p:txBody>
+          <a:bodyPr rtlCol="0" anchor="ctr"/>
+          <a:p>
+            <a:pPr algn="ctr"/>
+            <a:endParaRPr lang="zh-CN" altLang="en-US"/>
+          </a:p>
+        </p:txBody>
+      </p:sp>
+      <p:sp>
+        <p:nvSpPr>
+          <p:cNvPr id="18" name="文本框 17"/>
+          <p:cNvSpPr txBox="1"/>
+          <p:nvPr/>
+        </p:nvSpPr>
+        <p:spPr>
+          <a:xfrm>
+            <a:off x="1650365" y="1828800"/>
+            <a:ext cx="1554480" cy="368300"/>
+          </a:xfrm>
+          <a:prstGeom prst="rect">
+            <a:avLst/>
+          </a:prstGeom>
+          <a:noFill/>
+        </p:spPr>
+        <p:txBody>
+          <a:bodyPr wrap="none" rtlCol="0">
+            <a:spAutoFit/>
+          </a:bodyPr>
+          <a:p>
+            <a:r>
+              <a:rPr lang="zh-CN" altLang="en-US">
+                <a:ln/>
+                <a:solidFill>
+                  <a:schemeClr val="tx1"/>
+                </a:solidFill>
+                <a:effectLst>
+                  <a:outerShdw blurRad="38100" dist="19050" dir="2700000" algn="tl" rotWithShape="0">
+                    <a:schemeClr val="dk1">
+                      <a:alpha val="40000"/>
+                    </a:schemeClr>
+                  </a:outerShdw>
+                </a:effectLst>
+              </a:rPr>
+              <a:t>本地文件系统</a:t>
+            </a:r>
+            <a:endParaRPr lang="zh-CN" altLang="en-US">
+              <a:ln/>
+              <a:solidFill>
+                <a:schemeClr val="tx1"/>
+              </a:solidFill>
+              <a:effectLst>
+                <a:outerShdw blurRad="38100" dist="19050" dir="2700000" algn="tl" rotWithShape="0">
+                  <a:schemeClr val="dk1">
+                    <a:alpha val="40000"/>
+                  </a:schemeClr>
+                </a:outerShdw>
+              </a:effectLst>
+            </a:endParaRPr>
+          </a:p>
+        </p:txBody>
+      </p:sp>
+      <p:sp>
+        <p:nvSpPr>
+          <p:cNvPr id="19" name="文本框 18"/>
+          <p:cNvSpPr txBox="1"/>
+          <p:nvPr/>
+        </p:nvSpPr>
+        <p:spPr>
+          <a:xfrm>
+            <a:off x="1764665" y="3038475"/>
+            <a:ext cx="1325880" cy="368300"/>
+          </a:xfrm>
+          <a:prstGeom prst="rect">
+            <a:avLst/>
+          </a:prstGeom>
+          <a:noFill/>
+        </p:spPr>
+        <p:txBody>
+          <a:bodyPr wrap="none" rtlCol="0">
+            <a:spAutoFit/>
+          </a:bodyPr>
+          <a:p>
+            <a:r>
+              <a:rPr lang="zh-CN" altLang="en-US">
+                <a:effectLst>
+                  <a:outerShdw blurRad="38100" dist="38100" dir="2700000" algn="tl">
+                    <a:srgbClr val="000000">
+                      <a:alpha val="43137"/>
+                    </a:srgbClr>
+                  </a:outerShdw>
+                </a:effectLst>
+              </a:rPr>
+              <a:t>传统数据库</a:t>
+            </a:r>
+            <a:endParaRPr lang="zh-CN" altLang="en-US">
+              <a:effectLst>
+                <a:outerShdw blurRad="38100" dist="38100" dir="2700000" algn="tl">
+                  <a:srgbClr val="000000">
+                    <a:alpha val="43137"/>
+                  </a:srgbClr>
+                </a:outerShdw>
+              </a:effectLst>
+            </a:endParaRPr>
+          </a:p>
+        </p:txBody>
+      </p:sp>
+      <p:sp>
+        <p:nvSpPr>
+          <p:cNvPr id="20" name="右箭头 19"/>
+          <p:cNvSpPr/>
+          <p:nvPr/>
+        </p:nvSpPr>
+        <p:spPr>
+          <a:xfrm>
+            <a:off x="4244340" y="1752600"/>
+            <a:ext cx="2433320" cy="521335"/>
+          </a:xfrm>
+          <a:prstGeom prst="rightArrow">
+            <a:avLst/>
+          </a:prstGeom>
+          <a:solidFill>
+            <a:schemeClr val="bg1"/>
+          </a:solidFill>
+        </p:spPr>
+        <p:style>
+          <a:lnRef idx="2">
+            <a:schemeClr val="accent1">
+              <a:shade val="50000"/>
+            </a:schemeClr>
+          </a:lnRef>
+          <a:fillRef idx="1">
+            <a:schemeClr val="accent1"/>
+          </a:fillRef>
+          <a:effectRef idx="0">
+            <a:schemeClr val="accent1"/>
+          </a:effectRef>
+          <a:fontRef idx="minor">
+            <a:schemeClr val="lt1"/>
+          </a:fontRef>
+        </p:style>
+        <p:txBody>
+          <a:bodyPr rtlCol="0" anchor="ctr"/>
+          <a:p>
+            <a:pPr algn="ctr"/>
+            <a:endParaRPr lang="zh-CN" altLang="en-US"/>
+          </a:p>
+        </p:txBody>
+      </p:sp>
+      <p:sp>
+        <p:nvSpPr>
+          <p:cNvPr id="21" name="右箭头 20"/>
+          <p:cNvSpPr/>
+          <p:nvPr/>
+        </p:nvSpPr>
+        <p:spPr>
+          <a:xfrm>
+            <a:off x="4244340" y="2979420"/>
+            <a:ext cx="2433955" cy="521335"/>
+          </a:xfrm>
+          <a:prstGeom prst="rightArrow">
+            <a:avLst/>
+          </a:prstGeom>
+          <a:solidFill>
+            <a:schemeClr val="bg1"/>
+          </a:solidFill>
+        </p:spPr>
+        <p:style>
+          <a:lnRef idx="2">
+            <a:schemeClr val="accent1">
+              <a:shade val="50000"/>
+            </a:schemeClr>
+          </a:lnRef>
+          <a:fillRef idx="1">
+            <a:schemeClr val="accent1"/>
+          </a:fillRef>
+          <a:effectRef idx="0">
+            <a:schemeClr val="accent1"/>
+          </a:effectRef>
+          <a:fontRef idx="minor">
+            <a:schemeClr val="lt1"/>
+          </a:fontRef>
+        </p:style>
+        <p:txBody>
+          <a:bodyPr rtlCol="0" anchor="ctr"/>
+          <a:p>
+            <a:pPr algn="ctr"/>
+            <a:endParaRPr lang="zh-CN" altLang="en-US"/>
+          </a:p>
+        </p:txBody>
+      </p:sp>
+      <p:sp>
+        <p:nvSpPr>
+          <p:cNvPr id="22" name="流程图: 过程 21"/>
+          <p:cNvSpPr/>
+          <p:nvPr/>
+        </p:nvSpPr>
+        <p:spPr>
+          <a:xfrm>
+            <a:off x="7546975" y="1555750"/>
+            <a:ext cx="1886585" cy="914400"/>
+          </a:xfrm>
+          <a:prstGeom prst="flowChartProcess">
+            <a:avLst/>
+          </a:prstGeom>
+          <a:noFill/>
+        </p:spPr>
+        <p:style>
+          <a:lnRef idx="2">
+            <a:schemeClr val="accent1">
+              <a:shade val="50000"/>
+            </a:schemeClr>
+          </a:lnRef>
+          <a:fillRef idx="1">
+            <a:schemeClr val="accent1"/>
+          </a:fillRef>
+          <a:effectRef idx="0">
+            <a:schemeClr val="accent1"/>
+          </a:effectRef>
+          <a:fontRef idx="minor">
+            <a:schemeClr val="lt1"/>
+          </a:fontRef>
+        </p:style>
+        <p:txBody>
+          <a:bodyPr rtlCol="0" anchor="ctr"/>
+          <a:p>
+            <a:pPr algn="ctr"/>
+            <a:endParaRPr lang="zh-CN" altLang="en-US"/>
+          </a:p>
+        </p:txBody>
+      </p:sp>
+      <p:sp>
+        <p:nvSpPr>
+          <p:cNvPr id="23" name="流程图: 过程 22"/>
+          <p:cNvSpPr/>
+          <p:nvPr/>
+        </p:nvSpPr>
+        <p:spPr>
+          <a:xfrm>
+            <a:off x="7546975" y="2765425"/>
+            <a:ext cx="1886585" cy="914400"/>
+          </a:xfrm>
+          <a:prstGeom prst="flowChartProcess">
+            <a:avLst/>
+          </a:prstGeom>
+          <a:noFill/>
+        </p:spPr>
+        <p:style>
+          <a:lnRef idx="2">
+            <a:schemeClr val="accent1">
+              <a:shade val="50000"/>
+            </a:schemeClr>
+          </a:lnRef>
+          <a:fillRef idx="1">
+            <a:schemeClr val="accent1"/>
+          </a:fillRef>
+          <a:effectRef idx="0">
+            <a:schemeClr val="accent1"/>
+          </a:effectRef>
+          <a:fontRef idx="minor">
+            <a:schemeClr val="lt1"/>
+          </a:fontRef>
+        </p:style>
+        <p:txBody>
+          <a:bodyPr rtlCol="0" anchor="ctr"/>
+          <a:p>
+            <a:pPr algn="ctr"/>
+            <a:endParaRPr lang="zh-CN" altLang="en-US"/>
+          </a:p>
+        </p:txBody>
+      </p:sp>
+      <p:sp>
+        <p:nvSpPr>
+          <p:cNvPr id="24" name="文本框 23"/>
+          <p:cNvSpPr txBox="1"/>
+          <p:nvPr/>
+        </p:nvSpPr>
+        <p:spPr>
+          <a:xfrm>
+            <a:off x="7769860" y="1751965"/>
+            <a:ext cx="1440815" cy="521970"/>
+          </a:xfrm>
+          <a:prstGeom prst="rect">
+            <a:avLst/>
+          </a:prstGeom>
+          <a:noFill/>
+        </p:spPr>
+        <p:txBody>
+          <a:bodyPr wrap="square" rtlCol="0">
+            <a:spAutoFit/>
+          </a:bodyPr>
+          <a:p>
+            <a:r>
+              <a:rPr lang="en-US" altLang="zh-CN" sz="2800"/>
+              <a:t>logstash</a:t>
+            </a:r>
+            <a:endParaRPr lang="en-US" altLang="zh-CN" sz="2800"/>
+          </a:p>
+        </p:txBody>
+      </p:sp>
+      <p:sp>
+        <p:nvSpPr>
+          <p:cNvPr id="25" name="文本框 24"/>
+          <p:cNvSpPr txBox="1"/>
+          <p:nvPr/>
+        </p:nvSpPr>
+        <p:spPr>
+          <a:xfrm>
+            <a:off x="7975600" y="2978785"/>
+            <a:ext cx="1235075" cy="521970"/>
+          </a:xfrm>
+          <a:prstGeom prst="rect">
+            <a:avLst/>
+          </a:prstGeom>
+          <a:noFill/>
+        </p:spPr>
+        <p:txBody>
+          <a:bodyPr wrap="square" rtlCol="0">
+            <a:spAutoFit/>
+          </a:bodyPr>
+          <a:p>
+            <a:r>
+              <a:rPr lang="en-US" altLang="zh-CN" sz="2800"/>
+              <a:t>sqoop</a:t>
+            </a:r>
+            <a:endParaRPr lang="en-US" altLang="zh-CN" sz="2800"/>
+          </a:p>
+        </p:txBody>
+      </p:sp>
+      <p:sp>
+        <p:nvSpPr>
+          <p:cNvPr id="28" name="文本框 27"/>
+          <p:cNvSpPr txBox="1"/>
+          <p:nvPr/>
+        </p:nvSpPr>
+        <p:spPr>
+          <a:xfrm>
+            <a:off x="7672070" y="5256530"/>
+            <a:ext cx="1538605" cy="521970"/>
+          </a:xfrm>
+          <a:prstGeom prst="rect">
+            <a:avLst/>
+          </a:prstGeom>
+          <a:noFill/>
+        </p:spPr>
+        <p:txBody>
+          <a:bodyPr wrap="none" rtlCol="0">
+            <a:spAutoFit/>
+          </a:bodyPr>
+          <a:p>
+            <a:r>
+              <a:rPr lang="en-US" altLang="zh-CN" sz="2800"/>
+              <a:t>hdfs/hive</a:t>
+            </a:r>
+            <a:endParaRPr lang="en-US" altLang="zh-CN" sz="2800"/>
+          </a:p>
+        </p:txBody>
+      </p:sp>
+      <p:sp>
+        <p:nvSpPr>
+          <p:cNvPr id="31" name="圆角矩形 30"/>
+          <p:cNvSpPr/>
+          <p:nvPr/>
+        </p:nvSpPr>
+        <p:spPr>
+          <a:xfrm>
+            <a:off x="1488440" y="5071110"/>
+            <a:ext cx="1932305" cy="1031875"/>
+          </a:xfrm>
+          <a:prstGeom prst="roundRect">
+            <a:avLst/>
+          </a:prstGeom>
+          <a:solidFill>
+            <a:schemeClr val="bg1"/>
+          </a:solidFill>
+        </p:spPr>
+        <p:style>
+          <a:lnRef idx="2">
+            <a:schemeClr val="accent1">
+              <a:shade val="50000"/>
+            </a:schemeClr>
+          </a:lnRef>
+          <a:fillRef idx="1">
+            <a:schemeClr val="accent1"/>
+          </a:fillRef>
+          <a:effectRef idx="0">
+            <a:schemeClr val="accent1"/>
+          </a:effectRef>
+          <a:fontRef idx="minor">
+            <a:schemeClr val="lt1"/>
+          </a:fontRef>
+        </p:style>
+        <p:txBody>
+          <a:bodyPr rtlCol="0" anchor="ctr"/>
+          <a:p>
+            <a:pPr algn="ctr"/>
+            <a:endParaRPr lang="zh-CN" altLang="en-US"/>
+          </a:p>
+        </p:txBody>
+      </p:sp>
+      <p:sp>
+        <p:nvSpPr>
+          <p:cNvPr id="32" name="文本框 31"/>
+          <p:cNvSpPr txBox="1"/>
+          <p:nvPr/>
+        </p:nvSpPr>
+        <p:spPr>
+          <a:xfrm>
+            <a:off x="1972310" y="5325745"/>
+            <a:ext cx="964565" cy="521970"/>
+          </a:xfrm>
+          <a:prstGeom prst="rect">
+            <a:avLst/>
+          </a:prstGeom>
+          <a:noFill/>
+        </p:spPr>
+        <p:txBody>
+          <a:bodyPr wrap="none" rtlCol="0">
+            <a:spAutoFit/>
+          </a:bodyPr>
+          <a:p>
+            <a:r>
+              <a:rPr lang="en-US" altLang="zh-CN" sz="2800"/>
+              <a:t>spark</a:t>
+            </a:r>
+            <a:endParaRPr lang="en-US" altLang="zh-CN" sz="2800"/>
+          </a:p>
+        </p:txBody>
+      </p:sp>
+      <p:sp>
+        <p:nvSpPr>
+          <p:cNvPr id="35" name="流程图: 过程 34"/>
+          <p:cNvSpPr/>
+          <p:nvPr/>
+        </p:nvSpPr>
+        <p:spPr>
+          <a:xfrm>
+            <a:off x="7546975" y="5071110"/>
+            <a:ext cx="1886585" cy="914400"/>
+          </a:xfrm>
+          <a:prstGeom prst="flowChartProcess">
+            <a:avLst/>
+          </a:prstGeom>
+          <a:noFill/>
+        </p:spPr>
+        <p:style>
+          <a:lnRef idx="2">
+            <a:schemeClr val="accent1">
+              <a:shade val="50000"/>
+            </a:schemeClr>
+          </a:lnRef>
+          <a:fillRef idx="1">
+            <a:schemeClr val="accent1"/>
+          </a:fillRef>
+          <a:effectRef idx="0">
+            <a:schemeClr val="accent1"/>
+          </a:effectRef>
+          <a:fontRef idx="minor">
+            <a:schemeClr val="lt1"/>
+          </a:fontRef>
+        </p:style>
+        <p:txBody>
+          <a:bodyPr rtlCol="0" anchor="ctr"/>
+          <a:p>
+            <a:pPr algn="ctr"/>
+            <a:endParaRPr lang="zh-CN" altLang="en-US"/>
+          </a:p>
+        </p:txBody>
+      </p:sp>
+      <p:sp>
+        <p:nvSpPr>
+          <p:cNvPr id="44" name="左右箭头 43"/>
+          <p:cNvSpPr/>
+          <p:nvPr/>
+        </p:nvSpPr>
+        <p:spPr>
+          <a:xfrm>
+            <a:off x="4244340" y="5277485"/>
+            <a:ext cx="2535555" cy="501015"/>
+          </a:xfrm>
+          <a:prstGeom prst="leftRightArrow">
+            <a:avLst/>
+          </a:prstGeom>
+          <a:solidFill>
+            <a:schemeClr val="bg1"/>
+          </a:solidFill>
+        </p:spPr>
+        <p:style>
+          <a:lnRef idx="2">
+            <a:schemeClr val="accent1">
+              <a:shade val="50000"/>
+            </a:schemeClr>
+          </a:lnRef>
+          <a:fillRef idx="1">
+            <a:schemeClr val="accent1"/>
+          </a:fillRef>
+          <a:effectRef idx="0">
+            <a:schemeClr val="accent1"/>
+          </a:effectRef>
+          <a:fontRef idx="minor">
+            <a:schemeClr val="lt1"/>
+          </a:fontRef>
+        </p:style>
+        <p:txBody>
+          <a:bodyPr rtlCol="0" anchor="ctr"/>
+          <a:p>
+            <a:pPr algn="ctr"/>
+            <a:endParaRPr lang="zh-CN" altLang="en-US"/>
+          </a:p>
+        </p:txBody>
+      </p:sp>
+      <p:sp>
+        <p:nvSpPr>
+          <p:cNvPr id="45" name="上下箭头 44"/>
+          <p:cNvSpPr/>
+          <p:nvPr/>
+        </p:nvSpPr>
+        <p:spPr>
+          <a:xfrm>
+            <a:off x="2199005" y="3862705"/>
+            <a:ext cx="456565" cy="991870"/>
+          </a:xfrm>
+          <a:prstGeom prst="upDownArrow">
+            <a:avLst/>
+          </a:prstGeom>
+          <a:solidFill>
+            <a:schemeClr val="bg1"/>
+          </a:solidFill>
+        </p:spPr>
+        <p:style>
+          <a:lnRef idx="2">
+            <a:schemeClr val="accent1">
+              <a:shade val="50000"/>
+            </a:schemeClr>
+          </a:lnRef>
+          <a:fillRef idx="1">
+            <a:schemeClr val="accent1"/>
+          </a:fillRef>
+          <a:effectRef idx="0">
+            <a:schemeClr val="accent1"/>
+          </a:effectRef>
+          <a:fontRef idx="minor">
+            <a:schemeClr val="lt1"/>
+          </a:fontRef>
+        </p:style>
+        <p:txBody>
+          <a:bodyPr rtlCol="0" anchor="ctr"/>
+          <a:p>
+            <a:pPr algn="ctr"/>
+            <a:endParaRPr lang="zh-CN" altLang="en-US"/>
+          </a:p>
+        </p:txBody>
+      </p:sp>
+      <p:sp>
+        <p:nvSpPr>
+          <p:cNvPr id="46" name="下箭头 45"/>
+          <p:cNvSpPr/>
+          <p:nvPr/>
+        </p:nvSpPr>
+        <p:spPr>
+          <a:xfrm>
+            <a:off x="8246745" y="3862705"/>
+            <a:ext cx="486410" cy="1017905"/>
+          </a:xfrm>
+          <a:prstGeom prst="downArrow">
+            <a:avLst/>
+          </a:prstGeom>
+          <a:solidFill>
+            <a:schemeClr val="bg1"/>
+          </a:solidFill>
+        </p:spPr>
+        <p:style>
+          <a:lnRef idx="2">
+            <a:schemeClr val="accent1">
+              <a:shade val="50000"/>
+            </a:schemeClr>
+          </a:lnRef>
+          <a:fillRef idx="1">
+            <a:schemeClr val="accent1"/>
+          </a:fillRef>
+          <a:effectRef idx="0">
+            <a:schemeClr val="accent1"/>
+          </a:effectRef>
+          <a:fontRef idx="minor">
+            <a:schemeClr val="lt1"/>
+          </a:fontRef>
+        </p:style>
+        <p:txBody>
+          <a:bodyPr rtlCol="0" anchor="ctr"/>
+          <a:p>
+            <a:pPr algn="ctr"/>
+            <a:endParaRPr lang="zh-CN" altLang="en-US"/>
+          </a:p>
+        </p:txBody>
+      </p:sp>
+      <p:sp>
+        <p:nvSpPr>
+          <p:cNvPr id="47" name="右弧形箭头 46"/>
+          <p:cNvSpPr/>
+          <p:nvPr/>
+        </p:nvSpPr>
+        <p:spPr>
+          <a:xfrm>
+            <a:off x="9832340" y="2035175"/>
+            <a:ext cx="869950" cy="3582670"/>
+          </a:xfrm>
+          <a:prstGeom prst="curvedLeftArrow">
+            <a:avLst/>
+          </a:prstGeom>
+          <a:solidFill>
+            <a:schemeClr val="bg1"/>
+          </a:solidFill>
+        </p:spPr>
+        <p:style>
+          <a:lnRef idx="2">
+            <a:schemeClr val="accent1">
+              <a:shade val="50000"/>
+            </a:schemeClr>
+          </a:lnRef>
+          <a:fillRef idx="1">
+            <a:schemeClr val="accent1"/>
+          </a:fillRef>
+          <a:effectRef idx="0">
+            <a:schemeClr val="accent1"/>
+          </a:effectRef>
+          <a:fontRef idx="minor">
+            <a:schemeClr val="lt1"/>
+          </a:fontRef>
+        </p:style>
+        <p:txBody>
+          <a:bodyPr rtlCol="0" anchor="ctr"/>
+          <a:p>
+            <a:pPr algn="ctr"/>
+            <a:endParaRPr lang="zh-CN" altLang="en-US">
+              <a:solidFill>
+                <a:schemeClr val="tx1"/>
+              </a:solidFill>
+            </a:endParaRPr>
+          </a:p>
+        </p:txBody>
+      </p:sp>
+    </p:spTree>
+    <p:custDataLst>
+      <p:tags r:id="rId2"/>
+    </p:custDataLst>
+  </p:cSld>
+  <p:clrMapOvr>
+    <a:masterClrMapping/>
+  </p:clrMapOvr>
+</p:sld>
+</file>
+
+<file path=ppt/slides/slide9.xml><?xml version="1.0" encoding="utf-8"?>
+<p:sld xmlns:a="http://schemas.openxmlformats.org/drawingml/2006/main" xmlns:r="http://schemas.openxmlformats.org/officeDocument/2006/relationships" xmlns:p="http://schemas.openxmlformats.org/presentationml/2006/main">
+  <p:cSld>
+    <p:spTree>
+      <p:nvGrpSpPr>
+        <p:cNvPr id="1" name=""/>
+        <p:cNvGrpSpPr/>
+        <p:nvPr/>
+      </p:nvGrpSpPr>
+      <p:grpSpPr/>
+      <p:cxnSp>
+        <p:nvCxnSpPr>
+          <p:cNvPr id="4" name="直接连接符 3"/>
+          <p:cNvCxnSpPr/>
+          <p:nvPr/>
+        </p:nvCxnSpPr>
+        <p:spPr>
+          <a:xfrm>
+            <a:off x="931545" y="1303020"/>
+            <a:ext cx="10589260" cy="0"/>
+          </a:xfrm>
+          <a:prstGeom prst="line">
+            <a:avLst/>
+          </a:prstGeom>
+        </p:spPr>
+        <p:style>
+          <a:lnRef idx="1">
+            <a:schemeClr val="accent5"/>
+          </a:lnRef>
+          <a:fillRef idx="0">
+            <a:schemeClr val="accent5"/>
+          </a:fillRef>
+          <a:effectRef idx="0">
+            <a:schemeClr val="accent5"/>
+          </a:effectRef>
+          <a:fontRef idx="minor">
+            <a:schemeClr val="tx1"/>
+          </a:fontRef>
+        </p:style>
+      </p:cxnSp>
+      <p:pic>
+        <p:nvPicPr>
+          <p:cNvPr id="7" name="图片 6" descr="pic"/>
+          <p:cNvPicPr>
+            <a:picLocks noChangeAspect="1"/>
+          </p:cNvPicPr>
+          <p:nvPr/>
+        </p:nvPicPr>
+        <p:blipFill>
+          <a:blip r:embed="rId1"/>
+          <a:stretch>
+            <a:fillRect/>
+          </a:stretch>
+        </p:blipFill>
+        <p:spPr>
+          <a:xfrm>
+            <a:off x="9237980" y="678180"/>
+            <a:ext cx="2282825" cy="624840"/>
+          </a:xfrm>
+          <a:prstGeom prst="rect">
+            <a:avLst/>
+          </a:prstGeom>
+        </p:spPr>
+      </p:pic>
+      <p:grpSp>
+        <p:nvGrpSpPr>
+          <p:cNvPr id="3" name="组 9"/>
+          <p:cNvGrpSpPr/>
+          <p:nvPr/>
+        </p:nvGrpSpPr>
+        <p:grpSpPr>
+          <a:xfrm>
+            <a:off x="847405" y="1530300"/>
+            <a:ext cx="6306505" cy="692779"/>
+            <a:chOff x="1714501" y="2056771"/>
+            <a:chExt cx="5765799" cy="692779"/>
+          </a:xfrm>
+          <a:solidFill>
+            <a:schemeClr val="bg1">
+              <a:lumMod val="95000"/>
+            </a:schemeClr>
+          </a:solidFill>
+        </p:grpSpPr>
+        <p:sp>
+          <p:nvSpPr>
+            <p:cNvPr id="2" name="AutoShape 5"/>
+            <p:cNvSpPr>
+              <a:spLocks noChangeArrowheads="1"/>
+            </p:cNvSpPr>
+            <p:nvPr/>
+          </p:nvSpPr>
+          <p:spPr bwMode="auto">
+            <a:xfrm>
+              <a:off x="1714501" y="2057402"/>
+              <a:ext cx="808457" cy="576024"/>
+            </a:xfrm>
+            <a:prstGeom prst="roundRect">
+              <a:avLst>
+                <a:gd name="adj" fmla="val 16667"/>
+              </a:avLst>
+            </a:prstGeom>
+            <a:solidFill>
+              <a:srgbClr val="FFC000"/>
+            </a:solidFill>
+            <a:ln>
+              <a:noFill/>
+            </a:ln>
+          </p:spPr>
+          <p:txBody>
+            <a:bodyPr wrap="none" anchor="ctr"/>
+            <a:lstStyle>
+              <a:lvl1pPr indent="158750">
+                <a:buFont typeface="Arial" panose="020B0604020202020204" pitchFamily="34" charset="0"/>
+                <a:defRPr>
+                  <a:solidFill>
+                    <a:schemeClr val="tx1"/>
+                  </a:solidFill>
+                  <a:latin typeface="Verdana" panose="020B0604030504040204" pitchFamily="34" charset="0"/>
+                  <a:ea typeface="微软雅黑" panose="020B0503020204020204" charset="-122"/>
+                </a:defRPr>
+              </a:lvl1pPr>
+              <a:lvl2pPr marL="742950" indent="-285750">
+                <a:buFont typeface="Arial" panose="020B0604020202020204" pitchFamily="34" charset="0"/>
+                <a:defRPr>
+                  <a:solidFill>
+                    <a:schemeClr val="tx1"/>
+                  </a:solidFill>
+                  <a:latin typeface="Verdana" panose="020B0604030504040204" pitchFamily="34" charset="0"/>
+                  <a:ea typeface="微软雅黑" panose="020B0503020204020204" charset="-122"/>
+                </a:defRPr>
+              </a:lvl2pPr>
+              <a:lvl3pPr marL="1143000" indent="-228600">
+                <a:buFont typeface="Arial" panose="020B0604020202020204" pitchFamily="34" charset="0"/>
+                <a:defRPr>
+                  <a:solidFill>
+                    <a:schemeClr val="tx1"/>
+                  </a:solidFill>
+                  <a:latin typeface="Verdana" panose="020B0604030504040204" pitchFamily="34" charset="0"/>
+                  <a:ea typeface="微软雅黑" panose="020B0503020204020204" charset="-122"/>
+                </a:defRPr>
+              </a:lvl3pPr>
+              <a:lvl4pPr marL="1600200" indent="-228600">
+                <a:buFont typeface="Arial" panose="020B0604020202020204" pitchFamily="34" charset="0"/>
+                <a:defRPr>
+                  <a:solidFill>
+                    <a:schemeClr val="tx1"/>
+                  </a:solidFill>
+                  <a:latin typeface="Verdana" panose="020B0604030504040204" pitchFamily="34" charset="0"/>
+                  <a:ea typeface="微软雅黑" panose="020B0503020204020204" charset="-122"/>
+                </a:defRPr>
+              </a:lvl4pPr>
+              <a:lvl5pPr marL="2057400" indent="-228600">
+                <a:buFont typeface="Arial" panose="020B0604020202020204" pitchFamily="34" charset="0"/>
+                <a:defRPr>
+                  <a:solidFill>
+                    <a:schemeClr val="tx1"/>
+                  </a:solidFill>
+                  <a:latin typeface="Verdana" panose="020B0604030504040204" pitchFamily="34" charset="0"/>
+                  <a:ea typeface="微软雅黑" panose="020B0503020204020204" charset="-122"/>
+                </a:defRPr>
+              </a:lvl5pPr>
+              <a:lvl6pPr marL="2514600" indent="-228600" eaLnBrk="0" fontAlgn="base" hangingPunct="0">
+                <a:spcBef>
+                  <a:spcPct val="0"/>
+                </a:spcBef>
+                <a:spcAft>
+                  <a:spcPct val="0"/>
+                </a:spcAft>
+                <a:buFont typeface="Arial" panose="020B0604020202020204" pitchFamily="34" charset="0"/>
+                <a:defRPr>
+                  <a:solidFill>
+                    <a:schemeClr val="tx1"/>
+                  </a:solidFill>
+                  <a:latin typeface="Verdana" panose="020B0604030504040204" pitchFamily="34" charset="0"/>
+                  <a:ea typeface="微软雅黑" panose="020B0503020204020204" charset="-122"/>
+                </a:defRPr>
+              </a:lvl6pPr>
+              <a:lvl7pPr marL="2971800" indent="-228600" eaLnBrk="0" fontAlgn="base" hangingPunct="0">
+                <a:spcBef>
+                  <a:spcPct val="0"/>
+                </a:spcBef>
+                <a:spcAft>
+                  <a:spcPct val="0"/>
+                </a:spcAft>
+                <a:buFont typeface="Arial" panose="020B0604020202020204" pitchFamily="34" charset="0"/>
+                <a:defRPr>
+                  <a:solidFill>
+                    <a:schemeClr val="tx1"/>
+                  </a:solidFill>
+                  <a:latin typeface="Verdana" panose="020B0604030504040204" pitchFamily="34" charset="0"/>
+                  <a:ea typeface="微软雅黑" panose="020B0503020204020204" charset="-122"/>
+                </a:defRPr>
+              </a:lvl7pPr>
+              <a:lvl8pPr marL="3429000" indent="-228600" eaLnBrk="0" fontAlgn="base" hangingPunct="0">
+                <a:spcBef>
+                  <a:spcPct val="0"/>
+                </a:spcBef>
+                <a:spcAft>
+                  <a:spcPct val="0"/>
+                </a:spcAft>
+                <a:buFont typeface="Arial" panose="020B0604020202020204" pitchFamily="34" charset="0"/>
+                <a:defRPr>
+                  <a:solidFill>
+                    <a:schemeClr val="tx1"/>
+                  </a:solidFill>
+                  <a:latin typeface="Verdana" panose="020B0604030504040204" pitchFamily="34" charset="0"/>
+                  <a:ea typeface="微软雅黑" panose="020B0503020204020204" charset="-122"/>
+                </a:defRPr>
+              </a:lvl8pPr>
+              <a:lvl9pPr marL="3886200" indent="-228600" eaLnBrk="0" fontAlgn="base" hangingPunct="0">
+                <a:spcBef>
+                  <a:spcPct val="0"/>
+                </a:spcBef>
+                <a:spcAft>
+                  <a:spcPct val="0"/>
+                </a:spcAft>
+                <a:buFont typeface="Arial" panose="020B0604020202020204" pitchFamily="34" charset="0"/>
+                <a:defRPr>
+                  <a:solidFill>
+                    <a:schemeClr val="tx1"/>
+                  </a:solidFill>
+                  <a:latin typeface="Verdana" panose="020B0604030504040204" pitchFamily="34" charset="0"/>
+                  <a:ea typeface="微软雅黑" panose="020B0503020204020204" charset="-122"/>
+                </a:defRPr>
+              </a:lvl9pPr>
+            </a:lstStyle>
+            <a:p>
+              <a:pPr eaLnBrk="1" hangingPunct="1"/>
+              <a:r>
+                <a:rPr lang="zh-CN" altLang="en-US" sz="2400" b="1" dirty="0">
+                  <a:solidFill>
+                    <a:srgbClr val="FFFFFF"/>
+                  </a:solidFill>
+                  <a:latin typeface="微软雅黑" panose="020B0503020204020204" charset="-122"/>
+                  <a:sym typeface="微软雅黑" panose="020B0503020204020204" charset="-122"/>
+                </a:rPr>
+                <a:t>三</a:t>
+              </a:r>
+              <a:endParaRPr lang="zh-CN" altLang="en-US" sz="2400" b="1" dirty="0">
+                <a:solidFill>
+                  <a:srgbClr val="FFFFFF"/>
+                </a:solidFill>
+                <a:latin typeface="微软雅黑" panose="020B0503020204020204" charset="-122"/>
+                <a:sym typeface="微软雅黑" panose="020B0503020204020204" charset="-122"/>
+              </a:endParaRPr>
+            </a:p>
+          </p:txBody>
+        </p:sp>
+        <p:grpSp>
+          <p:nvGrpSpPr>
+            <p:cNvPr id="5" name="Group 6"/>
+            <p:cNvGrpSpPr/>
+            <p:nvPr/>
+          </p:nvGrpSpPr>
+          <p:grpSpPr bwMode="auto">
+            <a:xfrm>
+              <a:off x="2664835" y="2056771"/>
+              <a:ext cx="4815465" cy="692779"/>
+              <a:chOff x="15" y="20"/>
+              <a:chExt cx="2580" cy="404"/>
+            </a:xfrm>
+            <a:grpFill/>
+          </p:grpSpPr>
+          <p:sp>
+            <p:nvSpPr>
+              <p:cNvPr id="14" name="AutoShape 7"/>
+              <p:cNvSpPr>
+                <a:spLocks noChangeArrowheads="1"/>
+              </p:cNvSpPr>
+              <p:nvPr/>
+            </p:nvSpPr>
+            <p:spPr bwMode="auto">
+              <a:xfrm rot="10800000">
+                <a:off x="31" y="288"/>
+                <a:ext cx="2564" cy="136"/>
+              </a:xfrm>
+              <a:custGeom>
+                <a:avLst/>
+                <a:gdLst>
+                  <a:gd name="T0" fmla="*/ 0 w 21600"/>
+                  <a:gd name="T1" fmla="*/ 0 h 21600"/>
+                  <a:gd name="T2" fmla="*/ 19 w 21600"/>
+                  <a:gd name="T3" fmla="*/ 1 h 21600"/>
+                  <a:gd name="T4" fmla="*/ 286 w 21600"/>
+                  <a:gd name="T5" fmla="*/ 1 h 21600"/>
+                  <a:gd name="T6" fmla="*/ 304 w 21600"/>
+                  <a:gd name="T7" fmla="*/ 0 h 21600"/>
+                  <a:gd name="T8" fmla="*/ 0 w 21600"/>
+                  <a:gd name="T9" fmla="*/ 0 h 21600"/>
+                  <a:gd name="T10" fmla="*/ 0 60000 65536"/>
+                  <a:gd name="T11" fmla="*/ 0 60000 65536"/>
+                  <a:gd name="T12" fmla="*/ 0 60000 65536"/>
+                  <a:gd name="T13" fmla="*/ 0 60000 65536"/>
+                  <a:gd name="T14" fmla="*/ 0 60000 65536"/>
+                  <a:gd name="T15" fmla="*/ 0 w 21600"/>
+                  <a:gd name="T16" fmla="*/ 0 h 21600"/>
+                  <a:gd name="T17" fmla="*/ 21600 w 21600"/>
+                  <a:gd name="T18" fmla="*/ 21600 h 21600"/>
+                </a:gdLst>
+                <a:ahLst/>
+                <a:cxnLst>
+                  <a:cxn ang="T10">
+                    <a:pos x="T0" y="T1"/>
+                  </a:cxn>
+                  <a:cxn ang="T11">
+                    <a:pos x="T2" y="T3"/>
+                  </a:cxn>
+                  <a:cxn ang="T12">
+                    <a:pos x="T4" y="T5"/>
+                  </a:cxn>
+                  <a:cxn ang="T13">
+                    <a:pos x="T6" y="T7"/>
+                  </a:cxn>
+                  <a:cxn ang="T14">
+                    <a:pos x="T8" y="T9"/>
+                  </a:cxn>
+                </a:cxnLst>
+                <a:rect l="T15" t="T16" r="T17" b="T18"/>
+                <a:pathLst>
+                  <a:path w="21600" h="21600">
+                    <a:moveTo>
+                      <a:pt x="0" y="0"/>
+                    </a:moveTo>
+                    <a:lnTo>
+                      <a:pt x="1314" y="21600"/>
+                    </a:lnTo>
+                    <a:lnTo>
+                      <a:pt x="20286" y="21600"/>
+                    </a:lnTo>
+                    <a:lnTo>
+                      <a:pt x="21600" y="0"/>
+                    </a:lnTo>
+                    <a:lnTo>
+                      <a:pt x="0" y="0"/>
+                    </a:lnTo>
+                    <a:close/>
+                  </a:path>
+                </a:pathLst>
+              </a:custGeom>
+              <a:grpFill/>
+              <a:ln>
+                <a:noFill/>
+              </a:ln>
+              <a:extLst>
+                <a:ext uri="{91240B29-F687-4F45-9708-019B960494DF}">
+                  <a14:hiddenLine xmlns:a14="http://schemas.microsoft.com/office/drawing/2010/main" w="9525">
+                    <a:solidFill>
+                      <a:srgbClr val="000000"/>
+                    </a:solidFill>
+                    <a:round/>
+                  </a14:hiddenLine>
+                </a:ext>
+              </a:extLst>
+            </p:spPr>
+            <p:txBody>
+              <a:bodyPr/>
+              <a:lstStyle/>
+              <a:p>
+                <a:endParaRPr lang="zh-CN" altLang="en-US"/>
+              </a:p>
+            </p:txBody>
+          </p:sp>
+          <p:sp>
+            <p:nvSpPr>
+              <p:cNvPr id="15" name="AutoShape 8"/>
+              <p:cNvSpPr>
+                <a:spLocks noChangeArrowheads="1"/>
+              </p:cNvSpPr>
+              <p:nvPr/>
+            </p:nvSpPr>
+            <p:spPr bwMode="auto">
+              <a:xfrm>
+                <a:off x="15" y="20"/>
+                <a:ext cx="2580" cy="336"/>
+              </a:xfrm>
+              <a:prstGeom prst="roundRect">
+                <a:avLst>
+                  <a:gd name="adj" fmla="val 16667"/>
+                </a:avLst>
+              </a:prstGeom>
+              <a:noFill/>
+              <a:extLst>
+                <a:ext uri="{91240B29-F687-4F45-9708-019B960494DF}">
+                  <a14:hiddenLine xmlns:a14="http://schemas.microsoft.com/office/drawing/2010/main" w="9525">
+                    <a:solidFill>
+                      <a:srgbClr val="000000"/>
+                    </a:solidFill>
+                    <a:round/>
+                  </a14:hiddenLine>
+                </a:ext>
+              </a:extLst>
+            </p:spPr>
+            <p:style>
+              <a:lnRef idx="2">
+                <a:schemeClr val="accent1"/>
+              </a:lnRef>
+              <a:fillRef idx="1">
+                <a:schemeClr val="lt1"/>
+              </a:fillRef>
+              <a:effectRef idx="0">
+                <a:schemeClr val="accent1"/>
+              </a:effectRef>
+              <a:fontRef idx="minor">
+                <a:schemeClr val="dk1"/>
+              </a:fontRef>
+            </p:style>
+            <p:txBody>
+              <a:bodyPr wrap="none" anchor="ctr"/>
+              <a:lstStyle>
+                <a:lvl1pPr indent="158750">
+                  <a:buFont typeface="Arial" panose="020B0604020202020204" pitchFamily="34" charset="0"/>
+                  <a:defRPr>
+                    <a:solidFill>
+                      <a:schemeClr val="tx1"/>
+                    </a:solidFill>
+                    <a:latin typeface="Verdana" panose="020B0604030504040204" pitchFamily="34" charset="0"/>
+                    <a:ea typeface="微软雅黑" panose="020B0503020204020204" charset="-122"/>
+                  </a:defRPr>
+                </a:lvl1pPr>
+                <a:lvl2pPr marL="742950" indent="-285750">
+                  <a:buFont typeface="Arial" panose="020B0604020202020204" pitchFamily="34" charset="0"/>
+                  <a:defRPr>
+                    <a:solidFill>
+                      <a:schemeClr val="tx1"/>
+                    </a:solidFill>
+                    <a:latin typeface="Verdana" panose="020B0604030504040204" pitchFamily="34" charset="0"/>
+                    <a:ea typeface="微软雅黑" panose="020B0503020204020204" charset="-122"/>
+                  </a:defRPr>
+                </a:lvl2pPr>
+                <a:lvl3pPr marL="1143000" indent="-228600">
+                  <a:buFont typeface="Arial" panose="020B0604020202020204" pitchFamily="34" charset="0"/>
+                  <a:defRPr>
+                    <a:solidFill>
+                      <a:schemeClr val="tx1"/>
+                    </a:solidFill>
+                    <a:latin typeface="Verdana" panose="020B0604030504040204" pitchFamily="34" charset="0"/>
+                    <a:ea typeface="微软雅黑" panose="020B0503020204020204" charset="-122"/>
+                  </a:defRPr>
+                </a:lvl3pPr>
+                <a:lvl4pPr marL="1600200" indent="-228600">
+                  <a:buFont typeface="Arial" panose="020B0604020202020204" pitchFamily="34" charset="0"/>
+                  <a:defRPr>
+                    <a:solidFill>
+                      <a:schemeClr val="tx1"/>
+                    </a:solidFill>
+                    <a:latin typeface="Verdana" panose="020B0604030504040204" pitchFamily="34" charset="0"/>
+                    <a:ea typeface="微软雅黑" panose="020B0503020204020204" charset="-122"/>
+                  </a:defRPr>
+                </a:lvl4pPr>
+                <a:lvl5pPr marL="2057400" indent="-228600">
+                  <a:buFont typeface="Arial" panose="020B0604020202020204" pitchFamily="34" charset="0"/>
+                  <a:defRPr>
+                    <a:solidFill>
+                      <a:schemeClr val="tx1"/>
+                    </a:solidFill>
+                    <a:latin typeface="Verdana" panose="020B0604030504040204" pitchFamily="34" charset="0"/>
+                    <a:ea typeface="微软雅黑" panose="020B0503020204020204" charset="-122"/>
+                  </a:defRPr>
+                </a:lvl5pPr>
+                <a:lvl6pPr marL="2514600" indent="-228600" eaLnBrk="0" fontAlgn="base" hangingPunct="0">
+                  <a:spcBef>
+                    <a:spcPct val="0"/>
+                  </a:spcBef>
+                  <a:spcAft>
+                    <a:spcPct val="0"/>
+                  </a:spcAft>
+                  <a:buFont typeface="Arial" panose="020B0604020202020204" pitchFamily="34" charset="0"/>
+                  <a:defRPr>
+                    <a:solidFill>
+                      <a:schemeClr val="tx1"/>
+                    </a:solidFill>
+                    <a:latin typeface="Verdana" panose="020B0604030504040204" pitchFamily="34" charset="0"/>
+                    <a:ea typeface="微软雅黑" panose="020B0503020204020204" charset="-122"/>
+                  </a:defRPr>
+                </a:lvl6pPr>
+                <a:lvl7pPr marL="2971800" indent="-228600" eaLnBrk="0" fontAlgn="base" hangingPunct="0">
+                  <a:spcBef>
+                    <a:spcPct val="0"/>
+                  </a:spcBef>
+                  <a:spcAft>
+                    <a:spcPct val="0"/>
+                  </a:spcAft>
+                  <a:buFont typeface="Arial" panose="020B0604020202020204" pitchFamily="34" charset="0"/>
+                  <a:defRPr>
+                    <a:solidFill>
+                      <a:schemeClr val="tx1"/>
+                    </a:solidFill>
+                    <a:latin typeface="Verdana" panose="020B0604030504040204" pitchFamily="34" charset="0"/>
+                    <a:ea typeface="微软雅黑" panose="020B0503020204020204" charset="-122"/>
+                  </a:defRPr>
+                </a:lvl7pPr>
+                <a:lvl8pPr marL="3429000" indent="-228600" eaLnBrk="0" fontAlgn="base" hangingPunct="0">
+                  <a:spcBef>
+                    <a:spcPct val="0"/>
+                  </a:spcBef>
+                  <a:spcAft>
+                    <a:spcPct val="0"/>
+                  </a:spcAft>
+                  <a:buFont typeface="Arial" panose="020B0604020202020204" pitchFamily="34" charset="0"/>
+                  <a:defRPr>
+                    <a:solidFill>
+                      <a:schemeClr val="tx1"/>
+                    </a:solidFill>
+                    <a:latin typeface="Verdana" panose="020B0604030504040204" pitchFamily="34" charset="0"/>
+                    <a:ea typeface="微软雅黑" panose="020B0503020204020204" charset="-122"/>
+                  </a:defRPr>
+                </a:lvl8pPr>
+                <a:lvl9pPr marL="3886200" indent="-228600" eaLnBrk="0" fontAlgn="base" hangingPunct="0">
+                  <a:spcBef>
+                    <a:spcPct val="0"/>
+                  </a:spcBef>
+                  <a:spcAft>
+                    <a:spcPct val="0"/>
+                  </a:spcAft>
+                  <a:buFont typeface="Arial" panose="020B0604020202020204" pitchFamily="34" charset="0"/>
+                  <a:defRPr>
+                    <a:solidFill>
+                      <a:schemeClr val="tx1"/>
+                    </a:solidFill>
+                    <a:latin typeface="Verdana" panose="020B0604030504040204" pitchFamily="34" charset="0"/>
+                    <a:ea typeface="微软雅黑" panose="020B0503020204020204" charset="-122"/>
+                  </a:defRPr>
+                </a:lvl9pPr>
+              </a:lstStyle>
+              <a:p>
+                <a:r>
+                  <a:rPr lang="zh-CN" altLang="en-US" sz="2400" b="1" dirty="0" smtClean="0">
+                    <a:solidFill>
+                      <a:schemeClr val="tx1"/>
+                    </a:solidFill>
+                    <a:latin typeface="宋体" panose="02010600030101010101" pitchFamily="2" charset="-122"/>
+                    <a:ea typeface="宋体" panose="02010600030101010101" pitchFamily="2" charset="-122"/>
+                    <a:sym typeface="微软雅黑" panose="020B0503020204020204" charset="-122"/>
+                  </a:rPr>
+                  <a:t>测试样</a:t>
+                </a:r>
+                <a:r>
+                  <a:rPr lang="zh-CN" altLang="en-US" sz="2400" b="1" dirty="0" smtClean="0">
+                    <a:solidFill>
+                      <a:schemeClr val="tx1"/>
+                    </a:solidFill>
+                    <a:latin typeface="宋体" panose="02010600030101010101" pitchFamily="2" charset="-122"/>
+                    <a:ea typeface="宋体" panose="02010600030101010101" pitchFamily="2" charset="-122"/>
+                    <a:sym typeface="微软雅黑" panose="020B0503020204020204" charset="-122"/>
+                  </a:rPr>
+                  <a:t>例</a:t>
+                </a:r>
+                <a:endParaRPr lang="zh-CN" altLang="en-US" sz="2400" b="1" dirty="0" smtClean="0">
+                  <a:solidFill>
+                    <a:schemeClr val="tx1"/>
+                  </a:solidFill>
+                  <a:latin typeface="宋体" panose="02010600030101010101" pitchFamily="2" charset="-122"/>
+                  <a:ea typeface="宋体" panose="02010600030101010101" pitchFamily="2" charset="-122"/>
+                  <a:sym typeface="微软雅黑" panose="020B0503020204020204" charset="-122"/>
+                </a:endParaRPr>
+              </a:p>
+            </p:txBody>
+          </p:sp>
+        </p:grpSp>
+      </p:grpSp>
+      <p:sp>
+        <p:nvSpPr>
+          <p:cNvPr id="16" name="文本框 15"/>
+          <p:cNvSpPr txBox="1"/>
+          <p:nvPr/>
+        </p:nvSpPr>
+        <p:spPr>
+          <a:xfrm>
+            <a:off x="1886585" y="2531110"/>
+            <a:ext cx="8437245" cy="368300"/>
+          </a:xfrm>
+          <a:prstGeom prst="rect">
+            <a:avLst/>
+          </a:prstGeom>
+          <a:noFill/>
+        </p:spPr>
+        <p:txBody>
+          <a:bodyPr wrap="square" rtlCol="0" anchor="t">
+            <a:spAutoFit/>
+          </a:bodyPr>
+          <a:p>
+            <a:r>
+              <a:rPr lang="zh-CN" altLang="en-US"/>
+              <a:t> </a:t>
+            </a:r>
+            <a:endParaRPr lang="zh-CN" altLang="en-US"/>
+          </a:p>
+        </p:txBody>
+      </p:sp>
+      <p:sp>
+        <p:nvSpPr>
+          <p:cNvPr id="17" name="文本框 16"/>
+          <p:cNvSpPr txBox="1"/>
+          <p:nvPr/>
+        </p:nvSpPr>
+        <p:spPr>
+          <a:xfrm>
+            <a:off x="1919605" y="2531110"/>
+            <a:ext cx="6369050" cy="645160"/>
+          </a:xfrm>
+          <a:prstGeom prst="rect">
+            <a:avLst/>
+          </a:prstGeom>
+          <a:noFill/>
+        </p:spPr>
+        <p:txBody>
+          <a:bodyPr wrap="square" rtlCol="0">
+            <a:spAutoFit/>
+          </a:bodyPr>
+          <a:p>
+            <a:r>
+              <a:rPr lang="zh-CN" altLang="en-US"/>
+              <a:t>样例一 </a:t>
+            </a:r>
+            <a:r>
+              <a:rPr lang="en-US" altLang="zh-CN"/>
+              <a:t>:</a:t>
+            </a:r>
+            <a:endParaRPr lang="zh-CN" altLang="en-US"/>
+          </a:p>
+          <a:p>
+            <a:r>
+              <a:rPr lang="zh-CN" altLang="en-US"/>
+              <a:t>               来自账务系统中一个多表</a:t>
+            </a:r>
+            <a:r>
+              <a:rPr lang="en-US" altLang="zh-CN"/>
+              <a:t>(8</a:t>
+            </a:r>
+            <a:r>
+              <a:rPr lang="zh-CN" altLang="en-US"/>
+              <a:t>张表</a:t>
+            </a:r>
+            <a:r>
+              <a:rPr lang="en-US" altLang="zh-CN"/>
+              <a:t>)</a:t>
+            </a:r>
+            <a:r>
+              <a:rPr lang="zh-CN" altLang="en-US"/>
+              <a:t>联查的存储过程</a:t>
+            </a:r>
+            <a:endParaRPr lang="zh-CN" altLang="en-US"/>
+          </a:p>
+        </p:txBody>
+      </p:sp>
+    </p:spTree>
+    <p:custDataLst>
+      <p:tags r:id="rId2"/>
     </p:custDataLst>
   </p:cSld>
   <p:clrMapOvr>
@@ -3026,6 +7852,60 @@
 </file>
 
 <file path=ppt/tags/tag1.xml><?xml version="1.0" encoding="utf-8"?>
+<p:tagLst xmlns:p="http://schemas.openxmlformats.org/presentationml/2006/main">
+  <p:tag name="KSO_WM_SLIDE_MODEL_TYPE" val="cover"/>
+</p:tagLst>
+</file>
+
+<file path=ppt/tags/tag10.xml><?xml version="1.0" encoding="utf-8"?>
+<p:tagLst xmlns:p="http://schemas.openxmlformats.org/presentationml/2006/main">
+  <p:tag name="KSO_WM_DOC_GUID" val="{cf6a7b31-d7f0-4390-9b0e-f1c90cb4b39a}"/>
+</p:tagLst>
+</file>
+
+<file path=ppt/tags/tag2.xml><?xml version="1.0" encoding="utf-8"?>
+<p:tagLst xmlns:p="http://schemas.openxmlformats.org/presentationml/2006/main">
+  <p:tag name="KSO_WM_SLIDE_MODEL_TYPE" val="cover"/>
+</p:tagLst>
+</file>
+
+<file path=ppt/tags/tag3.xml><?xml version="1.0" encoding="utf-8"?>
+<p:tagLst xmlns:p="http://schemas.openxmlformats.org/presentationml/2006/main">
+  <p:tag name="KSO_WM_SLIDE_MODEL_TYPE" val="cover"/>
+</p:tagLst>
+</file>
+
+<file path=ppt/tags/tag4.xml><?xml version="1.0" encoding="utf-8"?>
+<p:tagLst xmlns:p="http://schemas.openxmlformats.org/presentationml/2006/main">
+  <p:tag name="KSO_WM_SLIDE_MODEL_TYPE" val="cover"/>
+</p:tagLst>
+</file>
+
+<file path=ppt/tags/tag5.xml><?xml version="1.0" encoding="utf-8"?>
+<p:tagLst xmlns:p="http://schemas.openxmlformats.org/presentationml/2006/main">
+  <p:tag name="KSO_WM_SLIDE_MODEL_TYPE" val="cover"/>
+</p:tagLst>
+</file>
+
+<file path=ppt/tags/tag6.xml><?xml version="1.0" encoding="utf-8"?>
+<p:tagLst xmlns:p="http://schemas.openxmlformats.org/presentationml/2006/main">
+  <p:tag name="KSO_WM_SLIDE_MODEL_TYPE" val="cover"/>
+</p:tagLst>
+</file>
+
+<file path=ppt/tags/tag7.xml><?xml version="1.0" encoding="utf-8"?>
+<p:tagLst xmlns:p="http://schemas.openxmlformats.org/presentationml/2006/main">
+  <p:tag name="KSO_WM_SLIDE_MODEL_TYPE" val="cover"/>
+</p:tagLst>
+</file>
+
+<file path=ppt/tags/tag8.xml><?xml version="1.0" encoding="utf-8"?>
+<p:tagLst xmlns:p="http://schemas.openxmlformats.org/presentationml/2006/main">
+  <p:tag name="KSO_WM_SLIDE_MODEL_TYPE" val="cover"/>
+</p:tagLst>
+</file>
+
+<file path=ppt/tags/tag9.xml><?xml version="1.0" encoding="utf-8"?>
 <p:tagLst xmlns:p="http://schemas.openxmlformats.org/presentationml/2006/main">
   <p:tag name="KSO_WM_SLIDE_MODEL_TYPE" val="cover"/>
 </p:tagLst>

--- a/src/resources/账务系统存储过程重构方案.pptx
+++ b/src/resources/账务系统存储过程重构方案.pptx
@@ -7,18 +7,32 @@
   <p:sldIdLst>
     <p:sldId id="259" r:id="rId3"/>
     <p:sldId id="260" r:id="rId4"/>
-    <p:sldId id="264" r:id="rId5"/>
-    <p:sldId id="266" r:id="rId6"/>
-    <p:sldId id="261" r:id="rId7"/>
-    <p:sldId id="262" r:id="rId8"/>
-    <p:sldId id="263" r:id="rId9"/>
-    <p:sldId id="267" r:id="rId10"/>
-    <p:sldId id="265" r:id="rId11"/>
+    <p:sldId id="278" r:id="rId5"/>
+    <p:sldId id="264" r:id="rId6"/>
+    <p:sldId id="272" r:id="rId7"/>
+    <p:sldId id="266" r:id="rId8"/>
+    <p:sldId id="273" r:id="rId9"/>
+    <p:sldId id="261" r:id="rId10"/>
+    <p:sldId id="275" r:id="rId11"/>
+    <p:sldId id="262" r:id="rId12"/>
+    <p:sldId id="276" r:id="rId13"/>
+    <p:sldId id="263" r:id="rId14"/>
+    <p:sldId id="277" r:id="rId15"/>
+    <p:sldId id="265" r:id="rId16"/>
+    <p:sldId id="280" r:id="rId17"/>
+    <p:sldId id="291" r:id="rId18"/>
+    <p:sldId id="292" r:id="rId19"/>
+    <p:sldId id="293" r:id="rId20"/>
+    <p:sldId id="294" r:id="rId21"/>
+    <p:sldId id="295" r:id="rId22"/>
+    <p:sldId id="296" r:id="rId23"/>
+    <p:sldId id="297" r:id="rId24"/>
+    <p:sldId id="298" r:id="rId25"/>
   </p:sldIdLst>
   <p:sldSz cx="12192000" cy="6858000"/>
   <p:notesSz cx="6858000" cy="9144000"/>
   <p:custDataLst>
-    <p:tags r:id="rId15"/>
+    <p:tags r:id="rId29"/>
   </p:custDataLst>
   <p:defaultTextStyle>
     <a:defPPr>
@@ -3059,6 +3073,3600 @@
     </p:spTree>
     <p:custDataLst>
       <p:tags r:id="rId2"/>
+    </p:custDataLst>
+  </p:cSld>
+  <p:clrMapOvr>
+    <a:masterClrMapping/>
+  </p:clrMapOvr>
+</p:sld>
+</file>
+
+<file path=ppt/slides/slide10.xml><?xml version="1.0" encoding="utf-8"?>
+<p:sld xmlns:a="http://schemas.openxmlformats.org/drawingml/2006/main" xmlns:r="http://schemas.openxmlformats.org/officeDocument/2006/relationships" xmlns:p="http://schemas.openxmlformats.org/presentationml/2006/main">
+  <p:cSld>
+    <p:spTree>
+      <p:nvGrpSpPr>
+        <p:cNvPr id="1" name=""/>
+        <p:cNvGrpSpPr/>
+        <p:nvPr/>
+      </p:nvGrpSpPr>
+      <p:grpSpPr/>
+      <p:cxnSp>
+        <p:nvCxnSpPr>
+          <p:cNvPr id="4" name="直接连接符 3"/>
+          <p:cNvCxnSpPr/>
+          <p:nvPr/>
+        </p:nvCxnSpPr>
+        <p:spPr>
+          <a:xfrm>
+            <a:off x="931545" y="1303020"/>
+            <a:ext cx="10589260" cy="0"/>
+          </a:xfrm>
+          <a:prstGeom prst="line">
+            <a:avLst/>
+          </a:prstGeom>
+        </p:spPr>
+        <p:style>
+          <a:lnRef idx="1">
+            <a:schemeClr val="accent5"/>
+          </a:lnRef>
+          <a:fillRef idx="0">
+            <a:schemeClr val="accent5"/>
+          </a:fillRef>
+          <a:effectRef idx="0">
+            <a:schemeClr val="accent5"/>
+          </a:effectRef>
+          <a:fontRef idx="minor">
+            <a:schemeClr val="tx1"/>
+          </a:fontRef>
+        </p:style>
+      </p:cxnSp>
+      <p:pic>
+        <p:nvPicPr>
+          <p:cNvPr id="7" name="图片 6" descr="pic"/>
+          <p:cNvPicPr>
+            <a:picLocks noChangeAspect="1"/>
+          </p:cNvPicPr>
+          <p:nvPr/>
+        </p:nvPicPr>
+        <p:blipFill>
+          <a:blip r:embed="rId1"/>
+          <a:stretch>
+            <a:fillRect/>
+          </a:stretch>
+        </p:blipFill>
+        <p:spPr>
+          <a:xfrm>
+            <a:off x="9237980" y="678180"/>
+            <a:ext cx="2282825" cy="624840"/>
+          </a:xfrm>
+          <a:prstGeom prst="rect">
+            <a:avLst/>
+          </a:prstGeom>
+        </p:spPr>
+      </p:pic>
+      <p:sp>
+        <p:nvSpPr>
+          <p:cNvPr id="11" name="对角圆角矩形 10"/>
+          <p:cNvSpPr/>
+          <p:nvPr/>
+        </p:nvSpPr>
+        <p:spPr>
+          <a:xfrm>
+            <a:off x="1874520" y="1748790"/>
+            <a:ext cx="9528175" cy="4288790"/>
+          </a:xfrm>
+          <a:prstGeom prst="round2DiagRect">
+            <a:avLst/>
+          </a:prstGeom>
+          <a:solidFill>
+            <a:schemeClr val="bg1"/>
+          </a:solidFill>
+          <a:ln w="12700" cmpd="sng">
+            <a:solidFill>
+              <a:schemeClr val="accent1">
+                <a:shade val="50000"/>
+              </a:schemeClr>
+            </a:solidFill>
+            <a:prstDash val="solid"/>
+          </a:ln>
+          <a:effectLst>
+            <a:glow rad="139700">
+              <a:schemeClr val="accent6">
+                <a:satMod val="175000"/>
+                <a:alpha val="40000"/>
+              </a:schemeClr>
+            </a:glow>
+          </a:effectLst>
+        </p:spPr>
+        <p:style>
+          <a:lnRef idx="2">
+            <a:schemeClr val="accent6"/>
+          </a:lnRef>
+          <a:fillRef idx="1">
+            <a:schemeClr val="lt1"/>
+          </a:fillRef>
+          <a:effectRef idx="0">
+            <a:schemeClr val="accent6"/>
+          </a:effectRef>
+          <a:fontRef idx="minor">
+            <a:schemeClr val="dk1"/>
+          </a:fontRef>
+        </p:style>
+        <p:txBody>
+          <a:bodyPr rtlCol="0" anchor="ctr">
+            <a:scene3d>
+              <a:camera prst="orthographicFront"/>
+              <a:lightRig rig="threePt" dir="t"/>
+            </a:scene3d>
+          </a:bodyPr>
+          <a:p>
+            <a:pPr algn="ctr"/>
+            <a:endParaRPr lang="zh-CN" altLang="en-US">
+              <a:solidFill>
+                <a:schemeClr val="tx1"/>
+              </a:solidFill>
+              <a:effectLst>
+                <a:outerShdw blurRad="38100" dist="19050" dir="2700000" algn="tl" rotWithShape="0">
+                  <a:schemeClr val="dk1">
+                    <a:alpha val="40000"/>
+                  </a:schemeClr>
+                </a:outerShdw>
+              </a:effectLst>
+            </a:endParaRPr>
+          </a:p>
+        </p:txBody>
+      </p:sp>
+      <p:sp>
+        <p:nvSpPr>
+          <p:cNvPr id="6" name="六边形 5"/>
+          <p:cNvSpPr/>
+          <p:nvPr/>
+        </p:nvSpPr>
+        <p:spPr>
+          <a:xfrm>
+            <a:off x="2918460" y="3251200"/>
+            <a:ext cx="930275" cy="808990"/>
+          </a:xfrm>
+          <a:prstGeom prst="hexagon">
+            <a:avLst/>
+          </a:prstGeom>
+          <a:solidFill>
+            <a:schemeClr val="bg1"/>
+          </a:solidFill>
+        </p:spPr>
+        <p:style>
+          <a:lnRef idx="2">
+            <a:schemeClr val="accent1">
+              <a:shade val="50000"/>
+            </a:schemeClr>
+          </a:lnRef>
+          <a:fillRef idx="1">
+            <a:schemeClr val="accent1"/>
+          </a:fillRef>
+          <a:effectRef idx="0">
+            <a:schemeClr val="accent1"/>
+          </a:effectRef>
+          <a:fontRef idx="minor">
+            <a:schemeClr val="lt1"/>
+          </a:fontRef>
+        </p:style>
+        <p:txBody>
+          <a:bodyPr rtlCol="0" anchor="ctr"/>
+          <a:p>
+            <a:pPr algn="ctr"/>
+            <a:endParaRPr lang="zh-CN" altLang="en-US"/>
+          </a:p>
+        </p:txBody>
+      </p:sp>
+      <p:sp>
+        <p:nvSpPr>
+          <p:cNvPr id="8" name="文本框 7"/>
+          <p:cNvSpPr txBox="1"/>
+          <p:nvPr/>
+        </p:nvSpPr>
+        <p:spPr>
+          <a:xfrm>
+            <a:off x="2815590" y="2046605"/>
+            <a:ext cx="2080895" cy="460375"/>
+          </a:xfrm>
+          <a:prstGeom prst="rect">
+            <a:avLst/>
+          </a:prstGeom>
+          <a:noFill/>
+        </p:spPr>
+        <p:txBody>
+          <a:bodyPr wrap="none" rtlCol="0">
+            <a:spAutoFit/>
+          </a:bodyPr>
+          <a:p>
+            <a:r>
+              <a:rPr lang="en-US" altLang="zh-CN" sz="2400"/>
+              <a:t>3 : </a:t>
+            </a:r>
+            <a:r>
+              <a:rPr lang="zh-CN" altLang="en-US" sz="2400"/>
+              <a:t>数据仓库层</a:t>
+            </a:r>
+            <a:endParaRPr lang="zh-CN" altLang="en-US" sz="2400"/>
+          </a:p>
+        </p:txBody>
+      </p:sp>
+      <p:sp>
+        <p:nvSpPr>
+          <p:cNvPr id="9" name="六边形 8"/>
+          <p:cNvSpPr/>
+          <p:nvPr/>
+        </p:nvSpPr>
+        <p:spPr>
+          <a:xfrm>
+            <a:off x="4351655" y="4060190"/>
+            <a:ext cx="930275" cy="808990"/>
+          </a:xfrm>
+          <a:prstGeom prst="hexagon">
+            <a:avLst/>
+          </a:prstGeom>
+          <a:solidFill>
+            <a:schemeClr val="bg1"/>
+          </a:solidFill>
+        </p:spPr>
+        <p:style>
+          <a:lnRef idx="2">
+            <a:schemeClr val="accent1">
+              <a:shade val="50000"/>
+            </a:schemeClr>
+          </a:lnRef>
+          <a:fillRef idx="1">
+            <a:schemeClr val="accent1"/>
+          </a:fillRef>
+          <a:effectRef idx="0">
+            <a:schemeClr val="accent1"/>
+          </a:effectRef>
+          <a:fontRef idx="minor">
+            <a:schemeClr val="lt1"/>
+          </a:fontRef>
+        </p:style>
+        <p:txBody>
+          <a:bodyPr rtlCol="0" anchor="ctr"/>
+          <a:p>
+            <a:pPr algn="ctr"/>
+            <a:endParaRPr lang="zh-CN" altLang="en-US"/>
+          </a:p>
+        </p:txBody>
+      </p:sp>
+      <p:sp>
+        <p:nvSpPr>
+          <p:cNvPr id="10" name="六边形 9"/>
+          <p:cNvSpPr/>
+          <p:nvPr/>
+        </p:nvSpPr>
+        <p:spPr>
+          <a:xfrm>
+            <a:off x="4351655" y="3251200"/>
+            <a:ext cx="930275" cy="808990"/>
+          </a:xfrm>
+          <a:prstGeom prst="hexagon">
+            <a:avLst/>
+          </a:prstGeom>
+          <a:solidFill>
+            <a:schemeClr val="bg1"/>
+          </a:solidFill>
+        </p:spPr>
+        <p:style>
+          <a:lnRef idx="2">
+            <a:schemeClr val="accent1">
+              <a:shade val="50000"/>
+            </a:schemeClr>
+          </a:lnRef>
+          <a:fillRef idx="1">
+            <a:schemeClr val="accent1"/>
+          </a:fillRef>
+          <a:effectRef idx="0">
+            <a:schemeClr val="accent1"/>
+          </a:effectRef>
+          <a:fontRef idx="minor">
+            <a:schemeClr val="lt1"/>
+          </a:fontRef>
+        </p:style>
+        <p:txBody>
+          <a:bodyPr rtlCol="0" anchor="ctr"/>
+          <a:p>
+            <a:pPr algn="ctr"/>
+            <a:endParaRPr lang="zh-CN" altLang="en-US"/>
+          </a:p>
+        </p:txBody>
+      </p:sp>
+      <p:sp>
+        <p:nvSpPr>
+          <p:cNvPr id="12" name="六边形 11"/>
+          <p:cNvSpPr/>
+          <p:nvPr/>
+        </p:nvSpPr>
+        <p:spPr>
+          <a:xfrm>
+            <a:off x="3636010" y="4500880"/>
+            <a:ext cx="930275" cy="808990"/>
+          </a:xfrm>
+          <a:prstGeom prst="hexagon">
+            <a:avLst/>
+          </a:prstGeom>
+          <a:solidFill>
+            <a:schemeClr val="bg1"/>
+          </a:solidFill>
+        </p:spPr>
+        <p:style>
+          <a:lnRef idx="2">
+            <a:schemeClr val="accent1">
+              <a:shade val="50000"/>
+            </a:schemeClr>
+          </a:lnRef>
+          <a:fillRef idx="1">
+            <a:schemeClr val="accent1"/>
+          </a:fillRef>
+          <a:effectRef idx="0">
+            <a:schemeClr val="accent1"/>
+          </a:effectRef>
+          <a:fontRef idx="minor">
+            <a:schemeClr val="lt1"/>
+          </a:fontRef>
+        </p:style>
+        <p:txBody>
+          <a:bodyPr rtlCol="0" anchor="ctr"/>
+          <a:p>
+            <a:pPr algn="ctr"/>
+            <a:endParaRPr lang="zh-CN" altLang="en-US"/>
+          </a:p>
+        </p:txBody>
+      </p:sp>
+      <p:sp>
+        <p:nvSpPr>
+          <p:cNvPr id="13" name="六边形 12"/>
+          <p:cNvSpPr/>
+          <p:nvPr/>
+        </p:nvSpPr>
+        <p:spPr>
+          <a:xfrm>
+            <a:off x="3665220" y="2853690"/>
+            <a:ext cx="930275" cy="808990"/>
+          </a:xfrm>
+          <a:prstGeom prst="hexagon">
+            <a:avLst/>
+          </a:prstGeom>
+          <a:solidFill>
+            <a:schemeClr val="bg1"/>
+          </a:solidFill>
+        </p:spPr>
+        <p:style>
+          <a:lnRef idx="2">
+            <a:schemeClr val="accent1">
+              <a:shade val="50000"/>
+            </a:schemeClr>
+          </a:lnRef>
+          <a:fillRef idx="1">
+            <a:schemeClr val="accent1"/>
+          </a:fillRef>
+          <a:effectRef idx="0">
+            <a:schemeClr val="accent1"/>
+          </a:effectRef>
+          <a:fontRef idx="minor">
+            <a:schemeClr val="lt1"/>
+          </a:fontRef>
+        </p:style>
+        <p:txBody>
+          <a:bodyPr rtlCol="0" anchor="ctr"/>
+          <a:p>
+            <a:pPr algn="ctr"/>
+            <a:endParaRPr lang="zh-CN" altLang="en-US"/>
+          </a:p>
+        </p:txBody>
+      </p:sp>
+      <p:sp>
+        <p:nvSpPr>
+          <p:cNvPr id="14" name="六边形 13"/>
+          <p:cNvSpPr/>
+          <p:nvPr/>
+        </p:nvSpPr>
+        <p:spPr>
+          <a:xfrm>
+            <a:off x="2918460" y="4060190"/>
+            <a:ext cx="930275" cy="808990"/>
+          </a:xfrm>
+          <a:prstGeom prst="hexagon">
+            <a:avLst/>
+          </a:prstGeom>
+          <a:solidFill>
+            <a:schemeClr val="bg1"/>
+          </a:solidFill>
+        </p:spPr>
+        <p:style>
+          <a:lnRef idx="2">
+            <a:schemeClr val="accent1">
+              <a:shade val="50000"/>
+            </a:schemeClr>
+          </a:lnRef>
+          <a:fillRef idx="1">
+            <a:schemeClr val="accent1"/>
+          </a:fillRef>
+          <a:effectRef idx="0">
+            <a:schemeClr val="accent1"/>
+          </a:effectRef>
+          <a:fontRef idx="minor">
+            <a:schemeClr val="lt1"/>
+          </a:fontRef>
+        </p:style>
+        <p:txBody>
+          <a:bodyPr rtlCol="0" anchor="ctr"/>
+          <a:p>
+            <a:pPr algn="ctr"/>
+            <a:endParaRPr lang="zh-CN" altLang="en-US"/>
+          </a:p>
+        </p:txBody>
+      </p:sp>
+      <p:pic>
+        <p:nvPicPr>
+          <p:cNvPr id="20" name="图片 19" descr="hive"/>
+          <p:cNvPicPr>
+            <a:picLocks noChangeAspect="1"/>
+          </p:cNvPicPr>
+          <p:nvPr/>
+        </p:nvPicPr>
+        <p:blipFill>
+          <a:blip r:embed="rId2"/>
+          <a:stretch>
+            <a:fillRect/>
+          </a:stretch>
+        </p:blipFill>
+        <p:spPr>
+          <a:xfrm>
+            <a:off x="3128645" y="3443605"/>
+            <a:ext cx="1945640" cy="1278255"/>
+          </a:xfrm>
+          <a:prstGeom prst="rect">
+            <a:avLst/>
+          </a:prstGeom>
+        </p:spPr>
+      </p:pic>
+      <p:sp>
+        <p:nvSpPr>
+          <p:cNvPr id="15" name="文本框 14"/>
+          <p:cNvSpPr txBox="1"/>
+          <p:nvPr/>
+        </p:nvSpPr>
+        <p:spPr>
+          <a:xfrm>
+            <a:off x="6232525" y="2983230"/>
+            <a:ext cx="4393565" cy="460375"/>
+          </a:xfrm>
+          <a:prstGeom prst="rect">
+            <a:avLst/>
+          </a:prstGeom>
+          <a:noFill/>
+        </p:spPr>
+        <p:txBody>
+          <a:bodyPr wrap="square" rtlCol="0">
+            <a:spAutoFit/>
+          </a:bodyPr>
+          <a:p>
+            <a:r>
+              <a:rPr lang="en-US" altLang="zh-CN" sz="2400"/>
+              <a:t>  </a:t>
+            </a:r>
+            <a:r>
+              <a:rPr lang="zh-CN" altLang="en-US" sz="2400"/>
+              <a:t>基于多数据源构建数据仓库</a:t>
+            </a:r>
+            <a:endParaRPr lang="zh-CN" altLang="en-US" sz="2400"/>
+          </a:p>
+        </p:txBody>
+      </p:sp>
+      <p:sp>
+        <p:nvSpPr>
+          <p:cNvPr id="16" name="圆角矩形 15"/>
+          <p:cNvSpPr/>
+          <p:nvPr/>
+        </p:nvSpPr>
+        <p:spPr>
+          <a:xfrm>
+            <a:off x="5989955" y="2814955"/>
+            <a:ext cx="4879340" cy="2535555"/>
+          </a:xfrm>
+          <a:prstGeom prst="roundRect">
+            <a:avLst/>
+          </a:prstGeom>
+          <a:noFill/>
+        </p:spPr>
+        <p:style>
+          <a:lnRef idx="2">
+            <a:schemeClr val="accent1">
+              <a:shade val="50000"/>
+            </a:schemeClr>
+          </a:lnRef>
+          <a:fillRef idx="1">
+            <a:schemeClr val="accent1"/>
+          </a:fillRef>
+          <a:effectRef idx="0">
+            <a:schemeClr val="accent1"/>
+          </a:effectRef>
+          <a:fontRef idx="minor">
+            <a:schemeClr val="lt1"/>
+          </a:fontRef>
+        </p:style>
+        <p:txBody>
+          <a:bodyPr rtlCol="0" anchor="ctr"/>
+          <a:p>
+            <a:pPr algn="ctr"/>
+            <a:endParaRPr lang="zh-CN" altLang="en-US"/>
+          </a:p>
+        </p:txBody>
+      </p:sp>
+      <p:sp>
+        <p:nvSpPr>
+          <p:cNvPr id="17" name="文本框 16"/>
+          <p:cNvSpPr txBox="1"/>
+          <p:nvPr/>
+        </p:nvSpPr>
+        <p:spPr>
+          <a:xfrm>
+            <a:off x="6498590" y="3662680"/>
+            <a:ext cx="3862705" cy="460375"/>
+          </a:xfrm>
+          <a:prstGeom prst="rect">
+            <a:avLst/>
+          </a:prstGeom>
+          <a:noFill/>
+        </p:spPr>
+        <p:txBody>
+          <a:bodyPr wrap="square" rtlCol="0">
+            <a:spAutoFit/>
+          </a:bodyPr>
+          <a:p>
+            <a:r>
+              <a:rPr lang="en-US" altLang="zh-CN" sz="2400"/>
+              <a:t>1:</a:t>
+            </a:r>
+            <a:r>
+              <a:rPr lang="zh-CN" altLang="en-US" sz="2400"/>
+              <a:t>文件型数据源</a:t>
+            </a:r>
+            <a:endParaRPr lang="zh-CN" altLang="en-US" sz="2400"/>
+          </a:p>
+        </p:txBody>
+      </p:sp>
+      <p:sp>
+        <p:nvSpPr>
+          <p:cNvPr id="19" name="文本框 18"/>
+          <p:cNvSpPr txBox="1"/>
+          <p:nvPr/>
+        </p:nvSpPr>
+        <p:spPr>
+          <a:xfrm>
+            <a:off x="6498590" y="4500880"/>
+            <a:ext cx="3538220" cy="460375"/>
+          </a:xfrm>
+          <a:prstGeom prst="rect">
+            <a:avLst/>
+          </a:prstGeom>
+          <a:noFill/>
+        </p:spPr>
+        <p:txBody>
+          <a:bodyPr wrap="square" rtlCol="0">
+            <a:spAutoFit/>
+          </a:bodyPr>
+          <a:p>
+            <a:r>
+              <a:rPr lang="en-US" altLang="zh-CN" sz="2400"/>
+              <a:t>2:</a:t>
+            </a:r>
+            <a:r>
+              <a:rPr lang="zh-CN" altLang="en-US" sz="2400"/>
+              <a:t>传统数据库数据源</a:t>
+            </a:r>
+            <a:endParaRPr lang="zh-CN" altLang="en-US" sz="2400"/>
+          </a:p>
+        </p:txBody>
+      </p:sp>
+    </p:spTree>
+    <p:custDataLst>
+      <p:tags r:id="rId3"/>
+    </p:custDataLst>
+  </p:cSld>
+  <p:clrMapOvr>
+    <a:masterClrMapping/>
+  </p:clrMapOvr>
+</p:sld>
+</file>
+
+<file path=ppt/slides/slide11.xml><?xml version="1.0" encoding="utf-8"?>
+<p:sld xmlns:a="http://schemas.openxmlformats.org/drawingml/2006/main" xmlns:r="http://schemas.openxmlformats.org/officeDocument/2006/relationships" xmlns:p="http://schemas.openxmlformats.org/presentationml/2006/main">
+  <p:cSld>
+    <p:spTree>
+      <p:nvGrpSpPr>
+        <p:cNvPr id="1" name=""/>
+        <p:cNvGrpSpPr/>
+        <p:nvPr/>
+      </p:nvGrpSpPr>
+      <p:grpSpPr/>
+      <p:cxnSp>
+        <p:nvCxnSpPr>
+          <p:cNvPr id="4" name="直接连接符 3"/>
+          <p:cNvCxnSpPr/>
+          <p:nvPr/>
+        </p:nvCxnSpPr>
+        <p:spPr>
+          <a:xfrm>
+            <a:off x="931545" y="1303020"/>
+            <a:ext cx="10589260" cy="0"/>
+          </a:xfrm>
+          <a:prstGeom prst="line">
+            <a:avLst/>
+          </a:prstGeom>
+        </p:spPr>
+        <p:style>
+          <a:lnRef idx="1">
+            <a:schemeClr val="accent5"/>
+          </a:lnRef>
+          <a:fillRef idx="0">
+            <a:schemeClr val="accent5"/>
+          </a:fillRef>
+          <a:effectRef idx="0">
+            <a:schemeClr val="accent5"/>
+          </a:effectRef>
+          <a:fontRef idx="minor">
+            <a:schemeClr val="tx1"/>
+          </a:fontRef>
+        </p:style>
+      </p:cxnSp>
+      <p:pic>
+        <p:nvPicPr>
+          <p:cNvPr id="7" name="图片 6" descr="pic"/>
+          <p:cNvPicPr>
+            <a:picLocks noChangeAspect="1"/>
+          </p:cNvPicPr>
+          <p:nvPr/>
+        </p:nvPicPr>
+        <p:blipFill>
+          <a:blip r:embed="rId1"/>
+          <a:stretch>
+            <a:fillRect/>
+          </a:stretch>
+        </p:blipFill>
+        <p:spPr>
+          <a:xfrm>
+            <a:off x="9237980" y="678180"/>
+            <a:ext cx="2282825" cy="624840"/>
+          </a:xfrm>
+          <a:prstGeom prst="rect">
+            <a:avLst/>
+          </a:prstGeom>
+        </p:spPr>
+      </p:pic>
+      <p:sp>
+        <p:nvSpPr>
+          <p:cNvPr id="11" name="对角圆角矩形 10"/>
+          <p:cNvSpPr/>
+          <p:nvPr/>
+        </p:nvSpPr>
+        <p:spPr>
+          <a:xfrm>
+            <a:off x="1553210" y="2368550"/>
+            <a:ext cx="8554720" cy="3654425"/>
+          </a:xfrm>
+          <a:prstGeom prst="round2DiagRect">
+            <a:avLst/>
+          </a:prstGeom>
+          <a:solidFill>
+            <a:schemeClr val="bg1"/>
+          </a:solidFill>
+          <a:ln w="12700" cmpd="sng">
+            <a:solidFill>
+              <a:schemeClr val="accent1">
+                <a:shade val="50000"/>
+              </a:schemeClr>
+            </a:solidFill>
+            <a:prstDash val="solid"/>
+          </a:ln>
+          <a:effectLst>
+            <a:glow rad="139700">
+              <a:schemeClr val="accent6">
+                <a:satMod val="175000"/>
+                <a:alpha val="40000"/>
+              </a:schemeClr>
+            </a:glow>
+          </a:effectLst>
+        </p:spPr>
+        <p:style>
+          <a:lnRef idx="2">
+            <a:schemeClr val="accent6"/>
+          </a:lnRef>
+          <a:fillRef idx="1">
+            <a:schemeClr val="lt1"/>
+          </a:fillRef>
+          <a:effectRef idx="0">
+            <a:schemeClr val="accent6"/>
+          </a:effectRef>
+          <a:fontRef idx="minor">
+            <a:schemeClr val="dk1"/>
+          </a:fontRef>
+        </p:style>
+        <p:txBody>
+          <a:bodyPr rtlCol="0" anchor="ctr">
+            <a:scene3d>
+              <a:camera prst="orthographicFront"/>
+              <a:lightRig rig="threePt" dir="t"/>
+            </a:scene3d>
+          </a:bodyPr>
+          <a:p>
+            <a:pPr algn="ctr"/>
+            <a:endParaRPr lang="zh-CN" altLang="en-US">
+              <a:solidFill>
+                <a:schemeClr val="tx1"/>
+              </a:solidFill>
+              <a:effectLst>
+                <a:outerShdw blurRad="38100" dist="19050" dir="2700000" algn="tl" rotWithShape="0">
+                  <a:schemeClr val="dk1">
+                    <a:alpha val="40000"/>
+                  </a:schemeClr>
+                </a:outerShdw>
+              </a:effectLst>
+            </a:endParaRPr>
+          </a:p>
+        </p:txBody>
+      </p:sp>
+      <p:sp>
+        <p:nvSpPr>
+          <p:cNvPr id="2" name="文本框 1"/>
+          <p:cNvSpPr txBox="1"/>
+          <p:nvPr/>
+        </p:nvSpPr>
+        <p:spPr>
+          <a:xfrm>
+            <a:off x="1553210" y="1534160"/>
+            <a:ext cx="1700530" cy="583565"/>
+          </a:xfrm>
+          <a:prstGeom prst="rect">
+            <a:avLst/>
+          </a:prstGeom>
+          <a:noFill/>
+        </p:spPr>
+        <p:txBody>
+          <a:bodyPr wrap="square" rtlCol="0">
+            <a:spAutoFit/>
+          </a:bodyPr>
+          <a:p>
+            <a:r>
+              <a:rPr lang="en-US" altLang="zh-CN" sz="3200"/>
+              <a:t>hive</a:t>
+            </a:r>
+            <a:r>
+              <a:rPr lang="zh-CN" altLang="en-US" sz="3200"/>
+              <a:t>优势</a:t>
+            </a:r>
+            <a:endParaRPr lang="zh-CN" altLang="en-US" sz="3200"/>
+          </a:p>
+        </p:txBody>
+      </p:sp>
+      <p:sp>
+        <p:nvSpPr>
+          <p:cNvPr id="3" name="文本框 2"/>
+          <p:cNvSpPr txBox="1"/>
+          <p:nvPr/>
+        </p:nvSpPr>
+        <p:spPr>
+          <a:xfrm>
+            <a:off x="2061845" y="2857500"/>
+            <a:ext cx="7537450" cy="2676525"/>
+          </a:xfrm>
+          <a:prstGeom prst="rect">
+            <a:avLst/>
+          </a:prstGeom>
+          <a:noFill/>
+        </p:spPr>
+        <p:txBody>
+          <a:bodyPr wrap="square" rtlCol="0">
+            <a:spAutoFit/>
+          </a:bodyPr>
+          <a:p>
+            <a:pPr algn="l"/>
+            <a:r>
+              <a:rPr lang="en-US" altLang="zh-CN" sz="2800"/>
+              <a:t>1</a:t>
+            </a:r>
+            <a:r>
+              <a:rPr lang="zh-CN" altLang="en-US" sz="2800"/>
+              <a:t>：采用类SQL语法，提供快速开发的能力。</a:t>
+            </a:r>
+            <a:endParaRPr lang="zh-CN" altLang="en-US" sz="2800"/>
+          </a:p>
+          <a:p>
+            <a:pPr algn="l"/>
+            <a:endParaRPr lang="zh-CN" altLang="en-US" sz="2800"/>
+          </a:p>
+          <a:p>
+            <a:pPr algn="l"/>
+            <a:r>
+              <a:rPr lang="en-US" altLang="zh-CN" sz="2800"/>
+              <a:t>2</a:t>
+            </a:r>
+            <a:r>
+              <a:rPr lang="zh-CN" altLang="en-US" sz="2800"/>
+              <a:t>：易扩展，支持自定义函数</a:t>
+            </a:r>
+            <a:endParaRPr lang="zh-CN" altLang="en-US" sz="2800"/>
+          </a:p>
+          <a:p>
+            <a:pPr algn="l"/>
+            <a:endParaRPr lang="zh-CN" altLang="en-US" sz="2800"/>
+          </a:p>
+          <a:p>
+            <a:pPr algn="l"/>
+            <a:r>
+              <a:rPr lang="en-US" altLang="zh-CN" sz="2800"/>
+              <a:t>3</a:t>
+            </a:r>
+            <a:r>
+              <a:rPr lang="zh-CN" altLang="en-US" sz="2800"/>
+              <a:t>：后续版本增加存储过程机制，容易替代传统数据库</a:t>
+            </a:r>
+            <a:endParaRPr lang="zh-CN" altLang="en-US" sz="2800"/>
+          </a:p>
+        </p:txBody>
+      </p:sp>
+    </p:spTree>
+    <p:custDataLst>
+      <p:tags r:id="rId2"/>
+    </p:custDataLst>
+  </p:cSld>
+  <p:clrMapOvr>
+    <a:masterClrMapping/>
+  </p:clrMapOvr>
+</p:sld>
+</file>
+
+<file path=ppt/slides/slide12.xml><?xml version="1.0" encoding="utf-8"?>
+<p:sld xmlns:a="http://schemas.openxmlformats.org/drawingml/2006/main" xmlns:r="http://schemas.openxmlformats.org/officeDocument/2006/relationships" xmlns:p="http://schemas.openxmlformats.org/presentationml/2006/main">
+  <p:cSld>
+    <p:spTree>
+      <p:nvGrpSpPr>
+        <p:cNvPr id="1" name=""/>
+        <p:cNvGrpSpPr/>
+        <p:nvPr/>
+      </p:nvGrpSpPr>
+      <p:grpSpPr/>
+      <p:cxnSp>
+        <p:nvCxnSpPr>
+          <p:cNvPr id="4" name="直接连接符 3"/>
+          <p:cNvCxnSpPr/>
+          <p:nvPr/>
+        </p:nvCxnSpPr>
+        <p:spPr>
+          <a:xfrm>
+            <a:off x="931545" y="1303020"/>
+            <a:ext cx="10589260" cy="0"/>
+          </a:xfrm>
+          <a:prstGeom prst="line">
+            <a:avLst/>
+          </a:prstGeom>
+        </p:spPr>
+        <p:style>
+          <a:lnRef idx="1">
+            <a:schemeClr val="accent5"/>
+          </a:lnRef>
+          <a:fillRef idx="0">
+            <a:schemeClr val="accent5"/>
+          </a:fillRef>
+          <a:effectRef idx="0">
+            <a:schemeClr val="accent5"/>
+          </a:effectRef>
+          <a:fontRef idx="minor">
+            <a:schemeClr val="tx1"/>
+          </a:fontRef>
+        </p:style>
+      </p:cxnSp>
+      <p:pic>
+        <p:nvPicPr>
+          <p:cNvPr id="7" name="图片 6" descr="pic"/>
+          <p:cNvPicPr>
+            <a:picLocks noChangeAspect="1"/>
+          </p:cNvPicPr>
+          <p:nvPr/>
+        </p:nvPicPr>
+        <p:blipFill>
+          <a:blip r:embed="rId1"/>
+          <a:stretch>
+            <a:fillRect/>
+          </a:stretch>
+        </p:blipFill>
+        <p:spPr>
+          <a:xfrm>
+            <a:off x="9237980" y="678180"/>
+            <a:ext cx="2282825" cy="624840"/>
+          </a:xfrm>
+          <a:prstGeom prst="rect">
+            <a:avLst/>
+          </a:prstGeom>
+        </p:spPr>
+      </p:pic>
+      <p:sp>
+        <p:nvSpPr>
+          <p:cNvPr id="11" name="对角圆角矩形 10"/>
+          <p:cNvSpPr/>
+          <p:nvPr/>
+        </p:nvSpPr>
+        <p:spPr>
+          <a:xfrm>
+            <a:off x="1859915" y="1835150"/>
+            <a:ext cx="9528175" cy="4288790"/>
+          </a:xfrm>
+          <a:prstGeom prst="round2DiagRect">
+            <a:avLst/>
+          </a:prstGeom>
+          <a:solidFill>
+            <a:schemeClr val="bg1"/>
+          </a:solidFill>
+          <a:ln w="12700" cmpd="sng">
+            <a:solidFill>
+              <a:schemeClr val="accent1">
+                <a:shade val="50000"/>
+              </a:schemeClr>
+            </a:solidFill>
+            <a:prstDash val="solid"/>
+          </a:ln>
+          <a:effectLst>
+            <a:glow rad="139700">
+              <a:schemeClr val="accent6">
+                <a:satMod val="175000"/>
+                <a:alpha val="40000"/>
+              </a:schemeClr>
+            </a:glow>
+          </a:effectLst>
+        </p:spPr>
+        <p:style>
+          <a:lnRef idx="2">
+            <a:schemeClr val="accent6"/>
+          </a:lnRef>
+          <a:fillRef idx="1">
+            <a:schemeClr val="lt1"/>
+          </a:fillRef>
+          <a:effectRef idx="0">
+            <a:schemeClr val="accent6"/>
+          </a:effectRef>
+          <a:fontRef idx="minor">
+            <a:schemeClr val="dk1"/>
+          </a:fontRef>
+        </p:style>
+        <p:txBody>
+          <a:bodyPr rtlCol="0" anchor="ctr">
+            <a:scene3d>
+              <a:camera prst="orthographicFront"/>
+              <a:lightRig rig="threePt" dir="t"/>
+            </a:scene3d>
+          </a:bodyPr>
+          <a:p>
+            <a:pPr algn="ctr"/>
+            <a:endParaRPr lang="zh-CN" altLang="en-US">
+              <a:solidFill>
+                <a:schemeClr val="tx1"/>
+              </a:solidFill>
+              <a:effectLst>
+                <a:outerShdw blurRad="38100" dist="19050" dir="2700000" algn="tl" rotWithShape="0">
+                  <a:schemeClr val="dk1">
+                    <a:alpha val="40000"/>
+                  </a:schemeClr>
+                </a:outerShdw>
+              </a:effectLst>
+            </a:endParaRPr>
+          </a:p>
+        </p:txBody>
+      </p:sp>
+      <p:sp>
+        <p:nvSpPr>
+          <p:cNvPr id="6" name="文本框 5"/>
+          <p:cNvSpPr txBox="1"/>
+          <p:nvPr/>
+        </p:nvSpPr>
+        <p:spPr>
+          <a:xfrm>
+            <a:off x="2732405" y="2124075"/>
+            <a:ext cx="3538855" cy="460375"/>
+          </a:xfrm>
+          <a:prstGeom prst="rect">
+            <a:avLst/>
+          </a:prstGeom>
+          <a:noFill/>
+        </p:spPr>
+        <p:txBody>
+          <a:bodyPr wrap="square" rtlCol="0">
+            <a:spAutoFit/>
+          </a:bodyPr>
+          <a:p>
+            <a:r>
+              <a:rPr lang="en-US" altLang="zh-CN" sz="2400"/>
+              <a:t>4 : </a:t>
+            </a:r>
+            <a:r>
+              <a:rPr lang="zh-CN" altLang="en-US" sz="2400"/>
+              <a:t>数据分析层</a:t>
+            </a:r>
+            <a:endParaRPr lang="zh-CN" altLang="en-US" sz="2400"/>
+          </a:p>
+        </p:txBody>
+      </p:sp>
+      <p:sp>
+        <p:nvSpPr>
+          <p:cNvPr id="8" name="圆柱形 7"/>
+          <p:cNvSpPr/>
+          <p:nvPr/>
+        </p:nvSpPr>
+        <p:spPr>
+          <a:xfrm>
+            <a:off x="2830195" y="3008630"/>
+            <a:ext cx="2578735" cy="2418715"/>
+          </a:xfrm>
+          <a:prstGeom prst="can">
+            <a:avLst/>
+          </a:prstGeom>
+          <a:noFill/>
+        </p:spPr>
+        <p:style>
+          <a:lnRef idx="2">
+            <a:schemeClr val="accent1">
+              <a:shade val="50000"/>
+            </a:schemeClr>
+          </a:lnRef>
+          <a:fillRef idx="1">
+            <a:schemeClr val="accent1"/>
+          </a:fillRef>
+          <a:effectRef idx="0">
+            <a:schemeClr val="accent1"/>
+          </a:effectRef>
+          <a:fontRef idx="minor">
+            <a:schemeClr val="lt1"/>
+          </a:fontRef>
+        </p:style>
+        <p:txBody>
+          <a:bodyPr rtlCol="0" anchor="ctr"/>
+          <a:p>
+            <a:pPr algn="ctr"/>
+            <a:endParaRPr lang="zh-CN" altLang="en-US"/>
+          </a:p>
+        </p:txBody>
+      </p:sp>
+      <p:pic>
+        <p:nvPicPr>
+          <p:cNvPr id="9" name="图片 8" descr="spark"/>
+          <p:cNvPicPr>
+            <a:picLocks noChangeAspect="1"/>
+          </p:cNvPicPr>
+          <p:nvPr/>
+        </p:nvPicPr>
+        <p:blipFill>
+          <a:blip r:embed="rId2"/>
+          <a:stretch>
+            <a:fillRect/>
+          </a:stretch>
+        </p:blipFill>
+        <p:spPr>
+          <a:xfrm>
+            <a:off x="3074670" y="3712210"/>
+            <a:ext cx="2089785" cy="1522730"/>
+          </a:xfrm>
+          <a:prstGeom prst="rect">
+            <a:avLst/>
+          </a:prstGeom>
+        </p:spPr>
+      </p:pic>
+      <p:sp>
+        <p:nvSpPr>
+          <p:cNvPr id="10" name="圆角矩形 9"/>
+          <p:cNvSpPr/>
+          <p:nvPr/>
+        </p:nvSpPr>
+        <p:spPr>
+          <a:xfrm>
+            <a:off x="6433820" y="2780665"/>
+            <a:ext cx="4688205" cy="2874645"/>
+          </a:xfrm>
+          <a:prstGeom prst="roundRect">
+            <a:avLst/>
+          </a:prstGeom>
+          <a:solidFill>
+            <a:schemeClr val="bg1"/>
+          </a:solidFill>
+        </p:spPr>
+        <p:style>
+          <a:lnRef idx="2">
+            <a:schemeClr val="accent1">
+              <a:shade val="50000"/>
+            </a:schemeClr>
+          </a:lnRef>
+          <a:fillRef idx="1">
+            <a:schemeClr val="accent1"/>
+          </a:fillRef>
+          <a:effectRef idx="0">
+            <a:schemeClr val="accent1"/>
+          </a:effectRef>
+          <a:fontRef idx="minor">
+            <a:schemeClr val="lt1"/>
+          </a:fontRef>
+        </p:style>
+        <p:txBody>
+          <a:bodyPr rtlCol="0" anchor="ctr"/>
+          <a:p>
+            <a:pPr algn="ctr"/>
+            <a:endParaRPr lang="zh-CN" altLang="en-US"/>
+          </a:p>
+        </p:txBody>
+      </p:sp>
+      <p:sp>
+        <p:nvSpPr>
+          <p:cNvPr id="12" name="文本框 11"/>
+          <p:cNvSpPr txBox="1"/>
+          <p:nvPr/>
+        </p:nvSpPr>
+        <p:spPr>
+          <a:xfrm>
+            <a:off x="6757035" y="3185160"/>
+            <a:ext cx="3943350" cy="829945"/>
+          </a:xfrm>
+          <a:prstGeom prst="rect">
+            <a:avLst/>
+          </a:prstGeom>
+          <a:noFill/>
+        </p:spPr>
+        <p:txBody>
+          <a:bodyPr wrap="square" rtlCol="0">
+            <a:spAutoFit/>
+          </a:bodyPr>
+          <a:p>
+            <a:r>
+              <a:rPr lang="en-US" altLang="zh-CN" sz="2400"/>
+              <a:t>1: </a:t>
+            </a:r>
+            <a:r>
+              <a:rPr lang="zh-CN" altLang="en-US" sz="2400"/>
+              <a:t>基于</a:t>
+            </a:r>
+            <a:r>
+              <a:rPr lang="en-US" altLang="zh-CN" sz="2400"/>
+              <a:t>DataFrame</a:t>
+            </a:r>
+            <a:r>
+              <a:rPr lang="zh-CN" altLang="en-US" sz="2400"/>
+              <a:t>和</a:t>
+            </a:r>
+            <a:r>
+              <a:rPr lang="en-US" altLang="zh-CN" sz="2400"/>
+              <a:t>DataSet       </a:t>
+            </a:r>
+            <a:r>
+              <a:rPr lang="zh-CN" altLang="en-US" sz="2400"/>
+              <a:t>数据结构</a:t>
+            </a:r>
+            <a:r>
+              <a:rPr lang="zh-CN" altLang="en-US" sz="2400"/>
+              <a:t>进行快速开发</a:t>
+            </a:r>
+            <a:endParaRPr lang="zh-CN" altLang="en-US" sz="2400"/>
+          </a:p>
+        </p:txBody>
+      </p:sp>
+      <p:sp>
+        <p:nvSpPr>
+          <p:cNvPr id="13" name="文本框 12"/>
+          <p:cNvSpPr txBox="1"/>
+          <p:nvPr/>
+        </p:nvSpPr>
+        <p:spPr>
+          <a:xfrm>
+            <a:off x="6757035" y="4404995"/>
+            <a:ext cx="3942715" cy="460375"/>
+          </a:xfrm>
+          <a:prstGeom prst="rect">
+            <a:avLst/>
+          </a:prstGeom>
+          <a:noFill/>
+        </p:spPr>
+        <p:txBody>
+          <a:bodyPr wrap="square" rtlCol="0">
+            <a:spAutoFit/>
+          </a:bodyPr>
+          <a:p>
+            <a:r>
+              <a:rPr lang="en-US" altLang="zh-CN" sz="2400"/>
+              <a:t>2:</a:t>
+            </a:r>
+            <a:r>
+              <a:rPr lang="zh-CN" altLang="en-US" sz="2400"/>
+              <a:t>为后续流式处理奠定基础</a:t>
+            </a:r>
+            <a:endParaRPr lang="zh-CN" altLang="en-US" sz="2400"/>
+          </a:p>
+        </p:txBody>
+      </p:sp>
+    </p:spTree>
+    <p:custDataLst>
+      <p:tags r:id="rId3"/>
+    </p:custDataLst>
+  </p:cSld>
+  <p:clrMapOvr>
+    <a:masterClrMapping/>
+  </p:clrMapOvr>
+</p:sld>
+</file>
+
+<file path=ppt/slides/slide13.xml><?xml version="1.0" encoding="utf-8"?>
+<p:sld xmlns:a="http://schemas.openxmlformats.org/drawingml/2006/main" xmlns:r="http://schemas.openxmlformats.org/officeDocument/2006/relationships" xmlns:p="http://schemas.openxmlformats.org/presentationml/2006/main">
+  <p:cSld>
+    <p:spTree>
+      <p:nvGrpSpPr>
+        <p:cNvPr id="1" name=""/>
+        <p:cNvGrpSpPr/>
+        <p:nvPr/>
+      </p:nvGrpSpPr>
+      <p:grpSpPr/>
+      <p:cxnSp>
+        <p:nvCxnSpPr>
+          <p:cNvPr id="4" name="直接连接符 3"/>
+          <p:cNvCxnSpPr/>
+          <p:nvPr/>
+        </p:nvCxnSpPr>
+        <p:spPr>
+          <a:xfrm>
+            <a:off x="931545" y="1303020"/>
+            <a:ext cx="10589260" cy="0"/>
+          </a:xfrm>
+          <a:prstGeom prst="line">
+            <a:avLst/>
+          </a:prstGeom>
+        </p:spPr>
+        <p:style>
+          <a:lnRef idx="1">
+            <a:schemeClr val="accent5"/>
+          </a:lnRef>
+          <a:fillRef idx="0">
+            <a:schemeClr val="accent5"/>
+          </a:fillRef>
+          <a:effectRef idx="0">
+            <a:schemeClr val="accent5"/>
+          </a:effectRef>
+          <a:fontRef idx="minor">
+            <a:schemeClr val="tx1"/>
+          </a:fontRef>
+        </p:style>
+      </p:cxnSp>
+      <p:pic>
+        <p:nvPicPr>
+          <p:cNvPr id="7" name="图片 6" descr="pic"/>
+          <p:cNvPicPr>
+            <a:picLocks noChangeAspect="1"/>
+          </p:cNvPicPr>
+          <p:nvPr/>
+        </p:nvPicPr>
+        <p:blipFill>
+          <a:blip r:embed="rId1"/>
+          <a:stretch>
+            <a:fillRect/>
+          </a:stretch>
+        </p:blipFill>
+        <p:spPr>
+          <a:xfrm>
+            <a:off x="9237980" y="678180"/>
+            <a:ext cx="2282825" cy="624840"/>
+          </a:xfrm>
+          <a:prstGeom prst="rect">
+            <a:avLst/>
+          </a:prstGeom>
+        </p:spPr>
+      </p:pic>
+      <p:sp>
+        <p:nvSpPr>
+          <p:cNvPr id="11" name="对角圆角矩形 10"/>
+          <p:cNvSpPr/>
+          <p:nvPr/>
+        </p:nvSpPr>
+        <p:spPr>
+          <a:xfrm>
+            <a:off x="1683385" y="2513330"/>
+            <a:ext cx="9528175" cy="4052570"/>
+          </a:xfrm>
+          <a:prstGeom prst="round2DiagRect">
+            <a:avLst/>
+          </a:prstGeom>
+          <a:solidFill>
+            <a:schemeClr val="bg1"/>
+          </a:solidFill>
+          <a:ln w="12700" cmpd="sng">
+            <a:solidFill>
+              <a:schemeClr val="accent1">
+                <a:shade val="50000"/>
+              </a:schemeClr>
+            </a:solidFill>
+            <a:prstDash val="solid"/>
+          </a:ln>
+          <a:effectLst>
+            <a:glow rad="139700">
+              <a:schemeClr val="accent6">
+                <a:satMod val="175000"/>
+                <a:alpha val="40000"/>
+              </a:schemeClr>
+            </a:glow>
+          </a:effectLst>
+        </p:spPr>
+        <p:style>
+          <a:lnRef idx="2">
+            <a:schemeClr val="accent6"/>
+          </a:lnRef>
+          <a:fillRef idx="1">
+            <a:schemeClr val="lt1"/>
+          </a:fillRef>
+          <a:effectRef idx="0">
+            <a:schemeClr val="accent6"/>
+          </a:effectRef>
+          <a:fontRef idx="minor">
+            <a:schemeClr val="dk1"/>
+          </a:fontRef>
+        </p:style>
+        <p:txBody>
+          <a:bodyPr rtlCol="0" anchor="ctr">
+            <a:scene3d>
+              <a:camera prst="orthographicFront"/>
+              <a:lightRig rig="threePt" dir="t"/>
+            </a:scene3d>
+          </a:bodyPr>
+          <a:p>
+            <a:pPr algn="ctr"/>
+            <a:endParaRPr lang="zh-CN" altLang="en-US">
+              <a:solidFill>
+                <a:schemeClr val="tx1"/>
+              </a:solidFill>
+              <a:effectLst>
+                <a:outerShdw blurRad="38100" dist="19050" dir="2700000" algn="tl" rotWithShape="0">
+                  <a:schemeClr val="dk1">
+                    <a:alpha val="40000"/>
+                  </a:schemeClr>
+                </a:outerShdw>
+              </a:effectLst>
+            </a:endParaRPr>
+          </a:p>
+        </p:txBody>
+      </p:sp>
+      <p:sp>
+        <p:nvSpPr>
+          <p:cNvPr id="2" name="文本框 1"/>
+          <p:cNvSpPr txBox="1"/>
+          <p:nvPr/>
+        </p:nvSpPr>
+        <p:spPr>
+          <a:xfrm>
+            <a:off x="1842135" y="1563370"/>
+            <a:ext cx="1889125" cy="583565"/>
+          </a:xfrm>
+          <a:prstGeom prst="rect">
+            <a:avLst/>
+          </a:prstGeom>
+          <a:noFill/>
+        </p:spPr>
+        <p:txBody>
+          <a:bodyPr wrap="none" rtlCol="0">
+            <a:spAutoFit/>
+          </a:bodyPr>
+          <a:p>
+            <a:r>
+              <a:rPr lang="en-US" altLang="zh-CN" sz="3200"/>
+              <a:t>spark</a:t>
+            </a:r>
+            <a:r>
+              <a:rPr lang="zh-CN" altLang="en-US" sz="3200"/>
+              <a:t>优势</a:t>
+            </a:r>
+            <a:endParaRPr lang="zh-CN" altLang="en-US" sz="3200"/>
+          </a:p>
+        </p:txBody>
+      </p:sp>
+      <p:sp>
+        <p:nvSpPr>
+          <p:cNvPr id="5" name="文本框 4"/>
+          <p:cNvSpPr txBox="1"/>
+          <p:nvPr/>
+        </p:nvSpPr>
+        <p:spPr>
+          <a:xfrm>
+            <a:off x="2463165" y="3126105"/>
+            <a:ext cx="8150225" cy="2245360"/>
+          </a:xfrm>
+          <a:prstGeom prst="rect">
+            <a:avLst/>
+          </a:prstGeom>
+          <a:noFill/>
+        </p:spPr>
+        <p:txBody>
+          <a:bodyPr wrap="square" rtlCol="0">
+            <a:spAutoFit/>
+          </a:bodyPr>
+          <a:p>
+            <a:pPr algn="l"/>
+            <a:r>
+              <a:rPr lang="en-US" altLang="zh-CN" sz="2800"/>
+              <a:t>1</a:t>
+            </a:r>
+            <a:r>
+              <a:rPr lang="zh-CN" altLang="en-US" sz="2800"/>
+              <a:t>：基于内存可以高效地处理数据流。</a:t>
+            </a:r>
+            <a:endParaRPr lang="zh-CN" altLang="en-US" sz="2800"/>
+          </a:p>
+          <a:p>
+            <a:pPr algn="l"/>
+            <a:endParaRPr lang="zh-CN" altLang="en-US" sz="2800"/>
+          </a:p>
+          <a:p>
+            <a:pPr algn="l"/>
+            <a:r>
+              <a:rPr lang="en-US" altLang="zh-CN" sz="2800"/>
+              <a:t>2</a:t>
+            </a:r>
+            <a:r>
+              <a:rPr lang="zh-CN" altLang="en-US" sz="2800"/>
+              <a:t>：支持</a:t>
+            </a:r>
+            <a:r>
+              <a:rPr lang="en-US" altLang="zh-CN" sz="2800"/>
+              <a:t>java</a:t>
+            </a:r>
+            <a:r>
+              <a:rPr lang="zh-CN" altLang="en-US" sz="2800"/>
+              <a:t>，</a:t>
+            </a:r>
+            <a:r>
+              <a:rPr lang="en-US" altLang="zh-CN" sz="2800"/>
+              <a:t>scala</a:t>
+            </a:r>
+            <a:r>
+              <a:rPr lang="zh-CN" altLang="en-US" sz="2800"/>
+              <a:t>，</a:t>
+            </a:r>
+            <a:r>
+              <a:rPr lang="en-US" altLang="zh-CN" sz="2800"/>
+              <a:t>python</a:t>
+            </a:r>
+            <a:r>
+              <a:rPr lang="zh-CN" altLang="en-US" sz="2800"/>
+              <a:t>语言，提供多种算子。</a:t>
+            </a:r>
+            <a:endParaRPr lang="zh-CN" altLang="en-US" sz="2800"/>
+          </a:p>
+          <a:p>
+            <a:pPr algn="l"/>
+            <a:endParaRPr lang="zh-CN" altLang="en-US" sz="2800"/>
+          </a:p>
+          <a:p>
+            <a:pPr algn="l"/>
+            <a:r>
+              <a:rPr lang="en-US" altLang="zh-CN" sz="2800"/>
+              <a:t>3</a:t>
+            </a:r>
+            <a:r>
+              <a:rPr lang="zh-CN" altLang="en-US" sz="2800"/>
+              <a:t>：和</a:t>
+            </a:r>
+            <a:r>
+              <a:rPr lang="en-US" altLang="zh-CN" sz="2800"/>
+              <a:t>hadoop</a:t>
+            </a:r>
+            <a:r>
+              <a:rPr lang="zh-CN" altLang="en-US" sz="2800"/>
+              <a:t>生态圈紧密结合，如可结合</a:t>
+            </a:r>
+            <a:r>
+              <a:rPr lang="en-US" altLang="zh-CN" sz="2800"/>
+              <a:t>yarn</a:t>
+            </a:r>
+            <a:r>
+              <a:rPr lang="zh-CN" altLang="en-US" sz="2800"/>
+              <a:t>。</a:t>
+            </a:r>
+            <a:endParaRPr lang="zh-CN" altLang="en-US" sz="2800"/>
+          </a:p>
+        </p:txBody>
+      </p:sp>
+    </p:spTree>
+    <p:custDataLst>
+      <p:tags r:id="rId2"/>
+    </p:custDataLst>
+  </p:cSld>
+  <p:clrMapOvr>
+    <a:masterClrMapping/>
+  </p:clrMapOvr>
+</p:sld>
+</file>
+
+<file path=ppt/slides/slide14.xml><?xml version="1.0" encoding="utf-8"?>
+<p:sld xmlns:a="http://schemas.openxmlformats.org/drawingml/2006/main" xmlns:r="http://schemas.openxmlformats.org/officeDocument/2006/relationships" xmlns:p="http://schemas.openxmlformats.org/presentationml/2006/main">
+  <p:cSld>
+    <p:spTree>
+      <p:nvGrpSpPr>
+        <p:cNvPr id="1" name=""/>
+        <p:cNvGrpSpPr/>
+        <p:nvPr/>
+      </p:nvGrpSpPr>
+      <p:grpSpPr/>
+      <p:cxnSp>
+        <p:nvCxnSpPr>
+          <p:cNvPr id="4" name="直接连接符 3"/>
+          <p:cNvCxnSpPr/>
+          <p:nvPr/>
+        </p:nvCxnSpPr>
+        <p:spPr>
+          <a:xfrm>
+            <a:off x="931545" y="1303020"/>
+            <a:ext cx="10589260" cy="0"/>
+          </a:xfrm>
+          <a:prstGeom prst="line">
+            <a:avLst/>
+          </a:prstGeom>
+        </p:spPr>
+        <p:style>
+          <a:lnRef idx="1">
+            <a:schemeClr val="accent5"/>
+          </a:lnRef>
+          <a:fillRef idx="0">
+            <a:schemeClr val="accent5"/>
+          </a:fillRef>
+          <a:effectRef idx="0">
+            <a:schemeClr val="accent5"/>
+          </a:effectRef>
+          <a:fontRef idx="minor">
+            <a:schemeClr val="tx1"/>
+          </a:fontRef>
+        </p:style>
+      </p:cxnSp>
+      <p:pic>
+        <p:nvPicPr>
+          <p:cNvPr id="7" name="图片 6" descr="pic"/>
+          <p:cNvPicPr>
+            <a:picLocks noChangeAspect="1"/>
+          </p:cNvPicPr>
+          <p:nvPr/>
+        </p:nvPicPr>
+        <p:blipFill>
+          <a:blip r:embed="rId1"/>
+          <a:stretch>
+            <a:fillRect/>
+          </a:stretch>
+        </p:blipFill>
+        <p:spPr>
+          <a:xfrm>
+            <a:off x="9237980" y="678180"/>
+            <a:ext cx="2282825" cy="624840"/>
+          </a:xfrm>
+          <a:prstGeom prst="rect">
+            <a:avLst/>
+          </a:prstGeom>
+        </p:spPr>
+      </p:pic>
+      <p:grpSp>
+        <p:nvGrpSpPr>
+          <p:cNvPr id="3" name="组 9"/>
+          <p:cNvGrpSpPr/>
+          <p:nvPr/>
+        </p:nvGrpSpPr>
+        <p:grpSpPr>
+          <a:xfrm>
+            <a:off x="847405" y="1530300"/>
+            <a:ext cx="6306505" cy="692779"/>
+            <a:chOff x="1714501" y="2056771"/>
+            <a:chExt cx="5765799" cy="692779"/>
+          </a:xfrm>
+          <a:solidFill>
+            <a:schemeClr val="bg1">
+              <a:lumMod val="95000"/>
+            </a:schemeClr>
+          </a:solidFill>
+        </p:grpSpPr>
+        <p:sp>
+          <p:nvSpPr>
+            <p:cNvPr id="2" name="AutoShape 5"/>
+            <p:cNvSpPr>
+              <a:spLocks noChangeArrowheads="1"/>
+            </p:cNvSpPr>
+            <p:nvPr/>
+          </p:nvSpPr>
+          <p:spPr bwMode="auto">
+            <a:xfrm>
+              <a:off x="1714501" y="2057402"/>
+              <a:ext cx="808457" cy="576024"/>
+            </a:xfrm>
+            <a:prstGeom prst="roundRect">
+              <a:avLst>
+                <a:gd name="adj" fmla="val 16667"/>
+              </a:avLst>
+            </a:prstGeom>
+            <a:solidFill>
+              <a:srgbClr val="FFC000"/>
+            </a:solidFill>
+            <a:ln>
+              <a:noFill/>
+            </a:ln>
+          </p:spPr>
+          <p:txBody>
+            <a:bodyPr wrap="none" anchor="ctr"/>
+            <a:lstStyle>
+              <a:lvl1pPr indent="158750">
+                <a:buFont typeface="Arial" panose="020B0604020202020204" pitchFamily="34" charset="0"/>
+                <a:defRPr>
+                  <a:solidFill>
+                    <a:schemeClr val="tx1"/>
+                  </a:solidFill>
+                  <a:latin typeface="Verdana" panose="020B0604030504040204" pitchFamily="34" charset="0"/>
+                  <a:ea typeface="微软雅黑" panose="020B0503020204020204" charset="-122"/>
+                </a:defRPr>
+              </a:lvl1pPr>
+              <a:lvl2pPr marL="742950" indent="-285750">
+                <a:buFont typeface="Arial" panose="020B0604020202020204" pitchFamily="34" charset="0"/>
+                <a:defRPr>
+                  <a:solidFill>
+                    <a:schemeClr val="tx1"/>
+                  </a:solidFill>
+                  <a:latin typeface="Verdana" panose="020B0604030504040204" pitchFamily="34" charset="0"/>
+                  <a:ea typeface="微软雅黑" panose="020B0503020204020204" charset="-122"/>
+                </a:defRPr>
+              </a:lvl2pPr>
+              <a:lvl3pPr marL="1143000" indent="-228600">
+                <a:buFont typeface="Arial" panose="020B0604020202020204" pitchFamily="34" charset="0"/>
+                <a:defRPr>
+                  <a:solidFill>
+                    <a:schemeClr val="tx1"/>
+                  </a:solidFill>
+                  <a:latin typeface="Verdana" panose="020B0604030504040204" pitchFamily="34" charset="0"/>
+                  <a:ea typeface="微软雅黑" panose="020B0503020204020204" charset="-122"/>
+                </a:defRPr>
+              </a:lvl3pPr>
+              <a:lvl4pPr marL="1600200" indent="-228600">
+                <a:buFont typeface="Arial" panose="020B0604020202020204" pitchFamily="34" charset="0"/>
+                <a:defRPr>
+                  <a:solidFill>
+                    <a:schemeClr val="tx1"/>
+                  </a:solidFill>
+                  <a:latin typeface="Verdana" panose="020B0604030504040204" pitchFamily="34" charset="0"/>
+                  <a:ea typeface="微软雅黑" panose="020B0503020204020204" charset="-122"/>
+                </a:defRPr>
+              </a:lvl4pPr>
+              <a:lvl5pPr marL="2057400" indent="-228600">
+                <a:buFont typeface="Arial" panose="020B0604020202020204" pitchFamily="34" charset="0"/>
+                <a:defRPr>
+                  <a:solidFill>
+                    <a:schemeClr val="tx1"/>
+                  </a:solidFill>
+                  <a:latin typeface="Verdana" panose="020B0604030504040204" pitchFamily="34" charset="0"/>
+                  <a:ea typeface="微软雅黑" panose="020B0503020204020204" charset="-122"/>
+                </a:defRPr>
+              </a:lvl5pPr>
+              <a:lvl6pPr marL="2514600" indent="-228600" eaLnBrk="0" fontAlgn="base" hangingPunct="0">
+                <a:spcBef>
+                  <a:spcPct val="0"/>
+                </a:spcBef>
+                <a:spcAft>
+                  <a:spcPct val="0"/>
+                </a:spcAft>
+                <a:buFont typeface="Arial" panose="020B0604020202020204" pitchFamily="34" charset="0"/>
+                <a:defRPr>
+                  <a:solidFill>
+                    <a:schemeClr val="tx1"/>
+                  </a:solidFill>
+                  <a:latin typeface="Verdana" panose="020B0604030504040204" pitchFamily="34" charset="0"/>
+                  <a:ea typeface="微软雅黑" panose="020B0503020204020204" charset="-122"/>
+                </a:defRPr>
+              </a:lvl6pPr>
+              <a:lvl7pPr marL="2971800" indent="-228600" eaLnBrk="0" fontAlgn="base" hangingPunct="0">
+                <a:spcBef>
+                  <a:spcPct val="0"/>
+                </a:spcBef>
+                <a:spcAft>
+                  <a:spcPct val="0"/>
+                </a:spcAft>
+                <a:buFont typeface="Arial" panose="020B0604020202020204" pitchFamily="34" charset="0"/>
+                <a:defRPr>
+                  <a:solidFill>
+                    <a:schemeClr val="tx1"/>
+                  </a:solidFill>
+                  <a:latin typeface="Verdana" panose="020B0604030504040204" pitchFamily="34" charset="0"/>
+                  <a:ea typeface="微软雅黑" panose="020B0503020204020204" charset="-122"/>
+                </a:defRPr>
+              </a:lvl7pPr>
+              <a:lvl8pPr marL="3429000" indent="-228600" eaLnBrk="0" fontAlgn="base" hangingPunct="0">
+                <a:spcBef>
+                  <a:spcPct val="0"/>
+                </a:spcBef>
+                <a:spcAft>
+                  <a:spcPct val="0"/>
+                </a:spcAft>
+                <a:buFont typeface="Arial" panose="020B0604020202020204" pitchFamily="34" charset="0"/>
+                <a:defRPr>
+                  <a:solidFill>
+                    <a:schemeClr val="tx1"/>
+                  </a:solidFill>
+                  <a:latin typeface="Verdana" panose="020B0604030504040204" pitchFamily="34" charset="0"/>
+                  <a:ea typeface="微软雅黑" panose="020B0503020204020204" charset="-122"/>
+                </a:defRPr>
+              </a:lvl8pPr>
+              <a:lvl9pPr marL="3886200" indent="-228600" eaLnBrk="0" fontAlgn="base" hangingPunct="0">
+                <a:spcBef>
+                  <a:spcPct val="0"/>
+                </a:spcBef>
+                <a:spcAft>
+                  <a:spcPct val="0"/>
+                </a:spcAft>
+                <a:buFont typeface="Arial" panose="020B0604020202020204" pitchFamily="34" charset="0"/>
+                <a:defRPr>
+                  <a:solidFill>
+                    <a:schemeClr val="tx1"/>
+                  </a:solidFill>
+                  <a:latin typeface="Verdana" panose="020B0604030504040204" pitchFamily="34" charset="0"/>
+                  <a:ea typeface="微软雅黑" panose="020B0503020204020204" charset="-122"/>
+                </a:defRPr>
+              </a:lvl9pPr>
+            </a:lstStyle>
+            <a:p>
+              <a:pPr eaLnBrk="1" hangingPunct="1"/>
+              <a:r>
+                <a:rPr lang="zh-CN" altLang="en-US" sz="2400" b="1" dirty="0">
+                  <a:solidFill>
+                    <a:srgbClr val="FFFFFF"/>
+                  </a:solidFill>
+                  <a:latin typeface="微软雅黑" panose="020B0503020204020204" charset="-122"/>
+                  <a:sym typeface="微软雅黑" panose="020B0503020204020204" charset="-122"/>
+                </a:rPr>
+                <a:t>三</a:t>
+              </a:r>
+              <a:endParaRPr lang="zh-CN" altLang="en-US" sz="2400" b="1" dirty="0">
+                <a:solidFill>
+                  <a:srgbClr val="FFFFFF"/>
+                </a:solidFill>
+                <a:latin typeface="微软雅黑" panose="020B0503020204020204" charset="-122"/>
+                <a:sym typeface="微软雅黑" panose="020B0503020204020204" charset="-122"/>
+              </a:endParaRPr>
+            </a:p>
+          </p:txBody>
+        </p:sp>
+        <p:grpSp>
+          <p:nvGrpSpPr>
+            <p:cNvPr id="5" name="Group 6"/>
+            <p:cNvGrpSpPr/>
+            <p:nvPr/>
+          </p:nvGrpSpPr>
+          <p:grpSpPr bwMode="auto">
+            <a:xfrm>
+              <a:off x="2664835" y="2056771"/>
+              <a:ext cx="4815465" cy="692779"/>
+              <a:chOff x="15" y="20"/>
+              <a:chExt cx="2580" cy="404"/>
+            </a:xfrm>
+            <a:grpFill/>
+          </p:grpSpPr>
+          <p:sp>
+            <p:nvSpPr>
+              <p:cNvPr id="14" name="AutoShape 7"/>
+              <p:cNvSpPr>
+                <a:spLocks noChangeArrowheads="1"/>
+              </p:cNvSpPr>
+              <p:nvPr/>
+            </p:nvSpPr>
+            <p:spPr bwMode="auto">
+              <a:xfrm rot="10800000">
+                <a:off x="31" y="288"/>
+                <a:ext cx="2564" cy="136"/>
+              </a:xfrm>
+              <a:custGeom>
+                <a:avLst/>
+                <a:gdLst>
+                  <a:gd name="T0" fmla="*/ 0 w 21600"/>
+                  <a:gd name="T1" fmla="*/ 0 h 21600"/>
+                  <a:gd name="T2" fmla="*/ 19 w 21600"/>
+                  <a:gd name="T3" fmla="*/ 1 h 21600"/>
+                  <a:gd name="T4" fmla="*/ 286 w 21600"/>
+                  <a:gd name="T5" fmla="*/ 1 h 21600"/>
+                  <a:gd name="T6" fmla="*/ 304 w 21600"/>
+                  <a:gd name="T7" fmla="*/ 0 h 21600"/>
+                  <a:gd name="T8" fmla="*/ 0 w 21600"/>
+                  <a:gd name="T9" fmla="*/ 0 h 21600"/>
+                  <a:gd name="T10" fmla="*/ 0 60000 65536"/>
+                  <a:gd name="T11" fmla="*/ 0 60000 65536"/>
+                  <a:gd name="T12" fmla="*/ 0 60000 65536"/>
+                  <a:gd name="T13" fmla="*/ 0 60000 65536"/>
+                  <a:gd name="T14" fmla="*/ 0 60000 65536"/>
+                  <a:gd name="T15" fmla="*/ 0 w 21600"/>
+                  <a:gd name="T16" fmla="*/ 0 h 21600"/>
+                  <a:gd name="T17" fmla="*/ 21600 w 21600"/>
+                  <a:gd name="T18" fmla="*/ 21600 h 21600"/>
+                </a:gdLst>
+                <a:ahLst/>
+                <a:cxnLst>
+                  <a:cxn ang="T10">
+                    <a:pos x="T0" y="T1"/>
+                  </a:cxn>
+                  <a:cxn ang="T11">
+                    <a:pos x="T2" y="T3"/>
+                  </a:cxn>
+                  <a:cxn ang="T12">
+                    <a:pos x="T4" y="T5"/>
+                  </a:cxn>
+                  <a:cxn ang="T13">
+                    <a:pos x="T6" y="T7"/>
+                  </a:cxn>
+                  <a:cxn ang="T14">
+                    <a:pos x="T8" y="T9"/>
+                  </a:cxn>
+                </a:cxnLst>
+                <a:rect l="T15" t="T16" r="T17" b="T18"/>
+                <a:pathLst>
+                  <a:path w="21600" h="21600">
+                    <a:moveTo>
+                      <a:pt x="0" y="0"/>
+                    </a:moveTo>
+                    <a:lnTo>
+                      <a:pt x="1314" y="21600"/>
+                    </a:lnTo>
+                    <a:lnTo>
+                      <a:pt x="20286" y="21600"/>
+                    </a:lnTo>
+                    <a:lnTo>
+                      <a:pt x="21600" y="0"/>
+                    </a:lnTo>
+                    <a:lnTo>
+                      <a:pt x="0" y="0"/>
+                    </a:lnTo>
+                    <a:close/>
+                  </a:path>
+                </a:pathLst>
+              </a:custGeom>
+              <a:grpFill/>
+              <a:ln>
+                <a:noFill/>
+              </a:ln>
+              <a:extLst>
+                <a:ext uri="{91240B29-F687-4F45-9708-019B960494DF}">
+                  <a14:hiddenLine xmlns:a14="http://schemas.microsoft.com/office/drawing/2010/main" w="9525">
+                    <a:solidFill>
+                      <a:srgbClr val="000000"/>
+                    </a:solidFill>
+                    <a:round/>
+                  </a14:hiddenLine>
+                </a:ext>
+              </a:extLst>
+            </p:spPr>
+            <p:txBody>
+              <a:bodyPr/>
+              <a:lstStyle/>
+              <a:p>
+                <a:endParaRPr lang="zh-CN" altLang="en-US"/>
+              </a:p>
+            </p:txBody>
+          </p:sp>
+          <p:sp>
+            <p:nvSpPr>
+              <p:cNvPr id="15" name="AutoShape 8"/>
+              <p:cNvSpPr>
+                <a:spLocks noChangeArrowheads="1"/>
+              </p:cNvSpPr>
+              <p:nvPr/>
+            </p:nvSpPr>
+            <p:spPr bwMode="auto">
+              <a:xfrm>
+                <a:off x="15" y="20"/>
+                <a:ext cx="2580" cy="336"/>
+              </a:xfrm>
+              <a:prstGeom prst="roundRect">
+                <a:avLst>
+                  <a:gd name="adj" fmla="val 16667"/>
+                </a:avLst>
+              </a:prstGeom>
+              <a:noFill/>
+              <a:extLst>
+                <a:ext uri="{91240B29-F687-4F45-9708-019B960494DF}">
+                  <a14:hiddenLine xmlns:a14="http://schemas.microsoft.com/office/drawing/2010/main" w="9525">
+                    <a:solidFill>
+                      <a:srgbClr val="000000"/>
+                    </a:solidFill>
+                    <a:round/>
+                  </a14:hiddenLine>
+                </a:ext>
+              </a:extLst>
+            </p:spPr>
+            <p:style>
+              <a:lnRef idx="2">
+                <a:schemeClr val="accent1"/>
+              </a:lnRef>
+              <a:fillRef idx="1">
+                <a:schemeClr val="lt1"/>
+              </a:fillRef>
+              <a:effectRef idx="0">
+                <a:schemeClr val="accent1"/>
+              </a:effectRef>
+              <a:fontRef idx="minor">
+                <a:schemeClr val="dk1"/>
+              </a:fontRef>
+            </p:style>
+            <p:txBody>
+              <a:bodyPr wrap="none" anchor="ctr"/>
+              <a:lstStyle>
+                <a:lvl1pPr indent="158750">
+                  <a:buFont typeface="Arial" panose="020B0604020202020204" pitchFamily="34" charset="0"/>
+                  <a:defRPr>
+                    <a:solidFill>
+                      <a:schemeClr val="tx1"/>
+                    </a:solidFill>
+                    <a:latin typeface="Verdana" panose="020B0604030504040204" pitchFamily="34" charset="0"/>
+                    <a:ea typeface="微软雅黑" panose="020B0503020204020204" charset="-122"/>
+                  </a:defRPr>
+                </a:lvl1pPr>
+                <a:lvl2pPr marL="742950" indent="-285750">
+                  <a:buFont typeface="Arial" panose="020B0604020202020204" pitchFamily="34" charset="0"/>
+                  <a:defRPr>
+                    <a:solidFill>
+                      <a:schemeClr val="tx1"/>
+                    </a:solidFill>
+                    <a:latin typeface="Verdana" panose="020B0604030504040204" pitchFamily="34" charset="0"/>
+                    <a:ea typeface="微软雅黑" panose="020B0503020204020204" charset="-122"/>
+                  </a:defRPr>
+                </a:lvl2pPr>
+                <a:lvl3pPr marL="1143000" indent="-228600">
+                  <a:buFont typeface="Arial" panose="020B0604020202020204" pitchFamily="34" charset="0"/>
+                  <a:defRPr>
+                    <a:solidFill>
+                      <a:schemeClr val="tx1"/>
+                    </a:solidFill>
+                    <a:latin typeface="Verdana" panose="020B0604030504040204" pitchFamily="34" charset="0"/>
+                    <a:ea typeface="微软雅黑" panose="020B0503020204020204" charset="-122"/>
+                  </a:defRPr>
+                </a:lvl3pPr>
+                <a:lvl4pPr marL="1600200" indent="-228600">
+                  <a:buFont typeface="Arial" panose="020B0604020202020204" pitchFamily="34" charset="0"/>
+                  <a:defRPr>
+                    <a:solidFill>
+                      <a:schemeClr val="tx1"/>
+                    </a:solidFill>
+                    <a:latin typeface="Verdana" panose="020B0604030504040204" pitchFamily="34" charset="0"/>
+                    <a:ea typeface="微软雅黑" panose="020B0503020204020204" charset="-122"/>
+                  </a:defRPr>
+                </a:lvl4pPr>
+                <a:lvl5pPr marL="2057400" indent="-228600">
+                  <a:buFont typeface="Arial" panose="020B0604020202020204" pitchFamily="34" charset="0"/>
+                  <a:defRPr>
+                    <a:solidFill>
+                      <a:schemeClr val="tx1"/>
+                    </a:solidFill>
+                    <a:latin typeface="Verdana" panose="020B0604030504040204" pitchFamily="34" charset="0"/>
+                    <a:ea typeface="微软雅黑" panose="020B0503020204020204" charset="-122"/>
+                  </a:defRPr>
+                </a:lvl5pPr>
+                <a:lvl6pPr marL="2514600" indent="-228600" eaLnBrk="0" fontAlgn="base" hangingPunct="0">
+                  <a:spcBef>
+                    <a:spcPct val="0"/>
+                  </a:spcBef>
+                  <a:spcAft>
+                    <a:spcPct val="0"/>
+                  </a:spcAft>
+                  <a:buFont typeface="Arial" panose="020B0604020202020204" pitchFamily="34" charset="0"/>
+                  <a:defRPr>
+                    <a:solidFill>
+                      <a:schemeClr val="tx1"/>
+                    </a:solidFill>
+                    <a:latin typeface="Verdana" panose="020B0604030504040204" pitchFamily="34" charset="0"/>
+                    <a:ea typeface="微软雅黑" panose="020B0503020204020204" charset="-122"/>
+                  </a:defRPr>
+                </a:lvl6pPr>
+                <a:lvl7pPr marL="2971800" indent="-228600" eaLnBrk="0" fontAlgn="base" hangingPunct="0">
+                  <a:spcBef>
+                    <a:spcPct val="0"/>
+                  </a:spcBef>
+                  <a:spcAft>
+                    <a:spcPct val="0"/>
+                  </a:spcAft>
+                  <a:buFont typeface="Arial" panose="020B0604020202020204" pitchFamily="34" charset="0"/>
+                  <a:defRPr>
+                    <a:solidFill>
+                      <a:schemeClr val="tx1"/>
+                    </a:solidFill>
+                    <a:latin typeface="Verdana" panose="020B0604030504040204" pitchFamily="34" charset="0"/>
+                    <a:ea typeface="微软雅黑" panose="020B0503020204020204" charset="-122"/>
+                  </a:defRPr>
+                </a:lvl7pPr>
+                <a:lvl8pPr marL="3429000" indent="-228600" eaLnBrk="0" fontAlgn="base" hangingPunct="0">
+                  <a:spcBef>
+                    <a:spcPct val="0"/>
+                  </a:spcBef>
+                  <a:spcAft>
+                    <a:spcPct val="0"/>
+                  </a:spcAft>
+                  <a:buFont typeface="Arial" panose="020B0604020202020204" pitchFamily="34" charset="0"/>
+                  <a:defRPr>
+                    <a:solidFill>
+                      <a:schemeClr val="tx1"/>
+                    </a:solidFill>
+                    <a:latin typeface="Verdana" panose="020B0604030504040204" pitchFamily="34" charset="0"/>
+                    <a:ea typeface="微软雅黑" panose="020B0503020204020204" charset="-122"/>
+                  </a:defRPr>
+                </a:lvl8pPr>
+                <a:lvl9pPr marL="3886200" indent="-228600" eaLnBrk="0" fontAlgn="base" hangingPunct="0">
+                  <a:spcBef>
+                    <a:spcPct val="0"/>
+                  </a:spcBef>
+                  <a:spcAft>
+                    <a:spcPct val="0"/>
+                  </a:spcAft>
+                  <a:buFont typeface="Arial" panose="020B0604020202020204" pitchFamily="34" charset="0"/>
+                  <a:defRPr>
+                    <a:solidFill>
+                      <a:schemeClr val="tx1"/>
+                    </a:solidFill>
+                    <a:latin typeface="Verdana" panose="020B0604030504040204" pitchFamily="34" charset="0"/>
+                    <a:ea typeface="微软雅黑" panose="020B0503020204020204" charset="-122"/>
+                  </a:defRPr>
+                </a:lvl9pPr>
+              </a:lstStyle>
+              <a:p>
+                <a:r>
+                  <a:rPr lang="zh-CN" altLang="en-US" sz="2400" b="1" dirty="0" smtClean="0">
+                    <a:solidFill>
+                      <a:schemeClr val="tx1"/>
+                    </a:solidFill>
+                    <a:latin typeface="宋体" panose="02010600030101010101" pitchFamily="2" charset="-122"/>
+                    <a:ea typeface="宋体" panose="02010600030101010101" pitchFamily="2" charset="-122"/>
+                    <a:sym typeface="微软雅黑" panose="020B0503020204020204" charset="-122"/>
+                  </a:rPr>
+                  <a:t>存储过程重构后业务流程</a:t>
+                </a:r>
+                <a:endParaRPr lang="zh-CN" altLang="en-US" sz="2400" b="1" dirty="0" smtClean="0">
+                  <a:solidFill>
+                    <a:schemeClr val="tx1"/>
+                  </a:solidFill>
+                  <a:latin typeface="宋体" panose="02010600030101010101" pitchFamily="2" charset="-122"/>
+                  <a:ea typeface="宋体" panose="02010600030101010101" pitchFamily="2" charset="-122"/>
+                  <a:sym typeface="微软雅黑" panose="020B0503020204020204" charset="-122"/>
+                </a:endParaRPr>
+              </a:p>
+            </p:txBody>
+          </p:sp>
+        </p:grpSp>
+      </p:grpSp>
+      <p:sp>
+        <p:nvSpPr>
+          <p:cNvPr id="16" name="文本框 15"/>
+          <p:cNvSpPr txBox="1"/>
+          <p:nvPr/>
+        </p:nvSpPr>
+        <p:spPr>
+          <a:xfrm>
+            <a:off x="1886585" y="2531110"/>
+            <a:ext cx="8437245" cy="368300"/>
+          </a:xfrm>
+          <a:prstGeom prst="rect">
+            <a:avLst/>
+          </a:prstGeom>
+          <a:noFill/>
+        </p:spPr>
+        <p:txBody>
+          <a:bodyPr wrap="square" rtlCol="0" anchor="t">
+            <a:spAutoFit/>
+          </a:bodyPr>
+          <a:p>
+            <a:r>
+              <a:rPr lang="zh-CN" altLang="en-US"/>
+              <a:t> </a:t>
+            </a:r>
+            <a:endParaRPr lang="zh-CN" altLang="en-US"/>
+          </a:p>
+        </p:txBody>
+      </p:sp>
+      <p:pic>
+        <p:nvPicPr>
+          <p:cNvPr id="11" name="图片 10" descr="1561373633(1)"/>
+          <p:cNvPicPr>
+            <a:picLocks noChangeAspect="1"/>
+          </p:cNvPicPr>
+          <p:nvPr/>
+        </p:nvPicPr>
+        <p:blipFill>
+          <a:blip r:embed="rId2"/>
+          <a:stretch>
+            <a:fillRect/>
+          </a:stretch>
+        </p:blipFill>
+        <p:spPr>
+          <a:xfrm>
+            <a:off x="1731645" y="2531110"/>
+            <a:ext cx="8277225" cy="3819525"/>
+          </a:xfrm>
+          <a:prstGeom prst="rect">
+            <a:avLst/>
+          </a:prstGeom>
+        </p:spPr>
+      </p:pic>
+    </p:spTree>
+    <p:custDataLst>
+      <p:tags r:id="rId3"/>
+    </p:custDataLst>
+  </p:cSld>
+  <p:clrMapOvr>
+    <a:masterClrMapping/>
+  </p:clrMapOvr>
+</p:sld>
+</file>
+
+<file path=ppt/slides/slide15.xml><?xml version="1.0" encoding="utf-8"?>
+<p:sld xmlns:a="http://schemas.openxmlformats.org/drawingml/2006/main" xmlns:r="http://schemas.openxmlformats.org/officeDocument/2006/relationships" xmlns:p="http://schemas.openxmlformats.org/presentationml/2006/main">
+  <p:cSld>
+    <p:spTree>
+      <p:nvGrpSpPr>
+        <p:cNvPr id="1" name=""/>
+        <p:cNvGrpSpPr/>
+        <p:nvPr/>
+      </p:nvGrpSpPr>
+      <p:grpSpPr/>
+      <p:cxnSp>
+        <p:nvCxnSpPr>
+          <p:cNvPr id="4" name="直接连接符 3"/>
+          <p:cNvCxnSpPr/>
+          <p:nvPr/>
+        </p:nvCxnSpPr>
+        <p:spPr>
+          <a:xfrm>
+            <a:off x="931545" y="1303020"/>
+            <a:ext cx="10589260" cy="0"/>
+          </a:xfrm>
+          <a:prstGeom prst="line">
+            <a:avLst/>
+          </a:prstGeom>
+        </p:spPr>
+        <p:style>
+          <a:lnRef idx="1">
+            <a:schemeClr val="accent5"/>
+          </a:lnRef>
+          <a:fillRef idx="0">
+            <a:schemeClr val="accent5"/>
+          </a:fillRef>
+          <a:effectRef idx="0">
+            <a:schemeClr val="accent5"/>
+          </a:effectRef>
+          <a:fontRef idx="minor">
+            <a:schemeClr val="tx1"/>
+          </a:fontRef>
+        </p:style>
+      </p:cxnSp>
+      <p:pic>
+        <p:nvPicPr>
+          <p:cNvPr id="7" name="图片 6" descr="pic"/>
+          <p:cNvPicPr>
+            <a:picLocks noChangeAspect="1"/>
+          </p:cNvPicPr>
+          <p:nvPr/>
+        </p:nvPicPr>
+        <p:blipFill>
+          <a:blip r:embed="rId1"/>
+          <a:stretch>
+            <a:fillRect/>
+          </a:stretch>
+        </p:blipFill>
+        <p:spPr>
+          <a:xfrm>
+            <a:off x="9237980" y="678180"/>
+            <a:ext cx="2282825" cy="624840"/>
+          </a:xfrm>
+          <a:prstGeom prst="rect">
+            <a:avLst/>
+          </a:prstGeom>
+        </p:spPr>
+      </p:pic>
+      <p:grpSp>
+        <p:nvGrpSpPr>
+          <p:cNvPr id="3" name="组 9"/>
+          <p:cNvGrpSpPr/>
+          <p:nvPr/>
+        </p:nvGrpSpPr>
+        <p:grpSpPr>
+          <a:xfrm>
+            <a:off x="847405" y="1530300"/>
+            <a:ext cx="6306505" cy="692779"/>
+            <a:chOff x="1714501" y="2056771"/>
+            <a:chExt cx="5765799" cy="692779"/>
+          </a:xfrm>
+          <a:solidFill>
+            <a:schemeClr val="bg1">
+              <a:lumMod val="95000"/>
+            </a:schemeClr>
+          </a:solidFill>
+        </p:grpSpPr>
+        <p:sp>
+          <p:nvSpPr>
+            <p:cNvPr id="2" name="AutoShape 5"/>
+            <p:cNvSpPr>
+              <a:spLocks noChangeArrowheads="1"/>
+            </p:cNvSpPr>
+            <p:nvPr/>
+          </p:nvSpPr>
+          <p:spPr bwMode="auto">
+            <a:xfrm>
+              <a:off x="1714501" y="2057402"/>
+              <a:ext cx="808457" cy="576024"/>
+            </a:xfrm>
+            <a:prstGeom prst="roundRect">
+              <a:avLst>
+                <a:gd name="adj" fmla="val 16667"/>
+              </a:avLst>
+            </a:prstGeom>
+            <a:solidFill>
+              <a:srgbClr val="FFC000"/>
+            </a:solidFill>
+            <a:ln>
+              <a:noFill/>
+            </a:ln>
+          </p:spPr>
+          <p:txBody>
+            <a:bodyPr wrap="none" anchor="ctr"/>
+            <a:lstStyle>
+              <a:lvl1pPr indent="158750">
+                <a:buFont typeface="Arial" panose="020B0604020202020204" pitchFamily="34" charset="0"/>
+                <a:defRPr>
+                  <a:solidFill>
+                    <a:schemeClr val="tx1"/>
+                  </a:solidFill>
+                  <a:latin typeface="Verdana" panose="020B0604030504040204" pitchFamily="34" charset="0"/>
+                  <a:ea typeface="微软雅黑" panose="020B0503020204020204" charset="-122"/>
+                </a:defRPr>
+              </a:lvl1pPr>
+              <a:lvl2pPr marL="742950" indent="-285750">
+                <a:buFont typeface="Arial" panose="020B0604020202020204" pitchFamily="34" charset="0"/>
+                <a:defRPr>
+                  <a:solidFill>
+                    <a:schemeClr val="tx1"/>
+                  </a:solidFill>
+                  <a:latin typeface="Verdana" panose="020B0604030504040204" pitchFamily="34" charset="0"/>
+                  <a:ea typeface="微软雅黑" panose="020B0503020204020204" charset="-122"/>
+                </a:defRPr>
+              </a:lvl2pPr>
+              <a:lvl3pPr marL="1143000" indent="-228600">
+                <a:buFont typeface="Arial" panose="020B0604020202020204" pitchFamily="34" charset="0"/>
+                <a:defRPr>
+                  <a:solidFill>
+                    <a:schemeClr val="tx1"/>
+                  </a:solidFill>
+                  <a:latin typeface="Verdana" panose="020B0604030504040204" pitchFamily="34" charset="0"/>
+                  <a:ea typeface="微软雅黑" panose="020B0503020204020204" charset="-122"/>
+                </a:defRPr>
+              </a:lvl3pPr>
+              <a:lvl4pPr marL="1600200" indent="-228600">
+                <a:buFont typeface="Arial" panose="020B0604020202020204" pitchFamily="34" charset="0"/>
+                <a:defRPr>
+                  <a:solidFill>
+                    <a:schemeClr val="tx1"/>
+                  </a:solidFill>
+                  <a:latin typeface="Verdana" panose="020B0604030504040204" pitchFamily="34" charset="0"/>
+                  <a:ea typeface="微软雅黑" panose="020B0503020204020204" charset="-122"/>
+                </a:defRPr>
+              </a:lvl4pPr>
+              <a:lvl5pPr marL="2057400" indent="-228600">
+                <a:buFont typeface="Arial" panose="020B0604020202020204" pitchFamily="34" charset="0"/>
+                <a:defRPr>
+                  <a:solidFill>
+                    <a:schemeClr val="tx1"/>
+                  </a:solidFill>
+                  <a:latin typeface="Verdana" panose="020B0604030504040204" pitchFamily="34" charset="0"/>
+                  <a:ea typeface="微软雅黑" panose="020B0503020204020204" charset="-122"/>
+                </a:defRPr>
+              </a:lvl5pPr>
+              <a:lvl6pPr marL="2514600" indent="-228600" eaLnBrk="0" fontAlgn="base" hangingPunct="0">
+                <a:spcBef>
+                  <a:spcPct val="0"/>
+                </a:spcBef>
+                <a:spcAft>
+                  <a:spcPct val="0"/>
+                </a:spcAft>
+                <a:buFont typeface="Arial" panose="020B0604020202020204" pitchFamily="34" charset="0"/>
+                <a:defRPr>
+                  <a:solidFill>
+                    <a:schemeClr val="tx1"/>
+                  </a:solidFill>
+                  <a:latin typeface="Verdana" panose="020B0604030504040204" pitchFamily="34" charset="0"/>
+                  <a:ea typeface="微软雅黑" panose="020B0503020204020204" charset="-122"/>
+                </a:defRPr>
+              </a:lvl6pPr>
+              <a:lvl7pPr marL="2971800" indent="-228600" eaLnBrk="0" fontAlgn="base" hangingPunct="0">
+                <a:spcBef>
+                  <a:spcPct val="0"/>
+                </a:spcBef>
+                <a:spcAft>
+                  <a:spcPct val="0"/>
+                </a:spcAft>
+                <a:buFont typeface="Arial" panose="020B0604020202020204" pitchFamily="34" charset="0"/>
+                <a:defRPr>
+                  <a:solidFill>
+                    <a:schemeClr val="tx1"/>
+                  </a:solidFill>
+                  <a:latin typeface="Verdana" panose="020B0604030504040204" pitchFamily="34" charset="0"/>
+                  <a:ea typeface="微软雅黑" panose="020B0503020204020204" charset="-122"/>
+                </a:defRPr>
+              </a:lvl7pPr>
+              <a:lvl8pPr marL="3429000" indent="-228600" eaLnBrk="0" fontAlgn="base" hangingPunct="0">
+                <a:spcBef>
+                  <a:spcPct val="0"/>
+                </a:spcBef>
+                <a:spcAft>
+                  <a:spcPct val="0"/>
+                </a:spcAft>
+                <a:buFont typeface="Arial" panose="020B0604020202020204" pitchFamily="34" charset="0"/>
+                <a:defRPr>
+                  <a:solidFill>
+                    <a:schemeClr val="tx1"/>
+                  </a:solidFill>
+                  <a:latin typeface="Verdana" panose="020B0604030504040204" pitchFamily="34" charset="0"/>
+                  <a:ea typeface="微软雅黑" panose="020B0503020204020204" charset="-122"/>
+                </a:defRPr>
+              </a:lvl8pPr>
+              <a:lvl9pPr marL="3886200" indent="-228600" eaLnBrk="0" fontAlgn="base" hangingPunct="0">
+                <a:spcBef>
+                  <a:spcPct val="0"/>
+                </a:spcBef>
+                <a:spcAft>
+                  <a:spcPct val="0"/>
+                </a:spcAft>
+                <a:buFont typeface="Arial" panose="020B0604020202020204" pitchFamily="34" charset="0"/>
+                <a:defRPr>
+                  <a:solidFill>
+                    <a:schemeClr val="tx1"/>
+                  </a:solidFill>
+                  <a:latin typeface="Verdana" panose="020B0604030504040204" pitchFamily="34" charset="0"/>
+                  <a:ea typeface="微软雅黑" panose="020B0503020204020204" charset="-122"/>
+                </a:defRPr>
+              </a:lvl9pPr>
+            </a:lstStyle>
+            <a:p>
+              <a:pPr eaLnBrk="1" hangingPunct="1"/>
+              <a:r>
+                <a:rPr lang="zh-CN" altLang="en-US" sz="2400" b="1" dirty="0">
+                  <a:solidFill>
+                    <a:srgbClr val="FFFFFF"/>
+                  </a:solidFill>
+                  <a:latin typeface="微软雅黑" panose="020B0503020204020204" charset="-122"/>
+                  <a:sym typeface="微软雅黑" panose="020B0503020204020204" charset="-122"/>
+                </a:rPr>
+                <a:t>四</a:t>
+              </a:r>
+              <a:endParaRPr lang="zh-CN" altLang="en-US" sz="2400" b="1" dirty="0">
+                <a:solidFill>
+                  <a:srgbClr val="FFFFFF"/>
+                </a:solidFill>
+                <a:latin typeface="微软雅黑" panose="020B0503020204020204" charset="-122"/>
+                <a:sym typeface="微软雅黑" panose="020B0503020204020204" charset="-122"/>
+              </a:endParaRPr>
+            </a:p>
+          </p:txBody>
+        </p:sp>
+        <p:grpSp>
+          <p:nvGrpSpPr>
+            <p:cNvPr id="5" name="Group 6"/>
+            <p:cNvGrpSpPr/>
+            <p:nvPr/>
+          </p:nvGrpSpPr>
+          <p:grpSpPr bwMode="auto">
+            <a:xfrm>
+              <a:off x="2664835" y="2056771"/>
+              <a:ext cx="4815465" cy="692779"/>
+              <a:chOff x="15" y="20"/>
+              <a:chExt cx="2580" cy="404"/>
+            </a:xfrm>
+            <a:grpFill/>
+          </p:grpSpPr>
+          <p:sp>
+            <p:nvSpPr>
+              <p:cNvPr id="14" name="AutoShape 7"/>
+              <p:cNvSpPr>
+                <a:spLocks noChangeArrowheads="1"/>
+              </p:cNvSpPr>
+              <p:nvPr/>
+            </p:nvSpPr>
+            <p:spPr bwMode="auto">
+              <a:xfrm rot="10800000">
+                <a:off x="31" y="288"/>
+                <a:ext cx="2564" cy="136"/>
+              </a:xfrm>
+              <a:custGeom>
+                <a:avLst/>
+                <a:gdLst>
+                  <a:gd name="T0" fmla="*/ 0 w 21600"/>
+                  <a:gd name="T1" fmla="*/ 0 h 21600"/>
+                  <a:gd name="T2" fmla="*/ 19 w 21600"/>
+                  <a:gd name="T3" fmla="*/ 1 h 21600"/>
+                  <a:gd name="T4" fmla="*/ 286 w 21600"/>
+                  <a:gd name="T5" fmla="*/ 1 h 21600"/>
+                  <a:gd name="T6" fmla="*/ 304 w 21600"/>
+                  <a:gd name="T7" fmla="*/ 0 h 21600"/>
+                  <a:gd name="T8" fmla="*/ 0 w 21600"/>
+                  <a:gd name="T9" fmla="*/ 0 h 21600"/>
+                  <a:gd name="T10" fmla="*/ 0 60000 65536"/>
+                  <a:gd name="T11" fmla="*/ 0 60000 65536"/>
+                  <a:gd name="T12" fmla="*/ 0 60000 65536"/>
+                  <a:gd name="T13" fmla="*/ 0 60000 65536"/>
+                  <a:gd name="T14" fmla="*/ 0 60000 65536"/>
+                  <a:gd name="T15" fmla="*/ 0 w 21600"/>
+                  <a:gd name="T16" fmla="*/ 0 h 21600"/>
+                  <a:gd name="T17" fmla="*/ 21600 w 21600"/>
+                  <a:gd name="T18" fmla="*/ 21600 h 21600"/>
+                </a:gdLst>
+                <a:ahLst/>
+                <a:cxnLst>
+                  <a:cxn ang="T10">
+                    <a:pos x="T0" y="T1"/>
+                  </a:cxn>
+                  <a:cxn ang="T11">
+                    <a:pos x="T2" y="T3"/>
+                  </a:cxn>
+                  <a:cxn ang="T12">
+                    <a:pos x="T4" y="T5"/>
+                  </a:cxn>
+                  <a:cxn ang="T13">
+                    <a:pos x="T6" y="T7"/>
+                  </a:cxn>
+                  <a:cxn ang="T14">
+                    <a:pos x="T8" y="T9"/>
+                  </a:cxn>
+                </a:cxnLst>
+                <a:rect l="T15" t="T16" r="T17" b="T18"/>
+                <a:pathLst>
+                  <a:path w="21600" h="21600">
+                    <a:moveTo>
+                      <a:pt x="0" y="0"/>
+                    </a:moveTo>
+                    <a:lnTo>
+                      <a:pt x="1314" y="21600"/>
+                    </a:lnTo>
+                    <a:lnTo>
+                      <a:pt x="20286" y="21600"/>
+                    </a:lnTo>
+                    <a:lnTo>
+                      <a:pt x="21600" y="0"/>
+                    </a:lnTo>
+                    <a:lnTo>
+                      <a:pt x="0" y="0"/>
+                    </a:lnTo>
+                    <a:close/>
+                  </a:path>
+                </a:pathLst>
+              </a:custGeom>
+              <a:grpFill/>
+              <a:ln>
+                <a:noFill/>
+              </a:ln>
+              <a:extLst>
+                <a:ext uri="{91240B29-F687-4F45-9708-019B960494DF}">
+                  <a14:hiddenLine xmlns:a14="http://schemas.microsoft.com/office/drawing/2010/main" w="9525">
+                    <a:solidFill>
+                      <a:srgbClr val="000000"/>
+                    </a:solidFill>
+                    <a:round/>
+                  </a14:hiddenLine>
+                </a:ext>
+              </a:extLst>
+            </p:spPr>
+            <p:txBody>
+              <a:bodyPr/>
+              <a:lstStyle/>
+              <a:p>
+                <a:endParaRPr lang="zh-CN" altLang="en-US"/>
+              </a:p>
+            </p:txBody>
+          </p:sp>
+          <p:sp>
+            <p:nvSpPr>
+              <p:cNvPr id="15" name="AutoShape 8"/>
+              <p:cNvSpPr>
+                <a:spLocks noChangeArrowheads="1"/>
+              </p:cNvSpPr>
+              <p:nvPr/>
+            </p:nvSpPr>
+            <p:spPr bwMode="auto">
+              <a:xfrm>
+                <a:off x="15" y="20"/>
+                <a:ext cx="2580" cy="336"/>
+              </a:xfrm>
+              <a:prstGeom prst="roundRect">
+                <a:avLst>
+                  <a:gd name="adj" fmla="val 16667"/>
+                </a:avLst>
+              </a:prstGeom>
+              <a:noFill/>
+              <a:extLst>
+                <a:ext uri="{91240B29-F687-4F45-9708-019B960494DF}">
+                  <a14:hiddenLine xmlns:a14="http://schemas.microsoft.com/office/drawing/2010/main" w="9525">
+                    <a:solidFill>
+                      <a:srgbClr val="000000"/>
+                    </a:solidFill>
+                    <a:round/>
+                  </a14:hiddenLine>
+                </a:ext>
+              </a:extLst>
+            </p:spPr>
+            <p:style>
+              <a:lnRef idx="2">
+                <a:schemeClr val="accent1"/>
+              </a:lnRef>
+              <a:fillRef idx="1">
+                <a:schemeClr val="lt1"/>
+              </a:fillRef>
+              <a:effectRef idx="0">
+                <a:schemeClr val="accent1"/>
+              </a:effectRef>
+              <a:fontRef idx="minor">
+                <a:schemeClr val="dk1"/>
+              </a:fontRef>
+            </p:style>
+            <p:txBody>
+              <a:bodyPr wrap="none" anchor="ctr"/>
+              <a:lstStyle>
+                <a:lvl1pPr indent="158750">
+                  <a:buFont typeface="Arial" panose="020B0604020202020204" pitchFamily="34" charset="0"/>
+                  <a:defRPr>
+                    <a:solidFill>
+                      <a:schemeClr val="tx1"/>
+                    </a:solidFill>
+                    <a:latin typeface="Verdana" panose="020B0604030504040204" pitchFamily="34" charset="0"/>
+                    <a:ea typeface="微软雅黑" panose="020B0503020204020204" charset="-122"/>
+                  </a:defRPr>
+                </a:lvl1pPr>
+                <a:lvl2pPr marL="742950" indent="-285750">
+                  <a:buFont typeface="Arial" panose="020B0604020202020204" pitchFamily="34" charset="0"/>
+                  <a:defRPr>
+                    <a:solidFill>
+                      <a:schemeClr val="tx1"/>
+                    </a:solidFill>
+                    <a:latin typeface="Verdana" panose="020B0604030504040204" pitchFamily="34" charset="0"/>
+                    <a:ea typeface="微软雅黑" panose="020B0503020204020204" charset="-122"/>
+                  </a:defRPr>
+                </a:lvl2pPr>
+                <a:lvl3pPr marL="1143000" indent="-228600">
+                  <a:buFont typeface="Arial" panose="020B0604020202020204" pitchFamily="34" charset="0"/>
+                  <a:defRPr>
+                    <a:solidFill>
+                      <a:schemeClr val="tx1"/>
+                    </a:solidFill>
+                    <a:latin typeface="Verdana" panose="020B0604030504040204" pitchFamily="34" charset="0"/>
+                    <a:ea typeface="微软雅黑" panose="020B0503020204020204" charset="-122"/>
+                  </a:defRPr>
+                </a:lvl3pPr>
+                <a:lvl4pPr marL="1600200" indent="-228600">
+                  <a:buFont typeface="Arial" panose="020B0604020202020204" pitchFamily="34" charset="0"/>
+                  <a:defRPr>
+                    <a:solidFill>
+                      <a:schemeClr val="tx1"/>
+                    </a:solidFill>
+                    <a:latin typeface="Verdana" panose="020B0604030504040204" pitchFamily="34" charset="0"/>
+                    <a:ea typeface="微软雅黑" panose="020B0503020204020204" charset="-122"/>
+                  </a:defRPr>
+                </a:lvl4pPr>
+                <a:lvl5pPr marL="2057400" indent="-228600">
+                  <a:buFont typeface="Arial" panose="020B0604020202020204" pitchFamily="34" charset="0"/>
+                  <a:defRPr>
+                    <a:solidFill>
+                      <a:schemeClr val="tx1"/>
+                    </a:solidFill>
+                    <a:latin typeface="Verdana" panose="020B0604030504040204" pitchFamily="34" charset="0"/>
+                    <a:ea typeface="微软雅黑" panose="020B0503020204020204" charset="-122"/>
+                  </a:defRPr>
+                </a:lvl5pPr>
+                <a:lvl6pPr marL="2514600" indent="-228600" eaLnBrk="0" fontAlgn="base" hangingPunct="0">
+                  <a:spcBef>
+                    <a:spcPct val="0"/>
+                  </a:spcBef>
+                  <a:spcAft>
+                    <a:spcPct val="0"/>
+                  </a:spcAft>
+                  <a:buFont typeface="Arial" panose="020B0604020202020204" pitchFamily="34" charset="0"/>
+                  <a:defRPr>
+                    <a:solidFill>
+                      <a:schemeClr val="tx1"/>
+                    </a:solidFill>
+                    <a:latin typeface="Verdana" panose="020B0604030504040204" pitchFamily="34" charset="0"/>
+                    <a:ea typeface="微软雅黑" panose="020B0503020204020204" charset="-122"/>
+                  </a:defRPr>
+                </a:lvl6pPr>
+                <a:lvl7pPr marL="2971800" indent="-228600" eaLnBrk="0" fontAlgn="base" hangingPunct="0">
+                  <a:spcBef>
+                    <a:spcPct val="0"/>
+                  </a:spcBef>
+                  <a:spcAft>
+                    <a:spcPct val="0"/>
+                  </a:spcAft>
+                  <a:buFont typeface="Arial" panose="020B0604020202020204" pitchFamily="34" charset="0"/>
+                  <a:defRPr>
+                    <a:solidFill>
+                      <a:schemeClr val="tx1"/>
+                    </a:solidFill>
+                    <a:latin typeface="Verdana" panose="020B0604030504040204" pitchFamily="34" charset="0"/>
+                    <a:ea typeface="微软雅黑" panose="020B0503020204020204" charset="-122"/>
+                  </a:defRPr>
+                </a:lvl7pPr>
+                <a:lvl8pPr marL="3429000" indent="-228600" eaLnBrk="0" fontAlgn="base" hangingPunct="0">
+                  <a:spcBef>
+                    <a:spcPct val="0"/>
+                  </a:spcBef>
+                  <a:spcAft>
+                    <a:spcPct val="0"/>
+                  </a:spcAft>
+                  <a:buFont typeface="Arial" panose="020B0604020202020204" pitchFamily="34" charset="0"/>
+                  <a:defRPr>
+                    <a:solidFill>
+                      <a:schemeClr val="tx1"/>
+                    </a:solidFill>
+                    <a:latin typeface="Verdana" panose="020B0604030504040204" pitchFamily="34" charset="0"/>
+                    <a:ea typeface="微软雅黑" panose="020B0503020204020204" charset="-122"/>
+                  </a:defRPr>
+                </a:lvl8pPr>
+                <a:lvl9pPr marL="3886200" indent="-228600" eaLnBrk="0" fontAlgn="base" hangingPunct="0">
+                  <a:spcBef>
+                    <a:spcPct val="0"/>
+                  </a:spcBef>
+                  <a:spcAft>
+                    <a:spcPct val="0"/>
+                  </a:spcAft>
+                  <a:buFont typeface="Arial" panose="020B0604020202020204" pitchFamily="34" charset="0"/>
+                  <a:defRPr>
+                    <a:solidFill>
+                      <a:schemeClr val="tx1"/>
+                    </a:solidFill>
+                    <a:latin typeface="Verdana" panose="020B0604030504040204" pitchFamily="34" charset="0"/>
+                    <a:ea typeface="微软雅黑" panose="020B0503020204020204" charset="-122"/>
+                  </a:defRPr>
+                </a:lvl9pPr>
+              </a:lstStyle>
+              <a:p>
+                <a:r>
+                  <a:rPr lang="zh-CN" altLang="zh-CN" sz="2400" b="1" dirty="0" smtClean="0">
+                    <a:solidFill>
+                      <a:schemeClr val="tx1"/>
+                    </a:solidFill>
+                    <a:latin typeface="宋体" panose="02010600030101010101" pitchFamily="2" charset="-122"/>
+                    <a:ea typeface="宋体" panose="02010600030101010101" pitchFamily="2" charset="-122"/>
+                    <a:sym typeface="微软雅黑" panose="020B0503020204020204" charset="-122"/>
+                  </a:rPr>
+                  <a:t>实现思路</a:t>
+                </a:r>
+                <a:endParaRPr lang="zh-CN" altLang="zh-CN" sz="2400" b="1" dirty="0" smtClean="0">
+                  <a:solidFill>
+                    <a:schemeClr val="tx1"/>
+                  </a:solidFill>
+                  <a:latin typeface="宋体" panose="02010600030101010101" pitchFamily="2" charset="-122"/>
+                  <a:ea typeface="宋体" panose="02010600030101010101" pitchFamily="2" charset="-122"/>
+                  <a:sym typeface="微软雅黑" panose="020B0503020204020204" charset="-122"/>
+                </a:endParaRPr>
+              </a:p>
+            </p:txBody>
+          </p:sp>
+        </p:grpSp>
+      </p:grpSp>
+      <p:sp>
+        <p:nvSpPr>
+          <p:cNvPr id="16" name="文本框 15"/>
+          <p:cNvSpPr txBox="1"/>
+          <p:nvPr/>
+        </p:nvSpPr>
+        <p:spPr>
+          <a:xfrm>
+            <a:off x="1886585" y="2531110"/>
+            <a:ext cx="8437245" cy="368300"/>
+          </a:xfrm>
+          <a:prstGeom prst="rect">
+            <a:avLst/>
+          </a:prstGeom>
+          <a:noFill/>
+        </p:spPr>
+        <p:txBody>
+          <a:bodyPr wrap="square" rtlCol="0" anchor="t">
+            <a:spAutoFit/>
+          </a:bodyPr>
+          <a:p>
+            <a:r>
+              <a:rPr lang="zh-CN" altLang="en-US"/>
+              <a:t> </a:t>
+            </a:r>
+            <a:endParaRPr lang="zh-CN" altLang="en-US"/>
+          </a:p>
+        </p:txBody>
+      </p:sp>
+      <p:sp>
+        <p:nvSpPr>
+          <p:cNvPr id="6" name="文本框 5"/>
+          <p:cNvSpPr txBox="1"/>
+          <p:nvPr/>
+        </p:nvSpPr>
+        <p:spPr>
+          <a:xfrm>
+            <a:off x="1731645" y="2654935"/>
+            <a:ext cx="8418195" cy="3415030"/>
+          </a:xfrm>
+          <a:prstGeom prst="rect">
+            <a:avLst/>
+          </a:prstGeom>
+          <a:noFill/>
+        </p:spPr>
+        <p:txBody>
+          <a:bodyPr wrap="square" rtlCol="0">
+            <a:spAutoFit/>
+          </a:bodyPr>
+          <a:p>
+            <a:r>
+              <a:rPr lang="zh-CN" altLang="en-US" sz="2400"/>
+              <a:t>步骤：</a:t>
+            </a:r>
+            <a:endParaRPr lang="zh-CN" altLang="en-US" sz="2400"/>
+          </a:p>
+          <a:p>
+            <a:r>
+              <a:rPr lang="zh-CN" altLang="en-US" sz="2400"/>
+              <a:t>               </a:t>
+            </a:r>
+            <a:r>
+              <a:rPr lang="en-US" altLang="zh-CN" sz="2400"/>
+              <a:t>1</a:t>
+            </a:r>
+            <a:r>
+              <a:rPr lang="zh-CN" altLang="en-US" sz="2400"/>
+              <a:t>：梳理该存储过程逻辑</a:t>
+            </a:r>
+            <a:endParaRPr lang="zh-CN" altLang="en-US" sz="2400"/>
+          </a:p>
+          <a:p>
+            <a:endParaRPr lang="zh-CN" altLang="en-US" sz="2400"/>
+          </a:p>
+          <a:p>
+            <a:r>
+              <a:rPr lang="en-US" altLang="zh-CN" sz="2400"/>
+              <a:t>               2</a:t>
+            </a:r>
+            <a:r>
+              <a:rPr lang="zh-CN" altLang="en-US" sz="2400"/>
+              <a:t>：记录出</a:t>
+            </a:r>
+            <a:r>
+              <a:rPr lang="en-US" altLang="zh-CN" sz="2400"/>
+              <a:t>SparkSql</a:t>
+            </a:r>
+            <a:r>
+              <a:rPr lang="zh-CN" altLang="en-US" sz="2400"/>
+              <a:t>中不支持的</a:t>
+            </a:r>
+            <a:r>
+              <a:rPr lang="en-US" altLang="zh-CN" sz="2400"/>
+              <a:t>oracle</a:t>
+            </a:r>
+            <a:r>
+              <a:rPr lang="zh-CN" altLang="en-US" sz="2400"/>
+              <a:t>特有方言，如               </a:t>
+            </a:r>
+            <a:r>
+              <a:rPr lang="en-US" altLang="zh-CN" sz="2400"/>
+              <a:t>		</a:t>
+            </a:r>
+            <a:r>
+              <a:rPr lang="en-US" altLang="zh-CN" sz="2400"/>
+              <a:t>decode</a:t>
+            </a:r>
+            <a:r>
+              <a:rPr lang="zh-CN" altLang="en-US" sz="2400"/>
+              <a:t>函数等</a:t>
+            </a:r>
+            <a:endParaRPr lang="zh-CN" altLang="en-US" sz="2400"/>
+          </a:p>
+          <a:p>
+            <a:endParaRPr lang="zh-CN" altLang="en-US" sz="2400"/>
+          </a:p>
+          <a:p>
+            <a:r>
+              <a:rPr lang="zh-CN" altLang="en-US" sz="2400"/>
+              <a:t>               </a:t>
+            </a:r>
+            <a:r>
+              <a:rPr lang="en-US" altLang="zh-CN" sz="2400"/>
+              <a:t>3</a:t>
+            </a:r>
+            <a:r>
+              <a:rPr lang="zh-CN" altLang="en-US" sz="2400"/>
+              <a:t>：加载该存储过程依赖数据至</a:t>
+            </a:r>
+            <a:r>
+              <a:rPr lang="en-US" altLang="zh-CN" sz="2400"/>
+              <a:t>spark</a:t>
+            </a:r>
+            <a:r>
+              <a:rPr lang="zh-CN" altLang="en-US" sz="2400"/>
+              <a:t>数据结构中</a:t>
+            </a:r>
+            <a:endParaRPr lang="zh-CN" altLang="en-US" sz="2400"/>
+          </a:p>
+          <a:p>
+            <a:endParaRPr lang="zh-CN" altLang="en-US" sz="2400"/>
+          </a:p>
+          <a:p>
+            <a:r>
+              <a:rPr lang="zh-CN" altLang="en-US" sz="2400"/>
+              <a:t>               </a:t>
+            </a:r>
+            <a:r>
+              <a:rPr lang="en-US" altLang="zh-CN" sz="2400"/>
+              <a:t>4</a:t>
+            </a:r>
+            <a:r>
+              <a:rPr lang="zh-CN" altLang="en-US" sz="2400"/>
+              <a:t>：实现逻辑，并根据业务数据量或紧急程度分配资源</a:t>
+            </a:r>
+            <a:endParaRPr lang="zh-CN" altLang="en-US" sz="2400"/>
+          </a:p>
+        </p:txBody>
+      </p:sp>
+    </p:spTree>
+    <p:custDataLst>
+      <p:tags r:id="rId2"/>
+    </p:custDataLst>
+  </p:cSld>
+  <p:clrMapOvr>
+    <a:masterClrMapping/>
+  </p:clrMapOvr>
+</p:sld>
+</file>
+
+<file path=ppt/slides/slide16.xml><?xml version="1.0" encoding="utf-8"?>
+<p:sld xmlns:a="http://schemas.openxmlformats.org/drawingml/2006/main" xmlns:r="http://schemas.openxmlformats.org/officeDocument/2006/relationships" xmlns:p="http://schemas.openxmlformats.org/presentationml/2006/main">
+  <p:cSld>
+    <p:spTree>
+      <p:nvGrpSpPr>
+        <p:cNvPr id="1" name=""/>
+        <p:cNvGrpSpPr/>
+        <p:nvPr/>
+      </p:nvGrpSpPr>
+      <p:grpSpPr/>
+      <p:cxnSp>
+        <p:nvCxnSpPr>
+          <p:cNvPr id="4" name="直接连接符 3"/>
+          <p:cNvCxnSpPr/>
+          <p:nvPr/>
+        </p:nvCxnSpPr>
+        <p:spPr>
+          <a:xfrm>
+            <a:off x="931545" y="1303020"/>
+            <a:ext cx="10589260" cy="0"/>
+          </a:xfrm>
+          <a:prstGeom prst="line">
+            <a:avLst/>
+          </a:prstGeom>
+        </p:spPr>
+        <p:style>
+          <a:lnRef idx="1">
+            <a:schemeClr val="accent5"/>
+          </a:lnRef>
+          <a:fillRef idx="0">
+            <a:schemeClr val="accent5"/>
+          </a:fillRef>
+          <a:effectRef idx="0">
+            <a:schemeClr val="accent5"/>
+          </a:effectRef>
+          <a:fontRef idx="minor">
+            <a:schemeClr val="tx1"/>
+          </a:fontRef>
+        </p:style>
+      </p:cxnSp>
+      <p:pic>
+        <p:nvPicPr>
+          <p:cNvPr id="7" name="图片 6" descr="pic"/>
+          <p:cNvPicPr>
+            <a:picLocks noChangeAspect="1"/>
+          </p:cNvPicPr>
+          <p:nvPr/>
+        </p:nvPicPr>
+        <p:blipFill>
+          <a:blip r:embed="rId1"/>
+          <a:stretch>
+            <a:fillRect/>
+          </a:stretch>
+        </p:blipFill>
+        <p:spPr>
+          <a:xfrm>
+            <a:off x="9237980" y="678180"/>
+            <a:ext cx="2282825" cy="624840"/>
+          </a:xfrm>
+          <a:prstGeom prst="rect">
+            <a:avLst/>
+          </a:prstGeom>
+        </p:spPr>
+      </p:pic>
+      <p:sp>
+        <p:nvSpPr>
+          <p:cNvPr id="16" name="文本框 15"/>
+          <p:cNvSpPr txBox="1"/>
+          <p:nvPr/>
+        </p:nvSpPr>
+        <p:spPr>
+          <a:xfrm>
+            <a:off x="1886585" y="2531110"/>
+            <a:ext cx="8437245" cy="368300"/>
+          </a:xfrm>
+          <a:prstGeom prst="rect">
+            <a:avLst/>
+          </a:prstGeom>
+          <a:noFill/>
+        </p:spPr>
+        <p:txBody>
+          <a:bodyPr wrap="square" rtlCol="0" anchor="t">
+            <a:spAutoFit/>
+          </a:bodyPr>
+          <a:p>
+            <a:r>
+              <a:rPr lang="zh-CN" altLang="en-US"/>
+              <a:t> </a:t>
+            </a:r>
+            <a:endParaRPr lang="zh-CN" altLang="en-US"/>
+          </a:p>
+        </p:txBody>
+      </p:sp>
+      <p:sp>
+        <p:nvSpPr>
+          <p:cNvPr id="6" name="文本框 5"/>
+          <p:cNvSpPr txBox="1"/>
+          <p:nvPr/>
+        </p:nvSpPr>
+        <p:spPr>
+          <a:xfrm>
+            <a:off x="1392555" y="1917700"/>
+            <a:ext cx="9037320" cy="1568450"/>
+          </a:xfrm>
+          <a:prstGeom prst="rect">
+            <a:avLst/>
+          </a:prstGeom>
+          <a:noFill/>
+        </p:spPr>
+        <p:txBody>
+          <a:bodyPr wrap="square" rtlCol="0">
+            <a:spAutoFit/>
+          </a:bodyPr>
+          <a:p>
+            <a:r>
+              <a:rPr lang="zh-CN" altLang="en-US" sz="2400"/>
+              <a:t>测试案例：</a:t>
+            </a:r>
+            <a:r>
+              <a:rPr lang="zh-CN" altLang="en-US"/>
+              <a:t>（因为封网，本地测试）</a:t>
+            </a:r>
+            <a:endParaRPr lang="zh-CN" altLang="en-US" sz="2400"/>
+          </a:p>
+          <a:p>
+            <a:r>
+              <a:rPr lang="en-US" altLang="zh-CN" sz="2400"/>
+              <a:t>	</a:t>
+            </a:r>
+            <a:r>
+              <a:rPr lang="zh-CN" altLang="en-US" sz="2400"/>
+              <a:t>案例是</a:t>
+            </a:r>
+            <a:r>
+              <a:rPr lang="zh-CN" altLang="en-US" sz="2400"/>
+              <a:t>一个关于多表联查的存储过程 （</a:t>
+            </a:r>
+            <a:r>
+              <a:rPr lang="en-US" altLang="zh-CN" sz="2400"/>
+              <a:t>rep_total_*</a:t>
+            </a:r>
+            <a:r>
+              <a:rPr lang="zh-CN" altLang="en-US" sz="2400"/>
+              <a:t>）</a:t>
+            </a:r>
+            <a:endParaRPr lang="zh-CN" altLang="en-US" sz="2400"/>
+          </a:p>
+          <a:p>
+            <a:r>
+              <a:rPr lang="zh-CN" altLang="en-US" sz="2400"/>
+              <a:t>             </a:t>
+            </a:r>
+            <a:r>
+              <a:rPr lang="en-US" altLang="zh-CN" sz="2400"/>
+              <a:t>1</a:t>
+            </a:r>
+            <a:r>
+              <a:rPr lang="zh-CN" altLang="en-US" sz="2400"/>
+              <a:t>：针对结果表的属性，类型定义</a:t>
+            </a:r>
+            <a:r>
+              <a:rPr lang="en-US" altLang="zh-CN" sz="2400"/>
+              <a:t>structype</a:t>
+            </a:r>
+            <a:endParaRPr lang="en-US" altLang="zh-CN" sz="2400"/>
+          </a:p>
+          <a:p>
+            <a:r>
+              <a:rPr lang="zh-CN" altLang="en-US" sz="2400"/>
+              <a:t>              </a:t>
+            </a:r>
+            <a:endParaRPr lang="zh-CN" altLang="en-US" sz="2400"/>
+          </a:p>
+        </p:txBody>
+      </p:sp>
+      <p:pic>
+        <p:nvPicPr>
+          <p:cNvPr id="8" name="图片 7" descr="structype"/>
+          <p:cNvPicPr>
+            <a:picLocks noChangeAspect="1"/>
+          </p:cNvPicPr>
+          <p:nvPr/>
+        </p:nvPicPr>
+        <p:blipFill>
+          <a:blip r:embed="rId2"/>
+          <a:stretch>
+            <a:fillRect/>
+          </a:stretch>
+        </p:blipFill>
+        <p:spPr>
+          <a:xfrm>
+            <a:off x="2004695" y="3265170"/>
+            <a:ext cx="8425180" cy="3270885"/>
+          </a:xfrm>
+          <a:prstGeom prst="rect">
+            <a:avLst/>
+          </a:prstGeom>
+        </p:spPr>
+      </p:pic>
+    </p:spTree>
+    <p:custDataLst>
+      <p:tags r:id="rId3"/>
+    </p:custDataLst>
+  </p:cSld>
+  <p:clrMapOvr>
+    <a:masterClrMapping/>
+  </p:clrMapOvr>
+</p:sld>
+</file>
+
+<file path=ppt/slides/slide17.xml><?xml version="1.0" encoding="utf-8"?>
+<p:sld xmlns:a="http://schemas.openxmlformats.org/drawingml/2006/main" xmlns:r="http://schemas.openxmlformats.org/officeDocument/2006/relationships" xmlns:p="http://schemas.openxmlformats.org/presentationml/2006/main">
+  <p:cSld>
+    <p:spTree>
+      <p:nvGrpSpPr>
+        <p:cNvPr id="1" name=""/>
+        <p:cNvGrpSpPr/>
+        <p:nvPr/>
+      </p:nvGrpSpPr>
+      <p:grpSpPr/>
+      <p:cxnSp>
+        <p:nvCxnSpPr>
+          <p:cNvPr id="4" name="直接连接符 3"/>
+          <p:cNvCxnSpPr/>
+          <p:nvPr/>
+        </p:nvCxnSpPr>
+        <p:spPr>
+          <a:xfrm>
+            <a:off x="931545" y="1303020"/>
+            <a:ext cx="10589260" cy="0"/>
+          </a:xfrm>
+          <a:prstGeom prst="line">
+            <a:avLst/>
+          </a:prstGeom>
+        </p:spPr>
+        <p:style>
+          <a:lnRef idx="1">
+            <a:schemeClr val="accent5"/>
+          </a:lnRef>
+          <a:fillRef idx="0">
+            <a:schemeClr val="accent5"/>
+          </a:fillRef>
+          <a:effectRef idx="0">
+            <a:schemeClr val="accent5"/>
+          </a:effectRef>
+          <a:fontRef idx="minor">
+            <a:schemeClr val="tx1"/>
+          </a:fontRef>
+        </p:style>
+      </p:cxnSp>
+      <p:pic>
+        <p:nvPicPr>
+          <p:cNvPr id="7" name="图片 6" descr="pic"/>
+          <p:cNvPicPr>
+            <a:picLocks noChangeAspect="1"/>
+          </p:cNvPicPr>
+          <p:nvPr/>
+        </p:nvPicPr>
+        <p:blipFill>
+          <a:blip r:embed="rId1"/>
+          <a:stretch>
+            <a:fillRect/>
+          </a:stretch>
+        </p:blipFill>
+        <p:spPr>
+          <a:xfrm>
+            <a:off x="9237980" y="678180"/>
+            <a:ext cx="2282825" cy="624840"/>
+          </a:xfrm>
+          <a:prstGeom prst="rect">
+            <a:avLst/>
+          </a:prstGeom>
+        </p:spPr>
+      </p:pic>
+      <p:sp>
+        <p:nvSpPr>
+          <p:cNvPr id="16" name="文本框 15"/>
+          <p:cNvSpPr txBox="1"/>
+          <p:nvPr/>
+        </p:nvSpPr>
+        <p:spPr>
+          <a:xfrm>
+            <a:off x="1886585" y="2531110"/>
+            <a:ext cx="8437245" cy="368300"/>
+          </a:xfrm>
+          <a:prstGeom prst="rect">
+            <a:avLst/>
+          </a:prstGeom>
+          <a:noFill/>
+        </p:spPr>
+        <p:txBody>
+          <a:bodyPr wrap="square" rtlCol="0" anchor="t">
+            <a:spAutoFit/>
+          </a:bodyPr>
+          <a:p>
+            <a:r>
+              <a:rPr lang="zh-CN" altLang="en-US"/>
+              <a:t> </a:t>
+            </a:r>
+            <a:endParaRPr lang="zh-CN" altLang="en-US"/>
+          </a:p>
+        </p:txBody>
+      </p:sp>
+      <p:sp>
+        <p:nvSpPr>
+          <p:cNvPr id="6" name="文本框 5"/>
+          <p:cNvSpPr txBox="1"/>
+          <p:nvPr/>
+        </p:nvSpPr>
+        <p:spPr>
+          <a:xfrm>
+            <a:off x="1392555" y="1931035"/>
+            <a:ext cx="9037320" cy="1198880"/>
+          </a:xfrm>
+          <a:prstGeom prst="rect">
+            <a:avLst/>
+          </a:prstGeom>
+          <a:noFill/>
+        </p:spPr>
+        <p:txBody>
+          <a:bodyPr wrap="square" rtlCol="0">
+            <a:spAutoFit/>
+          </a:bodyPr>
+          <a:p>
+            <a:endParaRPr lang="zh-CN" altLang="en-US" sz="2400"/>
+          </a:p>
+          <a:p>
+            <a:r>
+              <a:rPr lang="zh-CN" altLang="en-US" sz="2400"/>
+              <a:t>             </a:t>
+            </a:r>
+            <a:r>
+              <a:rPr lang="en-US" altLang="zh-CN" sz="2400"/>
+              <a:t>2</a:t>
+            </a:r>
+            <a:r>
+              <a:rPr lang="zh-CN" altLang="en-US" sz="2400"/>
+              <a:t>：和</a:t>
+            </a:r>
+            <a:r>
+              <a:rPr lang="en-US" altLang="zh-CN" sz="2400"/>
+              <a:t>oracle</a:t>
+            </a:r>
+            <a:r>
+              <a:rPr lang="zh-CN" altLang="en-US" sz="2400"/>
+              <a:t>建立联系，转化</a:t>
+            </a:r>
+            <a:r>
+              <a:rPr lang="en-US" altLang="zh-CN" sz="2400"/>
+              <a:t>spark</a:t>
+            </a:r>
+            <a:r>
+              <a:rPr lang="zh-CN" altLang="en-US" sz="2400"/>
+              <a:t>数据结构</a:t>
+            </a:r>
+            <a:endParaRPr lang="en-US" altLang="zh-CN" sz="2400"/>
+          </a:p>
+          <a:p>
+            <a:r>
+              <a:rPr lang="zh-CN" altLang="en-US" sz="2400"/>
+              <a:t>              </a:t>
+            </a:r>
+            <a:endParaRPr lang="zh-CN" altLang="en-US" sz="2400"/>
+          </a:p>
+        </p:txBody>
+      </p:sp>
+      <p:pic>
+        <p:nvPicPr>
+          <p:cNvPr id="2" name="图片 1"/>
+          <p:cNvPicPr>
+            <a:picLocks noChangeAspect="1"/>
+          </p:cNvPicPr>
+          <p:nvPr/>
+        </p:nvPicPr>
+        <p:blipFill>
+          <a:blip r:embed="rId2"/>
+          <a:stretch>
+            <a:fillRect/>
+          </a:stretch>
+        </p:blipFill>
+        <p:spPr>
+          <a:xfrm>
+            <a:off x="2444750" y="3129915"/>
+            <a:ext cx="6932930" cy="2853690"/>
+          </a:xfrm>
+          <a:prstGeom prst="rect">
+            <a:avLst/>
+          </a:prstGeom>
+        </p:spPr>
+      </p:pic>
+    </p:spTree>
+    <p:custDataLst>
+      <p:tags r:id="rId3"/>
+    </p:custDataLst>
+  </p:cSld>
+  <p:clrMapOvr>
+    <a:masterClrMapping/>
+  </p:clrMapOvr>
+</p:sld>
+</file>
+
+<file path=ppt/slides/slide18.xml><?xml version="1.0" encoding="utf-8"?>
+<p:sld xmlns:a="http://schemas.openxmlformats.org/drawingml/2006/main" xmlns:r="http://schemas.openxmlformats.org/officeDocument/2006/relationships" xmlns:p="http://schemas.openxmlformats.org/presentationml/2006/main">
+  <p:cSld>
+    <p:spTree>
+      <p:nvGrpSpPr>
+        <p:cNvPr id="1" name=""/>
+        <p:cNvGrpSpPr/>
+        <p:nvPr/>
+      </p:nvGrpSpPr>
+      <p:grpSpPr/>
+      <p:cxnSp>
+        <p:nvCxnSpPr>
+          <p:cNvPr id="4" name="直接连接符 3"/>
+          <p:cNvCxnSpPr/>
+          <p:nvPr/>
+        </p:nvCxnSpPr>
+        <p:spPr>
+          <a:xfrm>
+            <a:off x="931545" y="1303020"/>
+            <a:ext cx="10589260" cy="0"/>
+          </a:xfrm>
+          <a:prstGeom prst="line">
+            <a:avLst/>
+          </a:prstGeom>
+        </p:spPr>
+        <p:style>
+          <a:lnRef idx="1">
+            <a:schemeClr val="accent5"/>
+          </a:lnRef>
+          <a:fillRef idx="0">
+            <a:schemeClr val="accent5"/>
+          </a:fillRef>
+          <a:effectRef idx="0">
+            <a:schemeClr val="accent5"/>
+          </a:effectRef>
+          <a:fontRef idx="minor">
+            <a:schemeClr val="tx1"/>
+          </a:fontRef>
+        </p:style>
+      </p:cxnSp>
+      <p:pic>
+        <p:nvPicPr>
+          <p:cNvPr id="7" name="图片 6" descr="pic"/>
+          <p:cNvPicPr>
+            <a:picLocks noChangeAspect="1"/>
+          </p:cNvPicPr>
+          <p:nvPr/>
+        </p:nvPicPr>
+        <p:blipFill>
+          <a:blip r:embed="rId1"/>
+          <a:stretch>
+            <a:fillRect/>
+          </a:stretch>
+        </p:blipFill>
+        <p:spPr>
+          <a:xfrm>
+            <a:off x="9237980" y="678180"/>
+            <a:ext cx="2282825" cy="624840"/>
+          </a:xfrm>
+          <a:prstGeom prst="rect">
+            <a:avLst/>
+          </a:prstGeom>
+        </p:spPr>
+      </p:pic>
+      <p:sp>
+        <p:nvSpPr>
+          <p:cNvPr id="16" name="文本框 15"/>
+          <p:cNvSpPr txBox="1"/>
+          <p:nvPr/>
+        </p:nvSpPr>
+        <p:spPr>
+          <a:xfrm>
+            <a:off x="1886585" y="2531110"/>
+            <a:ext cx="8437245" cy="368300"/>
+          </a:xfrm>
+          <a:prstGeom prst="rect">
+            <a:avLst/>
+          </a:prstGeom>
+          <a:noFill/>
+        </p:spPr>
+        <p:txBody>
+          <a:bodyPr wrap="square" rtlCol="0" anchor="t">
+            <a:spAutoFit/>
+          </a:bodyPr>
+          <a:p>
+            <a:r>
+              <a:rPr lang="zh-CN" altLang="en-US"/>
+              <a:t> </a:t>
+            </a:r>
+            <a:endParaRPr lang="zh-CN" altLang="en-US"/>
+          </a:p>
+        </p:txBody>
+      </p:sp>
+      <p:sp>
+        <p:nvSpPr>
+          <p:cNvPr id="6" name="文本框 5"/>
+          <p:cNvSpPr txBox="1"/>
+          <p:nvPr/>
+        </p:nvSpPr>
+        <p:spPr>
+          <a:xfrm>
+            <a:off x="1171575" y="1459230"/>
+            <a:ext cx="9037320" cy="1198880"/>
+          </a:xfrm>
+          <a:prstGeom prst="rect">
+            <a:avLst/>
+          </a:prstGeom>
+          <a:noFill/>
+        </p:spPr>
+        <p:txBody>
+          <a:bodyPr wrap="square" rtlCol="0">
+            <a:spAutoFit/>
+          </a:bodyPr>
+          <a:p>
+            <a:endParaRPr lang="zh-CN" altLang="en-US" sz="2400"/>
+          </a:p>
+          <a:p>
+            <a:r>
+              <a:rPr lang="zh-CN" altLang="en-US" sz="2400"/>
+              <a:t>             </a:t>
+            </a:r>
+            <a:r>
+              <a:rPr lang="en-US" altLang="zh-CN" sz="2400"/>
+              <a:t>3</a:t>
+            </a:r>
+            <a:r>
+              <a:rPr lang="zh-CN" altLang="en-US" sz="2400"/>
+              <a:t>：根据存储过程逻辑转化到</a:t>
+            </a:r>
+            <a:r>
+              <a:rPr lang="en-US" altLang="zh-CN" sz="2400"/>
+              <a:t>spark</a:t>
+            </a:r>
+            <a:r>
+              <a:rPr lang="zh-CN" altLang="en-US" sz="2400"/>
+              <a:t>实现</a:t>
+            </a:r>
+            <a:endParaRPr lang="en-US" altLang="zh-CN" sz="2400"/>
+          </a:p>
+          <a:p>
+            <a:r>
+              <a:rPr lang="zh-CN" altLang="en-US" sz="2400"/>
+              <a:t>              </a:t>
+            </a:r>
+            <a:endParaRPr lang="zh-CN" altLang="en-US" sz="2400"/>
+          </a:p>
+        </p:txBody>
+      </p:sp>
+      <p:pic>
+        <p:nvPicPr>
+          <p:cNvPr id="3" name="图片 2"/>
+          <p:cNvPicPr>
+            <a:picLocks noChangeAspect="1"/>
+          </p:cNvPicPr>
+          <p:nvPr/>
+        </p:nvPicPr>
+        <p:blipFill>
+          <a:blip r:embed="rId2"/>
+          <a:stretch>
+            <a:fillRect/>
+          </a:stretch>
+        </p:blipFill>
+        <p:spPr>
+          <a:xfrm>
+            <a:off x="2237105" y="2531110"/>
+            <a:ext cx="7000875" cy="3190875"/>
+          </a:xfrm>
+          <a:prstGeom prst="rect">
+            <a:avLst/>
+          </a:prstGeom>
+        </p:spPr>
+      </p:pic>
+    </p:spTree>
+    <p:custDataLst>
+      <p:tags r:id="rId3"/>
+    </p:custDataLst>
+  </p:cSld>
+  <p:clrMapOvr>
+    <a:masterClrMapping/>
+  </p:clrMapOvr>
+</p:sld>
+</file>
+
+<file path=ppt/slides/slide19.xml><?xml version="1.0" encoding="utf-8"?>
+<p:sld xmlns:a="http://schemas.openxmlformats.org/drawingml/2006/main" xmlns:r="http://schemas.openxmlformats.org/officeDocument/2006/relationships" xmlns:p="http://schemas.openxmlformats.org/presentationml/2006/main">
+  <p:cSld>
+    <p:spTree>
+      <p:nvGrpSpPr>
+        <p:cNvPr id="1" name=""/>
+        <p:cNvGrpSpPr/>
+        <p:nvPr/>
+      </p:nvGrpSpPr>
+      <p:grpSpPr/>
+      <p:cxnSp>
+        <p:nvCxnSpPr>
+          <p:cNvPr id="4" name="直接连接符 3"/>
+          <p:cNvCxnSpPr/>
+          <p:nvPr/>
+        </p:nvCxnSpPr>
+        <p:spPr>
+          <a:xfrm>
+            <a:off x="931545" y="1303020"/>
+            <a:ext cx="10589260" cy="0"/>
+          </a:xfrm>
+          <a:prstGeom prst="line">
+            <a:avLst/>
+          </a:prstGeom>
+        </p:spPr>
+        <p:style>
+          <a:lnRef idx="1">
+            <a:schemeClr val="accent5"/>
+          </a:lnRef>
+          <a:fillRef idx="0">
+            <a:schemeClr val="accent5"/>
+          </a:fillRef>
+          <a:effectRef idx="0">
+            <a:schemeClr val="accent5"/>
+          </a:effectRef>
+          <a:fontRef idx="minor">
+            <a:schemeClr val="tx1"/>
+          </a:fontRef>
+        </p:style>
+      </p:cxnSp>
+      <p:pic>
+        <p:nvPicPr>
+          <p:cNvPr id="7" name="图片 6" descr="pic"/>
+          <p:cNvPicPr>
+            <a:picLocks noChangeAspect="1"/>
+          </p:cNvPicPr>
+          <p:nvPr/>
+        </p:nvPicPr>
+        <p:blipFill>
+          <a:blip r:embed="rId1"/>
+          <a:stretch>
+            <a:fillRect/>
+          </a:stretch>
+        </p:blipFill>
+        <p:spPr>
+          <a:xfrm>
+            <a:off x="9237980" y="678180"/>
+            <a:ext cx="2282825" cy="624840"/>
+          </a:xfrm>
+          <a:prstGeom prst="rect">
+            <a:avLst/>
+          </a:prstGeom>
+        </p:spPr>
+      </p:pic>
+      <p:sp>
+        <p:nvSpPr>
+          <p:cNvPr id="16" name="文本框 15"/>
+          <p:cNvSpPr txBox="1"/>
+          <p:nvPr/>
+        </p:nvSpPr>
+        <p:spPr>
+          <a:xfrm>
+            <a:off x="1886585" y="2531110"/>
+            <a:ext cx="8437245" cy="368300"/>
+          </a:xfrm>
+          <a:prstGeom prst="rect">
+            <a:avLst/>
+          </a:prstGeom>
+          <a:noFill/>
+        </p:spPr>
+        <p:txBody>
+          <a:bodyPr wrap="square" rtlCol="0" anchor="t">
+            <a:spAutoFit/>
+          </a:bodyPr>
+          <a:p>
+            <a:r>
+              <a:rPr lang="zh-CN" altLang="en-US"/>
+              <a:t> </a:t>
+            </a:r>
+            <a:endParaRPr lang="zh-CN" altLang="en-US"/>
+          </a:p>
+        </p:txBody>
+      </p:sp>
+      <p:sp>
+        <p:nvSpPr>
+          <p:cNvPr id="6" name="文本框 5"/>
+          <p:cNvSpPr txBox="1"/>
+          <p:nvPr/>
+        </p:nvSpPr>
+        <p:spPr>
+          <a:xfrm>
+            <a:off x="1171575" y="1459230"/>
+            <a:ext cx="9037320" cy="1198880"/>
+          </a:xfrm>
+          <a:prstGeom prst="rect">
+            <a:avLst/>
+          </a:prstGeom>
+          <a:noFill/>
+        </p:spPr>
+        <p:txBody>
+          <a:bodyPr wrap="square" rtlCol="0">
+            <a:spAutoFit/>
+          </a:bodyPr>
+          <a:p>
+            <a:endParaRPr lang="zh-CN" altLang="en-US" sz="2400"/>
+          </a:p>
+          <a:p>
+            <a:r>
+              <a:rPr lang="zh-CN" altLang="en-US" sz="2400"/>
+              <a:t>             </a:t>
+            </a:r>
+            <a:r>
+              <a:rPr lang="en-US" altLang="zh-CN" sz="2400"/>
+              <a:t>4</a:t>
+            </a:r>
+            <a:r>
+              <a:rPr lang="zh-CN" altLang="en-US" sz="2400"/>
+              <a:t>：查看</a:t>
+            </a:r>
+            <a:r>
+              <a:rPr lang="en-US" altLang="zh-CN" sz="2400"/>
+              <a:t>job</a:t>
+            </a:r>
+            <a:endParaRPr lang="en-US" altLang="zh-CN" sz="2400"/>
+          </a:p>
+          <a:p>
+            <a:r>
+              <a:rPr lang="zh-CN" altLang="en-US" sz="2400"/>
+              <a:t>              </a:t>
+            </a:r>
+            <a:endParaRPr lang="zh-CN" altLang="en-US" sz="2400"/>
+          </a:p>
+        </p:txBody>
+      </p:sp>
+      <p:pic>
+        <p:nvPicPr>
+          <p:cNvPr id="2" name="图片 1" descr="job"/>
+          <p:cNvPicPr>
+            <a:picLocks noChangeAspect="1"/>
+          </p:cNvPicPr>
+          <p:nvPr/>
+        </p:nvPicPr>
+        <p:blipFill>
+          <a:blip r:embed="rId2"/>
+          <a:stretch>
+            <a:fillRect/>
+          </a:stretch>
+        </p:blipFill>
+        <p:spPr>
+          <a:xfrm>
+            <a:off x="1076325" y="2658110"/>
+            <a:ext cx="10057765" cy="3037840"/>
+          </a:xfrm>
+          <a:prstGeom prst="rect">
+            <a:avLst/>
+          </a:prstGeom>
+        </p:spPr>
+      </p:pic>
+    </p:spTree>
+    <p:custDataLst>
+      <p:tags r:id="rId3"/>
     </p:custDataLst>
   </p:cSld>
   <p:clrMapOvr>
@@ -3675,7 +7283,7 @@
                 <a:latin typeface="+mn-ea"/>
                 <a:cs typeface="+mn-ea"/>
               </a:rPr>
-              <a:t>把目前依赖于</a:t>
+              <a:t>把依赖于</a:t>
             </a:r>
             <a:r>
               <a:rPr lang="en-US" altLang="zh-CN" sz="2400">
@@ -3689,9 +7297,16 @@
                 <a:latin typeface="+mn-ea"/>
                 <a:cs typeface="+mn-ea"/>
               </a:rPr>
-              <a:t>的大量存储过程迁移至大</a:t>
-            </a:r>
-            <a:endParaRPr lang="zh-CN" altLang="en-US" sz="2400">
+              <a:t>作为计算引擎的存储过程迁移至</a:t>
+            </a:r>
+            <a:r>
+              <a:rPr lang="en-US" altLang="zh-CN" sz="2400">
+                <a:latin typeface="+mn-ea"/>
+                <a:cs typeface="+mn-ea"/>
+              </a:rPr>
+              <a:t>spark</a:t>
+            </a:r>
+            <a:endParaRPr lang="en-US" altLang="zh-CN" sz="2400">
               <a:latin typeface="+mn-ea"/>
               <a:cs typeface="+mn-ea"/>
             </a:endParaRPr>
@@ -3702,7 +7317,21 @@
                 <a:latin typeface="+mn-ea"/>
                 <a:cs typeface="+mn-ea"/>
               </a:rPr>
-              <a:t>      数据平台</a:t>
+              <a:t>      减少</a:t>
+            </a:r>
+            <a:r>
+              <a:rPr lang="en-US" altLang="zh-CN" sz="2400">
+                <a:latin typeface="+mn-ea"/>
+                <a:cs typeface="+mn-ea"/>
+              </a:rPr>
+              <a:t>oracle</a:t>
+            </a:r>
+            <a:r>
+              <a:rPr lang="zh-CN" altLang="en-US" sz="2400">
+                <a:latin typeface="+mn-ea"/>
+                <a:cs typeface="+mn-ea"/>
+              </a:rPr>
+              <a:t>对依赖</a:t>
             </a:r>
             <a:endParaRPr lang="zh-CN" altLang="en-US" sz="2400">
               <a:latin typeface="+mn-ea"/>
@@ -3889,7 +7518,1549 @@
 </p:sld>
 </file>
 
+<file path=ppt/slides/slide20.xml><?xml version="1.0" encoding="utf-8"?>
+<p:sld xmlns:a="http://schemas.openxmlformats.org/drawingml/2006/main" xmlns:r="http://schemas.openxmlformats.org/officeDocument/2006/relationships" xmlns:p="http://schemas.openxmlformats.org/presentationml/2006/main">
+  <p:cSld>
+    <p:spTree>
+      <p:nvGrpSpPr>
+        <p:cNvPr id="1" name=""/>
+        <p:cNvGrpSpPr/>
+        <p:nvPr/>
+      </p:nvGrpSpPr>
+      <p:grpSpPr/>
+      <p:cxnSp>
+        <p:nvCxnSpPr>
+          <p:cNvPr id="4" name="直接连接符 3"/>
+          <p:cNvCxnSpPr/>
+          <p:nvPr/>
+        </p:nvCxnSpPr>
+        <p:spPr>
+          <a:xfrm>
+            <a:off x="931545" y="1303020"/>
+            <a:ext cx="10589260" cy="0"/>
+          </a:xfrm>
+          <a:prstGeom prst="line">
+            <a:avLst/>
+          </a:prstGeom>
+        </p:spPr>
+        <p:style>
+          <a:lnRef idx="1">
+            <a:schemeClr val="accent5"/>
+          </a:lnRef>
+          <a:fillRef idx="0">
+            <a:schemeClr val="accent5"/>
+          </a:fillRef>
+          <a:effectRef idx="0">
+            <a:schemeClr val="accent5"/>
+          </a:effectRef>
+          <a:fontRef idx="minor">
+            <a:schemeClr val="tx1"/>
+          </a:fontRef>
+        </p:style>
+      </p:cxnSp>
+      <p:pic>
+        <p:nvPicPr>
+          <p:cNvPr id="7" name="图片 6" descr="pic"/>
+          <p:cNvPicPr>
+            <a:picLocks noChangeAspect="1"/>
+          </p:cNvPicPr>
+          <p:nvPr/>
+        </p:nvPicPr>
+        <p:blipFill>
+          <a:blip r:embed="rId1"/>
+          <a:stretch>
+            <a:fillRect/>
+          </a:stretch>
+        </p:blipFill>
+        <p:spPr>
+          <a:xfrm>
+            <a:off x="9237980" y="678180"/>
+            <a:ext cx="2282825" cy="624840"/>
+          </a:xfrm>
+          <a:prstGeom prst="rect">
+            <a:avLst/>
+          </a:prstGeom>
+        </p:spPr>
+      </p:pic>
+      <p:sp>
+        <p:nvSpPr>
+          <p:cNvPr id="16" name="文本框 15"/>
+          <p:cNvSpPr txBox="1"/>
+          <p:nvPr/>
+        </p:nvSpPr>
+        <p:spPr>
+          <a:xfrm>
+            <a:off x="1886585" y="2531110"/>
+            <a:ext cx="8437245" cy="368300"/>
+          </a:xfrm>
+          <a:prstGeom prst="rect">
+            <a:avLst/>
+          </a:prstGeom>
+          <a:noFill/>
+        </p:spPr>
+        <p:txBody>
+          <a:bodyPr wrap="square" rtlCol="0" anchor="t">
+            <a:spAutoFit/>
+          </a:bodyPr>
+          <a:p>
+            <a:r>
+              <a:rPr lang="zh-CN" altLang="en-US"/>
+              <a:t> </a:t>
+            </a:r>
+            <a:endParaRPr lang="zh-CN" altLang="en-US"/>
+          </a:p>
+        </p:txBody>
+      </p:sp>
+      <p:sp>
+        <p:nvSpPr>
+          <p:cNvPr id="6" name="文本框 5"/>
+          <p:cNvSpPr txBox="1"/>
+          <p:nvPr/>
+        </p:nvSpPr>
+        <p:spPr>
+          <a:xfrm>
+            <a:off x="1171575" y="1459230"/>
+            <a:ext cx="9037320" cy="1198880"/>
+          </a:xfrm>
+          <a:prstGeom prst="rect">
+            <a:avLst/>
+          </a:prstGeom>
+          <a:noFill/>
+        </p:spPr>
+        <p:txBody>
+          <a:bodyPr wrap="square" rtlCol="0">
+            <a:spAutoFit/>
+          </a:bodyPr>
+          <a:p>
+            <a:endParaRPr lang="zh-CN" altLang="en-US" sz="2400"/>
+          </a:p>
+          <a:p>
+            <a:r>
+              <a:rPr lang="zh-CN" altLang="en-US" sz="2400"/>
+              <a:t>             </a:t>
+            </a:r>
+            <a:r>
+              <a:rPr lang="en-US" altLang="zh-CN" sz="2400"/>
+              <a:t>5</a:t>
+            </a:r>
+            <a:r>
+              <a:rPr lang="zh-CN" altLang="en-US" sz="2400"/>
+              <a:t>：查看</a:t>
+            </a:r>
+            <a:r>
+              <a:rPr lang="en-US" altLang="zh-CN" sz="2400"/>
+              <a:t>DAG</a:t>
+            </a:r>
+            <a:endParaRPr lang="en-US" altLang="zh-CN" sz="2400"/>
+          </a:p>
+          <a:p>
+            <a:r>
+              <a:rPr lang="zh-CN" altLang="en-US" sz="2400"/>
+              <a:t>              </a:t>
+            </a:r>
+            <a:endParaRPr lang="zh-CN" altLang="en-US" sz="2400"/>
+          </a:p>
+        </p:txBody>
+      </p:sp>
+      <p:pic>
+        <p:nvPicPr>
+          <p:cNvPr id="3" name="图片 2" descr="dag"/>
+          <p:cNvPicPr>
+            <a:picLocks noChangeAspect="1"/>
+          </p:cNvPicPr>
+          <p:nvPr/>
+        </p:nvPicPr>
+        <p:blipFill>
+          <a:blip r:embed="rId2"/>
+          <a:stretch>
+            <a:fillRect/>
+          </a:stretch>
+        </p:blipFill>
+        <p:spPr>
+          <a:xfrm>
+            <a:off x="1196975" y="2531110"/>
+            <a:ext cx="10058400" cy="3811270"/>
+          </a:xfrm>
+          <a:prstGeom prst="rect">
+            <a:avLst/>
+          </a:prstGeom>
+        </p:spPr>
+      </p:pic>
+    </p:spTree>
+    <p:custDataLst>
+      <p:tags r:id="rId3"/>
+    </p:custDataLst>
+  </p:cSld>
+  <p:clrMapOvr>
+    <a:masterClrMapping/>
+  </p:clrMapOvr>
+</p:sld>
+</file>
+
+<file path=ppt/slides/slide21.xml><?xml version="1.0" encoding="utf-8"?>
+<p:sld xmlns:a="http://schemas.openxmlformats.org/drawingml/2006/main" xmlns:r="http://schemas.openxmlformats.org/officeDocument/2006/relationships" xmlns:p="http://schemas.openxmlformats.org/presentationml/2006/main">
+  <p:cSld>
+    <p:spTree>
+      <p:nvGrpSpPr>
+        <p:cNvPr id="1" name=""/>
+        <p:cNvGrpSpPr/>
+        <p:nvPr/>
+      </p:nvGrpSpPr>
+      <p:grpSpPr/>
+      <p:cxnSp>
+        <p:nvCxnSpPr>
+          <p:cNvPr id="4" name="直接连接符 3"/>
+          <p:cNvCxnSpPr/>
+          <p:nvPr/>
+        </p:nvCxnSpPr>
+        <p:spPr>
+          <a:xfrm>
+            <a:off x="931545" y="1303020"/>
+            <a:ext cx="10589260" cy="0"/>
+          </a:xfrm>
+          <a:prstGeom prst="line">
+            <a:avLst/>
+          </a:prstGeom>
+        </p:spPr>
+        <p:style>
+          <a:lnRef idx="1">
+            <a:schemeClr val="accent5"/>
+          </a:lnRef>
+          <a:fillRef idx="0">
+            <a:schemeClr val="accent5"/>
+          </a:fillRef>
+          <a:effectRef idx="0">
+            <a:schemeClr val="accent5"/>
+          </a:effectRef>
+          <a:fontRef idx="minor">
+            <a:schemeClr val="tx1"/>
+          </a:fontRef>
+        </p:style>
+      </p:cxnSp>
+      <p:pic>
+        <p:nvPicPr>
+          <p:cNvPr id="7" name="图片 6" descr="pic"/>
+          <p:cNvPicPr>
+            <a:picLocks noChangeAspect="1"/>
+          </p:cNvPicPr>
+          <p:nvPr/>
+        </p:nvPicPr>
+        <p:blipFill>
+          <a:blip r:embed="rId1"/>
+          <a:stretch>
+            <a:fillRect/>
+          </a:stretch>
+        </p:blipFill>
+        <p:spPr>
+          <a:xfrm>
+            <a:off x="9237980" y="678180"/>
+            <a:ext cx="2282825" cy="624840"/>
+          </a:xfrm>
+          <a:prstGeom prst="rect">
+            <a:avLst/>
+          </a:prstGeom>
+        </p:spPr>
+      </p:pic>
+      <p:sp>
+        <p:nvSpPr>
+          <p:cNvPr id="16" name="文本框 15"/>
+          <p:cNvSpPr txBox="1"/>
+          <p:nvPr/>
+        </p:nvSpPr>
+        <p:spPr>
+          <a:xfrm>
+            <a:off x="1886585" y="2531110"/>
+            <a:ext cx="8437245" cy="368300"/>
+          </a:xfrm>
+          <a:prstGeom prst="rect">
+            <a:avLst/>
+          </a:prstGeom>
+          <a:noFill/>
+        </p:spPr>
+        <p:txBody>
+          <a:bodyPr wrap="square" rtlCol="0" anchor="t">
+            <a:spAutoFit/>
+          </a:bodyPr>
+          <a:p>
+            <a:r>
+              <a:rPr lang="zh-CN" altLang="en-US"/>
+              <a:t> </a:t>
+            </a:r>
+            <a:endParaRPr lang="zh-CN" altLang="en-US"/>
+          </a:p>
+        </p:txBody>
+      </p:sp>
+      <p:sp>
+        <p:nvSpPr>
+          <p:cNvPr id="6" name="文本框 5"/>
+          <p:cNvSpPr txBox="1"/>
+          <p:nvPr/>
+        </p:nvSpPr>
+        <p:spPr>
+          <a:xfrm>
+            <a:off x="1171575" y="1459230"/>
+            <a:ext cx="9037320" cy="1198880"/>
+          </a:xfrm>
+          <a:prstGeom prst="rect">
+            <a:avLst/>
+          </a:prstGeom>
+          <a:noFill/>
+        </p:spPr>
+        <p:txBody>
+          <a:bodyPr wrap="square" rtlCol="0">
+            <a:spAutoFit/>
+          </a:bodyPr>
+          <a:p>
+            <a:endParaRPr lang="zh-CN" altLang="en-US" sz="2400"/>
+          </a:p>
+          <a:p>
+            <a:r>
+              <a:rPr lang="zh-CN" altLang="en-US" sz="2400"/>
+              <a:t>             </a:t>
+            </a:r>
+            <a:r>
+              <a:rPr lang="en-US" altLang="zh-CN" sz="2400"/>
+              <a:t>6</a:t>
+            </a:r>
+            <a:r>
+              <a:rPr lang="zh-CN" altLang="en-US" sz="2400"/>
+              <a:t>：查看</a:t>
+            </a:r>
+            <a:r>
+              <a:rPr lang="en-US" altLang="zh-CN" sz="2400"/>
+              <a:t>EXEUCTORS</a:t>
+            </a:r>
+            <a:endParaRPr lang="en-US" altLang="zh-CN" sz="2400"/>
+          </a:p>
+          <a:p>
+            <a:r>
+              <a:rPr lang="zh-CN" altLang="en-US" sz="2400"/>
+              <a:t>              </a:t>
+            </a:r>
+            <a:endParaRPr lang="zh-CN" altLang="en-US" sz="2400"/>
+          </a:p>
+        </p:txBody>
+      </p:sp>
+      <p:pic>
+        <p:nvPicPr>
+          <p:cNvPr id="2" name="图片 1" descr="executor"/>
+          <p:cNvPicPr>
+            <a:picLocks noChangeAspect="1"/>
+          </p:cNvPicPr>
+          <p:nvPr/>
+        </p:nvPicPr>
+        <p:blipFill>
+          <a:blip r:embed="rId2"/>
+          <a:stretch>
+            <a:fillRect/>
+          </a:stretch>
+        </p:blipFill>
+        <p:spPr>
+          <a:xfrm>
+            <a:off x="1196975" y="2531110"/>
+            <a:ext cx="10058400" cy="3641725"/>
+          </a:xfrm>
+          <a:prstGeom prst="rect">
+            <a:avLst/>
+          </a:prstGeom>
+        </p:spPr>
+      </p:pic>
+    </p:spTree>
+    <p:custDataLst>
+      <p:tags r:id="rId3"/>
+    </p:custDataLst>
+  </p:cSld>
+  <p:clrMapOvr>
+    <a:masterClrMapping/>
+  </p:clrMapOvr>
+</p:sld>
+</file>
+
+<file path=ppt/slides/slide22.xml><?xml version="1.0" encoding="utf-8"?>
+<p:sld xmlns:a="http://schemas.openxmlformats.org/drawingml/2006/main" xmlns:r="http://schemas.openxmlformats.org/officeDocument/2006/relationships" xmlns:p="http://schemas.openxmlformats.org/presentationml/2006/main">
+  <p:cSld>
+    <p:spTree>
+      <p:nvGrpSpPr>
+        <p:cNvPr id="1" name=""/>
+        <p:cNvGrpSpPr/>
+        <p:nvPr/>
+      </p:nvGrpSpPr>
+      <p:grpSpPr/>
+      <p:cxnSp>
+        <p:nvCxnSpPr>
+          <p:cNvPr id="4" name="直接连接符 3"/>
+          <p:cNvCxnSpPr/>
+          <p:nvPr/>
+        </p:nvCxnSpPr>
+        <p:spPr>
+          <a:xfrm>
+            <a:off x="931545" y="1303020"/>
+            <a:ext cx="10589260" cy="0"/>
+          </a:xfrm>
+          <a:prstGeom prst="line">
+            <a:avLst/>
+          </a:prstGeom>
+        </p:spPr>
+        <p:style>
+          <a:lnRef idx="1">
+            <a:schemeClr val="accent5"/>
+          </a:lnRef>
+          <a:fillRef idx="0">
+            <a:schemeClr val="accent5"/>
+          </a:fillRef>
+          <a:effectRef idx="0">
+            <a:schemeClr val="accent5"/>
+          </a:effectRef>
+          <a:fontRef idx="minor">
+            <a:schemeClr val="tx1"/>
+          </a:fontRef>
+        </p:style>
+      </p:cxnSp>
+      <p:pic>
+        <p:nvPicPr>
+          <p:cNvPr id="7" name="图片 6" descr="pic"/>
+          <p:cNvPicPr>
+            <a:picLocks noChangeAspect="1"/>
+          </p:cNvPicPr>
+          <p:nvPr/>
+        </p:nvPicPr>
+        <p:blipFill>
+          <a:blip r:embed="rId1"/>
+          <a:stretch>
+            <a:fillRect/>
+          </a:stretch>
+        </p:blipFill>
+        <p:spPr>
+          <a:xfrm>
+            <a:off x="9237980" y="678180"/>
+            <a:ext cx="2282825" cy="624840"/>
+          </a:xfrm>
+          <a:prstGeom prst="rect">
+            <a:avLst/>
+          </a:prstGeom>
+        </p:spPr>
+      </p:pic>
+      <p:sp>
+        <p:nvSpPr>
+          <p:cNvPr id="16" name="文本框 15"/>
+          <p:cNvSpPr txBox="1"/>
+          <p:nvPr/>
+        </p:nvSpPr>
+        <p:spPr>
+          <a:xfrm>
+            <a:off x="1886585" y="2531110"/>
+            <a:ext cx="8437245" cy="368300"/>
+          </a:xfrm>
+          <a:prstGeom prst="rect">
+            <a:avLst/>
+          </a:prstGeom>
+          <a:noFill/>
+        </p:spPr>
+        <p:txBody>
+          <a:bodyPr wrap="square" rtlCol="0" anchor="t">
+            <a:spAutoFit/>
+          </a:bodyPr>
+          <a:p>
+            <a:r>
+              <a:rPr lang="zh-CN" altLang="en-US"/>
+              <a:t> </a:t>
+            </a:r>
+            <a:endParaRPr lang="zh-CN" altLang="en-US"/>
+          </a:p>
+        </p:txBody>
+      </p:sp>
+      <p:sp>
+        <p:nvSpPr>
+          <p:cNvPr id="6" name="文本框 5"/>
+          <p:cNvSpPr txBox="1"/>
+          <p:nvPr/>
+        </p:nvSpPr>
+        <p:spPr>
+          <a:xfrm>
+            <a:off x="1196975" y="1459230"/>
+            <a:ext cx="9037320" cy="1198880"/>
+          </a:xfrm>
+          <a:prstGeom prst="rect">
+            <a:avLst/>
+          </a:prstGeom>
+          <a:noFill/>
+        </p:spPr>
+        <p:txBody>
+          <a:bodyPr wrap="square" rtlCol="0">
+            <a:spAutoFit/>
+          </a:bodyPr>
+          <a:p>
+            <a:endParaRPr lang="zh-CN" altLang="en-US" sz="2400"/>
+          </a:p>
+          <a:p>
+            <a:r>
+              <a:rPr lang="zh-CN" altLang="en-US" sz="2400"/>
+              <a:t>             </a:t>
+            </a:r>
+            <a:r>
+              <a:rPr lang="en-US" altLang="zh-CN" sz="2400"/>
+              <a:t>7</a:t>
+            </a:r>
+            <a:r>
+              <a:rPr lang="zh-CN" altLang="en-US" sz="2400"/>
+              <a:t>：查看</a:t>
+            </a:r>
+            <a:r>
+              <a:rPr lang="en-US" altLang="zh-CN" sz="2400"/>
+              <a:t>STAGE</a:t>
+            </a:r>
+            <a:r>
+              <a:rPr lang="zh-CN" altLang="en-US" sz="2400"/>
+              <a:t>过程</a:t>
+            </a:r>
+            <a:endParaRPr lang="en-US" altLang="zh-CN" sz="2400"/>
+          </a:p>
+          <a:p>
+            <a:r>
+              <a:rPr lang="zh-CN" altLang="en-US" sz="2400"/>
+              <a:t>              </a:t>
+            </a:r>
+            <a:endParaRPr lang="zh-CN" altLang="en-US" sz="2400"/>
+          </a:p>
+        </p:txBody>
+      </p:sp>
+      <p:pic>
+        <p:nvPicPr>
+          <p:cNvPr id="3" name="图片 2" descr="GGJEI}8FU1[Z)8YFGMHEBXY"/>
+          <p:cNvPicPr>
+            <a:picLocks noChangeAspect="1"/>
+          </p:cNvPicPr>
+          <p:nvPr/>
+        </p:nvPicPr>
+        <p:blipFill>
+          <a:blip r:embed="rId2"/>
+          <a:stretch>
+            <a:fillRect/>
+          </a:stretch>
+        </p:blipFill>
+        <p:spPr>
+          <a:xfrm>
+            <a:off x="1550035" y="2334895"/>
+            <a:ext cx="9705340" cy="4015105"/>
+          </a:xfrm>
+          <a:prstGeom prst="rect">
+            <a:avLst/>
+          </a:prstGeom>
+        </p:spPr>
+      </p:pic>
+    </p:spTree>
+    <p:custDataLst>
+      <p:tags r:id="rId3"/>
+    </p:custDataLst>
+  </p:cSld>
+  <p:clrMapOvr>
+    <a:masterClrMapping/>
+  </p:clrMapOvr>
+</p:sld>
+</file>
+
+<file path=ppt/slides/slide23.xml><?xml version="1.0" encoding="utf-8"?>
+<p:sld xmlns:a="http://schemas.openxmlformats.org/drawingml/2006/main" xmlns:r="http://schemas.openxmlformats.org/officeDocument/2006/relationships" xmlns:p="http://schemas.openxmlformats.org/presentationml/2006/main">
+  <p:cSld>
+    <p:spTree>
+      <p:nvGrpSpPr>
+        <p:cNvPr id="1" name=""/>
+        <p:cNvGrpSpPr/>
+        <p:nvPr/>
+      </p:nvGrpSpPr>
+      <p:grpSpPr/>
+      <p:cxnSp>
+        <p:nvCxnSpPr>
+          <p:cNvPr id="4" name="直接连接符 3"/>
+          <p:cNvCxnSpPr/>
+          <p:nvPr/>
+        </p:nvCxnSpPr>
+        <p:spPr>
+          <a:xfrm>
+            <a:off x="931545" y="1303020"/>
+            <a:ext cx="10589260" cy="0"/>
+          </a:xfrm>
+          <a:prstGeom prst="line">
+            <a:avLst/>
+          </a:prstGeom>
+        </p:spPr>
+        <p:style>
+          <a:lnRef idx="1">
+            <a:schemeClr val="accent5"/>
+          </a:lnRef>
+          <a:fillRef idx="0">
+            <a:schemeClr val="accent5"/>
+          </a:fillRef>
+          <a:effectRef idx="0">
+            <a:schemeClr val="accent5"/>
+          </a:effectRef>
+          <a:fontRef idx="minor">
+            <a:schemeClr val="tx1"/>
+          </a:fontRef>
+        </p:style>
+      </p:cxnSp>
+      <p:pic>
+        <p:nvPicPr>
+          <p:cNvPr id="7" name="图片 6" descr="pic"/>
+          <p:cNvPicPr>
+            <a:picLocks noChangeAspect="1"/>
+          </p:cNvPicPr>
+          <p:nvPr/>
+        </p:nvPicPr>
+        <p:blipFill>
+          <a:blip r:embed="rId1"/>
+          <a:stretch>
+            <a:fillRect/>
+          </a:stretch>
+        </p:blipFill>
+        <p:spPr>
+          <a:xfrm>
+            <a:off x="9237980" y="678180"/>
+            <a:ext cx="2282825" cy="624840"/>
+          </a:xfrm>
+          <a:prstGeom prst="rect">
+            <a:avLst/>
+          </a:prstGeom>
+        </p:spPr>
+      </p:pic>
+      <p:sp>
+        <p:nvSpPr>
+          <p:cNvPr id="16" name="文本框 15"/>
+          <p:cNvSpPr txBox="1"/>
+          <p:nvPr/>
+        </p:nvSpPr>
+        <p:spPr>
+          <a:xfrm>
+            <a:off x="1886585" y="2531110"/>
+            <a:ext cx="8437245" cy="368300"/>
+          </a:xfrm>
+          <a:prstGeom prst="rect">
+            <a:avLst/>
+          </a:prstGeom>
+          <a:noFill/>
+        </p:spPr>
+        <p:txBody>
+          <a:bodyPr wrap="square" rtlCol="0" anchor="t">
+            <a:spAutoFit/>
+          </a:bodyPr>
+          <a:p>
+            <a:r>
+              <a:rPr lang="zh-CN" altLang="en-US"/>
+              <a:t> </a:t>
+            </a:r>
+            <a:endParaRPr lang="zh-CN" altLang="en-US"/>
+          </a:p>
+        </p:txBody>
+      </p:sp>
+      <p:sp>
+        <p:nvSpPr>
+          <p:cNvPr id="6" name="文本框 5"/>
+          <p:cNvSpPr txBox="1"/>
+          <p:nvPr/>
+        </p:nvSpPr>
+        <p:spPr>
+          <a:xfrm>
+            <a:off x="1196975" y="1459230"/>
+            <a:ext cx="9037320" cy="1198880"/>
+          </a:xfrm>
+          <a:prstGeom prst="rect">
+            <a:avLst/>
+          </a:prstGeom>
+          <a:noFill/>
+        </p:spPr>
+        <p:txBody>
+          <a:bodyPr wrap="square" rtlCol="0">
+            <a:spAutoFit/>
+          </a:bodyPr>
+          <a:p>
+            <a:endParaRPr lang="zh-CN" altLang="en-US" sz="2400"/>
+          </a:p>
+          <a:p>
+            <a:r>
+              <a:rPr lang="zh-CN" altLang="en-US" sz="2400"/>
+              <a:t>             </a:t>
+            </a:r>
+            <a:r>
+              <a:rPr lang="en-US" altLang="zh-CN" sz="2400"/>
+              <a:t>8</a:t>
+            </a:r>
+            <a:r>
+              <a:rPr lang="zh-CN" altLang="en-US" sz="2400"/>
+              <a:t>：查看日志</a:t>
+            </a:r>
+            <a:endParaRPr lang="en-US" altLang="zh-CN" sz="2400"/>
+          </a:p>
+          <a:p>
+            <a:r>
+              <a:rPr lang="zh-CN" altLang="en-US" sz="2400"/>
+              <a:t>              </a:t>
+            </a:r>
+            <a:endParaRPr lang="zh-CN" altLang="en-US" sz="2400"/>
+          </a:p>
+        </p:txBody>
+      </p:sp>
+      <p:pic>
+        <p:nvPicPr>
+          <p:cNvPr id="2" name="图片 1"/>
+          <p:cNvPicPr>
+            <a:picLocks noChangeAspect="1"/>
+          </p:cNvPicPr>
+          <p:nvPr/>
+        </p:nvPicPr>
+        <p:blipFill>
+          <a:blip r:embed="rId2"/>
+          <a:stretch>
+            <a:fillRect/>
+          </a:stretch>
+        </p:blipFill>
+        <p:spPr>
+          <a:xfrm>
+            <a:off x="1524000" y="2658110"/>
+            <a:ext cx="9144000" cy="3425190"/>
+          </a:xfrm>
+          <a:prstGeom prst="rect">
+            <a:avLst/>
+          </a:prstGeom>
+        </p:spPr>
+      </p:pic>
+    </p:spTree>
+    <p:custDataLst>
+      <p:tags r:id="rId3"/>
+    </p:custDataLst>
+  </p:cSld>
+  <p:clrMapOvr>
+    <a:masterClrMapping/>
+  </p:clrMapOvr>
+</p:sld>
+</file>
+
 <file path=ppt/slides/slide3.xml><?xml version="1.0" encoding="utf-8"?>
+<p:sld xmlns:a="http://schemas.openxmlformats.org/drawingml/2006/main" xmlns:r="http://schemas.openxmlformats.org/officeDocument/2006/relationships" xmlns:p="http://schemas.openxmlformats.org/presentationml/2006/main">
+  <p:cSld>
+    <p:spTree>
+      <p:nvGrpSpPr>
+        <p:cNvPr id="1" name=""/>
+        <p:cNvGrpSpPr/>
+        <p:nvPr/>
+      </p:nvGrpSpPr>
+      <p:grpSpPr/>
+      <p:cxnSp>
+        <p:nvCxnSpPr>
+          <p:cNvPr id="4" name="直接连接符 3"/>
+          <p:cNvCxnSpPr/>
+          <p:nvPr/>
+        </p:nvCxnSpPr>
+        <p:spPr>
+          <a:xfrm>
+            <a:off x="931545" y="1303020"/>
+            <a:ext cx="10589260" cy="0"/>
+          </a:xfrm>
+          <a:prstGeom prst="line">
+            <a:avLst/>
+          </a:prstGeom>
+        </p:spPr>
+        <p:style>
+          <a:lnRef idx="1">
+            <a:schemeClr val="accent5"/>
+          </a:lnRef>
+          <a:fillRef idx="0">
+            <a:schemeClr val="accent5"/>
+          </a:fillRef>
+          <a:effectRef idx="0">
+            <a:schemeClr val="accent5"/>
+          </a:effectRef>
+          <a:fontRef idx="minor">
+            <a:schemeClr val="tx1"/>
+          </a:fontRef>
+        </p:style>
+      </p:cxnSp>
+      <p:pic>
+        <p:nvPicPr>
+          <p:cNvPr id="7" name="图片 6" descr="pic"/>
+          <p:cNvPicPr>
+            <a:picLocks noChangeAspect="1"/>
+          </p:cNvPicPr>
+          <p:nvPr/>
+        </p:nvPicPr>
+        <p:blipFill>
+          <a:blip r:embed="rId1"/>
+          <a:stretch>
+            <a:fillRect/>
+          </a:stretch>
+        </p:blipFill>
+        <p:spPr>
+          <a:xfrm>
+            <a:off x="9237980" y="678180"/>
+            <a:ext cx="2282825" cy="624840"/>
+          </a:xfrm>
+          <a:prstGeom prst="rect">
+            <a:avLst/>
+          </a:prstGeom>
+        </p:spPr>
+      </p:pic>
+      <p:sp>
+        <p:nvSpPr>
+          <p:cNvPr id="16" name="流程图: 过程 15"/>
+          <p:cNvSpPr/>
+          <p:nvPr/>
+        </p:nvSpPr>
+        <p:spPr>
+          <a:xfrm>
+            <a:off x="2613025" y="2101850"/>
+            <a:ext cx="1886585" cy="914400"/>
+          </a:xfrm>
+          <a:prstGeom prst="flowChartProcess">
+            <a:avLst/>
+          </a:prstGeom>
+          <a:noFill/>
+        </p:spPr>
+        <p:style>
+          <a:lnRef idx="2">
+            <a:schemeClr val="accent1">
+              <a:shade val="50000"/>
+            </a:schemeClr>
+          </a:lnRef>
+          <a:fillRef idx="1">
+            <a:schemeClr val="accent1"/>
+          </a:fillRef>
+          <a:effectRef idx="0">
+            <a:schemeClr val="accent1"/>
+          </a:effectRef>
+          <a:fontRef idx="minor">
+            <a:schemeClr val="lt1"/>
+          </a:fontRef>
+        </p:style>
+        <p:txBody>
+          <a:bodyPr rtlCol="0" anchor="ctr"/>
+          <a:p>
+            <a:pPr algn="ctr"/>
+            <a:endParaRPr lang="zh-CN" altLang="en-US"/>
+          </a:p>
+        </p:txBody>
+      </p:sp>
+      <p:sp>
+        <p:nvSpPr>
+          <p:cNvPr id="17" name="流程图: 过程 16"/>
+          <p:cNvSpPr/>
+          <p:nvPr/>
+        </p:nvSpPr>
+        <p:spPr>
+          <a:xfrm>
+            <a:off x="2613025" y="3347720"/>
+            <a:ext cx="1886585" cy="914400"/>
+          </a:xfrm>
+          <a:prstGeom prst="flowChartProcess">
+            <a:avLst/>
+          </a:prstGeom>
+          <a:noFill/>
+        </p:spPr>
+        <p:style>
+          <a:lnRef idx="2">
+            <a:schemeClr val="accent1">
+              <a:shade val="50000"/>
+            </a:schemeClr>
+          </a:lnRef>
+          <a:fillRef idx="1">
+            <a:schemeClr val="accent1"/>
+          </a:fillRef>
+          <a:effectRef idx="0">
+            <a:schemeClr val="accent1"/>
+          </a:effectRef>
+          <a:fontRef idx="minor">
+            <a:schemeClr val="lt1"/>
+          </a:fontRef>
+        </p:style>
+        <p:txBody>
+          <a:bodyPr rtlCol="0" anchor="ctr"/>
+          <a:p>
+            <a:pPr algn="ctr"/>
+            <a:endParaRPr lang="zh-CN" altLang="en-US"/>
+          </a:p>
+        </p:txBody>
+      </p:sp>
+      <p:sp>
+        <p:nvSpPr>
+          <p:cNvPr id="18" name="文本框 17"/>
+          <p:cNvSpPr txBox="1"/>
+          <p:nvPr/>
+        </p:nvSpPr>
+        <p:spPr>
+          <a:xfrm>
+            <a:off x="2779395" y="2451735"/>
+            <a:ext cx="1554480" cy="368300"/>
+          </a:xfrm>
+          <a:prstGeom prst="rect">
+            <a:avLst/>
+          </a:prstGeom>
+          <a:noFill/>
+        </p:spPr>
+        <p:txBody>
+          <a:bodyPr wrap="none" rtlCol="0">
+            <a:spAutoFit/>
+          </a:bodyPr>
+          <a:p>
+            <a:r>
+              <a:rPr lang="zh-CN" altLang="en-US">
+                <a:solidFill>
+                  <a:schemeClr val="tx1"/>
+                </a:solidFill>
+                <a:effectLst>
+                  <a:outerShdw blurRad="38100" dist="19050" dir="2700000" algn="tl" rotWithShape="0">
+                    <a:schemeClr val="dk1">
+                      <a:alpha val="40000"/>
+                    </a:schemeClr>
+                  </a:outerShdw>
+                </a:effectLst>
+              </a:rPr>
+              <a:t>本地文件系统</a:t>
+            </a:r>
+            <a:endParaRPr lang="zh-CN" altLang="en-US">
+              <a:solidFill>
+                <a:schemeClr val="tx1"/>
+              </a:solidFill>
+              <a:effectLst>
+                <a:outerShdw blurRad="38100" dist="19050" dir="2700000" algn="tl" rotWithShape="0">
+                  <a:schemeClr val="dk1">
+                    <a:alpha val="40000"/>
+                  </a:schemeClr>
+                </a:outerShdw>
+              </a:effectLst>
+            </a:endParaRPr>
+          </a:p>
+        </p:txBody>
+      </p:sp>
+      <p:sp>
+        <p:nvSpPr>
+          <p:cNvPr id="19" name="文本框 18"/>
+          <p:cNvSpPr txBox="1"/>
+          <p:nvPr/>
+        </p:nvSpPr>
+        <p:spPr>
+          <a:xfrm>
+            <a:off x="3007995" y="3560445"/>
+            <a:ext cx="1325880" cy="368300"/>
+          </a:xfrm>
+          <a:prstGeom prst="rect">
+            <a:avLst/>
+          </a:prstGeom>
+          <a:noFill/>
+        </p:spPr>
+        <p:txBody>
+          <a:bodyPr wrap="none" rtlCol="0">
+            <a:spAutoFit/>
+          </a:bodyPr>
+          <a:p>
+            <a:r>
+              <a:rPr lang="zh-CN" altLang="en-US">
+                <a:effectLst>
+                  <a:outerShdw blurRad="38100" dist="38100" dir="2700000" algn="tl">
+                    <a:srgbClr val="000000">
+                      <a:alpha val="43137"/>
+                    </a:srgbClr>
+                  </a:outerShdw>
+                </a:effectLst>
+              </a:rPr>
+              <a:t>传统数据库</a:t>
+            </a:r>
+            <a:endParaRPr lang="zh-CN" altLang="en-US">
+              <a:effectLst>
+                <a:outerShdw blurRad="38100" dist="38100" dir="2700000" algn="tl">
+                  <a:srgbClr val="000000">
+                    <a:alpha val="43137"/>
+                  </a:srgbClr>
+                </a:outerShdw>
+              </a:effectLst>
+            </a:endParaRPr>
+          </a:p>
+        </p:txBody>
+      </p:sp>
+      <p:sp>
+        <p:nvSpPr>
+          <p:cNvPr id="20" name="右箭头 19"/>
+          <p:cNvSpPr/>
+          <p:nvPr/>
+        </p:nvSpPr>
+        <p:spPr>
+          <a:xfrm>
+            <a:off x="5351145" y="2221230"/>
+            <a:ext cx="2433320" cy="521335"/>
+          </a:xfrm>
+          <a:prstGeom prst="rightArrow">
+            <a:avLst/>
+          </a:prstGeom>
+          <a:solidFill>
+            <a:schemeClr val="bg1"/>
+          </a:solidFill>
+        </p:spPr>
+        <p:style>
+          <a:lnRef idx="2">
+            <a:schemeClr val="accent1">
+              <a:shade val="50000"/>
+            </a:schemeClr>
+          </a:lnRef>
+          <a:fillRef idx="1">
+            <a:schemeClr val="accent1"/>
+          </a:fillRef>
+          <a:effectRef idx="0">
+            <a:schemeClr val="accent1"/>
+          </a:effectRef>
+          <a:fontRef idx="minor">
+            <a:schemeClr val="lt1"/>
+          </a:fontRef>
+        </p:style>
+        <p:txBody>
+          <a:bodyPr rtlCol="0" anchor="ctr"/>
+          <a:p>
+            <a:pPr algn="ctr"/>
+            <a:endParaRPr lang="zh-CN" altLang="en-US"/>
+          </a:p>
+        </p:txBody>
+      </p:sp>
+      <p:sp>
+        <p:nvSpPr>
+          <p:cNvPr id="21" name="右箭头 20"/>
+          <p:cNvSpPr/>
+          <p:nvPr/>
+        </p:nvSpPr>
+        <p:spPr>
+          <a:xfrm>
+            <a:off x="5350510" y="3347720"/>
+            <a:ext cx="2433955" cy="521335"/>
+          </a:xfrm>
+          <a:prstGeom prst="rightArrow">
+            <a:avLst/>
+          </a:prstGeom>
+          <a:solidFill>
+            <a:schemeClr val="bg1"/>
+          </a:solidFill>
+        </p:spPr>
+        <p:style>
+          <a:lnRef idx="2">
+            <a:schemeClr val="accent1">
+              <a:shade val="50000"/>
+            </a:schemeClr>
+          </a:lnRef>
+          <a:fillRef idx="1">
+            <a:schemeClr val="accent1"/>
+          </a:fillRef>
+          <a:effectRef idx="0">
+            <a:schemeClr val="accent1"/>
+          </a:effectRef>
+          <a:fontRef idx="minor">
+            <a:schemeClr val="lt1"/>
+          </a:fontRef>
+        </p:style>
+        <p:txBody>
+          <a:bodyPr rtlCol="0" anchor="ctr"/>
+          <a:p>
+            <a:pPr algn="ctr"/>
+            <a:endParaRPr lang="zh-CN" altLang="en-US"/>
+          </a:p>
+        </p:txBody>
+      </p:sp>
+      <p:sp>
+        <p:nvSpPr>
+          <p:cNvPr id="22" name="流程图: 过程 21"/>
+          <p:cNvSpPr/>
+          <p:nvPr/>
+        </p:nvSpPr>
+        <p:spPr>
+          <a:xfrm>
+            <a:off x="8343265" y="2024380"/>
+            <a:ext cx="1886585" cy="914400"/>
+          </a:xfrm>
+          <a:prstGeom prst="flowChartProcess">
+            <a:avLst/>
+          </a:prstGeom>
+          <a:noFill/>
+        </p:spPr>
+        <p:style>
+          <a:lnRef idx="2">
+            <a:schemeClr val="accent1">
+              <a:shade val="50000"/>
+            </a:schemeClr>
+          </a:lnRef>
+          <a:fillRef idx="1">
+            <a:schemeClr val="accent1"/>
+          </a:fillRef>
+          <a:effectRef idx="0">
+            <a:schemeClr val="accent1"/>
+          </a:effectRef>
+          <a:fontRef idx="minor">
+            <a:schemeClr val="lt1"/>
+          </a:fontRef>
+        </p:style>
+        <p:txBody>
+          <a:bodyPr rtlCol="0" anchor="ctr"/>
+          <a:p>
+            <a:pPr algn="ctr"/>
+            <a:endParaRPr lang="zh-CN" altLang="en-US"/>
+          </a:p>
+        </p:txBody>
+      </p:sp>
+      <p:sp>
+        <p:nvSpPr>
+          <p:cNvPr id="23" name="流程图: 过程 22"/>
+          <p:cNvSpPr/>
+          <p:nvPr/>
+        </p:nvSpPr>
+        <p:spPr>
+          <a:xfrm>
+            <a:off x="8342630" y="3210560"/>
+            <a:ext cx="1886585" cy="914400"/>
+          </a:xfrm>
+          <a:prstGeom prst="flowChartProcess">
+            <a:avLst/>
+          </a:prstGeom>
+          <a:noFill/>
+        </p:spPr>
+        <p:style>
+          <a:lnRef idx="2">
+            <a:schemeClr val="accent1">
+              <a:shade val="50000"/>
+            </a:schemeClr>
+          </a:lnRef>
+          <a:fillRef idx="1">
+            <a:schemeClr val="accent1"/>
+          </a:fillRef>
+          <a:effectRef idx="0">
+            <a:schemeClr val="accent1"/>
+          </a:effectRef>
+          <a:fontRef idx="minor">
+            <a:schemeClr val="lt1"/>
+          </a:fontRef>
+        </p:style>
+        <p:txBody>
+          <a:bodyPr rtlCol="0" anchor="ctr"/>
+          <a:p>
+            <a:pPr algn="ctr"/>
+            <a:endParaRPr lang="zh-CN" altLang="en-US"/>
+          </a:p>
+        </p:txBody>
+      </p:sp>
+      <p:sp>
+        <p:nvSpPr>
+          <p:cNvPr id="24" name="文本框 23"/>
+          <p:cNvSpPr txBox="1"/>
+          <p:nvPr/>
+        </p:nvSpPr>
+        <p:spPr>
+          <a:xfrm>
+            <a:off x="8512175" y="2221230"/>
+            <a:ext cx="1529080" cy="521970"/>
+          </a:xfrm>
+          <a:prstGeom prst="rect">
+            <a:avLst/>
+          </a:prstGeom>
+          <a:noFill/>
+        </p:spPr>
+        <p:txBody>
+          <a:bodyPr wrap="square" rtlCol="0">
+            <a:spAutoFit/>
+          </a:bodyPr>
+          <a:p>
+            <a:r>
+              <a:rPr lang="en-US" altLang="zh-CN" sz="2800"/>
+              <a:t>logstash</a:t>
+            </a:r>
+            <a:endParaRPr lang="en-US" altLang="zh-CN" sz="2800"/>
+          </a:p>
+        </p:txBody>
+      </p:sp>
+      <p:sp>
+        <p:nvSpPr>
+          <p:cNvPr id="25" name="文本框 24"/>
+          <p:cNvSpPr txBox="1"/>
+          <p:nvPr/>
+        </p:nvSpPr>
+        <p:spPr>
+          <a:xfrm>
+            <a:off x="8668385" y="3406775"/>
+            <a:ext cx="1235075" cy="521970"/>
+          </a:xfrm>
+          <a:prstGeom prst="rect">
+            <a:avLst/>
+          </a:prstGeom>
+          <a:noFill/>
+        </p:spPr>
+        <p:txBody>
+          <a:bodyPr wrap="square" rtlCol="0">
+            <a:spAutoFit/>
+          </a:bodyPr>
+          <a:p>
+            <a:r>
+              <a:rPr lang="en-US" altLang="zh-CN" sz="2800"/>
+              <a:t>sqoop</a:t>
+            </a:r>
+            <a:endParaRPr lang="en-US" altLang="zh-CN" sz="2800"/>
+          </a:p>
+        </p:txBody>
+      </p:sp>
+      <p:sp>
+        <p:nvSpPr>
+          <p:cNvPr id="28" name="文本框 27"/>
+          <p:cNvSpPr txBox="1"/>
+          <p:nvPr/>
+        </p:nvSpPr>
+        <p:spPr>
+          <a:xfrm>
+            <a:off x="8512175" y="5644515"/>
+            <a:ext cx="1538605" cy="521970"/>
+          </a:xfrm>
+          <a:prstGeom prst="rect">
+            <a:avLst/>
+          </a:prstGeom>
+          <a:noFill/>
+        </p:spPr>
+        <p:txBody>
+          <a:bodyPr wrap="none" rtlCol="0">
+            <a:spAutoFit/>
+          </a:bodyPr>
+          <a:p>
+            <a:r>
+              <a:rPr lang="en-US" altLang="zh-CN" sz="2800"/>
+              <a:t>hdfs/hive</a:t>
+            </a:r>
+            <a:endParaRPr lang="en-US" altLang="zh-CN" sz="2800"/>
+          </a:p>
+        </p:txBody>
+      </p:sp>
+      <p:sp>
+        <p:nvSpPr>
+          <p:cNvPr id="31" name="圆角矩形 30"/>
+          <p:cNvSpPr/>
+          <p:nvPr/>
+        </p:nvSpPr>
+        <p:spPr>
+          <a:xfrm>
+            <a:off x="2590165" y="5421630"/>
+            <a:ext cx="1932305" cy="1031875"/>
+          </a:xfrm>
+          <a:prstGeom prst="roundRect">
+            <a:avLst/>
+          </a:prstGeom>
+          <a:solidFill>
+            <a:schemeClr val="bg1"/>
+          </a:solidFill>
+        </p:spPr>
+        <p:style>
+          <a:lnRef idx="2">
+            <a:schemeClr val="accent1">
+              <a:shade val="50000"/>
+            </a:schemeClr>
+          </a:lnRef>
+          <a:fillRef idx="1">
+            <a:schemeClr val="accent1"/>
+          </a:fillRef>
+          <a:effectRef idx="0">
+            <a:schemeClr val="accent1"/>
+          </a:effectRef>
+          <a:fontRef idx="minor">
+            <a:schemeClr val="lt1"/>
+          </a:fontRef>
+        </p:style>
+        <p:txBody>
+          <a:bodyPr rtlCol="0" anchor="ctr"/>
+          <a:p>
+            <a:pPr algn="ctr"/>
+            <a:endParaRPr lang="zh-CN" altLang="en-US"/>
+          </a:p>
+        </p:txBody>
+      </p:sp>
+      <p:sp>
+        <p:nvSpPr>
+          <p:cNvPr id="32" name="文本框 31"/>
+          <p:cNvSpPr txBox="1"/>
+          <p:nvPr/>
+        </p:nvSpPr>
+        <p:spPr>
+          <a:xfrm>
+            <a:off x="3074035" y="5676265"/>
+            <a:ext cx="964565" cy="521970"/>
+          </a:xfrm>
+          <a:prstGeom prst="rect">
+            <a:avLst/>
+          </a:prstGeom>
+          <a:noFill/>
+        </p:spPr>
+        <p:txBody>
+          <a:bodyPr wrap="none" rtlCol="0">
+            <a:spAutoFit/>
+          </a:bodyPr>
+          <a:p>
+            <a:r>
+              <a:rPr lang="en-US" altLang="zh-CN" sz="2800"/>
+              <a:t>spark</a:t>
+            </a:r>
+            <a:endParaRPr lang="en-US" altLang="zh-CN" sz="2800"/>
+          </a:p>
+        </p:txBody>
+      </p:sp>
+      <p:sp>
+        <p:nvSpPr>
+          <p:cNvPr id="35" name="流程图: 过程 34"/>
+          <p:cNvSpPr/>
+          <p:nvPr/>
+        </p:nvSpPr>
+        <p:spPr>
+          <a:xfrm>
+            <a:off x="8342630" y="5421630"/>
+            <a:ext cx="1886585" cy="914400"/>
+          </a:xfrm>
+          <a:prstGeom prst="flowChartProcess">
+            <a:avLst/>
+          </a:prstGeom>
+          <a:noFill/>
+        </p:spPr>
+        <p:style>
+          <a:lnRef idx="2">
+            <a:schemeClr val="accent1">
+              <a:shade val="50000"/>
+            </a:schemeClr>
+          </a:lnRef>
+          <a:fillRef idx="1">
+            <a:schemeClr val="accent1"/>
+          </a:fillRef>
+          <a:effectRef idx="0">
+            <a:schemeClr val="accent1"/>
+          </a:effectRef>
+          <a:fontRef idx="minor">
+            <a:schemeClr val="lt1"/>
+          </a:fontRef>
+        </p:style>
+        <p:txBody>
+          <a:bodyPr rtlCol="0" anchor="ctr"/>
+          <a:p>
+            <a:pPr algn="ctr"/>
+            <a:endParaRPr lang="zh-CN" altLang="en-US"/>
+          </a:p>
+        </p:txBody>
+      </p:sp>
+      <p:sp>
+        <p:nvSpPr>
+          <p:cNvPr id="44" name="左右箭头 43"/>
+          <p:cNvSpPr/>
+          <p:nvPr/>
+        </p:nvSpPr>
+        <p:spPr>
+          <a:xfrm>
+            <a:off x="5248910" y="5628005"/>
+            <a:ext cx="2535555" cy="501015"/>
+          </a:xfrm>
+          <a:prstGeom prst="leftRightArrow">
+            <a:avLst/>
+          </a:prstGeom>
+          <a:solidFill>
+            <a:schemeClr val="bg1"/>
+          </a:solidFill>
+        </p:spPr>
+        <p:style>
+          <a:lnRef idx="2">
+            <a:schemeClr val="accent1">
+              <a:shade val="50000"/>
+            </a:schemeClr>
+          </a:lnRef>
+          <a:fillRef idx="1">
+            <a:schemeClr val="accent1"/>
+          </a:fillRef>
+          <a:effectRef idx="0">
+            <a:schemeClr val="accent1"/>
+          </a:effectRef>
+          <a:fontRef idx="minor">
+            <a:schemeClr val="lt1"/>
+          </a:fontRef>
+        </p:style>
+        <p:txBody>
+          <a:bodyPr rtlCol="0" anchor="ctr"/>
+          <a:p>
+            <a:pPr algn="ctr"/>
+            <a:endParaRPr lang="zh-CN" altLang="en-US"/>
+          </a:p>
+        </p:txBody>
+      </p:sp>
+      <p:sp>
+        <p:nvSpPr>
+          <p:cNvPr id="45" name="上下箭头 44"/>
+          <p:cNvSpPr/>
+          <p:nvPr/>
+        </p:nvSpPr>
+        <p:spPr>
+          <a:xfrm>
+            <a:off x="3328035" y="4362450"/>
+            <a:ext cx="456565" cy="991870"/>
+          </a:xfrm>
+          <a:prstGeom prst="upDownArrow">
+            <a:avLst/>
+          </a:prstGeom>
+          <a:solidFill>
+            <a:schemeClr val="bg1"/>
+          </a:solidFill>
+        </p:spPr>
+        <p:style>
+          <a:lnRef idx="2">
+            <a:schemeClr val="accent1">
+              <a:shade val="50000"/>
+            </a:schemeClr>
+          </a:lnRef>
+          <a:fillRef idx="1">
+            <a:schemeClr val="accent1"/>
+          </a:fillRef>
+          <a:effectRef idx="0">
+            <a:schemeClr val="accent1"/>
+          </a:effectRef>
+          <a:fontRef idx="minor">
+            <a:schemeClr val="lt1"/>
+          </a:fontRef>
+        </p:style>
+        <p:txBody>
+          <a:bodyPr rtlCol="0" anchor="ctr"/>
+          <a:p>
+            <a:pPr algn="ctr"/>
+            <a:endParaRPr lang="zh-CN" altLang="en-US"/>
+          </a:p>
+        </p:txBody>
+      </p:sp>
+      <p:sp>
+        <p:nvSpPr>
+          <p:cNvPr id="46" name="下箭头 45"/>
+          <p:cNvSpPr/>
+          <p:nvPr/>
+        </p:nvSpPr>
+        <p:spPr>
+          <a:xfrm>
+            <a:off x="9043670" y="4362450"/>
+            <a:ext cx="486410" cy="1017905"/>
+          </a:xfrm>
+          <a:prstGeom prst="downArrow">
+            <a:avLst/>
+          </a:prstGeom>
+          <a:solidFill>
+            <a:schemeClr val="bg1"/>
+          </a:solidFill>
+        </p:spPr>
+        <p:style>
+          <a:lnRef idx="2">
+            <a:schemeClr val="accent1">
+              <a:shade val="50000"/>
+            </a:schemeClr>
+          </a:lnRef>
+          <a:fillRef idx="1">
+            <a:schemeClr val="accent1"/>
+          </a:fillRef>
+          <a:effectRef idx="0">
+            <a:schemeClr val="accent1"/>
+          </a:effectRef>
+          <a:fontRef idx="minor">
+            <a:schemeClr val="lt1"/>
+          </a:fontRef>
+        </p:style>
+        <p:txBody>
+          <a:bodyPr rtlCol="0" anchor="ctr"/>
+          <a:p>
+            <a:pPr algn="ctr"/>
+            <a:endParaRPr lang="zh-CN" altLang="en-US"/>
+          </a:p>
+        </p:txBody>
+      </p:sp>
+      <p:sp>
+        <p:nvSpPr>
+          <p:cNvPr id="47" name="右弧形箭头 46"/>
+          <p:cNvSpPr/>
+          <p:nvPr/>
+        </p:nvSpPr>
+        <p:spPr>
+          <a:xfrm>
+            <a:off x="10650855" y="2557145"/>
+            <a:ext cx="869950" cy="3582670"/>
+          </a:xfrm>
+          <a:prstGeom prst="curvedLeftArrow">
+            <a:avLst/>
+          </a:prstGeom>
+          <a:solidFill>
+            <a:schemeClr val="bg1"/>
+          </a:solidFill>
+        </p:spPr>
+        <p:style>
+          <a:lnRef idx="2">
+            <a:schemeClr val="accent1">
+              <a:shade val="50000"/>
+            </a:schemeClr>
+          </a:lnRef>
+          <a:fillRef idx="1">
+            <a:schemeClr val="accent1"/>
+          </a:fillRef>
+          <a:effectRef idx="0">
+            <a:schemeClr val="accent1"/>
+          </a:effectRef>
+          <a:fontRef idx="minor">
+            <a:schemeClr val="lt1"/>
+          </a:fontRef>
+        </p:style>
+        <p:txBody>
+          <a:bodyPr rtlCol="0" anchor="ctr"/>
+          <a:p>
+            <a:pPr algn="ctr"/>
+            <a:endParaRPr lang="zh-CN" altLang="en-US">
+              <a:solidFill>
+                <a:schemeClr val="tx1"/>
+              </a:solidFill>
+            </a:endParaRPr>
+          </a:p>
+        </p:txBody>
+      </p:sp>
+      <p:sp>
+        <p:nvSpPr>
+          <p:cNvPr id="2" name="文本框 1"/>
+          <p:cNvSpPr txBox="1"/>
+          <p:nvPr/>
+        </p:nvSpPr>
+        <p:spPr>
+          <a:xfrm>
+            <a:off x="700405" y="1303020"/>
+            <a:ext cx="2668270" cy="583565"/>
+          </a:xfrm>
+          <a:prstGeom prst="rect">
+            <a:avLst/>
+          </a:prstGeom>
+          <a:noFill/>
+        </p:spPr>
+        <p:txBody>
+          <a:bodyPr wrap="square" rtlCol="0">
+            <a:spAutoFit/>
+          </a:bodyPr>
+          <a:p>
+            <a:r>
+              <a:rPr lang="zh-CN" altLang="en-US" sz="3200" b="1">
+                <a:solidFill>
+                  <a:schemeClr val="tx1"/>
+                </a:solidFill>
+                <a:latin typeface="微软雅黑" panose="020B0503020204020204" charset="-122"/>
+                <a:ea typeface="微软雅黑" panose="020B0503020204020204" charset="-122"/>
+              </a:rPr>
+              <a:t>整体架构</a:t>
+            </a:r>
+            <a:endParaRPr lang="zh-CN" altLang="en-US" sz="3200" b="1">
+              <a:solidFill>
+                <a:schemeClr val="tx1"/>
+              </a:solidFill>
+              <a:latin typeface="微软雅黑" panose="020B0503020204020204" charset="-122"/>
+              <a:ea typeface="微软雅黑" panose="020B0503020204020204" charset="-122"/>
+            </a:endParaRPr>
+          </a:p>
+        </p:txBody>
+      </p:sp>
+    </p:spTree>
+    <p:custDataLst>
+      <p:tags r:id="rId2"/>
+    </p:custDataLst>
+  </p:cSld>
+  <p:clrMapOvr>
+    <a:masterClrMapping/>
+  </p:clrMapOvr>
+</p:sld>
+</file>
+
+<file path=ppt/slides/slide4.xml><?xml version="1.0" encoding="utf-8"?>
 <p:sld xmlns:a="http://schemas.openxmlformats.org/drawingml/2006/main" xmlns:r="http://schemas.openxmlformats.org/officeDocument/2006/relationships" xmlns:p="http://schemas.openxmlformats.org/presentationml/2006/main">
   <p:cSld>
     <p:spTree>
@@ -4734,7 +9905,7 @@
 </p:sld>
 </file>
 
-<file path=ppt/slides/slide4.xml><?xml version="1.0" encoding="utf-8"?>
+<file path=ppt/slides/slide5.xml><?xml version="1.0" encoding="utf-8"?>
 <p:sld xmlns:a="http://schemas.openxmlformats.org/drawingml/2006/main" xmlns:r="http://schemas.openxmlformats.org/officeDocument/2006/relationships" xmlns:p="http://schemas.openxmlformats.org/presentationml/2006/main">
   <p:cSld>
     <p:spTree>
@@ -4752,7 +9923,7 @@
         </p:nvSpPr>
         <p:spPr>
           <a:xfrm>
-            <a:off x="1859915" y="1950720"/>
+            <a:off x="1461770" y="2306955"/>
             <a:ext cx="9528175" cy="4126230"/>
           </a:xfrm>
           <a:prstGeom prst="round2DiagRect">
@@ -4813,48 +9984,6 @@
                 </a:outerShdw>
               </a:effectLst>
             </a:endParaRPr>
-          </a:p>
-        </p:txBody>
-      </p:sp>
-      <p:sp>
-        <p:nvSpPr>
-          <p:cNvPr id="15" name="椭圆 14"/>
-          <p:cNvSpPr/>
-          <p:nvPr/>
-        </p:nvSpPr>
-        <p:spPr>
-          <a:xfrm>
-            <a:off x="2879090" y="3122930"/>
-            <a:ext cx="2066925" cy="2034540"/>
-          </a:xfrm>
-          <a:prstGeom prst="ellipse">
-            <a:avLst/>
-          </a:prstGeom>
-          <a:solidFill>
-            <a:schemeClr val="bg1"/>
-          </a:solidFill>
-        </p:spPr>
-        <p:style>
-          <a:lnRef idx="2">
-            <a:schemeClr val="accent1">
-              <a:shade val="50000"/>
-            </a:schemeClr>
-          </a:lnRef>
-          <a:fillRef idx="1">
-            <a:schemeClr val="accent1"/>
-          </a:fillRef>
-          <a:effectRef idx="0">
-            <a:schemeClr val="accent1"/>
-          </a:effectRef>
-          <a:fontRef idx="minor">
-            <a:schemeClr val="lt1"/>
-          </a:fontRef>
-        </p:style>
-        <p:txBody>
-          <a:bodyPr rtlCol="0" anchor="ctr"/>
-          <a:p>
-            <a:pPr algn="ctr"/>
-            <a:endParaRPr lang="zh-CN" altLang="en-US"/>
           </a:p>
         </p:txBody>
       </p:sp>
@@ -4914,14 +10043,47 @@
       </p:pic>
       <p:sp>
         <p:nvSpPr>
-          <p:cNvPr id="6" name="文本框 5"/>
+          <p:cNvPr id="2" name="文本框 1"/>
           <p:cNvSpPr txBox="1"/>
           <p:nvPr/>
         </p:nvSpPr>
         <p:spPr>
           <a:xfrm>
-            <a:off x="2747010" y="2255520"/>
-            <a:ext cx="3538855" cy="460375"/>
+            <a:off x="1120140" y="1458595"/>
+            <a:ext cx="2346325" cy="583565"/>
+          </a:xfrm>
+          <a:prstGeom prst="rect">
+            <a:avLst/>
+          </a:prstGeom>
+          <a:noFill/>
+        </p:spPr>
+        <p:txBody>
+          <a:bodyPr wrap="none" rtlCol="0">
+            <a:spAutoFit/>
+          </a:bodyPr>
+          <a:p>
+            <a:r>
+              <a:rPr lang="en-US" altLang="zh-CN" sz="3200"/>
+              <a:t>logstash</a:t>
+            </a:r>
+            <a:r>
+              <a:rPr lang="zh-CN" altLang="zh-CN" sz="3200"/>
+              <a:t>优势</a:t>
+            </a:r>
+            <a:endParaRPr lang="zh-CN" altLang="zh-CN" sz="3200"/>
+          </a:p>
+        </p:txBody>
+      </p:sp>
+      <p:sp>
+        <p:nvSpPr>
+          <p:cNvPr id="8" name="文本框 7"/>
+          <p:cNvSpPr txBox="1"/>
+          <p:nvPr/>
+        </p:nvSpPr>
+        <p:spPr>
+          <a:xfrm>
+            <a:off x="2030095" y="2963545"/>
+            <a:ext cx="8392795" cy="2245360"/>
           </a:xfrm>
           <a:prstGeom prst="rect">
             <a:avLst/>
@@ -4933,131 +10095,58 @@
             <a:spAutoFit/>
           </a:bodyPr>
           <a:p>
-            <a:r>
-              <a:rPr lang="en-US" altLang="zh-CN" sz="2400"/>
-              <a:t>1 : </a:t>
-            </a:r>
-            <a:r>
-              <a:rPr lang="zh-CN" altLang="en-US" sz="2400"/>
-              <a:t>数据采集层</a:t>
-            </a:r>
-            <a:endParaRPr lang="zh-CN" altLang="en-US" sz="2400"/>
-          </a:p>
-        </p:txBody>
-      </p:sp>
-      <p:sp>
-        <p:nvSpPr>
-          <p:cNvPr id="10" name="圆角矩形 9"/>
-          <p:cNvSpPr/>
-          <p:nvPr/>
-        </p:nvSpPr>
-        <p:spPr>
-          <a:xfrm>
-            <a:off x="6012180" y="3111500"/>
-            <a:ext cx="4688205" cy="1880235"/>
-          </a:xfrm>
-          <a:prstGeom prst="roundRect">
-            <a:avLst/>
-          </a:prstGeom>
-          <a:solidFill>
-            <a:schemeClr val="bg1"/>
-          </a:solidFill>
-        </p:spPr>
-        <p:style>
-          <a:lnRef idx="2">
-            <a:schemeClr val="accent1">
-              <a:shade val="50000"/>
-            </a:schemeClr>
-          </a:lnRef>
-          <a:fillRef idx="1">
-            <a:schemeClr val="accent1"/>
-          </a:fillRef>
-          <a:effectRef idx="0">
-            <a:schemeClr val="accent1"/>
-          </a:effectRef>
-          <a:fontRef idx="minor">
-            <a:schemeClr val="lt1"/>
-          </a:fontRef>
-        </p:style>
-        <p:txBody>
-          <a:bodyPr rtlCol="0" anchor="ctr"/>
-          <a:p>
-            <a:pPr algn="ctr"/>
-            <a:endParaRPr lang="zh-CN" altLang="en-US"/>
-          </a:p>
-        </p:txBody>
-      </p:sp>
-      <p:sp>
-        <p:nvSpPr>
-          <p:cNvPr id="12" name="文本框 11"/>
-          <p:cNvSpPr txBox="1"/>
-          <p:nvPr/>
-        </p:nvSpPr>
-        <p:spPr>
-          <a:xfrm>
-            <a:off x="6421120" y="3636645"/>
-            <a:ext cx="3943350" cy="829945"/>
-          </a:xfrm>
-          <a:prstGeom prst="rect">
-            <a:avLst/>
-          </a:prstGeom>
-          <a:noFill/>
-        </p:spPr>
-        <p:txBody>
-          <a:bodyPr wrap="square" rtlCol="0">
-            <a:spAutoFit/>
-          </a:bodyPr>
-          <a:p>
-            <a:r>
-              <a:rPr lang="en-US" altLang="zh-CN" sz="2400"/>
-              <a:t>1 : </a:t>
-            </a:r>
-            <a:r>
-              <a:rPr lang="zh-CN" altLang="en-US" sz="2400"/>
-              <a:t>传统数据库和</a:t>
-            </a:r>
-            <a:r>
-              <a:rPr lang="en-US" altLang="zh-CN" sz="2400"/>
-              <a:t>hdfs</a:t>
-            </a:r>
-            <a:r>
-              <a:rPr lang="zh-CN" altLang="en-US" sz="2400"/>
-              <a:t>的交互的</a:t>
-            </a:r>
-            <a:r>
-              <a:rPr lang="zh-CN" altLang="en-US" sz="2400"/>
-              <a:t>桥梁</a:t>
-            </a:r>
-            <a:endParaRPr lang="zh-CN" altLang="en-US" sz="2400"/>
-          </a:p>
-        </p:txBody>
-      </p:sp>
-      <p:sp>
-        <p:nvSpPr>
-          <p:cNvPr id="5" name="文本框 4"/>
-          <p:cNvSpPr txBox="1"/>
-          <p:nvPr/>
-        </p:nvSpPr>
-        <p:spPr>
-          <a:xfrm>
-            <a:off x="3235325" y="3759835"/>
-            <a:ext cx="1354455" cy="583565"/>
-          </a:xfrm>
-          <a:prstGeom prst="rect">
-            <a:avLst/>
-          </a:prstGeom>
-          <a:noFill/>
-        </p:spPr>
-        <p:txBody>
-          <a:bodyPr wrap="square" rtlCol="0">
-            <a:spAutoFit/>
-          </a:bodyPr>
-          <a:p>
-            <a:r>
-              <a:rPr lang="en-US" altLang="zh-CN" sz="3200" b="1"/>
-              <a:t>Sqoop</a:t>
-            </a:r>
-            <a:endParaRPr lang="en-US" altLang="zh-CN" sz="3200" b="1"/>
+            <a:pPr algn="l"/>
+            <a:r>
+              <a:rPr lang="en-US" altLang="zh-CN" sz="2800"/>
+              <a:t>1</a:t>
+            </a:r>
+            <a:r>
+              <a:rPr lang="zh-CN" altLang="en-US" sz="2800"/>
+              <a:t>：灵活性，它有很多支持的插件。</a:t>
+            </a:r>
+            <a:endParaRPr lang="zh-CN" altLang="en-US" sz="2800"/>
+          </a:p>
+          <a:p>
+            <a:pPr algn="l"/>
+            <a:endParaRPr lang="zh-CN" altLang="en-US" sz="2800"/>
+          </a:p>
+          <a:p>
+            <a:pPr algn="l"/>
+            <a:r>
+              <a:rPr lang="en-US" altLang="zh-CN" sz="2800"/>
+              <a:t>2</a:t>
+            </a:r>
+            <a:r>
+              <a:rPr lang="zh-CN" altLang="en-US" sz="2800"/>
+              <a:t>：配置</a:t>
+            </a:r>
+            <a:r>
+              <a:rPr lang="zh-CN" altLang="en-US" sz="2800">
+                <a:sym typeface="+mn-ea"/>
+              </a:rPr>
+              <a:t>文档</a:t>
+            </a:r>
+            <a:r>
+              <a:rPr lang="zh-CN" altLang="en-US" sz="2800"/>
+              <a:t>格式比较简单。</a:t>
+            </a:r>
+            <a:endParaRPr lang="zh-CN" altLang="en-US" sz="2800"/>
+          </a:p>
+          <a:p>
+            <a:pPr algn="l"/>
+            <a:endParaRPr lang="zh-CN" altLang="en-US" sz="2800"/>
+          </a:p>
+          <a:p>
+            <a:pPr algn="l"/>
+            <a:r>
+              <a:rPr lang="en-US" altLang="zh-CN" sz="2800"/>
+              <a:t>3</a:t>
+            </a:r>
+            <a:r>
+              <a:rPr lang="zh-CN" altLang="en-US" sz="2800"/>
+              <a:t>：更新较为活跃，使用率比较高</a:t>
+            </a:r>
+            <a:endParaRPr lang="zh-CN" altLang="en-US" sz="2800"/>
           </a:p>
         </p:txBody>
       </p:sp>
@@ -5072,17 +10161,9 @@
 </p:sld>
 </file>
 
-<file path=ppt/slides/slide5.xml><?xml version="1.0" encoding="utf-8"?>
+<file path=ppt/slides/slide6.xml><?xml version="1.0" encoding="utf-8"?>
 <p:sld xmlns:a="http://schemas.openxmlformats.org/drawingml/2006/main" xmlns:r="http://schemas.openxmlformats.org/officeDocument/2006/relationships" xmlns:p="http://schemas.openxmlformats.org/presentationml/2006/main">
   <p:cSld>
-    <p:bg>
-      <p:bgPr>
-        <a:solidFill>
-          <a:schemeClr val="bg1"/>
-        </a:solidFill>
-        <a:effectLst/>
-      </p:bgPr>
-    </p:bg>
     <p:spTree>
       <p:nvGrpSpPr>
         <p:cNvPr id="1" name=""/>
@@ -5092,19 +10173,93 @@
       <p:grpSpPr/>
       <p:sp>
         <p:nvSpPr>
-          <p:cNvPr id="21" name="圆角矩形 20"/>
+          <p:cNvPr id="11" name="对角圆角矩形 10"/>
           <p:cNvSpPr/>
           <p:nvPr/>
         </p:nvSpPr>
         <p:spPr>
           <a:xfrm>
-            <a:off x="2913380" y="4678045"/>
-            <a:ext cx="6952615" cy="1341755"/>
-          </a:xfrm>
-          <a:prstGeom prst="roundRect">
-            <a:avLst/>
-          </a:prstGeom>
-          <a:noFill/>
+            <a:off x="1859915" y="1950720"/>
+            <a:ext cx="9528175" cy="4126230"/>
+          </a:xfrm>
+          <a:prstGeom prst="round2DiagRect">
+            <a:avLst/>
+          </a:prstGeom>
+          <a:solidFill>
+            <a:schemeClr val="bg1"/>
+          </a:solidFill>
+          <a:ln w="12700" cmpd="sng">
+            <a:solidFill>
+              <a:schemeClr val="accent1">
+                <a:shade val="50000"/>
+              </a:schemeClr>
+            </a:solidFill>
+            <a:prstDash val="solid"/>
+          </a:ln>
+          <a:effectLst>
+            <a:glow rad="139700">
+              <a:schemeClr val="accent6">
+                <a:satMod val="175000"/>
+                <a:alpha val="40000"/>
+              </a:schemeClr>
+            </a:glow>
+          </a:effectLst>
+        </p:spPr>
+        <p:style>
+          <a:lnRef idx="2">
+            <a:schemeClr val="accent6"/>
+          </a:lnRef>
+          <a:fillRef idx="1">
+            <a:schemeClr val="lt1"/>
+          </a:fillRef>
+          <a:effectRef idx="0">
+            <a:schemeClr val="accent6"/>
+          </a:effectRef>
+          <a:fontRef idx="minor">
+            <a:schemeClr val="dk1"/>
+          </a:fontRef>
+        </p:style>
+        <p:txBody>
+          <a:bodyPr rtlCol="0" anchor="ctr">
+            <a:scene3d>
+              <a:camera prst="orthographicFront"/>
+              <a:lightRig rig="threePt" dir="t"/>
+            </a:scene3d>
+          </a:bodyPr>
+          <a:p>
+            <a:pPr algn="ctr"/>
+            <a:endParaRPr lang="zh-CN" altLang="en-US">
+              <a:solidFill>
+                <a:schemeClr val="tx1"/>
+              </a:solidFill>
+              <a:effectLst>
+                <a:outerShdw blurRad="38100" dist="19050" dir="2700000" algn="tl" rotWithShape="0">
+                  <a:schemeClr val="dk1">
+                    <a:alpha val="40000"/>
+                  </a:schemeClr>
+                </a:outerShdw>
+              </a:effectLst>
+            </a:endParaRPr>
+          </a:p>
+        </p:txBody>
+      </p:sp>
+      <p:sp>
+        <p:nvSpPr>
+          <p:cNvPr id="15" name="椭圆 14"/>
+          <p:cNvSpPr/>
+          <p:nvPr/>
+        </p:nvSpPr>
+        <p:spPr>
+          <a:xfrm>
+            <a:off x="2879090" y="3122930"/>
+            <a:ext cx="2066925" cy="2034540"/>
+          </a:xfrm>
+          <a:prstGeom prst="ellipse">
+            <a:avLst/>
+          </a:prstGeom>
+          <a:solidFill>
+            <a:schemeClr val="bg1"/>
+          </a:solidFill>
         </p:spPr>
         <p:style>
           <a:lnRef idx="2">
@@ -5186,23 +10341,198 @@
       </p:pic>
       <p:sp>
         <p:nvSpPr>
+          <p:cNvPr id="6" name="文本框 5"/>
+          <p:cNvSpPr txBox="1"/>
+          <p:nvPr/>
+        </p:nvSpPr>
+        <p:spPr>
+          <a:xfrm>
+            <a:off x="2747010" y="2255520"/>
+            <a:ext cx="3538855" cy="460375"/>
+          </a:xfrm>
+          <a:prstGeom prst="rect">
+            <a:avLst/>
+          </a:prstGeom>
+          <a:noFill/>
+        </p:spPr>
+        <p:txBody>
+          <a:bodyPr wrap="square" rtlCol="0">
+            <a:spAutoFit/>
+          </a:bodyPr>
+          <a:p>
+            <a:r>
+              <a:rPr lang="en-US" altLang="zh-CN" sz="2400"/>
+              <a:t>1 : </a:t>
+            </a:r>
+            <a:r>
+              <a:rPr lang="zh-CN" altLang="en-US" sz="2400"/>
+              <a:t>数据采集层</a:t>
+            </a:r>
+            <a:endParaRPr lang="zh-CN" altLang="en-US" sz="2400"/>
+          </a:p>
+        </p:txBody>
+      </p:sp>
+      <p:sp>
+        <p:nvSpPr>
+          <p:cNvPr id="10" name="圆角矩形 9"/>
+          <p:cNvSpPr/>
+          <p:nvPr/>
+        </p:nvSpPr>
+        <p:spPr>
+          <a:xfrm>
+            <a:off x="6012180" y="3111500"/>
+            <a:ext cx="4688205" cy="1880235"/>
+          </a:xfrm>
+          <a:prstGeom prst="roundRect">
+            <a:avLst/>
+          </a:prstGeom>
+          <a:solidFill>
+            <a:schemeClr val="bg1"/>
+          </a:solidFill>
+        </p:spPr>
+        <p:style>
+          <a:lnRef idx="2">
+            <a:schemeClr val="accent1">
+              <a:shade val="50000"/>
+            </a:schemeClr>
+          </a:lnRef>
+          <a:fillRef idx="1">
+            <a:schemeClr val="accent1"/>
+          </a:fillRef>
+          <a:effectRef idx="0">
+            <a:schemeClr val="accent1"/>
+          </a:effectRef>
+          <a:fontRef idx="minor">
+            <a:schemeClr val="lt1"/>
+          </a:fontRef>
+        </p:style>
+        <p:txBody>
+          <a:bodyPr rtlCol="0" anchor="ctr"/>
+          <a:p>
+            <a:pPr algn="ctr"/>
+            <a:endParaRPr lang="zh-CN" altLang="en-US"/>
+          </a:p>
+        </p:txBody>
+      </p:sp>
+      <p:sp>
+        <p:nvSpPr>
+          <p:cNvPr id="12" name="文本框 11"/>
+          <p:cNvSpPr txBox="1"/>
+          <p:nvPr/>
+        </p:nvSpPr>
+        <p:spPr>
+          <a:xfrm>
+            <a:off x="6421120" y="3636645"/>
+            <a:ext cx="3943350" cy="829945"/>
+          </a:xfrm>
+          <a:prstGeom prst="rect">
+            <a:avLst/>
+          </a:prstGeom>
+          <a:noFill/>
+        </p:spPr>
+        <p:txBody>
+          <a:bodyPr wrap="square" rtlCol="0">
+            <a:spAutoFit/>
+          </a:bodyPr>
+          <a:p>
+            <a:r>
+              <a:rPr lang="en-US" altLang="zh-CN" sz="2400"/>
+              <a:t>1 : </a:t>
+            </a:r>
+            <a:r>
+              <a:rPr lang="zh-CN" altLang="en-US" sz="2400"/>
+              <a:t>传统数据库和</a:t>
+            </a:r>
+            <a:r>
+              <a:rPr lang="en-US" altLang="zh-CN" sz="2400"/>
+              <a:t>hdfs</a:t>
+            </a:r>
+            <a:r>
+              <a:rPr lang="zh-CN" altLang="en-US" sz="2400"/>
+              <a:t>的交互的</a:t>
+            </a:r>
+            <a:r>
+              <a:rPr lang="zh-CN" altLang="en-US" sz="2400"/>
+              <a:t>桥梁</a:t>
+            </a:r>
+            <a:endParaRPr lang="zh-CN" altLang="en-US" sz="2400"/>
+          </a:p>
+        </p:txBody>
+      </p:sp>
+      <p:sp>
+        <p:nvSpPr>
+          <p:cNvPr id="5" name="文本框 4"/>
+          <p:cNvSpPr txBox="1"/>
+          <p:nvPr/>
+        </p:nvSpPr>
+        <p:spPr>
+          <a:xfrm>
+            <a:off x="3235325" y="3759835"/>
+            <a:ext cx="1354455" cy="583565"/>
+          </a:xfrm>
+          <a:prstGeom prst="rect">
+            <a:avLst/>
+          </a:prstGeom>
+          <a:noFill/>
+        </p:spPr>
+        <p:txBody>
+          <a:bodyPr wrap="square" rtlCol="0">
+            <a:spAutoFit/>
+          </a:bodyPr>
+          <a:p>
+            <a:r>
+              <a:rPr lang="en-US" altLang="zh-CN" sz="3200" b="1"/>
+              <a:t>Sqoop</a:t>
+            </a:r>
+            <a:endParaRPr lang="en-US" altLang="zh-CN" sz="3200" b="1"/>
+          </a:p>
+        </p:txBody>
+      </p:sp>
+    </p:spTree>
+    <p:custDataLst>
+      <p:tags r:id="rId2"/>
+    </p:custDataLst>
+  </p:cSld>
+  <p:clrMapOvr>
+    <a:masterClrMapping/>
+  </p:clrMapOvr>
+</p:sld>
+</file>
+
+<file path=ppt/slides/slide7.xml><?xml version="1.0" encoding="utf-8"?>
+<p:sld xmlns:a="http://schemas.openxmlformats.org/drawingml/2006/main" xmlns:r="http://schemas.openxmlformats.org/officeDocument/2006/relationships" xmlns:p="http://schemas.openxmlformats.org/presentationml/2006/main">
+  <p:cSld>
+    <p:spTree>
+      <p:nvGrpSpPr>
+        <p:cNvPr id="1" name=""/>
+        <p:cNvGrpSpPr/>
+        <p:nvPr/>
+      </p:nvGrpSpPr>
+      <p:grpSpPr/>
+      <p:sp>
+        <p:nvSpPr>
           <p:cNvPr id="11" name="对角圆角矩形 10"/>
           <p:cNvSpPr/>
           <p:nvPr/>
         </p:nvSpPr>
         <p:spPr>
           <a:xfrm>
-            <a:off x="1859915" y="1771015"/>
-            <a:ext cx="9307195" cy="4642485"/>
+            <a:off x="1579245" y="2466975"/>
+            <a:ext cx="9528175" cy="4126230"/>
           </a:xfrm>
           <a:prstGeom prst="round2DiagRect">
             <a:avLst/>
           </a:prstGeom>
-          <a:noFill/>
-          <a:ln>
+          <a:solidFill>
+            <a:schemeClr val="bg1"/>
+          </a:solidFill>
+          <a:ln w="12700" cmpd="sng">
             <a:solidFill>
-              <a:schemeClr val="tx1"/>
+              <a:schemeClr val="accent1">
+                <a:shade val="50000"/>
+              </a:schemeClr>
             </a:solidFill>
+            <a:prstDash val="solid"/>
           </a:ln>
           <a:effectLst>
             <a:glow rad="139700">
@@ -5228,228 +10558,29 @@
           </a:fontRef>
         </p:style>
         <p:txBody>
-          <a:bodyPr rtlCol="0" anchor="ctr"/>
+          <a:bodyPr rtlCol="0" anchor="ctr">
+            <a:scene3d>
+              <a:camera prst="orthographicFront"/>
+              <a:lightRig rig="threePt" dir="t"/>
+            </a:scene3d>
+          </a:bodyPr>
           <a:p>
             <a:pPr algn="ctr"/>
-            <a:endParaRPr lang="zh-CN" altLang="en-US"/>
-          </a:p>
-        </p:txBody>
-      </p:sp>
-      <p:sp>
-        <p:nvSpPr>
-          <p:cNvPr id="12" name="圆角矩形 11"/>
-          <p:cNvSpPr/>
-          <p:nvPr/>
-        </p:nvSpPr>
-        <p:spPr>
-          <a:xfrm>
-            <a:off x="2913380" y="3114040"/>
-            <a:ext cx="5661660" cy="1076325"/>
-          </a:xfrm>
-          <a:prstGeom prst="roundRect">
-            <a:avLst/>
-          </a:prstGeom>
-          <a:noFill/>
-          <a:ln>
-            <a:solidFill>
-              <a:schemeClr val="accent1"/>
-            </a:solidFill>
-          </a:ln>
-        </p:spPr>
-        <p:style>
-          <a:lnRef idx="2">
-            <a:schemeClr val="accent6"/>
-          </a:lnRef>
-          <a:fillRef idx="1">
-            <a:schemeClr val="lt1"/>
-          </a:fillRef>
-          <a:effectRef idx="0">
-            <a:schemeClr val="accent6"/>
-          </a:effectRef>
-          <a:fontRef idx="minor">
-            <a:schemeClr val="dk1"/>
-          </a:fontRef>
-        </p:style>
-        <p:txBody>
-          <a:bodyPr rtlCol="0" anchor="ctr"/>
-          <a:p>
-            <a:pPr algn="ctr"/>
-            <a:endParaRPr lang="zh-CN" altLang="en-US"/>
-          </a:p>
-        </p:txBody>
-      </p:sp>
-      <p:pic>
-        <p:nvPicPr>
-          <p:cNvPr id="15" name="图片 14" descr="pic2"/>
-          <p:cNvPicPr>
-            <a:picLocks noChangeAspect="1"/>
-          </p:cNvPicPr>
-          <p:nvPr/>
-        </p:nvPicPr>
-        <p:blipFill>
-          <a:blip r:embed="rId2"/>
-          <a:stretch>
-            <a:fillRect/>
-          </a:stretch>
-        </p:blipFill>
-        <p:spPr>
-          <a:xfrm>
-            <a:off x="3853180" y="3143885"/>
-            <a:ext cx="3782060" cy="929005"/>
-          </a:xfrm>
-          <a:prstGeom prst="rect">
-            <a:avLst/>
-          </a:prstGeom>
-        </p:spPr>
-      </p:pic>
-      <p:sp>
-        <p:nvSpPr>
-          <p:cNvPr id="16" name="文本框 15"/>
-          <p:cNvSpPr txBox="1"/>
-          <p:nvPr/>
-        </p:nvSpPr>
-        <p:spPr>
-          <a:xfrm>
-            <a:off x="3104515" y="4750435"/>
-            <a:ext cx="6814820" cy="460375"/>
-          </a:xfrm>
-          <a:prstGeom prst="rect">
-            <a:avLst/>
-          </a:prstGeom>
-          <a:noFill/>
-        </p:spPr>
-        <p:txBody>
-          <a:bodyPr wrap="square" rtlCol="0">
-            <a:spAutoFit/>
-          </a:bodyPr>
-          <a:p>
-            <a:r>
-              <a:rPr lang="en-US" altLang="zh-CN" sz="2400"/>
-              <a:t>1 : </a:t>
-            </a:r>
-            <a:r>
-              <a:rPr lang="zh-CN" altLang="en-US" sz="2400"/>
-              <a:t>迁移目前业务中依赖的</a:t>
-            </a:r>
-            <a:r>
-              <a:rPr lang="en-US" altLang="zh-CN" sz="2400"/>
-              <a:t>oracle</a:t>
-            </a:r>
-            <a:r>
-              <a:rPr lang="zh-CN" altLang="en-US" sz="2400"/>
-              <a:t>数据至</a:t>
-            </a:r>
-            <a:r>
-              <a:rPr lang="en-US" altLang="zh-CN" sz="2400"/>
-              <a:t>hdfs</a:t>
-            </a:r>
-            <a:endParaRPr lang="en-US" altLang="zh-CN" sz="2400"/>
-          </a:p>
-        </p:txBody>
-      </p:sp>
-      <p:sp>
-        <p:nvSpPr>
-          <p:cNvPr id="17" name="文本框 16"/>
-          <p:cNvSpPr txBox="1"/>
-          <p:nvPr/>
-        </p:nvSpPr>
-        <p:spPr>
-          <a:xfrm>
-            <a:off x="3104515" y="5403215"/>
-            <a:ext cx="6569710" cy="460375"/>
-          </a:xfrm>
-          <a:prstGeom prst="rect">
-            <a:avLst/>
-          </a:prstGeom>
-          <a:noFill/>
-        </p:spPr>
-        <p:txBody>
-          <a:bodyPr wrap="square" rtlCol="0">
-            <a:spAutoFit/>
-          </a:bodyPr>
-          <a:p>
-            <a:r>
-              <a:rPr lang="en-US" altLang="zh-CN" sz="2400"/>
-              <a:t>2 : </a:t>
-            </a:r>
-            <a:r>
-              <a:rPr lang="zh-CN" altLang="en-US" sz="2400"/>
-              <a:t>原始详单备份至</a:t>
-            </a:r>
-            <a:r>
-              <a:rPr lang="en-US" altLang="zh-CN" sz="2400"/>
-              <a:t>hdfs</a:t>
-            </a:r>
-            <a:r>
-              <a:rPr lang="zh-CN" altLang="en-US" sz="2400"/>
-              <a:t>存储</a:t>
-            </a:r>
-            <a:r>
-              <a:rPr lang="en-US" altLang="zh-CN"/>
-              <a:t> </a:t>
-            </a:r>
-            <a:endParaRPr lang="zh-CN" altLang="en-US"/>
-          </a:p>
-        </p:txBody>
-      </p:sp>
-      <p:sp>
-        <p:nvSpPr>
-          <p:cNvPr id="22" name="文本框 21"/>
-          <p:cNvSpPr txBox="1"/>
-          <p:nvPr/>
-        </p:nvSpPr>
-        <p:spPr>
-          <a:xfrm>
-            <a:off x="2608580" y="2186305"/>
-            <a:ext cx="2080895" cy="460375"/>
-          </a:xfrm>
-          <a:prstGeom prst="rect">
-            <a:avLst/>
-          </a:prstGeom>
-          <a:noFill/>
-        </p:spPr>
-        <p:txBody>
-          <a:bodyPr wrap="none" rtlCol="0">
-            <a:spAutoFit/>
-          </a:bodyPr>
-          <a:p>
-            <a:r>
-              <a:rPr lang="en-US" altLang="zh-CN" sz="2400"/>
-              <a:t>2 : </a:t>
-            </a:r>
-            <a:r>
-              <a:rPr lang="zh-CN" altLang="en-US" sz="2400"/>
-              <a:t>数据</a:t>
-            </a:r>
-            <a:r>
-              <a:rPr lang="zh-CN" altLang="en-US" sz="2400"/>
-              <a:t>存储层</a:t>
-            </a:r>
-            <a:endParaRPr lang="zh-CN" altLang="en-US" sz="2400"/>
-          </a:p>
-        </p:txBody>
-      </p:sp>
-    </p:spTree>
-    <p:custDataLst>
-      <p:tags r:id="rId3"/>
-    </p:custDataLst>
-  </p:cSld>
-  <p:clrMapOvr>
-    <a:masterClrMapping/>
-  </p:clrMapOvr>
-</p:sld>
-</file>
-
-<file path=ppt/slides/slide6.xml><?xml version="1.0" encoding="utf-8"?>
-<p:sld xmlns:a="http://schemas.openxmlformats.org/drawingml/2006/main" xmlns:r="http://schemas.openxmlformats.org/officeDocument/2006/relationships" xmlns:p="http://schemas.openxmlformats.org/presentationml/2006/main">
-  <p:cSld>
-    <p:spTree>
-      <p:nvGrpSpPr>
-        <p:cNvPr id="1" name=""/>
-        <p:cNvGrpSpPr/>
-        <p:nvPr/>
-      </p:nvGrpSpPr>
-      <p:grpSpPr/>
+            <a:endParaRPr lang="zh-CN" altLang="en-US">
+              <a:solidFill>
+                <a:schemeClr val="tx1"/>
+              </a:solidFill>
+              <a:effectLst>
+                <a:outerShdw blurRad="38100" dist="19050" dir="2700000" algn="tl" rotWithShape="0">
+                  <a:schemeClr val="dk1">
+                    <a:alpha val="40000"/>
+                  </a:schemeClr>
+                </a:outerShdw>
+              </a:effectLst>
+            </a:endParaRPr>
+          </a:p>
+        </p:txBody>
+      </p:sp>
       <p:cxnSp>
         <p:nvCxnSpPr>
           <p:cNvPr id="4" name="直接连接符 3"/>
@@ -5506,94 +10637,137 @@
       </p:pic>
       <p:sp>
         <p:nvSpPr>
-          <p:cNvPr id="11" name="对角圆角矩形 10"/>
+          <p:cNvPr id="2" name="文本框 1"/>
+          <p:cNvSpPr txBox="1"/>
+          <p:nvPr/>
+        </p:nvSpPr>
+        <p:spPr>
+          <a:xfrm>
+            <a:off x="1579245" y="1578610"/>
+            <a:ext cx="2010410" cy="583565"/>
+          </a:xfrm>
+          <a:prstGeom prst="rect">
+            <a:avLst/>
+          </a:prstGeom>
+          <a:noFill/>
+        </p:spPr>
+        <p:txBody>
+          <a:bodyPr wrap="none" rtlCol="0">
+            <a:spAutoFit/>
+          </a:bodyPr>
+          <a:p>
+            <a:r>
+              <a:rPr lang="en-US" altLang="zh-CN" sz="3200"/>
+              <a:t>sqoop</a:t>
+            </a:r>
+            <a:r>
+              <a:rPr lang="zh-CN" altLang="en-US" sz="3200"/>
+              <a:t>优势</a:t>
+            </a:r>
+            <a:endParaRPr lang="zh-CN" altLang="en-US" sz="3200"/>
+          </a:p>
+        </p:txBody>
+      </p:sp>
+      <p:sp>
+        <p:nvSpPr>
+          <p:cNvPr id="8" name="文本框 7"/>
+          <p:cNvSpPr txBox="1"/>
+          <p:nvPr/>
+        </p:nvSpPr>
+        <p:spPr>
+          <a:xfrm>
+            <a:off x="2092325" y="3672205"/>
+            <a:ext cx="7830820" cy="1383665"/>
+          </a:xfrm>
+          <a:prstGeom prst="rect">
+            <a:avLst/>
+          </a:prstGeom>
+          <a:noFill/>
+        </p:spPr>
+        <p:txBody>
+          <a:bodyPr wrap="none" rtlCol="0">
+            <a:spAutoFit/>
+          </a:bodyPr>
+          <a:p>
+            <a:pPr algn="l"/>
+            <a:r>
+              <a:rPr lang="en-US" altLang="zh-CN" sz="2800">
+                <a:sym typeface="+mn-ea"/>
+              </a:rPr>
+              <a:t>1</a:t>
+            </a:r>
+            <a:r>
+              <a:rPr lang="zh-CN" altLang="en-US" sz="2800">
+                <a:sym typeface="+mn-ea"/>
+              </a:rPr>
+              <a:t>：能自动的完成数据类型的映射与转换</a:t>
+            </a:r>
+            <a:endParaRPr lang="zh-CN" altLang="en-US" sz="2800">
+              <a:sym typeface="+mn-ea"/>
+            </a:endParaRPr>
+          </a:p>
+          <a:p>
+            <a:pPr algn="l"/>
+            <a:endParaRPr lang="zh-CN" altLang="en-US" sz="2800"/>
+          </a:p>
+          <a:p>
+            <a:pPr algn="l"/>
+            <a:r>
+              <a:rPr lang="en-US" altLang="zh-CN" sz="2800"/>
+              <a:t>2</a:t>
+            </a:r>
+            <a:r>
+              <a:rPr lang="zh-CN" altLang="en-US" sz="2800"/>
+              <a:t>：可以高效的可控的利用资源，容易控制并发度</a:t>
+            </a:r>
+            <a:endParaRPr lang="zh-CN" altLang="en-US" sz="2800"/>
+          </a:p>
+        </p:txBody>
+      </p:sp>
+    </p:spTree>
+    <p:custDataLst>
+      <p:tags r:id="rId2"/>
+    </p:custDataLst>
+  </p:cSld>
+  <p:clrMapOvr>
+    <a:masterClrMapping/>
+  </p:clrMapOvr>
+</p:sld>
+</file>
+
+<file path=ppt/slides/slide8.xml><?xml version="1.0" encoding="utf-8"?>
+<p:sld xmlns:a="http://schemas.openxmlformats.org/drawingml/2006/main" xmlns:r="http://schemas.openxmlformats.org/officeDocument/2006/relationships" xmlns:p="http://schemas.openxmlformats.org/presentationml/2006/main">
+  <p:cSld>
+    <p:bg>
+      <p:bgPr>
+        <a:solidFill>
+          <a:schemeClr val="bg1"/>
+        </a:solidFill>
+        <a:effectLst/>
+      </p:bgPr>
+    </p:bg>
+    <p:spTree>
+      <p:nvGrpSpPr>
+        <p:cNvPr id="1" name=""/>
+        <p:cNvGrpSpPr/>
+        <p:nvPr/>
+      </p:nvGrpSpPr>
+      <p:grpSpPr/>
+      <p:sp>
+        <p:nvSpPr>
+          <p:cNvPr id="21" name="圆角矩形 20"/>
           <p:cNvSpPr/>
           <p:nvPr/>
         </p:nvSpPr>
         <p:spPr>
           <a:xfrm>
-            <a:off x="1874520" y="1748790"/>
-            <a:ext cx="9528175" cy="4288790"/>
-          </a:xfrm>
-          <a:prstGeom prst="round2DiagRect">
-            <a:avLst/>
-          </a:prstGeom>
-          <a:solidFill>
-            <a:schemeClr val="bg1"/>
-          </a:solidFill>
-          <a:ln w="12700" cmpd="sng">
-            <a:solidFill>
-              <a:schemeClr val="accent1">
-                <a:shade val="50000"/>
-              </a:schemeClr>
-            </a:solidFill>
-            <a:prstDash val="solid"/>
-          </a:ln>
-          <a:effectLst>
-            <a:glow rad="139700">
-              <a:schemeClr val="accent6">
-                <a:satMod val="175000"/>
-                <a:alpha val="40000"/>
-              </a:schemeClr>
-            </a:glow>
-          </a:effectLst>
-        </p:spPr>
-        <p:style>
-          <a:lnRef idx="2">
-            <a:schemeClr val="accent6"/>
-          </a:lnRef>
-          <a:fillRef idx="1">
-            <a:schemeClr val="lt1"/>
-          </a:fillRef>
-          <a:effectRef idx="0">
-            <a:schemeClr val="accent6"/>
-          </a:effectRef>
-          <a:fontRef idx="minor">
-            <a:schemeClr val="dk1"/>
-          </a:fontRef>
-        </p:style>
-        <p:txBody>
-          <a:bodyPr rtlCol="0" anchor="ctr">
-            <a:scene3d>
-              <a:camera prst="orthographicFront"/>
-              <a:lightRig rig="threePt" dir="t"/>
-            </a:scene3d>
-          </a:bodyPr>
-          <a:p>
-            <a:pPr algn="ctr"/>
-            <a:endParaRPr lang="zh-CN" altLang="en-US">
-              <a:ln/>
-              <a:solidFill>
-                <a:schemeClr val="tx1"/>
-              </a:solidFill>
-              <a:effectLst>
-                <a:outerShdw blurRad="38100" dist="19050" dir="2700000" algn="tl" rotWithShape="0">
-                  <a:schemeClr val="dk1">
-                    <a:alpha val="40000"/>
-                  </a:schemeClr>
-                </a:outerShdw>
-              </a:effectLst>
-            </a:endParaRPr>
-          </a:p>
-        </p:txBody>
-      </p:sp>
-      <p:sp>
-        <p:nvSpPr>
-          <p:cNvPr id="6" name="六边形 5"/>
-          <p:cNvSpPr/>
-          <p:nvPr/>
-        </p:nvSpPr>
-        <p:spPr>
-          <a:xfrm>
-            <a:off x="2918460" y="3251200"/>
-            <a:ext cx="930275" cy="808990"/>
-          </a:xfrm>
-          <a:prstGeom prst="hexagon">
-            <a:avLst/>
-          </a:prstGeom>
-          <a:solidFill>
-            <a:schemeClr val="bg1"/>
-          </a:solidFill>
+            <a:off x="2913380" y="4678045"/>
+            <a:ext cx="6952615" cy="1341755"/>
+          </a:xfrm>
+          <a:prstGeom prst="roundRect">
+            <a:avLst/>
+          </a:prstGeom>
+          <a:noFill/>
         </p:spPr>
         <p:style>
           <a:lnRef idx="2">
@@ -5619,433 +10793,6 @@
           </a:p>
         </p:txBody>
       </p:sp>
-      <p:sp>
-        <p:nvSpPr>
-          <p:cNvPr id="8" name="文本框 7"/>
-          <p:cNvSpPr txBox="1"/>
-          <p:nvPr/>
-        </p:nvSpPr>
-        <p:spPr>
-          <a:xfrm>
-            <a:off x="2815590" y="2046605"/>
-            <a:ext cx="2080895" cy="460375"/>
-          </a:xfrm>
-          <a:prstGeom prst="rect">
-            <a:avLst/>
-          </a:prstGeom>
-          <a:noFill/>
-        </p:spPr>
-        <p:txBody>
-          <a:bodyPr wrap="none" rtlCol="0">
-            <a:spAutoFit/>
-          </a:bodyPr>
-          <a:p>
-            <a:r>
-              <a:rPr lang="en-US" altLang="zh-CN" sz="2400"/>
-              <a:t>3 : </a:t>
-            </a:r>
-            <a:r>
-              <a:rPr lang="zh-CN" altLang="en-US" sz="2400"/>
-              <a:t>数据仓库层</a:t>
-            </a:r>
-            <a:endParaRPr lang="zh-CN" altLang="en-US" sz="2400"/>
-          </a:p>
-        </p:txBody>
-      </p:sp>
-      <p:sp>
-        <p:nvSpPr>
-          <p:cNvPr id="9" name="六边形 8"/>
-          <p:cNvSpPr/>
-          <p:nvPr/>
-        </p:nvSpPr>
-        <p:spPr>
-          <a:xfrm>
-            <a:off x="4351655" y="4060190"/>
-            <a:ext cx="930275" cy="808990"/>
-          </a:xfrm>
-          <a:prstGeom prst="hexagon">
-            <a:avLst/>
-          </a:prstGeom>
-          <a:solidFill>
-            <a:schemeClr val="bg1"/>
-          </a:solidFill>
-        </p:spPr>
-        <p:style>
-          <a:lnRef idx="2">
-            <a:schemeClr val="accent1">
-              <a:shade val="50000"/>
-            </a:schemeClr>
-          </a:lnRef>
-          <a:fillRef idx="1">
-            <a:schemeClr val="accent1"/>
-          </a:fillRef>
-          <a:effectRef idx="0">
-            <a:schemeClr val="accent1"/>
-          </a:effectRef>
-          <a:fontRef idx="minor">
-            <a:schemeClr val="lt1"/>
-          </a:fontRef>
-        </p:style>
-        <p:txBody>
-          <a:bodyPr rtlCol="0" anchor="ctr"/>
-          <a:p>
-            <a:pPr algn="ctr"/>
-            <a:endParaRPr lang="zh-CN" altLang="en-US"/>
-          </a:p>
-        </p:txBody>
-      </p:sp>
-      <p:sp>
-        <p:nvSpPr>
-          <p:cNvPr id="10" name="六边形 9"/>
-          <p:cNvSpPr/>
-          <p:nvPr/>
-        </p:nvSpPr>
-        <p:spPr>
-          <a:xfrm>
-            <a:off x="4351655" y="3251200"/>
-            <a:ext cx="930275" cy="808990"/>
-          </a:xfrm>
-          <a:prstGeom prst="hexagon">
-            <a:avLst/>
-          </a:prstGeom>
-          <a:solidFill>
-            <a:schemeClr val="bg1"/>
-          </a:solidFill>
-        </p:spPr>
-        <p:style>
-          <a:lnRef idx="2">
-            <a:schemeClr val="accent1">
-              <a:shade val="50000"/>
-            </a:schemeClr>
-          </a:lnRef>
-          <a:fillRef idx="1">
-            <a:schemeClr val="accent1"/>
-          </a:fillRef>
-          <a:effectRef idx="0">
-            <a:schemeClr val="accent1"/>
-          </a:effectRef>
-          <a:fontRef idx="minor">
-            <a:schemeClr val="lt1"/>
-          </a:fontRef>
-        </p:style>
-        <p:txBody>
-          <a:bodyPr rtlCol="0" anchor="ctr"/>
-          <a:p>
-            <a:pPr algn="ctr"/>
-            <a:endParaRPr lang="zh-CN" altLang="en-US"/>
-          </a:p>
-        </p:txBody>
-      </p:sp>
-      <p:sp>
-        <p:nvSpPr>
-          <p:cNvPr id="12" name="六边形 11"/>
-          <p:cNvSpPr/>
-          <p:nvPr/>
-        </p:nvSpPr>
-        <p:spPr>
-          <a:xfrm>
-            <a:off x="3636010" y="4500880"/>
-            <a:ext cx="930275" cy="808990"/>
-          </a:xfrm>
-          <a:prstGeom prst="hexagon">
-            <a:avLst/>
-          </a:prstGeom>
-          <a:solidFill>
-            <a:schemeClr val="bg1"/>
-          </a:solidFill>
-        </p:spPr>
-        <p:style>
-          <a:lnRef idx="2">
-            <a:schemeClr val="accent1">
-              <a:shade val="50000"/>
-            </a:schemeClr>
-          </a:lnRef>
-          <a:fillRef idx="1">
-            <a:schemeClr val="accent1"/>
-          </a:fillRef>
-          <a:effectRef idx="0">
-            <a:schemeClr val="accent1"/>
-          </a:effectRef>
-          <a:fontRef idx="minor">
-            <a:schemeClr val="lt1"/>
-          </a:fontRef>
-        </p:style>
-        <p:txBody>
-          <a:bodyPr rtlCol="0" anchor="ctr"/>
-          <a:p>
-            <a:pPr algn="ctr"/>
-            <a:endParaRPr lang="zh-CN" altLang="en-US"/>
-          </a:p>
-        </p:txBody>
-      </p:sp>
-      <p:sp>
-        <p:nvSpPr>
-          <p:cNvPr id="13" name="六边形 12"/>
-          <p:cNvSpPr/>
-          <p:nvPr/>
-        </p:nvSpPr>
-        <p:spPr>
-          <a:xfrm>
-            <a:off x="3665220" y="2853690"/>
-            <a:ext cx="930275" cy="808990"/>
-          </a:xfrm>
-          <a:prstGeom prst="hexagon">
-            <a:avLst/>
-          </a:prstGeom>
-          <a:solidFill>
-            <a:schemeClr val="bg1"/>
-          </a:solidFill>
-        </p:spPr>
-        <p:style>
-          <a:lnRef idx="2">
-            <a:schemeClr val="accent1">
-              <a:shade val="50000"/>
-            </a:schemeClr>
-          </a:lnRef>
-          <a:fillRef idx="1">
-            <a:schemeClr val="accent1"/>
-          </a:fillRef>
-          <a:effectRef idx="0">
-            <a:schemeClr val="accent1"/>
-          </a:effectRef>
-          <a:fontRef idx="minor">
-            <a:schemeClr val="lt1"/>
-          </a:fontRef>
-        </p:style>
-        <p:txBody>
-          <a:bodyPr rtlCol="0" anchor="ctr"/>
-          <a:p>
-            <a:pPr algn="ctr"/>
-            <a:endParaRPr lang="zh-CN" altLang="en-US"/>
-          </a:p>
-        </p:txBody>
-      </p:sp>
-      <p:sp>
-        <p:nvSpPr>
-          <p:cNvPr id="14" name="六边形 13"/>
-          <p:cNvSpPr/>
-          <p:nvPr/>
-        </p:nvSpPr>
-        <p:spPr>
-          <a:xfrm>
-            <a:off x="2918460" y="4060190"/>
-            <a:ext cx="930275" cy="808990"/>
-          </a:xfrm>
-          <a:prstGeom prst="hexagon">
-            <a:avLst/>
-          </a:prstGeom>
-          <a:solidFill>
-            <a:schemeClr val="bg1"/>
-          </a:solidFill>
-        </p:spPr>
-        <p:style>
-          <a:lnRef idx="2">
-            <a:schemeClr val="accent1">
-              <a:shade val="50000"/>
-            </a:schemeClr>
-          </a:lnRef>
-          <a:fillRef idx="1">
-            <a:schemeClr val="accent1"/>
-          </a:fillRef>
-          <a:effectRef idx="0">
-            <a:schemeClr val="accent1"/>
-          </a:effectRef>
-          <a:fontRef idx="minor">
-            <a:schemeClr val="lt1"/>
-          </a:fontRef>
-        </p:style>
-        <p:txBody>
-          <a:bodyPr rtlCol="0" anchor="ctr"/>
-          <a:p>
-            <a:pPr algn="ctr"/>
-            <a:endParaRPr lang="zh-CN" altLang="en-US"/>
-          </a:p>
-        </p:txBody>
-      </p:sp>
-      <p:pic>
-        <p:nvPicPr>
-          <p:cNvPr id="20" name="图片 19" descr="hive"/>
-          <p:cNvPicPr>
-            <a:picLocks noChangeAspect="1"/>
-          </p:cNvPicPr>
-          <p:nvPr/>
-        </p:nvPicPr>
-        <p:blipFill>
-          <a:blip r:embed="rId2"/>
-          <a:stretch>
-            <a:fillRect/>
-          </a:stretch>
-        </p:blipFill>
-        <p:spPr>
-          <a:xfrm>
-            <a:off x="3128645" y="3443605"/>
-            <a:ext cx="1945640" cy="1278255"/>
-          </a:xfrm>
-          <a:prstGeom prst="rect">
-            <a:avLst/>
-          </a:prstGeom>
-        </p:spPr>
-      </p:pic>
-      <p:sp>
-        <p:nvSpPr>
-          <p:cNvPr id="15" name="文本框 14"/>
-          <p:cNvSpPr txBox="1"/>
-          <p:nvPr/>
-        </p:nvSpPr>
-        <p:spPr>
-          <a:xfrm>
-            <a:off x="6232525" y="2983230"/>
-            <a:ext cx="4393565" cy="460375"/>
-          </a:xfrm>
-          <a:prstGeom prst="rect">
-            <a:avLst/>
-          </a:prstGeom>
-          <a:noFill/>
-        </p:spPr>
-        <p:txBody>
-          <a:bodyPr wrap="square" rtlCol="0">
-            <a:spAutoFit/>
-          </a:bodyPr>
-          <a:p>
-            <a:r>
-              <a:rPr lang="en-US" altLang="zh-CN" sz="2400"/>
-              <a:t>  </a:t>
-            </a:r>
-            <a:r>
-              <a:rPr lang="zh-CN" altLang="en-US" sz="2400"/>
-              <a:t>基于多数据源构建数据仓库</a:t>
-            </a:r>
-            <a:endParaRPr lang="zh-CN" altLang="en-US" sz="2400"/>
-          </a:p>
-        </p:txBody>
-      </p:sp>
-      <p:sp>
-        <p:nvSpPr>
-          <p:cNvPr id="16" name="圆角矩形 15"/>
-          <p:cNvSpPr/>
-          <p:nvPr/>
-        </p:nvSpPr>
-        <p:spPr>
-          <a:xfrm>
-            <a:off x="5989955" y="2814955"/>
-            <a:ext cx="4879340" cy="2535555"/>
-          </a:xfrm>
-          <a:prstGeom prst="roundRect">
-            <a:avLst/>
-          </a:prstGeom>
-          <a:noFill/>
-        </p:spPr>
-        <p:style>
-          <a:lnRef idx="2">
-            <a:schemeClr val="accent1">
-              <a:shade val="50000"/>
-            </a:schemeClr>
-          </a:lnRef>
-          <a:fillRef idx="1">
-            <a:schemeClr val="accent1"/>
-          </a:fillRef>
-          <a:effectRef idx="0">
-            <a:schemeClr val="accent1"/>
-          </a:effectRef>
-          <a:fontRef idx="minor">
-            <a:schemeClr val="lt1"/>
-          </a:fontRef>
-        </p:style>
-        <p:txBody>
-          <a:bodyPr rtlCol="0" anchor="ctr"/>
-          <a:p>
-            <a:pPr algn="ctr"/>
-            <a:endParaRPr lang="zh-CN" altLang="en-US"/>
-          </a:p>
-        </p:txBody>
-      </p:sp>
-      <p:sp>
-        <p:nvSpPr>
-          <p:cNvPr id="17" name="文本框 16"/>
-          <p:cNvSpPr txBox="1"/>
-          <p:nvPr/>
-        </p:nvSpPr>
-        <p:spPr>
-          <a:xfrm>
-            <a:off x="6498590" y="3662680"/>
-            <a:ext cx="3862705" cy="460375"/>
-          </a:xfrm>
-          <a:prstGeom prst="rect">
-            <a:avLst/>
-          </a:prstGeom>
-          <a:noFill/>
-        </p:spPr>
-        <p:txBody>
-          <a:bodyPr wrap="square" rtlCol="0">
-            <a:spAutoFit/>
-          </a:bodyPr>
-          <a:p>
-            <a:r>
-              <a:rPr lang="en-US" altLang="zh-CN" sz="2400"/>
-              <a:t>1:</a:t>
-            </a:r>
-            <a:r>
-              <a:rPr lang="zh-CN" altLang="en-US" sz="2400"/>
-              <a:t>文件型数据源</a:t>
-            </a:r>
-            <a:endParaRPr lang="zh-CN" altLang="en-US" sz="2400"/>
-          </a:p>
-        </p:txBody>
-      </p:sp>
-      <p:sp>
-        <p:nvSpPr>
-          <p:cNvPr id="19" name="文本框 18"/>
-          <p:cNvSpPr txBox="1"/>
-          <p:nvPr/>
-        </p:nvSpPr>
-        <p:spPr>
-          <a:xfrm>
-            <a:off x="6498590" y="4500880"/>
-            <a:ext cx="3538220" cy="460375"/>
-          </a:xfrm>
-          <a:prstGeom prst="rect">
-            <a:avLst/>
-          </a:prstGeom>
-          <a:noFill/>
-        </p:spPr>
-        <p:txBody>
-          <a:bodyPr wrap="square" rtlCol="0">
-            <a:spAutoFit/>
-          </a:bodyPr>
-          <a:p>
-            <a:r>
-              <a:rPr lang="en-US" altLang="zh-CN" sz="2400"/>
-              <a:t>2:</a:t>
-            </a:r>
-            <a:r>
-              <a:rPr lang="zh-CN" altLang="en-US" sz="2400"/>
-              <a:t>传统数据库数据源</a:t>
-            </a:r>
-            <a:endParaRPr lang="zh-CN" altLang="en-US" sz="2400"/>
-          </a:p>
-        </p:txBody>
-      </p:sp>
-    </p:spTree>
-    <p:custDataLst>
-      <p:tags r:id="rId3"/>
-    </p:custDataLst>
-  </p:cSld>
-  <p:clrMapOvr>
-    <a:masterClrMapping/>
-  </p:clrMapOvr>
-</p:sld>
-</file>
-
-<file path=ppt/slides/slide7.xml><?xml version="1.0" encoding="utf-8"?>
-<p:sld xmlns:a="http://schemas.openxmlformats.org/drawingml/2006/main" xmlns:r="http://schemas.openxmlformats.org/officeDocument/2006/relationships" xmlns:p="http://schemas.openxmlformats.org/presentationml/2006/main">
-  <p:cSld>
-    <p:spTree>
-      <p:nvGrpSpPr>
-        <p:cNvPr id="1" name=""/>
-        <p:cNvGrpSpPr/>
-        <p:nvPr/>
-      </p:nvGrpSpPr>
-      <p:grpSpPr/>
       <p:cxnSp>
         <p:nvCxnSpPr>
           <p:cNvPr id="4" name="直接连接符 3"/>
@@ -6108,22 +10855,17 @@
         </p:nvSpPr>
         <p:spPr>
           <a:xfrm>
-            <a:off x="1859915" y="1835150"/>
-            <a:ext cx="9528175" cy="4288790"/>
+            <a:off x="1859915" y="1771015"/>
+            <a:ext cx="9307195" cy="4642485"/>
           </a:xfrm>
           <a:prstGeom prst="round2DiagRect">
             <a:avLst/>
           </a:prstGeom>
-          <a:solidFill>
-            <a:schemeClr val="bg1"/>
-          </a:solidFill>
-          <a:ln w="12700" cmpd="sng">
+          <a:noFill/>
+          <a:ln>
             <a:solidFill>
-              <a:schemeClr val="accent1">
-                <a:shade val="50000"/>
-              </a:schemeClr>
+              <a:schemeClr val="tx1"/>
             </a:solidFill>
-            <a:prstDash val="solid"/>
           </a:ln>
           <a:effectLst>
             <a:glow rad="139700">
@@ -6149,92 +10891,46 @@
           </a:fontRef>
         </p:style>
         <p:txBody>
-          <a:bodyPr rtlCol="0" anchor="ctr">
-            <a:scene3d>
-              <a:camera prst="orthographicFront"/>
-              <a:lightRig rig="threePt" dir="t"/>
-            </a:scene3d>
-          </a:bodyPr>
+          <a:bodyPr rtlCol="0" anchor="ctr"/>
           <a:p>
             <a:pPr algn="ctr"/>
-            <a:endParaRPr lang="zh-CN" altLang="en-US">
-              <a:solidFill>
-                <a:schemeClr val="tx1"/>
-              </a:solidFill>
-              <a:effectLst>
-                <a:outerShdw blurRad="38100" dist="19050" dir="2700000" algn="tl" rotWithShape="0">
-                  <a:schemeClr val="dk1">
-                    <a:alpha val="40000"/>
-                  </a:schemeClr>
-                </a:outerShdw>
-              </a:effectLst>
-            </a:endParaRPr>
-          </a:p>
-        </p:txBody>
-      </p:sp>
-      <p:sp>
-        <p:nvSpPr>
-          <p:cNvPr id="6" name="文本框 5"/>
-          <p:cNvSpPr txBox="1"/>
-          <p:nvPr/>
-        </p:nvSpPr>
-        <p:spPr>
-          <a:xfrm>
-            <a:off x="2732405" y="2124075"/>
-            <a:ext cx="3538855" cy="460375"/>
-          </a:xfrm>
-          <a:prstGeom prst="rect">
+            <a:endParaRPr lang="zh-CN" altLang="en-US"/>
+          </a:p>
+        </p:txBody>
+      </p:sp>
+      <p:sp>
+        <p:nvSpPr>
+          <p:cNvPr id="12" name="圆角矩形 11"/>
+          <p:cNvSpPr/>
+          <p:nvPr/>
+        </p:nvSpPr>
+        <p:spPr>
+          <a:xfrm>
+            <a:off x="2913380" y="3114040"/>
+            <a:ext cx="5661660" cy="1076325"/>
+          </a:xfrm>
+          <a:prstGeom prst="roundRect">
             <a:avLst/>
           </a:prstGeom>
           <a:noFill/>
-        </p:spPr>
-        <p:txBody>
-          <a:bodyPr wrap="square" rtlCol="0">
-            <a:spAutoFit/>
-          </a:bodyPr>
-          <a:p>
-            <a:r>
-              <a:rPr lang="en-US" altLang="zh-CN" sz="2400"/>
-              <a:t>4 : </a:t>
-            </a:r>
-            <a:r>
-              <a:rPr lang="zh-CN" altLang="en-US" sz="2400"/>
-              <a:t>数据分析层</a:t>
-            </a:r>
-            <a:endParaRPr lang="zh-CN" altLang="en-US" sz="2400"/>
-          </a:p>
-        </p:txBody>
-      </p:sp>
-      <p:sp>
-        <p:nvSpPr>
-          <p:cNvPr id="8" name="圆柱形 7"/>
-          <p:cNvSpPr/>
-          <p:nvPr/>
-        </p:nvSpPr>
-        <p:spPr>
-          <a:xfrm>
-            <a:off x="2830195" y="3008630"/>
-            <a:ext cx="2578735" cy="2418715"/>
-          </a:xfrm>
-          <a:prstGeom prst="can">
-            <a:avLst/>
-          </a:prstGeom>
-          <a:noFill/>
+          <a:ln>
+            <a:solidFill>
+              <a:schemeClr val="accent1"/>
+            </a:solidFill>
+          </a:ln>
         </p:spPr>
         <p:style>
           <a:lnRef idx="2">
-            <a:schemeClr val="accent1">
-              <a:shade val="50000"/>
-            </a:schemeClr>
+            <a:schemeClr val="accent6"/>
           </a:lnRef>
           <a:fillRef idx="1">
-            <a:schemeClr val="accent1"/>
+            <a:schemeClr val="lt1"/>
           </a:fillRef>
           <a:effectRef idx="0">
-            <a:schemeClr val="accent1"/>
+            <a:schemeClr val="accent6"/>
           </a:effectRef>
           <a:fontRef idx="minor">
-            <a:schemeClr val="lt1"/>
+            <a:schemeClr val="dk1"/>
           </a:fontRef>
         </p:style>
         <p:txBody>
@@ -6247,7 +10943,7 @@
       </p:sp>
       <p:pic>
         <p:nvPicPr>
-          <p:cNvPr id="9" name="图片 8" descr="spark"/>
+          <p:cNvPr id="15" name="图片 14" descr="pic2"/>
           <p:cNvPicPr>
             <a:picLocks noChangeAspect="1"/>
           </p:cNvPicPr>
@@ -6261,8 +10957,8 @@
         </p:blipFill>
         <p:spPr>
           <a:xfrm>
-            <a:off x="3074670" y="3712210"/>
-            <a:ext cx="2089785" cy="1522730"/>
+            <a:off x="3853180" y="3143885"/>
+            <a:ext cx="3782060" cy="929005"/>
           </a:xfrm>
           <a:prstGeom prst="rect">
             <a:avLst/>
@@ -6271,56 +10967,14 @@
       </p:pic>
       <p:sp>
         <p:nvSpPr>
-          <p:cNvPr id="10" name="圆角矩形 9"/>
-          <p:cNvSpPr/>
-          <p:nvPr/>
-        </p:nvSpPr>
-        <p:spPr>
-          <a:xfrm>
-            <a:off x="6433820" y="2780665"/>
-            <a:ext cx="4688205" cy="2874645"/>
-          </a:xfrm>
-          <a:prstGeom prst="roundRect">
-            <a:avLst/>
-          </a:prstGeom>
-          <a:solidFill>
-            <a:schemeClr val="bg1"/>
-          </a:solidFill>
-        </p:spPr>
-        <p:style>
-          <a:lnRef idx="2">
-            <a:schemeClr val="accent1">
-              <a:shade val="50000"/>
-            </a:schemeClr>
-          </a:lnRef>
-          <a:fillRef idx="1">
-            <a:schemeClr val="accent1"/>
-          </a:fillRef>
-          <a:effectRef idx="0">
-            <a:schemeClr val="accent1"/>
-          </a:effectRef>
-          <a:fontRef idx="minor">
-            <a:schemeClr val="lt1"/>
-          </a:fontRef>
-        </p:style>
-        <p:txBody>
-          <a:bodyPr rtlCol="0" anchor="ctr"/>
-          <a:p>
-            <a:pPr algn="ctr"/>
-            <a:endParaRPr lang="zh-CN" altLang="en-US"/>
-          </a:p>
-        </p:txBody>
-      </p:sp>
-      <p:sp>
-        <p:nvSpPr>
-          <p:cNvPr id="12" name="文本框 11"/>
+          <p:cNvPr id="16" name="文本框 15"/>
           <p:cNvSpPr txBox="1"/>
           <p:nvPr/>
         </p:nvSpPr>
         <p:spPr>
           <a:xfrm>
-            <a:off x="6757035" y="3185160"/>
-            <a:ext cx="3943350" cy="829945"/>
+            <a:off x="3104515" y="4750435"/>
+            <a:ext cx="6814820" cy="460375"/>
           </a:xfrm>
           <a:prstGeom prst="rect">
             <a:avLst/>
@@ -6334,46 +10988,38 @@
           <a:p>
             <a:r>
               <a:rPr lang="en-US" altLang="zh-CN" sz="2400"/>
-              <a:t>1: </a:t>
+              <a:t>1 : </a:t>
             </a:r>
             <a:r>
               <a:rPr lang="zh-CN" altLang="en-US" sz="2400"/>
-              <a:t>基于</a:t>
+              <a:t>迁移目前业务中依赖的</a:t>
             </a:r>
             <a:r>
               <a:rPr lang="en-US" altLang="zh-CN" sz="2400"/>
-              <a:t>DataFrame</a:t>
+              <a:t>oracle</a:t>
             </a:r>
             <a:r>
               <a:rPr lang="zh-CN" altLang="en-US" sz="2400"/>
-              <a:t>和</a:t>
+              <a:t>数据至</a:t>
             </a:r>
             <a:r>
               <a:rPr lang="en-US" altLang="zh-CN" sz="2400"/>
-              <a:t>DataSet       </a:t>
-            </a:r>
-            <a:r>
-              <a:rPr lang="zh-CN" altLang="en-US" sz="2400"/>
-              <a:t>数据结构</a:t>
-            </a:r>
-            <a:r>
-              <a:rPr lang="zh-CN" altLang="en-US" sz="2400"/>
-              <a:t>进行快速开发</a:t>
-            </a:r>
-            <a:endParaRPr lang="zh-CN" altLang="en-US" sz="2400"/>
-          </a:p>
-        </p:txBody>
-      </p:sp>
-      <p:sp>
-        <p:nvSpPr>
-          <p:cNvPr id="13" name="文本框 12"/>
+              <a:t>hdfs</a:t>
+            </a:r>
+            <a:endParaRPr lang="en-US" altLang="zh-CN" sz="2400"/>
+          </a:p>
+        </p:txBody>
+      </p:sp>
+      <p:sp>
+        <p:nvSpPr>
+          <p:cNvPr id="17" name="文本框 16"/>
           <p:cNvSpPr txBox="1"/>
           <p:nvPr/>
         </p:nvSpPr>
         <p:spPr>
           <a:xfrm>
-            <a:off x="6757035" y="4404995"/>
-            <a:ext cx="3942715" cy="460375"/>
+            <a:off x="3104515" y="5403215"/>
+            <a:ext cx="6569710" cy="460375"/>
           </a:xfrm>
           <a:prstGeom prst="rect">
             <a:avLst/>
@@ -6387,11 +11033,60 @@
           <a:p>
             <a:r>
               <a:rPr lang="en-US" altLang="zh-CN" sz="2400"/>
-              <a:t>2:</a:t>
+              <a:t>2 : </a:t>
             </a:r>
             <a:r>
               <a:rPr lang="zh-CN" altLang="en-US" sz="2400"/>
-              <a:t>为后续流式处理奠定基础</a:t>
+              <a:t>原始详单备份至</a:t>
+            </a:r>
+            <a:r>
+              <a:rPr lang="en-US" altLang="zh-CN" sz="2400"/>
+              <a:t>hdfs</a:t>
+            </a:r>
+            <a:r>
+              <a:rPr lang="zh-CN" altLang="en-US" sz="2400"/>
+              <a:t>存储</a:t>
+            </a:r>
+            <a:r>
+              <a:rPr lang="en-US" altLang="zh-CN"/>
+              <a:t> </a:t>
+            </a:r>
+            <a:endParaRPr lang="zh-CN" altLang="en-US"/>
+          </a:p>
+        </p:txBody>
+      </p:sp>
+      <p:sp>
+        <p:nvSpPr>
+          <p:cNvPr id="22" name="文本框 21"/>
+          <p:cNvSpPr txBox="1"/>
+          <p:nvPr/>
+        </p:nvSpPr>
+        <p:spPr>
+          <a:xfrm>
+            <a:off x="2608580" y="2186305"/>
+            <a:ext cx="2080895" cy="460375"/>
+          </a:xfrm>
+          <a:prstGeom prst="rect">
+            <a:avLst/>
+          </a:prstGeom>
+          <a:noFill/>
+        </p:spPr>
+        <p:txBody>
+          <a:bodyPr wrap="none" rtlCol="0">
+            <a:spAutoFit/>
+          </a:bodyPr>
+          <a:p>
+            <a:r>
+              <a:rPr lang="en-US" altLang="zh-CN" sz="2400"/>
+              <a:t>2 : </a:t>
+            </a:r>
+            <a:r>
+              <a:rPr lang="zh-CN" altLang="en-US" sz="2400"/>
+              <a:t>数据</a:t>
+            </a:r>
+            <a:r>
+              <a:rPr lang="zh-CN" altLang="en-US" sz="2400"/>
+              <a:t>存储层</a:t>
             </a:r>
             <a:endParaRPr lang="zh-CN" altLang="en-US" sz="2400"/>
           </a:p>
@@ -6408,9 +11103,17 @@
 </p:sld>
 </file>
 
-<file path=ppt/slides/slide8.xml><?xml version="1.0" encoding="utf-8"?>
+<file path=ppt/slides/slide9.xml><?xml version="1.0" encoding="utf-8"?>
 <p:sld xmlns:a="http://schemas.openxmlformats.org/drawingml/2006/main" xmlns:r="http://schemas.openxmlformats.org/officeDocument/2006/relationships" xmlns:p="http://schemas.openxmlformats.org/presentationml/2006/main">
   <p:cSld>
+    <p:bg>
+      <p:bgPr>
+        <a:solidFill>
+          <a:schemeClr val="bg1"/>
+        </a:solidFill>
+        <a:effectLst/>
+      </p:bgPr>
+    </p:bg>
     <p:spTree>
       <p:nvGrpSpPr>
         <p:cNvPr id="1" name=""/>
@@ -6474,34 +11177,45 @@
       </p:pic>
       <p:sp>
         <p:nvSpPr>
-          <p:cNvPr id="16" name="流程图: 过程 15"/>
+          <p:cNvPr id="11" name="对角圆角矩形 10"/>
           <p:cNvSpPr/>
           <p:nvPr/>
         </p:nvSpPr>
         <p:spPr>
           <a:xfrm>
-            <a:off x="1488440" y="1555750"/>
-            <a:ext cx="1886585" cy="914400"/>
-          </a:xfrm>
-          <a:prstGeom prst="flowChartProcess">
+            <a:off x="1682750" y="2404110"/>
+            <a:ext cx="9086215" cy="4009390"/>
+          </a:xfrm>
+          <a:prstGeom prst="round2DiagRect">
             <a:avLst/>
           </a:prstGeom>
           <a:noFill/>
+          <a:ln>
+            <a:solidFill>
+              <a:schemeClr val="tx1"/>
+            </a:solidFill>
+          </a:ln>
+          <a:effectLst>
+            <a:glow rad="139700">
+              <a:schemeClr val="accent6">
+                <a:satMod val="175000"/>
+                <a:alpha val="40000"/>
+              </a:schemeClr>
+            </a:glow>
+          </a:effectLst>
         </p:spPr>
         <p:style>
           <a:lnRef idx="2">
-            <a:schemeClr val="accent1">
-              <a:shade val="50000"/>
-            </a:schemeClr>
+            <a:schemeClr val="accent6"/>
           </a:lnRef>
           <a:fillRef idx="1">
-            <a:schemeClr val="accent1"/>
+            <a:schemeClr val="lt1"/>
           </a:fillRef>
           <a:effectRef idx="0">
-            <a:schemeClr val="accent1"/>
+            <a:schemeClr val="accent6"/>
           </a:effectRef>
           <a:fontRef idx="minor">
-            <a:schemeClr val="lt1"/>
+            <a:schemeClr val="dk1"/>
           </a:fontRef>
         </p:style>
         <p:txBody>
@@ -6514,54 +11228,14 @@
       </p:sp>
       <p:sp>
         <p:nvSpPr>
-          <p:cNvPr id="17" name="流程图: 过程 16"/>
-          <p:cNvSpPr/>
-          <p:nvPr/>
-        </p:nvSpPr>
-        <p:spPr>
-          <a:xfrm>
-            <a:off x="1488440" y="2765425"/>
-            <a:ext cx="1886585" cy="914400"/>
-          </a:xfrm>
-          <a:prstGeom prst="flowChartProcess">
-            <a:avLst/>
-          </a:prstGeom>
-          <a:noFill/>
-        </p:spPr>
-        <p:style>
-          <a:lnRef idx="2">
-            <a:schemeClr val="accent1">
-              <a:shade val="50000"/>
-            </a:schemeClr>
-          </a:lnRef>
-          <a:fillRef idx="1">
-            <a:schemeClr val="accent1"/>
-          </a:fillRef>
-          <a:effectRef idx="0">
-            <a:schemeClr val="accent1"/>
-          </a:effectRef>
-          <a:fontRef idx="minor">
-            <a:schemeClr val="lt1"/>
-          </a:fontRef>
-        </p:style>
-        <p:txBody>
-          <a:bodyPr rtlCol="0" anchor="ctr"/>
-          <a:p>
-            <a:pPr algn="ctr"/>
-            <a:endParaRPr lang="zh-CN" altLang="en-US"/>
-          </a:p>
-        </p:txBody>
-      </p:sp>
-      <p:sp>
-        <p:nvSpPr>
-          <p:cNvPr id="18" name="文本框 17"/>
+          <p:cNvPr id="2" name="文本框 1"/>
           <p:cNvSpPr txBox="1"/>
           <p:nvPr/>
         </p:nvSpPr>
         <p:spPr>
           <a:xfrm>
-            <a:off x="1650365" y="1828800"/>
-            <a:ext cx="1554480" cy="368300"/>
+            <a:off x="1656080" y="1578610"/>
+            <a:ext cx="1699260" cy="583565"/>
           </a:xfrm>
           <a:prstGeom prst="rect">
             <a:avLst/>
@@ -6574,47 +11248,27 @@
           </a:bodyPr>
           <a:p>
             <a:r>
-              <a:rPr lang="zh-CN" altLang="en-US">
-                <a:ln/>
-                <a:solidFill>
-                  <a:schemeClr val="tx1"/>
-                </a:solidFill>
-                <a:effectLst>
-                  <a:outerShdw blurRad="38100" dist="19050" dir="2700000" algn="tl" rotWithShape="0">
-                    <a:schemeClr val="dk1">
-                      <a:alpha val="40000"/>
-                    </a:schemeClr>
-                  </a:outerShdw>
-                </a:effectLst>
-              </a:rPr>
-              <a:t>本地文件系统</a:t>
-            </a:r>
-            <a:endParaRPr lang="zh-CN" altLang="en-US">
-              <a:ln/>
-              <a:solidFill>
-                <a:schemeClr val="tx1"/>
-              </a:solidFill>
-              <a:effectLst>
-                <a:outerShdw blurRad="38100" dist="19050" dir="2700000" algn="tl" rotWithShape="0">
-                  <a:schemeClr val="dk1">
-                    <a:alpha val="40000"/>
-                  </a:schemeClr>
-                </a:outerShdw>
-              </a:effectLst>
-            </a:endParaRPr>
-          </a:p>
-        </p:txBody>
-      </p:sp>
-      <p:sp>
-        <p:nvSpPr>
-          <p:cNvPr id="19" name="文本框 18"/>
+              <a:rPr lang="en-US" altLang="zh-CN" sz="3200"/>
+              <a:t>hdfs</a:t>
+            </a:r>
+            <a:r>
+              <a:rPr lang="zh-CN" altLang="en-US" sz="3200"/>
+              <a:t>优势</a:t>
+            </a:r>
+            <a:endParaRPr lang="zh-CN" altLang="en-US" sz="3200"/>
+          </a:p>
+        </p:txBody>
+      </p:sp>
+      <p:sp>
+        <p:nvSpPr>
+          <p:cNvPr id="3" name="文本框 2"/>
           <p:cNvSpPr txBox="1"/>
           <p:nvPr/>
         </p:nvSpPr>
         <p:spPr>
           <a:xfrm>
-            <a:off x="1764665" y="3038475"/>
-            <a:ext cx="1325880" cy="368300"/>
+            <a:off x="2665730" y="3131820"/>
+            <a:ext cx="6052820" cy="2245360"/>
           </a:xfrm>
           <a:prstGeom prst="rect">
             <a:avLst/>
@@ -6626,1217 +11280,68 @@
             <a:spAutoFit/>
           </a:bodyPr>
           <a:p>
-            <a:r>
-              <a:rPr lang="zh-CN" altLang="en-US">
-                <a:effectLst>
-                  <a:outerShdw blurRad="38100" dist="38100" dir="2700000" algn="tl">
-                    <a:srgbClr val="000000">
-                      <a:alpha val="43137"/>
-                    </a:srgbClr>
-                  </a:outerShdw>
-                </a:effectLst>
-              </a:rPr>
-              <a:t>传统数据库</a:t>
-            </a:r>
-            <a:endParaRPr lang="zh-CN" altLang="en-US">
-              <a:effectLst>
-                <a:outerShdw blurRad="38100" dist="38100" dir="2700000" algn="tl">
-                  <a:srgbClr val="000000">
-                    <a:alpha val="43137"/>
-                  </a:srgbClr>
-                </a:outerShdw>
-              </a:effectLst>
-            </a:endParaRPr>
-          </a:p>
-        </p:txBody>
-      </p:sp>
-      <p:sp>
-        <p:nvSpPr>
-          <p:cNvPr id="20" name="右箭头 19"/>
-          <p:cNvSpPr/>
-          <p:nvPr/>
-        </p:nvSpPr>
-        <p:spPr>
-          <a:xfrm>
-            <a:off x="4244340" y="1752600"/>
-            <a:ext cx="2433320" cy="521335"/>
-          </a:xfrm>
-          <a:prstGeom prst="rightArrow">
-            <a:avLst/>
-          </a:prstGeom>
-          <a:solidFill>
-            <a:schemeClr val="bg1"/>
-          </a:solidFill>
-        </p:spPr>
-        <p:style>
-          <a:lnRef idx="2">
-            <a:schemeClr val="accent1">
-              <a:shade val="50000"/>
-            </a:schemeClr>
-          </a:lnRef>
-          <a:fillRef idx="1">
-            <a:schemeClr val="accent1"/>
-          </a:fillRef>
-          <a:effectRef idx="0">
-            <a:schemeClr val="accent1"/>
-          </a:effectRef>
-          <a:fontRef idx="minor">
-            <a:schemeClr val="lt1"/>
-          </a:fontRef>
-        </p:style>
-        <p:txBody>
-          <a:bodyPr rtlCol="0" anchor="ctr"/>
-          <a:p>
-            <a:pPr algn="ctr"/>
-            <a:endParaRPr lang="zh-CN" altLang="en-US"/>
-          </a:p>
-        </p:txBody>
-      </p:sp>
-      <p:sp>
-        <p:nvSpPr>
-          <p:cNvPr id="21" name="右箭头 20"/>
-          <p:cNvSpPr/>
-          <p:nvPr/>
-        </p:nvSpPr>
-        <p:spPr>
-          <a:xfrm>
-            <a:off x="4244340" y="2979420"/>
-            <a:ext cx="2433955" cy="521335"/>
-          </a:xfrm>
-          <a:prstGeom prst="rightArrow">
-            <a:avLst/>
-          </a:prstGeom>
-          <a:solidFill>
-            <a:schemeClr val="bg1"/>
-          </a:solidFill>
-        </p:spPr>
-        <p:style>
-          <a:lnRef idx="2">
-            <a:schemeClr val="accent1">
-              <a:shade val="50000"/>
-            </a:schemeClr>
-          </a:lnRef>
-          <a:fillRef idx="1">
-            <a:schemeClr val="accent1"/>
-          </a:fillRef>
-          <a:effectRef idx="0">
-            <a:schemeClr val="accent1"/>
-          </a:effectRef>
-          <a:fontRef idx="minor">
-            <a:schemeClr val="lt1"/>
-          </a:fontRef>
-        </p:style>
-        <p:txBody>
-          <a:bodyPr rtlCol="0" anchor="ctr"/>
-          <a:p>
-            <a:pPr algn="ctr"/>
-            <a:endParaRPr lang="zh-CN" altLang="en-US"/>
-          </a:p>
-        </p:txBody>
-      </p:sp>
-      <p:sp>
-        <p:nvSpPr>
-          <p:cNvPr id="22" name="流程图: 过程 21"/>
-          <p:cNvSpPr/>
-          <p:nvPr/>
-        </p:nvSpPr>
-        <p:spPr>
-          <a:xfrm>
-            <a:off x="7546975" y="1555750"/>
-            <a:ext cx="1886585" cy="914400"/>
-          </a:xfrm>
-          <a:prstGeom prst="flowChartProcess">
-            <a:avLst/>
-          </a:prstGeom>
-          <a:noFill/>
-        </p:spPr>
-        <p:style>
-          <a:lnRef idx="2">
-            <a:schemeClr val="accent1">
-              <a:shade val="50000"/>
-            </a:schemeClr>
-          </a:lnRef>
-          <a:fillRef idx="1">
-            <a:schemeClr val="accent1"/>
-          </a:fillRef>
-          <a:effectRef idx="0">
-            <a:schemeClr val="accent1"/>
-          </a:effectRef>
-          <a:fontRef idx="minor">
-            <a:schemeClr val="lt1"/>
-          </a:fontRef>
-        </p:style>
-        <p:txBody>
-          <a:bodyPr rtlCol="0" anchor="ctr"/>
-          <a:p>
-            <a:pPr algn="ctr"/>
-            <a:endParaRPr lang="zh-CN" altLang="en-US"/>
-          </a:p>
-        </p:txBody>
-      </p:sp>
-      <p:sp>
-        <p:nvSpPr>
-          <p:cNvPr id="23" name="流程图: 过程 22"/>
-          <p:cNvSpPr/>
-          <p:nvPr/>
-        </p:nvSpPr>
-        <p:spPr>
-          <a:xfrm>
-            <a:off x="7546975" y="2765425"/>
-            <a:ext cx="1886585" cy="914400"/>
-          </a:xfrm>
-          <a:prstGeom prst="flowChartProcess">
-            <a:avLst/>
-          </a:prstGeom>
-          <a:noFill/>
-        </p:spPr>
-        <p:style>
-          <a:lnRef idx="2">
-            <a:schemeClr val="accent1">
-              <a:shade val="50000"/>
-            </a:schemeClr>
-          </a:lnRef>
-          <a:fillRef idx="1">
-            <a:schemeClr val="accent1"/>
-          </a:fillRef>
-          <a:effectRef idx="0">
-            <a:schemeClr val="accent1"/>
-          </a:effectRef>
-          <a:fontRef idx="minor">
-            <a:schemeClr val="lt1"/>
-          </a:fontRef>
-        </p:style>
-        <p:txBody>
-          <a:bodyPr rtlCol="0" anchor="ctr"/>
-          <a:p>
-            <a:pPr algn="ctr"/>
-            <a:endParaRPr lang="zh-CN" altLang="en-US"/>
-          </a:p>
-        </p:txBody>
-      </p:sp>
-      <p:sp>
-        <p:nvSpPr>
-          <p:cNvPr id="24" name="文本框 23"/>
-          <p:cNvSpPr txBox="1"/>
-          <p:nvPr/>
-        </p:nvSpPr>
-        <p:spPr>
-          <a:xfrm>
-            <a:off x="7769860" y="1751965"/>
-            <a:ext cx="1440815" cy="521970"/>
-          </a:xfrm>
-          <a:prstGeom prst="rect">
-            <a:avLst/>
-          </a:prstGeom>
-          <a:noFill/>
-        </p:spPr>
-        <p:txBody>
-          <a:bodyPr wrap="square" rtlCol="0">
-            <a:spAutoFit/>
-          </a:bodyPr>
-          <a:p>
+            <a:pPr algn="l"/>
             <a:r>
               <a:rPr lang="en-US" altLang="zh-CN" sz="2800"/>
-              <a:t>logstash</a:t>
+              <a:t>1</a:t>
+            </a:r>
+            <a:r>
+              <a:rPr lang="zh-CN" altLang="en-US" sz="2800"/>
+              <a:t>：高容错性，副本机制。</a:t>
+            </a:r>
+            <a:endParaRPr lang="zh-CN" altLang="en-US" sz="2800"/>
+          </a:p>
+          <a:p>
+            <a:pPr algn="l"/>
+            <a:endParaRPr lang="zh-CN" altLang="en-US" sz="2800"/>
+          </a:p>
+          <a:p>
+            <a:pPr algn="l"/>
+            <a:r>
+              <a:rPr lang="en-US" altLang="zh-CN" sz="2800"/>
+              <a:t>2</a:t>
+            </a:r>
+            <a:r>
+              <a:rPr lang="zh-CN" altLang="en-US" sz="2800"/>
+              <a:t>：</a:t>
+            </a:r>
+            <a:r>
+              <a:rPr lang="en-US" altLang="zh-CN" sz="2800"/>
+              <a:t>适合批处理</a:t>
+            </a:r>
+            <a:r>
+              <a:rPr lang="zh-CN" altLang="en-US" sz="2800"/>
+              <a:t>，</a:t>
+            </a:r>
+            <a:r>
+              <a:rPr lang="en-US" altLang="zh-CN" sz="2800"/>
+              <a:t>移动计算而</a:t>
+            </a:r>
+            <a:r>
+              <a:rPr lang="zh-CN" altLang="en-US" sz="2800"/>
+              <a:t>非</a:t>
+            </a:r>
+            <a:r>
+              <a:rPr lang="en-US" altLang="zh-CN" sz="2800"/>
+              <a:t>数据。</a:t>
             </a:r>
             <a:endParaRPr lang="en-US" altLang="zh-CN" sz="2800"/>
           </a:p>
-        </p:txBody>
-      </p:sp>
-      <p:sp>
-        <p:nvSpPr>
-          <p:cNvPr id="25" name="文本框 24"/>
-          <p:cNvSpPr txBox="1"/>
-          <p:nvPr/>
-        </p:nvSpPr>
-        <p:spPr>
-          <a:xfrm>
-            <a:off x="7975600" y="2978785"/>
-            <a:ext cx="1235075" cy="521970"/>
-          </a:xfrm>
-          <a:prstGeom prst="rect">
-            <a:avLst/>
-          </a:prstGeom>
-          <a:noFill/>
-        </p:spPr>
-        <p:txBody>
-          <a:bodyPr wrap="square" rtlCol="0">
-            <a:spAutoFit/>
-          </a:bodyPr>
-          <a:p>
+          <a:p>
+            <a:pPr algn="l"/>
+            <a:endParaRPr lang="en-US" altLang="zh-CN" sz="2800"/>
+          </a:p>
+          <a:p>
+            <a:pPr algn="l"/>
             <a:r>
               <a:rPr lang="en-US" altLang="zh-CN" sz="2800"/>
-              <a:t>sqoop</a:t>
-            </a:r>
-            <a:endParaRPr lang="en-US" altLang="zh-CN" sz="2800"/>
-          </a:p>
-        </p:txBody>
-      </p:sp>
-      <p:sp>
-        <p:nvSpPr>
-          <p:cNvPr id="28" name="文本框 27"/>
-          <p:cNvSpPr txBox="1"/>
-          <p:nvPr/>
-        </p:nvSpPr>
-        <p:spPr>
-          <a:xfrm>
-            <a:off x="7672070" y="5256530"/>
-            <a:ext cx="1538605" cy="521970"/>
-          </a:xfrm>
-          <a:prstGeom prst="rect">
-            <a:avLst/>
-          </a:prstGeom>
-          <a:noFill/>
-        </p:spPr>
-        <p:txBody>
-          <a:bodyPr wrap="none" rtlCol="0">
-            <a:spAutoFit/>
-          </a:bodyPr>
-          <a:p>
-            <a:r>
-              <a:rPr lang="en-US" altLang="zh-CN" sz="2800"/>
-              <a:t>hdfs/hive</a:t>
-            </a:r>
-            <a:endParaRPr lang="en-US" altLang="zh-CN" sz="2800"/>
-          </a:p>
-        </p:txBody>
-      </p:sp>
-      <p:sp>
-        <p:nvSpPr>
-          <p:cNvPr id="31" name="圆角矩形 30"/>
-          <p:cNvSpPr/>
-          <p:nvPr/>
-        </p:nvSpPr>
-        <p:spPr>
-          <a:xfrm>
-            <a:off x="1488440" y="5071110"/>
-            <a:ext cx="1932305" cy="1031875"/>
-          </a:xfrm>
-          <a:prstGeom prst="roundRect">
-            <a:avLst/>
-          </a:prstGeom>
-          <a:solidFill>
-            <a:schemeClr val="bg1"/>
-          </a:solidFill>
-        </p:spPr>
-        <p:style>
-          <a:lnRef idx="2">
-            <a:schemeClr val="accent1">
-              <a:shade val="50000"/>
-            </a:schemeClr>
-          </a:lnRef>
-          <a:fillRef idx="1">
-            <a:schemeClr val="accent1"/>
-          </a:fillRef>
-          <a:effectRef idx="0">
-            <a:schemeClr val="accent1"/>
-          </a:effectRef>
-          <a:fontRef idx="minor">
-            <a:schemeClr val="lt1"/>
-          </a:fontRef>
-        </p:style>
-        <p:txBody>
-          <a:bodyPr rtlCol="0" anchor="ctr"/>
-          <a:p>
-            <a:pPr algn="ctr"/>
-            <a:endParaRPr lang="zh-CN" altLang="en-US"/>
-          </a:p>
-        </p:txBody>
-      </p:sp>
-      <p:sp>
-        <p:nvSpPr>
-          <p:cNvPr id="32" name="文本框 31"/>
-          <p:cNvSpPr txBox="1"/>
-          <p:nvPr/>
-        </p:nvSpPr>
-        <p:spPr>
-          <a:xfrm>
-            <a:off x="1972310" y="5325745"/>
-            <a:ext cx="964565" cy="521970"/>
-          </a:xfrm>
-          <a:prstGeom prst="rect">
-            <a:avLst/>
-          </a:prstGeom>
-          <a:noFill/>
-        </p:spPr>
-        <p:txBody>
-          <a:bodyPr wrap="none" rtlCol="0">
-            <a:spAutoFit/>
-          </a:bodyPr>
-          <a:p>
-            <a:r>
-              <a:rPr lang="en-US" altLang="zh-CN" sz="2800"/>
-              <a:t>spark</a:t>
-            </a:r>
-            <a:endParaRPr lang="en-US" altLang="zh-CN" sz="2800"/>
-          </a:p>
-        </p:txBody>
-      </p:sp>
-      <p:sp>
-        <p:nvSpPr>
-          <p:cNvPr id="35" name="流程图: 过程 34"/>
-          <p:cNvSpPr/>
-          <p:nvPr/>
-        </p:nvSpPr>
-        <p:spPr>
-          <a:xfrm>
-            <a:off x="7546975" y="5071110"/>
-            <a:ext cx="1886585" cy="914400"/>
-          </a:xfrm>
-          <a:prstGeom prst="flowChartProcess">
-            <a:avLst/>
-          </a:prstGeom>
-          <a:noFill/>
-        </p:spPr>
-        <p:style>
-          <a:lnRef idx="2">
-            <a:schemeClr val="accent1">
-              <a:shade val="50000"/>
-            </a:schemeClr>
-          </a:lnRef>
-          <a:fillRef idx="1">
-            <a:schemeClr val="accent1"/>
-          </a:fillRef>
-          <a:effectRef idx="0">
-            <a:schemeClr val="accent1"/>
-          </a:effectRef>
-          <a:fontRef idx="minor">
-            <a:schemeClr val="lt1"/>
-          </a:fontRef>
-        </p:style>
-        <p:txBody>
-          <a:bodyPr rtlCol="0" anchor="ctr"/>
-          <a:p>
-            <a:pPr algn="ctr"/>
-            <a:endParaRPr lang="zh-CN" altLang="en-US"/>
-          </a:p>
-        </p:txBody>
-      </p:sp>
-      <p:sp>
-        <p:nvSpPr>
-          <p:cNvPr id="44" name="左右箭头 43"/>
-          <p:cNvSpPr/>
-          <p:nvPr/>
-        </p:nvSpPr>
-        <p:spPr>
-          <a:xfrm>
-            <a:off x="4244340" y="5277485"/>
-            <a:ext cx="2535555" cy="501015"/>
-          </a:xfrm>
-          <a:prstGeom prst="leftRightArrow">
-            <a:avLst/>
-          </a:prstGeom>
-          <a:solidFill>
-            <a:schemeClr val="bg1"/>
-          </a:solidFill>
-        </p:spPr>
-        <p:style>
-          <a:lnRef idx="2">
-            <a:schemeClr val="accent1">
-              <a:shade val="50000"/>
-            </a:schemeClr>
-          </a:lnRef>
-          <a:fillRef idx="1">
-            <a:schemeClr val="accent1"/>
-          </a:fillRef>
-          <a:effectRef idx="0">
-            <a:schemeClr val="accent1"/>
-          </a:effectRef>
-          <a:fontRef idx="minor">
-            <a:schemeClr val="lt1"/>
-          </a:fontRef>
-        </p:style>
-        <p:txBody>
-          <a:bodyPr rtlCol="0" anchor="ctr"/>
-          <a:p>
-            <a:pPr algn="ctr"/>
-            <a:endParaRPr lang="zh-CN" altLang="en-US"/>
-          </a:p>
-        </p:txBody>
-      </p:sp>
-      <p:sp>
-        <p:nvSpPr>
-          <p:cNvPr id="45" name="上下箭头 44"/>
-          <p:cNvSpPr/>
-          <p:nvPr/>
-        </p:nvSpPr>
-        <p:spPr>
-          <a:xfrm>
-            <a:off x="2199005" y="3862705"/>
-            <a:ext cx="456565" cy="991870"/>
-          </a:xfrm>
-          <a:prstGeom prst="upDownArrow">
-            <a:avLst/>
-          </a:prstGeom>
-          <a:solidFill>
-            <a:schemeClr val="bg1"/>
-          </a:solidFill>
-        </p:spPr>
-        <p:style>
-          <a:lnRef idx="2">
-            <a:schemeClr val="accent1">
-              <a:shade val="50000"/>
-            </a:schemeClr>
-          </a:lnRef>
-          <a:fillRef idx="1">
-            <a:schemeClr val="accent1"/>
-          </a:fillRef>
-          <a:effectRef idx="0">
-            <a:schemeClr val="accent1"/>
-          </a:effectRef>
-          <a:fontRef idx="minor">
-            <a:schemeClr val="lt1"/>
-          </a:fontRef>
-        </p:style>
-        <p:txBody>
-          <a:bodyPr rtlCol="0" anchor="ctr"/>
-          <a:p>
-            <a:pPr algn="ctr"/>
-            <a:endParaRPr lang="zh-CN" altLang="en-US"/>
-          </a:p>
-        </p:txBody>
-      </p:sp>
-      <p:sp>
-        <p:nvSpPr>
-          <p:cNvPr id="46" name="下箭头 45"/>
-          <p:cNvSpPr/>
-          <p:nvPr/>
-        </p:nvSpPr>
-        <p:spPr>
-          <a:xfrm>
-            <a:off x="8246745" y="3862705"/>
-            <a:ext cx="486410" cy="1017905"/>
-          </a:xfrm>
-          <a:prstGeom prst="downArrow">
-            <a:avLst/>
-          </a:prstGeom>
-          <a:solidFill>
-            <a:schemeClr val="bg1"/>
-          </a:solidFill>
-        </p:spPr>
-        <p:style>
-          <a:lnRef idx="2">
-            <a:schemeClr val="accent1">
-              <a:shade val="50000"/>
-            </a:schemeClr>
-          </a:lnRef>
-          <a:fillRef idx="1">
-            <a:schemeClr val="accent1"/>
-          </a:fillRef>
-          <a:effectRef idx="0">
-            <a:schemeClr val="accent1"/>
-          </a:effectRef>
-          <a:fontRef idx="minor">
-            <a:schemeClr val="lt1"/>
-          </a:fontRef>
-        </p:style>
-        <p:txBody>
-          <a:bodyPr rtlCol="0" anchor="ctr"/>
-          <a:p>
-            <a:pPr algn="ctr"/>
-            <a:endParaRPr lang="zh-CN" altLang="en-US"/>
-          </a:p>
-        </p:txBody>
-      </p:sp>
-      <p:sp>
-        <p:nvSpPr>
-          <p:cNvPr id="47" name="右弧形箭头 46"/>
-          <p:cNvSpPr/>
-          <p:nvPr/>
-        </p:nvSpPr>
-        <p:spPr>
-          <a:xfrm>
-            <a:off x="9832340" y="2035175"/>
-            <a:ext cx="869950" cy="3582670"/>
-          </a:xfrm>
-          <a:prstGeom prst="curvedLeftArrow">
-            <a:avLst/>
-          </a:prstGeom>
-          <a:solidFill>
-            <a:schemeClr val="bg1"/>
-          </a:solidFill>
-        </p:spPr>
-        <p:style>
-          <a:lnRef idx="2">
-            <a:schemeClr val="accent1">
-              <a:shade val="50000"/>
-            </a:schemeClr>
-          </a:lnRef>
-          <a:fillRef idx="1">
-            <a:schemeClr val="accent1"/>
-          </a:fillRef>
-          <a:effectRef idx="0">
-            <a:schemeClr val="accent1"/>
-          </a:effectRef>
-          <a:fontRef idx="minor">
-            <a:schemeClr val="lt1"/>
-          </a:fontRef>
-        </p:style>
-        <p:txBody>
-          <a:bodyPr rtlCol="0" anchor="ctr"/>
-          <a:p>
-            <a:pPr algn="ctr"/>
-            <a:endParaRPr lang="zh-CN" altLang="en-US">
-              <a:solidFill>
-                <a:schemeClr val="tx1"/>
-              </a:solidFill>
-            </a:endParaRPr>
-          </a:p>
-        </p:txBody>
-      </p:sp>
-    </p:spTree>
-    <p:custDataLst>
-      <p:tags r:id="rId2"/>
-    </p:custDataLst>
-  </p:cSld>
-  <p:clrMapOvr>
-    <a:masterClrMapping/>
-  </p:clrMapOvr>
-</p:sld>
-</file>
-
-<file path=ppt/slides/slide9.xml><?xml version="1.0" encoding="utf-8"?>
-<p:sld xmlns:a="http://schemas.openxmlformats.org/drawingml/2006/main" xmlns:r="http://schemas.openxmlformats.org/officeDocument/2006/relationships" xmlns:p="http://schemas.openxmlformats.org/presentationml/2006/main">
-  <p:cSld>
-    <p:spTree>
-      <p:nvGrpSpPr>
-        <p:cNvPr id="1" name=""/>
-        <p:cNvGrpSpPr/>
-        <p:nvPr/>
-      </p:nvGrpSpPr>
-      <p:grpSpPr/>
-      <p:cxnSp>
-        <p:nvCxnSpPr>
-          <p:cNvPr id="4" name="直接连接符 3"/>
-          <p:cNvCxnSpPr/>
-          <p:nvPr/>
-        </p:nvCxnSpPr>
-        <p:spPr>
-          <a:xfrm>
-            <a:off x="931545" y="1303020"/>
-            <a:ext cx="10589260" cy="0"/>
-          </a:xfrm>
-          <a:prstGeom prst="line">
-            <a:avLst/>
-          </a:prstGeom>
-        </p:spPr>
-        <p:style>
-          <a:lnRef idx="1">
-            <a:schemeClr val="accent5"/>
-          </a:lnRef>
-          <a:fillRef idx="0">
-            <a:schemeClr val="accent5"/>
-          </a:fillRef>
-          <a:effectRef idx="0">
-            <a:schemeClr val="accent5"/>
-          </a:effectRef>
-          <a:fontRef idx="minor">
-            <a:schemeClr val="tx1"/>
-          </a:fontRef>
-        </p:style>
-      </p:cxnSp>
-      <p:pic>
-        <p:nvPicPr>
-          <p:cNvPr id="7" name="图片 6" descr="pic"/>
-          <p:cNvPicPr>
-            <a:picLocks noChangeAspect="1"/>
-          </p:cNvPicPr>
-          <p:nvPr/>
-        </p:nvPicPr>
-        <p:blipFill>
-          <a:blip r:embed="rId1"/>
-          <a:stretch>
-            <a:fillRect/>
-          </a:stretch>
-        </p:blipFill>
-        <p:spPr>
-          <a:xfrm>
-            <a:off x="9237980" y="678180"/>
-            <a:ext cx="2282825" cy="624840"/>
-          </a:xfrm>
-          <a:prstGeom prst="rect">
-            <a:avLst/>
-          </a:prstGeom>
-        </p:spPr>
-      </p:pic>
-      <p:grpSp>
-        <p:nvGrpSpPr>
-          <p:cNvPr id="3" name="组 9"/>
-          <p:cNvGrpSpPr/>
-          <p:nvPr/>
-        </p:nvGrpSpPr>
-        <p:grpSpPr>
-          <a:xfrm>
-            <a:off x="847405" y="1530300"/>
-            <a:ext cx="6306505" cy="692779"/>
-            <a:chOff x="1714501" y="2056771"/>
-            <a:chExt cx="5765799" cy="692779"/>
-          </a:xfrm>
-          <a:solidFill>
-            <a:schemeClr val="bg1">
-              <a:lumMod val="95000"/>
-            </a:schemeClr>
-          </a:solidFill>
-        </p:grpSpPr>
-        <p:sp>
-          <p:nvSpPr>
-            <p:cNvPr id="2" name="AutoShape 5"/>
-            <p:cNvSpPr>
-              <a:spLocks noChangeArrowheads="1"/>
-            </p:cNvSpPr>
-            <p:nvPr/>
-          </p:nvSpPr>
-          <p:spPr bwMode="auto">
-            <a:xfrm>
-              <a:off x="1714501" y="2057402"/>
-              <a:ext cx="808457" cy="576024"/>
-            </a:xfrm>
-            <a:prstGeom prst="roundRect">
-              <a:avLst>
-                <a:gd name="adj" fmla="val 16667"/>
-              </a:avLst>
-            </a:prstGeom>
-            <a:solidFill>
-              <a:srgbClr val="FFC000"/>
-            </a:solidFill>
-            <a:ln>
-              <a:noFill/>
-            </a:ln>
-          </p:spPr>
-          <p:txBody>
-            <a:bodyPr wrap="none" anchor="ctr"/>
-            <a:lstStyle>
-              <a:lvl1pPr indent="158750">
-                <a:buFont typeface="Arial" panose="020B0604020202020204" pitchFamily="34" charset="0"/>
-                <a:defRPr>
-                  <a:solidFill>
-                    <a:schemeClr val="tx1"/>
-                  </a:solidFill>
-                  <a:latin typeface="Verdana" panose="020B0604030504040204" pitchFamily="34" charset="0"/>
-                  <a:ea typeface="微软雅黑" panose="020B0503020204020204" charset="-122"/>
-                </a:defRPr>
-              </a:lvl1pPr>
-              <a:lvl2pPr marL="742950" indent="-285750">
-                <a:buFont typeface="Arial" panose="020B0604020202020204" pitchFamily="34" charset="0"/>
-                <a:defRPr>
-                  <a:solidFill>
-                    <a:schemeClr val="tx1"/>
-                  </a:solidFill>
-                  <a:latin typeface="Verdana" panose="020B0604030504040204" pitchFamily="34" charset="0"/>
-                  <a:ea typeface="微软雅黑" panose="020B0503020204020204" charset="-122"/>
-                </a:defRPr>
-              </a:lvl2pPr>
-              <a:lvl3pPr marL="1143000" indent="-228600">
-                <a:buFont typeface="Arial" panose="020B0604020202020204" pitchFamily="34" charset="0"/>
-                <a:defRPr>
-                  <a:solidFill>
-                    <a:schemeClr val="tx1"/>
-                  </a:solidFill>
-                  <a:latin typeface="Verdana" panose="020B0604030504040204" pitchFamily="34" charset="0"/>
-                  <a:ea typeface="微软雅黑" panose="020B0503020204020204" charset="-122"/>
-                </a:defRPr>
-              </a:lvl3pPr>
-              <a:lvl4pPr marL="1600200" indent="-228600">
-                <a:buFont typeface="Arial" panose="020B0604020202020204" pitchFamily="34" charset="0"/>
-                <a:defRPr>
-                  <a:solidFill>
-                    <a:schemeClr val="tx1"/>
-                  </a:solidFill>
-                  <a:latin typeface="Verdana" panose="020B0604030504040204" pitchFamily="34" charset="0"/>
-                  <a:ea typeface="微软雅黑" panose="020B0503020204020204" charset="-122"/>
-                </a:defRPr>
-              </a:lvl4pPr>
-              <a:lvl5pPr marL="2057400" indent="-228600">
-                <a:buFont typeface="Arial" panose="020B0604020202020204" pitchFamily="34" charset="0"/>
-                <a:defRPr>
-                  <a:solidFill>
-                    <a:schemeClr val="tx1"/>
-                  </a:solidFill>
-                  <a:latin typeface="Verdana" panose="020B0604030504040204" pitchFamily="34" charset="0"/>
-                  <a:ea typeface="微软雅黑" panose="020B0503020204020204" charset="-122"/>
-                </a:defRPr>
-              </a:lvl5pPr>
-              <a:lvl6pPr marL="2514600" indent="-228600" eaLnBrk="0" fontAlgn="base" hangingPunct="0">
-                <a:spcBef>
-                  <a:spcPct val="0"/>
-                </a:spcBef>
-                <a:spcAft>
-                  <a:spcPct val="0"/>
-                </a:spcAft>
-                <a:buFont typeface="Arial" panose="020B0604020202020204" pitchFamily="34" charset="0"/>
-                <a:defRPr>
-                  <a:solidFill>
-                    <a:schemeClr val="tx1"/>
-                  </a:solidFill>
-                  <a:latin typeface="Verdana" panose="020B0604030504040204" pitchFamily="34" charset="0"/>
-                  <a:ea typeface="微软雅黑" panose="020B0503020204020204" charset="-122"/>
-                </a:defRPr>
-              </a:lvl6pPr>
-              <a:lvl7pPr marL="2971800" indent="-228600" eaLnBrk="0" fontAlgn="base" hangingPunct="0">
-                <a:spcBef>
-                  <a:spcPct val="0"/>
-                </a:spcBef>
-                <a:spcAft>
-                  <a:spcPct val="0"/>
-                </a:spcAft>
-                <a:buFont typeface="Arial" panose="020B0604020202020204" pitchFamily="34" charset="0"/>
-                <a:defRPr>
-                  <a:solidFill>
-                    <a:schemeClr val="tx1"/>
-                  </a:solidFill>
-                  <a:latin typeface="Verdana" panose="020B0604030504040204" pitchFamily="34" charset="0"/>
-                  <a:ea typeface="微软雅黑" panose="020B0503020204020204" charset="-122"/>
-                </a:defRPr>
-              </a:lvl7pPr>
-              <a:lvl8pPr marL="3429000" indent="-228600" eaLnBrk="0" fontAlgn="base" hangingPunct="0">
-                <a:spcBef>
-                  <a:spcPct val="0"/>
-                </a:spcBef>
-                <a:spcAft>
-                  <a:spcPct val="0"/>
-                </a:spcAft>
-                <a:buFont typeface="Arial" panose="020B0604020202020204" pitchFamily="34" charset="0"/>
-                <a:defRPr>
-                  <a:solidFill>
-                    <a:schemeClr val="tx1"/>
-                  </a:solidFill>
-                  <a:latin typeface="Verdana" panose="020B0604030504040204" pitchFamily="34" charset="0"/>
-                  <a:ea typeface="微软雅黑" panose="020B0503020204020204" charset="-122"/>
-                </a:defRPr>
-              </a:lvl8pPr>
-              <a:lvl9pPr marL="3886200" indent="-228600" eaLnBrk="0" fontAlgn="base" hangingPunct="0">
-                <a:spcBef>
-                  <a:spcPct val="0"/>
-                </a:spcBef>
-                <a:spcAft>
-                  <a:spcPct val="0"/>
-                </a:spcAft>
-                <a:buFont typeface="Arial" panose="020B0604020202020204" pitchFamily="34" charset="0"/>
-                <a:defRPr>
-                  <a:solidFill>
-                    <a:schemeClr val="tx1"/>
-                  </a:solidFill>
-                  <a:latin typeface="Verdana" panose="020B0604030504040204" pitchFamily="34" charset="0"/>
-                  <a:ea typeface="微软雅黑" panose="020B0503020204020204" charset="-122"/>
-                </a:defRPr>
-              </a:lvl9pPr>
-            </a:lstStyle>
-            <a:p>
-              <a:pPr eaLnBrk="1" hangingPunct="1"/>
-              <a:r>
-                <a:rPr lang="zh-CN" altLang="en-US" sz="2400" b="1" dirty="0">
-                  <a:solidFill>
-                    <a:srgbClr val="FFFFFF"/>
-                  </a:solidFill>
-                  <a:latin typeface="微软雅黑" panose="020B0503020204020204" charset="-122"/>
-                  <a:sym typeface="微软雅黑" panose="020B0503020204020204" charset="-122"/>
-                </a:rPr>
-                <a:t>三</a:t>
-              </a:r>
-              <a:endParaRPr lang="zh-CN" altLang="en-US" sz="2400" b="1" dirty="0">
-                <a:solidFill>
-                  <a:srgbClr val="FFFFFF"/>
-                </a:solidFill>
-                <a:latin typeface="微软雅黑" panose="020B0503020204020204" charset="-122"/>
-                <a:sym typeface="微软雅黑" panose="020B0503020204020204" charset="-122"/>
-              </a:endParaRPr>
-            </a:p>
-          </p:txBody>
-        </p:sp>
-        <p:grpSp>
-          <p:nvGrpSpPr>
-            <p:cNvPr id="5" name="Group 6"/>
-            <p:cNvGrpSpPr/>
-            <p:nvPr/>
-          </p:nvGrpSpPr>
-          <p:grpSpPr bwMode="auto">
-            <a:xfrm>
-              <a:off x="2664835" y="2056771"/>
-              <a:ext cx="4815465" cy="692779"/>
-              <a:chOff x="15" y="20"/>
-              <a:chExt cx="2580" cy="404"/>
-            </a:xfrm>
-            <a:grpFill/>
-          </p:grpSpPr>
-          <p:sp>
-            <p:nvSpPr>
-              <p:cNvPr id="14" name="AutoShape 7"/>
-              <p:cNvSpPr>
-                <a:spLocks noChangeArrowheads="1"/>
-              </p:cNvSpPr>
-              <p:nvPr/>
-            </p:nvSpPr>
-            <p:spPr bwMode="auto">
-              <a:xfrm rot="10800000">
-                <a:off x="31" y="288"/>
-                <a:ext cx="2564" cy="136"/>
-              </a:xfrm>
-              <a:custGeom>
-                <a:avLst/>
-                <a:gdLst>
-                  <a:gd name="T0" fmla="*/ 0 w 21600"/>
-                  <a:gd name="T1" fmla="*/ 0 h 21600"/>
-                  <a:gd name="T2" fmla="*/ 19 w 21600"/>
-                  <a:gd name="T3" fmla="*/ 1 h 21600"/>
-                  <a:gd name="T4" fmla="*/ 286 w 21600"/>
-                  <a:gd name="T5" fmla="*/ 1 h 21600"/>
-                  <a:gd name="T6" fmla="*/ 304 w 21600"/>
-                  <a:gd name="T7" fmla="*/ 0 h 21600"/>
-                  <a:gd name="T8" fmla="*/ 0 w 21600"/>
-                  <a:gd name="T9" fmla="*/ 0 h 21600"/>
-                  <a:gd name="T10" fmla="*/ 0 60000 65536"/>
-                  <a:gd name="T11" fmla="*/ 0 60000 65536"/>
-                  <a:gd name="T12" fmla="*/ 0 60000 65536"/>
-                  <a:gd name="T13" fmla="*/ 0 60000 65536"/>
-                  <a:gd name="T14" fmla="*/ 0 60000 65536"/>
-                  <a:gd name="T15" fmla="*/ 0 w 21600"/>
-                  <a:gd name="T16" fmla="*/ 0 h 21600"/>
-                  <a:gd name="T17" fmla="*/ 21600 w 21600"/>
-                  <a:gd name="T18" fmla="*/ 21600 h 21600"/>
-                </a:gdLst>
-                <a:ahLst/>
-                <a:cxnLst>
-                  <a:cxn ang="T10">
-                    <a:pos x="T0" y="T1"/>
-                  </a:cxn>
-                  <a:cxn ang="T11">
-                    <a:pos x="T2" y="T3"/>
-                  </a:cxn>
-                  <a:cxn ang="T12">
-                    <a:pos x="T4" y="T5"/>
-                  </a:cxn>
-                  <a:cxn ang="T13">
-                    <a:pos x="T6" y="T7"/>
-                  </a:cxn>
-                  <a:cxn ang="T14">
-                    <a:pos x="T8" y="T9"/>
-                  </a:cxn>
-                </a:cxnLst>
-                <a:rect l="T15" t="T16" r="T17" b="T18"/>
-                <a:pathLst>
-                  <a:path w="21600" h="21600">
-                    <a:moveTo>
-                      <a:pt x="0" y="0"/>
-                    </a:moveTo>
-                    <a:lnTo>
-                      <a:pt x="1314" y="21600"/>
-                    </a:lnTo>
-                    <a:lnTo>
-                      <a:pt x="20286" y="21600"/>
-                    </a:lnTo>
-                    <a:lnTo>
-                      <a:pt x="21600" y="0"/>
-                    </a:lnTo>
-                    <a:lnTo>
-                      <a:pt x="0" y="0"/>
-                    </a:lnTo>
-                    <a:close/>
-                  </a:path>
-                </a:pathLst>
-              </a:custGeom>
-              <a:grpFill/>
-              <a:ln>
-                <a:noFill/>
-              </a:ln>
-              <a:extLst>
-                <a:ext uri="{91240B29-F687-4F45-9708-019B960494DF}">
-                  <a14:hiddenLine xmlns:a14="http://schemas.microsoft.com/office/drawing/2010/main" w="9525">
-                    <a:solidFill>
-                      <a:srgbClr val="000000"/>
-                    </a:solidFill>
-                    <a:round/>
-                  </a14:hiddenLine>
-                </a:ext>
-              </a:extLst>
-            </p:spPr>
-            <p:txBody>
-              <a:bodyPr/>
-              <a:lstStyle/>
-              <a:p>
-                <a:endParaRPr lang="zh-CN" altLang="en-US"/>
-              </a:p>
-            </p:txBody>
-          </p:sp>
-          <p:sp>
-            <p:nvSpPr>
-              <p:cNvPr id="15" name="AutoShape 8"/>
-              <p:cNvSpPr>
-                <a:spLocks noChangeArrowheads="1"/>
-              </p:cNvSpPr>
-              <p:nvPr/>
-            </p:nvSpPr>
-            <p:spPr bwMode="auto">
-              <a:xfrm>
-                <a:off x="15" y="20"/>
-                <a:ext cx="2580" cy="336"/>
-              </a:xfrm>
-              <a:prstGeom prst="roundRect">
-                <a:avLst>
-                  <a:gd name="adj" fmla="val 16667"/>
-                </a:avLst>
-              </a:prstGeom>
-              <a:noFill/>
-              <a:extLst>
-                <a:ext uri="{91240B29-F687-4F45-9708-019B960494DF}">
-                  <a14:hiddenLine xmlns:a14="http://schemas.microsoft.com/office/drawing/2010/main" w="9525">
-                    <a:solidFill>
-                      <a:srgbClr val="000000"/>
-                    </a:solidFill>
-                    <a:round/>
-                  </a14:hiddenLine>
-                </a:ext>
-              </a:extLst>
-            </p:spPr>
-            <p:style>
-              <a:lnRef idx="2">
-                <a:schemeClr val="accent1"/>
-              </a:lnRef>
-              <a:fillRef idx="1">
-                <a:schemeClr val="lt1"/>
-              </a:fillRef>
-              <a:effectRef idx="0">
-                <a:schemeClr val="accent1"/>
-              </a:effectRef>
-              <a:fontRef idx="minor">
-                <a:schemeClr val="dk1"/>
-              </a:fontRef>
-            </p:style>
-            <p:txBody>
-              <a:bodyPr wrap="none" anchor="ctr"/>
-              <a:lstStyle>
-                <a:lvl1pPr indent="158750">
-                  <a:buFont typeface="Arial" panose="020B0604020202020204" pitchFamily="34" charset="0"/>
-                  <a:defRPr>
-                    <a:solidFill>
-                      <a:schemeClr val="tx1"/>
-                    </a:solidFill>
-                    <a:latin typeface="Verdana" panose="020B0604030504040204" pitchFamily="34" charset="0"/>
-                    <a:ea typeface="微软雅黑" panose="020B0503020204020204" charset="-122"/>
-                  </a:defRPr>
-                </a:lvl1pPr>
-                <a:lvl2pPr marL="742950" indent="-285750">
-                  <a:buFont typeface="Arial" panose="020B0604020202020204" pitchFamily="34" charset="0"/>
-                  <a:defRPr>
-                    <a:solidFill>
-                      <a:schemeClr val="tx1"/>
-                    </a:solidFill>
-                    <a:latin typeface="Verdana" panose="020B0604030504040204" pitchFamily="34" charset="0"/>
-                    <a:ea typeface="微软雅黑" panose="020B0503020204020204" charset="-122"/>
-                  </a:defRPr>
-                </a:lvl2pPr>
-                <a:lvl3pPr marL="1143000" indent="-228600">
-                  <a:buFont typeface="Arial" panose="020B0604020202020204" pitchFamily="34" charset="0"/>
-                  <a:defRPr>
-                    <a:solidFill>
-                      <a:schemeClr val="tx1"/>
-                    </a:solidFill>
-                    <a:latin typeface="Verdana" panose="020B0604030504040204" pitchFamily="34" charset="0"/>
-                    <a:ea typeface="微软雅黑" panose="020B0503020204020204" charset="-122"/>
-                  </a:defRPr>
-                </a:lvl3pPr>
-                <a:lvl4pPr marL="1600200" indent="-228600">
-                  <a:buFont typeface="Arial" panose="020B0604020202020204" pitchFamily="34" charset="0"/>
-                  <a:defRPr>
-                    <a:solidFill>
-                      <a:schemeClr val="tx1"/>
-                    </a:solidFill>
-                    <a:latin typeface="Verdana" panose="020B0604030504040204" pitchFamily="34" charset="0"/>
-                    <a:ea typeface="微软雅黑" panose="020B0503020204020204" charset="-122"/>
-                  </a:defRPr>
-                </a:lvl4pPr>
-                <a:lvl5pPr marL="2057400" indent="-228600">
-                  <a:buFont typeface="Arial" panose="020B0604020202020204" pitchFamily="34" charset="0"/>
-                  <a:defRPr>
-                    <a:solidFill>
-                      <a:schemeClr val="tx1"/>
-                    </a:solidFill>
-                    <a:latin typeface="Verdana" panose="020B0604030504040204" pitchFamily="34" charset="0"/>
-                    <a:ea typeface="微软雅黑" panose="020B0503020204020204" charset="-122"/>
-                  </a:defRPr>
-                </a:lvl5pPr>
-                <a:lvl6pPr marL="2514600" indent="-228600" eaLnBrk="0" fontAlgn="base" hangingPunct="0">
-                  <a:spcBef>
-                    <a:spcPct val="0"/>
-                  </a:spcBef>
-                  <a:spcAft>
-                    <a:spcPct val="0"/>
-                  </a:spcAft>
-                  <a:buFont typeface="Arial" panose="020B0604020202020204" pitchFamily="34" charset="0"/>
-                  <a:defRPr>
-                    <a:solidFill>
-                      <a:schemeClr val="tx1"/>
-                    </a:solidFill>
-                    <a:latin typeface="Verdana" panose="020B0604030504040204" pitchFamily="34" charset="0"/>
-                    <a:ea typeface="微软雅黑" panose="020B0503020204020204" charset="-122"/>
-                  </a:defRPr>
-                </a:lvl6pPr>
-                <a:lvl7pPr marL="2971800" indent="-228600" eaLnBrk="0" fontAlgn="base" hangingPunct="0">
-                  <a:spcBef>
-                    <a:spcPct val="0"/>
-                  </a:spcBef>
-                  <a:spcAft>
-                    <a:spcPct val="0"/>
-                  </a:spcAft>
-                  <a:buFont typeface="Arial" panose="020B0604020202020204" pitchFamily="34" charset="0"/>
-                  <a:defRPr>
-                    <a:solidFill>
-                      <a:schemeClr val="tx1"/>
-                    </a:solidFill>
-                    <a:latin typeface="Verdana" panose="020B0604030504040204" pitchFamily="34" charset="0"/>
-                    <a:ea typeface="微软雅黑" panose="020B0503020204020204" charset="-122"/>
-                  </a:defRPr>
-                </a:lvl7pPr>
-                <a:lvl8pPr marL="3429000" indent="-228600" eaLnBrk="0" fontAlgn="base" hangingPunct="0">
-                  <a:spcBef>
-                    <a:spcPct val="0"/>
-                  </a:spcBef>
-                  <a:spcAft>
-                    <a:spcPct val="0"/>
-                  </a:spcAft>
-                  <a:buFont typeface="Arial" panose="020B0604020202020204" pitchFamily="34" charset="0"/>
-                  <a:defRPr>
-                    <a:solidFill>
-                      <a:schemeClr val="tx1"/>
-                    </a:solidFill>
-                    <a:latin typeface="Verdana" panose="020B0604030504040204" pitchFamily="34" charset="0"/>
-                    <a:ea typeface="微软雅黑" panose="020B0503020204020204" charset="-122"/>
-                  </a:defRPr>
-                </a:lvl8pPr>
-                <a:lvl9pPr marL="3886200" indent="-228600" eaLnBrk="0" fontAlgn="base" hangingPunct="0">
-                  <a:spcBef>
-                    <a:spcPct val="0"/>
-                  </a:spcBef>
-                  <a:spcAft>
-                    <a:spcPct val="0"/>
-                  </a:spcAft>
-                  <a:buFont typeface="Arial" panose="020B0604020202020204" pitchFamily="34" charset="0"/>
-                  <a:defRPr>
-                    <a:solidFill>
-                      <a:schemeClr val="tx1"/>
-                    </a:solidFill>
-                    <a:latin typeface="Verdana" panose="020B0604030504040204" pitchFamily="34" charset="0"/>
-                    <a:ea typeface="微软雅黑" panose="020B0503020204020204" charset="-122"/>
-                  </a:defRPr>
-                </a:lvl9pPr>
-              </a:lstStyle>
-              <a:p>
-                <a:r>
-                  <a:rPr lang="zh-CN" altLang="en-US" sz="2400" b="1" dirty="0" smtClean="0">
-                    <a:solidFill>
-                      <a:schemeClr val="tx1"/>
-                    </a:solidFill>
-                    <a:latin typeface="宋体" panose="02010600030101010101" pitchFamily="2" charset="-122"/>
-                    <a:ea typeface="宋体" panose="02010600030101010101" pitchFamily="2" charset="-122"/>
-                    <a:sym typeface="微软雅黑" panose="020B0503020204020204" charset="-122"/>
-                  </a:rPr>
-                  <a:t>测试样</a:t>
-                </a:r>
-                <a:r>
-                  <a:rPr lang="zh-CN" altLang="en-US" sz="2400" b="1" dirty="0" smtClean="0">
-                    <a:solidFill>
-                      <a:schemeClr val="tx1"/>
-                    </a:solidFill>
-                    <a:latin typeface="宋体" panose="02010600030101010101" pitchFamily="2" charset="-122"/>
-                    <a:ea typeface="宋体" panose="02010600030101010101" pitchFamily="2" charset="-122"/>
-                    <a:sym typeface="微软雅黑" panose="020B0503020204020204" charset="-122"/>
-                  </a:rPr>
-                  <a:t>例</a:t>
-                </a:r>
-                <a:endParaRPr lang="zh-CN" altLang="en-US" sz="2400" b="1" dirty="0" smtClean="0">
-                  <a:solidFill>
-                    <a:schemeClr val="tx1"/>
-                  </a:solidFill>
-                  <a:latin typeface="宋体" panose="02010600030101010101" pitchFamily="2" charset="-122"/>
-                  <a:ea typeface="宋体" panose="02010600030101010101" pitchFamily="2" charset="-122"/>
-                  <a:sym typeface="微软雅黑" panose="020B0503020204020204" charset="-122"/>
-                </a:endParaRPr>
-              </a:p>
-            </p:txBody>
-          </p:sp>
-        </p:grpSp>
-      </p:grpSp>
-      <p:sp>
-        <p:nvSpPr>
-          <p:cNvPr id="16" name="文本框 15"/>
-          <p:cNvSpPr txBox="1"/>
-          <p:nvPr/>
-        </p:nvSpPr>
-        <p:spPr>
-          <a:xfrm>
-            <a:off x="1886585" y="2531110"/>
-            <a:ext cx="8437245" cy="368300"/>
-          </a:xfrm>
-          <a:prstGeom prst="rect">
-            <a:avLst/>
-          </a:prstGeom>
-          <a:noFill/>
-        </p:spPr>
-        <p:txBody>
-          <a:bodyPr wrap="square" rtlCol="0" anchor="t">
-            <a:spAutoFit/>
-          </a:bodyPr>
-          <a:p>
-            <a:r>
-              <a:rPr lang="zh-CN" altLang="en-US"/>
-              <a:t> </a:t>
-            </a:r>
-            <a:endParaRPr lang="zh-CN" altLang="en-US"/>
-          </a:p>
-        </p:txBody>
-      </p:sp>
-      <p:sp>
-        <p:nvSpPr>
-          <p:cNvPr id="17" name="文本框 16"/>
-          <p:cNvSpPr txBox="1"/>
-          <p:nvPr/>
-        </p:nvSpPr>
-        <p:spPr>
-          <a:xfrm>
-            <a:off x="1919605" y="2531110"/>
-            <a:ext cx="6369050" cy="645160"/>
-          </a:xfrm>
-          <a:prstGeom prst="rect">
-            <a:avLst/>
-          </a:prstGeom>
-          <a:noFill/>
-        </p:spPr>
-        <p:txBody>
-          <a:bodyPr wrap="square" rtlCol="0">
-            <a:spAutoFit/>
-          </a:bodyPr>
-          <a:p>
-            <a:r>
-              <a:rPr lang="zh-CN" altLang="en-US"/>
-              <a:t>样例一 </a:t>
-            </a:r>
-            <a:r>
-              <a:rPr lang="en-US" altLang="zh-CN"/>
-              <a:t>:</a:t>
-            </a:r>
-            <a:endParaRPr lang="zh-CN" altLang="en-US"/>
-          </a:p>
-          <a:p>
-            <a:r>
-              <a:rPr lang="zh-CN" altLang="en-US"/>
-              <a:t>               来自账务系统中一个多表</a:t>
-            </a:r>
-            <a:r>
-              <a:rPr lang="en-US" altLang="zh-CN"/>
-              <a:t>(8</a:t>
-            </a:r>
-            <a:r>
-              <a:rPr lang="zh-CN" altLang="en-US"/>
-              <a:t>张表</a:t>
-            </a:r>
-            <a:r>
-              <a:rPr lang="en-US" altLang="zh-CN"/>
-              <a:t>)</a:t>
-            </a:r>
-            <a:r>
-              <a:rPr lang="zh-CN" altLang="en-US"/>
-              <a:t>联查的存储过程</a:t>
-            </a:r>
-            <a:endParaRPr lang="zh-CN" altLang="en-US"/>
+              <a:t>3</a:t>
+            </a:r>
+            <a:r>
+              <a:rPr lang="zh-CN" altLang="en-US" sz="2800"/>
+              <a:t>：对服务器性能要求相对较低</a:t>
+            </a:r>
+            <a:endParaRPr lang="zh-CN" altLang="en-US" sz="2800"/>
           </a:p>
         </p:txBody>
       </p:sp>
@@ -7859,13 +11364,97 @@
 
 <file path=ppt/tags/tag10.xml><?xml version="1.0" encoding="utf-8"?>
 <p:tagLst xmlns:p="http://schemas.openxmlformats.org/presentationml/2006/main">
-  <p:tag name="KSO_WM_DOC_GUID" val="{cf6a7b31-d7f0-4390-9b0e-f1c90cb4b39a}"/>
+  <p:tag name="KSO_WM_SLIDE_MODEL_TYPE" val="cover"/>
+</p:tagLst>
+</file>
+
+<file path=ppt/tags/tag11.xml><?xml version="1.0" encoding="utf-8"?>
+<p:tagLst xmlns:p="http://schemas.openxmlformats.org/presentationml/2006/main">
+  <p:tag name="KSO_WM_SLIDE_MODEL_TYPE" val="cover"/>
+</p:tagLst>
+</file>
+
+<file path=ppt/tags/tag12.xml><?xml version="1.0" encoding="utf-8"?>
+<p:tagLst xmlns:p="http://schemas.openxmlformats.org/presentationml/2006/main">
+  <p:tag name="KSO_WM_SLIDE_MODEL_TYPE" val="cover"/>
+</p:tagLst>
+</file>
+
+<file path=ppt/tags/tag13.xml><?xml version="1.0" encoding="utf-8"?>
+<p:tagLst xmlns:p="http://schemas.openxmlformats.org/presentationml/2006/main">
+  <p:tag name="KSO_WM_SLIDE_MODEL_TYPE" val="cover"/>
+</p:tagLst>
+</file>
+
+<file path=ppt/tags/tag14.xml><?xml version="1.0" encoding="utf-8"?>
+<p:tagLst xmlns:p="http://schemas.openxmlformats.org/presentationml/2006/main">
+  <p:tag name="KSO_WM_SLIDE_MODEL_TYPE" val="cover"/>
+</p:tagLst>
+</file>
+
+<file path=ppt/tags/tag15.xml><?xml version="1.0" encoding="utf-8"?>
+<p:tagLst xmlns:p="http://schemas.openxmlformats.org/presentationml/2006/main">
+  <p:tag name="KSO_WM_SLIDE_MODEL_TYPE" val="cover"/>
+</p:tagLst>
+</file>
+
+<file path=ppt/tags/tag16.xml><?xml version="1.0" encoding="utf-8"?>
+<p:tagLst xmlns:p="http://schemas.openxmlformats.org/presentationml/2006/main">
+  <p:tag name="KSO_WM_SLIDE_MODEL_TYPE" val="cover"/>
+</p:tagLst>
+</file>
+
+<file path=ppt/tags/tag17.xml><?xml version="1.0" encoding="utf-8"?>
+<p:tagLst xmlns:p="http://schemas.openxmlformats.org/presentationml/2006/main">
+  <p:tag name="KSO_WM_SLIDE_MODEL_TYPE" val="cover"/>
+</p:tagLst>
+</file>
+
+<file path=ppt/tags/tag18.xml><?xml version="1.0" encoding="utf-8"?>
+<p:tagLst xmlns:p="http://schemas.openxmlformats.org/presentationml/2006/main">
+  <p:tag name="KSO_WM_SLIDE_MODEL_TYPE" val="cover"/>
+</p:tagLst>
+</file>
+
+<file path=ppt/tags/tag19.xml><?xml version="1.0" encoding="utf-8"?>
+<p:tagLst xmlns:p="http://schemas.openxmlformats.org/presentationml/2006/main">
+  <p:tag name="KSO_WM_SLIDE_MODEL_TYPE" val="cover"/>
 </p:tagLst>
 </file>
 
 <file path=ppt/tags/tag2.xml><?xml version="1.0" encoding="utf-8"?>
 <p:tagLst xmlns:p="http://schemas.openxmlformats.org/presentationml/2006/main">
   <p:tag name="KSO_WM_SLIDE_MODEL_TYPE" val="cover"/>
+</p:tagLst>
+</file>
+
+<file path=ppt/tags/tag20.xml><?xml version="1.0" encoding="utf-8"?>
+<p:tagLst xmlns:p="http://schemas.openxmlformats.org/presentationml/2006/main">
+  <p:tag name="KSO_WM_SLIDE_MODEL_TYPE" val="cover"/>
+</p:tagLst>
+</file>
+
+<file path=ppt/tags/tag21.xml><?xml version="1.0" encoding="utf-8"?>
+<p:tagLst xmlns:p="http://schemas.openxmlformats.org/presentationml/2006/main">
+  <p:tag name="KSO_WM_SLIDE_MODEL_TYPE" val="cover"/>
+</p:tagLst>
+</file>
+
+<file path=ppt/tags/tag22.xml><?xml version="1.0" encoding="utf-8"?>
+<p:tagLst xmlns:p="http://schemas.openxmlformats.org/presentationml/2006/main">
+  <p:tag name="KSO_WM_SLIDE_MODEL_TYPE" val="cover"/>
+</p:tagLst>
+</file>
+
+<file path=ppt/tags/tag23.xml><?xml version="1.0" encoding="utf-8"?>
+<p:tagLst xmlns:p="http://schemas.openxmlformats.org/presentationml/2006/main">
+  <p:tag name="KSO_WM_SLIDE_MODEL_TYPE" val="cover"/>
+</p:tagLst>
+</file>
+
+<file path=ppt/tags/tag24.xml><?xml version="1.0" encoding="utf-8"?>
+<p:tagLst xmlns:p="http://schemas.openxmlformats.org/presentationml/2006/main">
+  <p:tag name="KSO_WM_DOC_GUID" val="{cf6a7b31-d7f0-4390-9b0e-f1c90cb4b39a}"/>
 </p:tagLst>
 </file>
 
